--- a/PPT/Css-v5.pptx
+++ b/PPT/Css-v5.pptx
@@ -5,7 +5,7 @@
     <p:sldMasterId id="2147483660" r:id="rId1"/>
   </p:sldMasterIdLst>
   <p:notesMasterIdLst>
-    <p:notesMasterId r:id="rId69"/>
+    <p:notesMasterId r:id="rId71"/>
   </p:notesMasterIdLst>
   <p:sldIdLst>
     <p:sldId id="256" r:id="rId2"/>
@@ -74,7 +74,9 @@
     <p:sldId id="427" r:id="rId65"/>
     <p:sldId id="428" r:id="rId66"/>
     <p:sldId id="429" r:id="rId67"/>
-    <p:sldId id="268" r:id="rId68"/>
+    <p:sldId id="430" r:id="rId68"/>
+    <p:sldId id="431" r:id="rId69"/>
+    <p:sldId id="268" r:id="rId70"/>
   </p:sldIdLst>
   <p:sldSz cx="12192000" cy="6858000"/>
   <p:notesSz cx="6858000" cy="9144000"/>
@@ -1905,6 +1907,232 @@
     <p:extLst>
       <p:ext uri="{BB962C8B-B14F-4D97-AF65-F5344CB8AC3E}">
         <p14:creationId xmlns:p14="http://schemas.microsoft.com/office/powerpoint/2010/main" val="1653550531"/>
+      </p:ext>
+    </p:extLst>
+  </p:cSld>
+  <p:clrMapOvr>
+    <a:masterClrMapping/>
+  </p:clrMapOvr>
+</p:notes>
+</file>
+
+<file path=ppt/notesSlides/notesSlide21.xml><?xml version="1.0" encoding="utf-8"?>
+<p:notes xmlns:a="http://schemas.openxmlformats.org/drawingml/2006/main" xmlns:r="http://schemas.openxmlformats.org/officeDocument/2006/relationships" xmlns:p="http://schemas.openxmlformats.org/presentationml/2006/main">
+  <p:cSld>
+    <p:spTree>
+      <p:nvGrpSpPr>
+        <p:cNvPr id="1" name=""/>
+        <p:cNvGrpSpPr/>
+        <p:nvPr/>
+      </p:nvGrpSpPr>
+      <p:grpSpPr>
+        <a:xfrm>
+          <a:off x="0" y="0"/>
+          <a:ext cx="0" cy="0"/>
+          <a:chOff x="0" y="0"/>
+          <a:chExt cx="0" cy="0"/>
+        </a:xfrm>
+      </p:grpSpPr>
+      <p:sp>
+        <p:nvSpPr>
+          <p:cNvPr id="2" name="Slide Image Placeholder 1"/>
+          <p:cNvSpPr>
+            <a:spLocks noGrp="1" noRot="1" noChangeAspect="1"/>
+          </p:cNvSpPr>
+          <p:nvPr>
+            <p:ph type="sldImg"/>
+          </p:nvPr>
+        </p:nvSpPr>
+        <p:spPr/>
+      </p:sp>
+      <p:sp>
+        <p:nvSpPr>
+          <p:cNvPr id="3" name="Notes Placeholder 2"/>
+          <p:cNvSpPr>
+            <a:spLocks noGrp="1"/>
+          </p:cNvSpPr>
+          <p:nvPr>
+            <p:ph type="body" idx="1"/>
+          </p:nvPr>
+        </p:nvSpPr>
+        <p:spPr/>
+        <p:txBody>
+          <a:bodyPr/>
+          <a:lstStyle/>
+          <a:p>
+            <a:r>
+              <a:rPr lang="en-IN" dirty="0" smtClean="0"/>
+              <a:t>Branch :</a:t>
+            </a:r>
+            <a:r>
+              <a:rPr lang="en-IN" sz="1200" kern="1200" dirty="0" err="1" smtClean="0">
+                <a:solidFill>
+                  <a:schemeClr val="tx1"/>
+                </a:solidFill>
+                <a:latin typeface="+mn-lt"/>
+                <a:ea typeface="+mn-ea"/>
+                <a:cs typeface="+mn-cs"/>
+              </a:rPr>
+              <a:t>PracticingTheBasics</a:t>
+            </a:r>
+            <a:endParaRPr lang="en-IN" dirty="0" smtClean="0"/>
+          </a:p>
+          <a:p>
+            <a:r>
+              <a:rPr lang="en-IN" dirty="0" smtClean="0"/>
+              <a:t>Commit : </a:t>
+            </a:r>
+            <a:r>
+              <a:rPr lang="en-IN" dirty="0" err="1" smtClean="0"/>
+              <a:t>StylingPlans</a:t>
+            </a:r>
+            <a:endParaRPr lang="en-IN" dirty="0" smtClean="0"/>
+          </a:p>
+          <a:p>
+            <a:endParaRPr lang="en-GB" dirty="0"/>
+          </a:p>
+        </p:txBody>
+      </p:sp>
+      <p:sp>
+        <p:nvSpPr>
+          <p:cNvPr id="4" name="Slide Number Placeholder 3"/>
+          <p:cNvSpPr>
+            <a:spLocks noGrp="1"/>
+          </p:cNvSpPr>
+          <p:nvPr>
+            <p:ph type="sldNum" sz="quarter" idx="10"/>
+          </p:nvPr>
+        </p:nvSpPr>
+        <p:spPr/>
+        <p:txBody>
+          <a:bodyPr/>
+          <a:lstStyle/>
+          <a:p>
+            <a:fld id="{D3B79ED6-4970-4D84-B25C-F520A9D9210C}" type="slidenum">
+              <a:rPr lang="en-GB" smtClean="0"/>
+              <a:t>67</a:t>
+            </a:fld>
+            <a:endParaRPr lang="en-GB"/>
+          </a:p>
+        </p:txBody>
+      </p:sp>
+    </p:spTree>
+    <p:extLst>
+      <p:ext uri="{BB962C8B-B14F-4D97-AF65-F5344CB8AC3E}">
+        <p14:creationId xmlns:p14="http://schemas.microsoft.com/office/powerpoint/2010/main" val="1429427701"/>
+      </p:ext>
+    </p:extLst>
+  </p:cSld>
+  <p:clrMapOvr>
+    <a:masterClrMapping/>
+  </p:clrMapOvr>
+</p:notes>
+</file>
+
+<file path=ppt/notesSlides/notesSlide22.xml><?xml version="1.0" encoding="utf-8"?>
+<p:notes xmlns:a="http://schemas.openxmlformats.org/drawingml/2006/main" xmlns:r="http://schemas.openxmlformats.org/officeDocument/2006/relationships" xmlns:p="http://schemas.openxmlformats.org/presentationml/2006/main">
+  <p:cSld>
+    <p:spTree>
+      <p:nvGrpSpPr>
+        <p:cNvPr id="1" name=""/>
+        <p:cNvGrpSpPr/>
+        <p:nvPr/>
+      </p:nvGrpSpPr>
+      <p:grpSpPr>
+        <a:xfrm>
+          <a:off x="0" y="0"/>
+          <a:ext cx="0" cy="0"/>
+          <a:chOff x="0" y="0"/>
+          <a:chExt cx="0" cy="0"/>
+        </a:xfrm>
+      </p:grpSpPr>
+      <p:sp>
+        <p:nvSpPr>
+          <p:cNvPr id="2" name="Slide Image Placeholder 1"/>
+          <p:cNvSpPr>
+            <a:spLocks noGrp="1" noRot="1" noChangeAspect="1"/>
+          </p:cNvSpPr>
+          <p:nvPr>
+            <p:ph type="sldImg"/>
+          </p:nvPr>
+        </p:nvSpPr>
+        <p:spPr/>
+      </p:sp>
+      <p:sp>
+        <p:nvSpPr>
+          <p:cNvPr id="3" name="Notes Placeholder 2"/>
+          <p:cNvSpPr>
+            <a:spLocks noGrp="1"/>
+          </p:cNvSpPr>
+          <p:nvPr>
+            <p:ph type="body" idx="1"/>
+          </p:nvPr>
+        </p:nvSpPr>
+        <p:spPr/>
+        <p:txBody>
+          <a:bodyPr/>
+          <a:lstStyle/>
+          <a:p>
+            <a:r>
+              <a:rPr lang="en-IN" dirty="0" smtClean="0"/>
+              <a:t>Branch :</a:t>
+            </a:r>
+            <a:r>
+              <a:rPr lang="en-IN" sz="1200" kern="1200" dirty="0" err="1" smtClean="0">
+                <a:solidFill>
+                  <a:schemeClr val="tx1"/>
+                </a:solidFill>
+                <a:latin typeface="+mn-lt"/>
+                <a:ea typeface="+mn-ea"/>
+                <a:cs typeface="+mn-cs"/>
+              </a:rPr>
+              <a:t>PracticingTheBasics</a:t>
+            </a:r>
+            <a:endParaRPr lang="en-IN" dirty="0" smtClean="0"/>
+          </a:p>
+          <a:p>
+            <a:r>
+              <a:rPr lang="en-IN" dirty="0" smtClean="0"/>
+              <a:t>Commit : </a:t>
+            </a:r>
+            <a:r>
+              <a:rPr lang="en-IN" dirty="0" err="1" smtClean="0"/>
+              <a:t>StylingPlans</a:t>
+            </a:r>
+            <a:endParaRPr lang="en-IN" dirty="0" smtClean="0"/>
+          </a:p>
+          <a:p>
+            <a:endParaRPr lang="en-GB" dirty="0"/>
+          </a:p>
+        </p:txBody>
+      </p:sp>
+      <p:sp>
+        <p:nvSpPr>
+          <p:cNvPr id="4" name="Slide Number Placeholder 3"/>
+          <p:cNvSpPr>
+            <a:spLocks noGrp="1"/>
+          </p:cNvSpPr>
+          <p:nvPr>
+            <p:ph type="sldNum" sz="quarter" idx="10"/>
+          </p:nvPr>
+        </p:nvSpPr>
+        <p:spPr/>
+        <p:txBody>
+          <a:bodyPr/>
+          <a:lstStyle/>
+          <a:p>
+            <a:fld id="{D3B79ED6-4970-4D84-B25C-F520A9D9210C}" type="slidenum">
+              <a:rPr lang="en-GB" smtClean="0"/>
+              <a:t>68</a:t>
+            </a:fld>
+            <a:endParaRPr lang="en-GB"/>
+          </a:p>
+        </p:txBody>
+      </p:sp>
+    </p:spTree>
+    <p:extLst>
+      <p:ext uri="{BB962C8B-B14F-4D97-AF65-F5344CB8AC3E}">
+        <p14:creationId xmlns:p14="http://schemas.microsoft.com/office/powerpoint/2010/main" val="216824538"/>
       </p:ext>
     </p:extLst>
   </p:cSld>
@@ -30993,11 +31221,7 @@
           <a:p>
             <a:r>
               <a:rPr lang="en-IN" dirty="0" smtClean="0"/>
-              <a:t>Section </a:t>
-            </a:r>
-            <a:r>
-              <a:rPr lang="en-IN" dirty="0" smtClean="0"/>
-              <a:t>-5 -:</a:t>
+              <a:t>Section -5 -:</a:t>
             </a:r>
             <a:r>
               <a:rPr lang="en-GB" dirty="0"/>
@@ -31031,6 +31255,347 @@
 </file>
 
 <file path=ppt/slides/slide67.xml><?xml version="1.0" encoding="utf-8"?>
+<p:sld xmlns:a="http://schemas.openxmlformats.org/drawingml/2006/main" xmlns:r="http://schemas.openxmlformats.org/officeDocument/2006/relationships" xmlns:p="http://schemas.openxmlformats.org/presentationml/2006/main">
+  <p:cSld>
+    <p:spTree>
+      <p:nvGrpSpPr>
+        <p:cNvPr id="1" name=""/>
+        <p:cNvGrpSpPr/>
+        <p:nvPr/>
+      </p:nvGrpSpPr>
+      <p:grpSpPr>
+        <a:xfrm>
+          <a:off x="0" y="0"/>
+          <a:ext cx="0" cy="0"/>
+          <a:chOff x="0" y="0"/>
+          <a:chExt cx="0" cy="0"/>
+        </a:xfrm>
+      </p:grpSpPr>
+      <p:sp>
+        <p:nvSpPr>
+          <p:cNvPr id="2" name="Title 1"/>
+          <p:cNvSpPr>
+            <a:spLocks noGrp="1"/>
+          </p:cNvSpPr>
+          <p:nvPr>
+            <p:ph type="title"/>
+          </p:nvPr>
+        </p:nvSpPr>
+        <p:spPr>
+          <a:xfrm>
+            <a:off x="677334" y="79664"/>
+            <a:ext cx="8596668" cy="554182"/>
+          </a:xfrm>
+        </p:spPr>
+        <p:txBody>
+          <a:bodyPr>
+            <a:normAutofit fontScale="90000"/>
+          </a:bodyPr>
+          <a:lstStyle/>
+          <a:p>
+            <a:r>
+              <a:rPr lang="en-IN" dirty="0"/>
+              <a:t>Adding Style to our Plans</a:t>
+            </a:r>
+            <a:endParaRPr lang="en-GB" dirty="0"/>
+          </a:p>
+        </p:txBody>
+      </p:sp>
+      <p:sp>
+        <p:nvSpPr>
+          <p:cNvPr id="3" name="Content Placeholder 2"/>
+          <p:cNvSpPr>
+            <a:spLocks noGrp="1"/>
+          </p:cNvSpPr>
+          <p:nvPr>
+            <p:ph idx="1"/>
+          </p:nvPr>
+        </p:nvSpPr>
+        <p:spPr>
+          <a:xfrm>
+            <a:off x="677333" y="800101"/>
+            <a:ext cx="11126739" cy="5777344"/>
+          </a:xfrm>
+        </p:spPr>
+        <p:txBody>
+          <a:bodyPr/>
+          <a:lstStyle/>
+          <a:p>
+            <a:r>
+              <a:rPr lang="en-IN" dirty="0" smtClean="0"/>
+              <a:t>Here I have added some html to the plans section of our page To describe the different hosting plans we have In our fictional hosting company.</a:t>
+            </a:r>
+          </a:p>
+          <a:p>
+            <a:r>
+              <a:rPr lang="en-IN" dirty="0" smtClean="0"/>
+              <a:t>Each plan is present in an &lt;article&gt; tag with some information like name of the plan , price ,description and some plan details as an unordered list.</a:t>
+            </a:r>
+          </a:p>
+          <a:p>
+            <a:r>
+              <a:rPr lang="en-IN" dirty="0" smtClean="0"/>
+              <a:t>It also has a choose plan button to select a particular plan</a:t>
+            </a:r>
+          </a:p>
+          <a:p>
+            <a:r>
+              <a:rPr lang="en-IN" dirty="0" smtClean="0"/>
+              <a:t>Now lets style the plans section and make it look a bit beautiful</a:t>
+            </a:r>
+          </a:p>
+          <a:p>
+            <a:r>
+              <a:rPr lang="en-IN" dirty="0" smtClean="0"/>
+              <a:t>At the end we want the plans to look like :</a:t>
+            </a:r>
+          </a:p>
+          <a:p>
+            <a:endParaRPr lang="en-IN" dirty="0" smtClean="0"/>
+          </a:p>
+          <a:p>
+            <a:endParaRPr lang="en-GB" dirty="0"/>
+          </a:p>
+        </p:txBody>
+      </p:sp>
+      <p:pic>
+        <p:nvPicPr>
+          <p:cNvPr id="4" name="Picture 3"/>
+          <p:cNvPicPr>
+            <a:picLocks noChangeAspect="1"/>
+          </p:cNvPicPr>
+          <p:nvPr/>
+        </p:nvPicPr>
+        <p:blipFill>
+          <a:blip r:embed="rId3"/>
+          <a:stretch>
+            <a:fillRect/>
+          </a:stretch>
+        </p:blipFill>
+        <p:spPr>
+          <a:xfrm>
+            <a:off x="405245" y="3293917"/>
+            <a:ext cx="11242963" cy="3449783"/>
+          </a:xfrm>
+          <a:prstGeom prst="rect">
+            <a:avLst/>
+          </a:prstGeom>
+        </p:spPr>
+      </p:pic>
+    </p:spTree>
+    <p:extLst>
+      <p:ext uri="{BB962C8B-B14F-4D97-AF65-F5344CB8AC3E}">
+        <p14:creationId xmlns:p14="http://schemas.microsoft.com/office/powerpoint/2010/main" val="88007130"/>
+      </p:ext>
+    </p:extLst>
+  </p:cSld>
+  <p:clrMapOvr>
+    <a:masterClrMapping/>
+  </p:clrMapOvr>
+</p:sld>
+</file>
+
+<file path=ppt/slides/slide68.xml><?xml version="1.0" encoding="utf-8"?>
+<p:sld xmlns:a="http://schemas.openxmlformats.org/drawingml/2006/main" xmlns:r="http://schemas.openxmlformats.org/officeDocument/2006/relationships" xmlns:p="http://schemas.openxmlformats.org/presentationml/2006/main">
+  <p:cSld>
+    <p:spTree>
+      <p:nvGrpSpPr>
+        <p:cNvPr id="1" name=""/>
+        <p:cNvGrpSpPr/>
+        <p:nvPr/>
+      </p:nvGrpSpPr>
+      <p:grpSpPr>
+        <a:xfrm>
+          <a:off x="0" y="0"/>
+          <a:ext cx="0" cy="0"/>
+          <a:chOff x="0" y="0"/>
+          <a:chExt cx="0" cy="0"/>
+        </a:xfrm>
+      </p:grpSpPr>
+      <p:sp>
+        <p:nvSpPr>
+          <p:cNvPr id="2" name="Title 1"/>
+          <p:cNvSpPr>
+            <a:spLocks noGrp="1"/>
+          </p:cNvSpPr>
+          <p:nvPr>
+            <p:ph type="title"/>
+          </p:nvPr>
+        </p:nvSpPr>
+        <p:spPr>
+          <a:xfrm>
+            <a:off x="677334" y="79664"/>
+            <a:ext cx="8596668" cy="554182"/>
+          </a:xfrm>
+        </p:spPr>
+        <p:txBody>
+          <a:bodyPr>
+            <a:normAutofit fontScale="90000"/>
+          </a:bodyPr>
+          <a:lstStyle/>
+          <a:p>
+            <a:r>
+              <a:rPr lang="en-IN" dirty="0"/>
+              <a:t>Adding Style to our Plans</a:t>
+            </a:r>
+            <a:endParaRPr lang="en-GB" dirty="0"/>
+          </a:p>
+        </p:txBody>
+      </p:sp>
+      <p:sp>
+        <p:nvSpPr>
+          <p:cNvPr id="3" name="Content Placeholder 2"/>
+          <p:cNvSpPr>
+            <a:spLocks noGrp="1"/>
+          </p:cNvSpPr>
+          <p:nvPr>
+            <p:ph idx="1"/>
+          </p:nvPr>
+        </p:nvSpPr>
+        <p:spPr>
+          <a:xfrm>
+            <a:off x="479907" y="727364"/>
+            <a:ext cx="11126739" cy="5777344"/>
+          </a:xfrm>
+        </p:spPr>
+        <p:txBody>
+          <a:bodyPr>
+            <a:normAutofit fontScale="92500" lnSpcReduction="10000"/>
+          </a:bodyPr>
+          <a:lstStyle/>
+          <a:p>
+            <a:r>
+              <a:rPr lang="en-IN" dirty="0" smtClean="0"/>
+              <a:t>Now if we see our main.css file we already have the .section-title selector and it is still there in our html we have actually added our new code below that.</a:t>
+            </a:r>
+          </a:p>
+          <a:p>
+            <a:r>
+              <a:rPr lang="en-IN" dirty="0" smtClean="0"/>
+              <a:t>So as per the image of expected result we kind of need to style all plans in a similar way but just have to highlight the middle one.</a:t>
+            </a:r>
+          </a:p>
+          <a:p>
+            <a:r>
+              <a:rPr lang="en-IN" dirty="0" smtClean="0"/>
+              <a:t>So to achieve this we can assign a class to all article elements representing our plans lets name the class </a:t>
+            </a:r>
+            <a:r>
+              <a:rPr lang="en-IN" dirty="0" err="1" smtClean="0"/>
+              <a:t>plan.Lets</a:t>
+            </a:r>
+            <a:r>
+              <a:rPr lang="en-IN" dirty="0" smtClean="0"/>
+              <a:t> add this plan class to all the articles in our html</a:t>
+            </a:r>
+          </a:p>
+          <a:p>
+            <a:r>
+              <a:rPr lang="en-IN" dirty="0" smtClean="0"/>
+              <a:t>Lets add a class selector for plan in our main.css file below the #product-overview h1 selector</a:t>
+            </a:r>
+          </a:p>
+          <a:p>
+            <a:r>
+              <a:rPr lang="en-IN" dirty="0" smtClean="0"/>
+              <a:t>Lets give our plans a light green background using background:#d5ffdc</a:t>
+            </a:r>
+          </a:p>
+          <a:p>
+            <a:r>
+              <a:rPr lang="en-IN" dirty="0" smtClean="0"/>
+              <a:t>Lets align all text in the plan to centre by using </a:t>
+            </a:r>
+            <a:r>
+              <a:rPr lang="en-IN" dirty="0" err="1" smtClean="0"/>
+              <a:t>text-align:center</a:t>
+            </a:r>
+            <a:endParaRPr lang="en-IN" dirty="0" smtClean="0"/>
+          </a:p>
+          <a:p>
+            <a:r>
+              <a:rPr lang="en-IN" dirty="0" smtClean="0"/>
+              <a:t>To have some distance between the edges and text lets add some padding using padding:16px;</a:t>
+            </a:r>
+          </a:p>
+          <a:p>
+            <a:r>
+              <a:rPr lang="en-IN" dirty="0" smtClean="0"/>
+              <a:t>Lets also add some margin to give them space from the other content using margin:8px</a:t>
+            </a:r>
+          </a:p>
+          <a:p>
+            <a:r>
+              <a:rPr lang="en-IN" dirty="0" smtClean="0"/>
+              <a:t>All plans should now sit in the same line so lets change the display to  </a:t>
+            </a:r>
+            <a:r>
+              <a:rPr lang="en-IN" dirty="0" err="1" smtClean="0"/>
+              <a:t>display:inline-block</a:t>
+            </a:r>
+            <a:r>
+              <a:rPr lang="en-IN" dirty="0" smtClean="0"/>
+              <a:t>  but since there width is more than what can fit in a single line we need to adjust there width too</a:t>
+            </a:r>
+          </a:p>
+          <a:p>
+            <a:r>
+              <a:rPr lang="en-IN" dirty="0" smtClean="0"/>
+              <a:t>Lets add a width of 30% using width:30% we will notice the &lt;article&gt; tag we are styling is under a &lt;div&gt; which is under a &lt;section&gt; which is under a &lt;main&gt; and we haven’t restricted width on any of them so it will take full page width and consequently each of our &lt;article&gt; will take 30% of full page width</a:t>
+            </a:r>
+          </a:p>
+          <a:p>
+            <a:r>
+              <a:rPr lang="en-IN" dirty="0" smtClean="0"/>
+              <a:t>We also want the three plans to align properly with each other so we will add </a:t>
+            </a:r>
+            <a:r>
+              <a:rPr lang="en-IN" dirty="0" err="1" smtClean="0"/>
+              <a:t>vertical-align:middle</a:t>
+            </a:r>
+            <a:endParaRPr lang="en-IN" dirty="0" smtClean="0"/>
+          </a:p>
+          <a:p>
+            <a:r>
+              <a:rPr lang="en-IN" dirty="0" smtClean="0"/>
+              <a:t>Also the choose your plan text should be </a:t>
+            </a:r>
+            <a:r>
+              <a:rPr lang="en-IN" dirty="0" err="1" smtClean="0"/>
+              <a:t>center</a:t>
+            </a:r>
+            <a:r>
+              <a:rPr lang="en-IN" dirty="0" smtClean="0"/>
+              <a:t> aligned using </a:t>
+            </a:r>
+            <a:r>
+              <a:rPr lang="en-IN" dirty="0" err="1" smtClean="0"/>
+              <a:t>text-align:center</a:t>
+            </a:r>
+            <a:r>
+              <a:rPr lang="en-IN" dirty="0" smtClean="0"/>
+              <a:t> in section-title class selector</a:t>
+            </a:r>
+          </a:p>
+          <a:p>
+            <a:endParaRPr lang="en-GB" dirty="0"/>
+          </a:p>
+        </p:txBody>
+      </p:sp>
+    </p:spTree>
+    <p:extLst>
+      <p:ext uri="{BB962C8B-B14F-4D97-AF65-F5344CB8AC3E}">
+        <p14:creationId xmlns:p14="http://schemas.microsoft.com/office/powerpoint/2010/main" val="2129366957"/>
+      </p:ext>
+    </p:extLst>
+  </p:cSld>
+  <p:clrMapOvr>
+    <a:masterClrMapping/>
+  </p:clrMapOvr>
+</p:sld>
+</file>
+
+<file path=ppt/slides/slide69.xml><?xml version="1.0" encoding="utf-8"?>
 <p:sld xmlns:a="http://schemas.openxmlformats.org/drawingml/2006/main" xmlns:r="http://schemas.openxmlformats.org/officeDocument/2006/relationships" xmlns:p="http://schemas.openxmlformats.org/presentationml/2006/main" showMasterSp="0">
   <p:cSld>
     <p:spTree>

--- a/PPT/Css-v5.pptx
+++ b/PPT/Css-v5.pptx
@@ -5,7 +5,7 @@
     <p:sldMasterId id="2147483660" r:id="rId1"/>
   </p:sldMasterIdLst>
   <p:notesMasterIdLst>
-    <p:notesMasterId r:id="rId71"/>
+    <p:notesMasterId r:id="rId74"/>
   </p:notesMasterIdLst>
   <p:sldIdLst>
     <p:sldId id="256" r:id="rId2"/>
@@ -76,7 +76,10 @@
     <p:sldId id="429" r:id="rId67"/>
     <p:sldId id="430" r:id="rId68"/>
     <p:sldId id="431" r:id="rId69"/>
-    <p:sldId id="268" r:id="rId70"/>
+    <p:sldId id="432" r:id="rId70"/>
+    <p:sldId id="433" r:id="rId71"/>
+    <p:sldId id="434" r:id="rId72"/>
+    <p:sldId id="268" r:id="rId73"/>
   </p:sldIdLst>
   <p:sldSz cx="12192000" cy="6858000"/>
   <p:notesSz cx="6858000" cy="9144000"/>
@@ -265,7 +268,7 @@
           <a:p>
             <a:fld id="{39CD3BCA-8732-46CA-ADDD-C24F968DBEAF}" type="datetimeFigureOut">
               <a:rPr lang="en-GB" smtClean="0"/>
-              <a:t>16/11/2020</a:t>
+              <a:t>21/11/2020</a:t>
             </a:fld>
             <a:endParaRPr lang="en-GB"/>
           </a:p>
@@ -2133,6 +2136,366 @@
     <p:extLst>
       <p:ext uri="{BB962C8B-B14F-4D97-AF65-F5344CB8AC3E}">
         <p14:creationId xmlns:p14="http://schemas.microsoft.com/office/powerpoint/2010/main" val="216824538"/>
+      </p:ext>
+    </p:extLst>
+  </p:cSld>
+  <p:clrMapOvr>
+    <a:masterClrMapping/>
+  </p:clrMapOvr>
+</p:notes>
+</file>
+
+<file path=ppt/notesSlides/notesSlide23.xml><?xml version="1.0" encoding="utf-8"?>
+<p:notes xmlns:a="http://schemas.openxmlformats.org/drawingml/2006/main" xmlns:r="http://schemas.openxmlformats.org/officeDocument/2006/relationships" xmlns:p="http://schemas.openxmlformats.org/presentationml/2006/main">
+  <p:cSld>
+    <p:spTree>
+      <p:nvGrpSpPr>
+        <p:cNvPr id="1" name=""/>
+        <p:cNvGrpSpPr/>
+        <p:nvPr/>
+      </p:nvGrpSpPr>
+      <p:grpSpPr>
+        <a:xfrm>
+          <a:off x="0" y="0"/>
+          <a:ext cx="0" cy="0"/>
+          <a:chOff x="0" y="0"/>
+          <a:chExt cx="0" cy="0"/>
+        </a:xfrm>
+      </p:grpSpPr>
+      <p:sp>
+        <p:nvSpPr>
+          <p:cNvPr id="2" name="Slide Image Placeholder 1"/>
+          <p:cNvSpPr>
+            <a:spLocks noGrp="1" noRot="1" noChangeAspect="1"/>
+          </p:cNvSpPr>
+          <p:nvPr>
+            <p:ph type="sldImg"/>
+          </p:nvPr>
+        </p:nvSpPr>
+        <p:spPr/>
+      </p:sp>
+      <p:sp>
+        <p:nvSpPr>
+          <p:cNvPr id="3" name="Notes Placeholder 2"/>
+          <p:cNvSpPr>
+            <a:spLocks noGrp="1"/>
+          </p:cNvSpPr>
+          <p:nvPr>
+            <p:ph type="body" idx="1"/>
+          </p:nvPr>
+        </p:nvSpPr>
+        <p:spPr/>
+        <p:txBody>
+          <a:bodyPr/>
+          <a:lstStyle/>
+          <a:p>
+            <a:r>
+              <a:rPr lang="en-GB" dirty="0" smtClean="0"/>
+              <a:t>https://css-tricks.com/almanac/properties/b/box-shadow/</a:t>
+            </a:r>
+          </a:p>
+          <a:p>
+            <a:r>
+              <a:rPr lang="en-IN" dirty="0" smtClean="0"/>
+              <a:t>Branch :</a:t>
+            </a:r>
+            <a:r>
+              <a:rPr lang="en-IN" sz="1200" kern="1200" dirty="0" err="1" smtClean="0">
+                <a:solidFill>
+                  <a:schemeClr val="tx1"/>
+                </a:solidFill>
+                <a:latin typeface="+mn-lt"/>
+                <a:ea typeface="+mn-ea"/>
+                <a:cs typeface="+mn-cs"/>
+              </a:rPr>
+              <a:t>PracticingTheBasics</a:t>
+            </a:r>
+            <a:endParaRPr lang="en-IN" dirty="0" smtClean="0"/>
+          </a:p>
+          <a:p>
+            <a:r>
+              <a:rPr lang="en-IN" dirty="0" smtClean="0"/>
+              <a:t>Commit : </a:t>
+            </a:r>
+            <a:r>
+              <a:rPr lang="en-IN" dirty="0" err="1" smtClean="0"/>
+              <a:t>RecomendedPlan</a:t>
+            </a:r>
+            <a:endParaRPr lang="en-IN" dirty="0" smtClean="0"/>
+          </a:p>
+          <a:p>
+            <a:endParaRPr lang="en-GB" dirty="0" smtClean="0"/>
+          </a:p>
+          <a:p>
+            <a:endParaRPr lang="en-GB" dirty="0"/>
+          </a:p>
+        </p:txBody>
+      </p:sp>
+      <p:sp>
+        <p:nvSpPr>
+          <p:cNvPr id="4" name="Slide Number Placeholder 3"/>
+          <p:cNvSpPr>
+            <a:spLocks noGrp="1"/>
+          </p:cNvSpPr>
+          <p:nvPr>
+            <p:ph type="sldNum" sz="quarter" idx="10"/>
+          </p:nvPr>
+        </p:nvSpPr>
+        <p:spPr/>
+        <p:txBody>
+          <a:bodyPr/>
+          <a:lstStyle/>
+          <a:p>
+            <a:fld id="{D3B79ED6-4970-4D84-B25C-F520A9D9210C}" type="slidenum">
+              <a:rPr lang="en-GB" smtClean="0"/>
+              <a:t>69</a:t>
+            </a:fld>
+            <a:endParaRPr lang="en-GB"/>
+          </a:p>
+        </p:txBody>
+      </p:sp>
+    </p:spTree>
+    <p:extLst>
+      <p:ext uri="{BB962C8B-B14F-4D97-AF65-F5344CB8AC3E}">
+        <p14:creationId xmlns:p14="http://schemas.microsoft.com/office/powerpoint/2010/main" val="3952707775"/>
+      </p:ext>
+    </p:extLst>
+  </p:cSld>
+  <p:clrMapOvr>
+    <a:masterClrMapping/>
+  </p:clrMapOvr>
+</p:notes>
+</file>
+
+<file path=ppt/notesSlides/notesSlide24.xml><?xml version="1.0" encoding="utf-8"?>
+<p:notes xmlns:a="http://schemas.openxmlformats.org/drawingml/2006/main" xmlns:r="http://schemas.openxmlformats.org/officeDocument/2006/relationships" xmlns:p="http://schemas.openxmlformats.org/presentationml/2006/main">
+  <p:cSld>
+    <p:spTree>
+      <p:nvGrpSpPr>
+        <p:cNvPr id="1" name=""/>
+        <p:cNvGrpSpPr/>
+        <p:nvPr/>
+      </p:nvGrpSpPr>
+      <p:grpSpPr>
+        <a:xfrm>
+          <a:off x="0" y="0"/>
+          <a:ext cx="0" cy="0"/>
+          <a:chOff x="0" y="0"/>
+          <a:chExt cx="0" cy="0"/>
+        </a:xfrm>
+      </p:grpSpPr>
+      <p:sp>
+        <p:nvSpPr>
+          <p:cNvPr id="2" name="Slide Image Placeholder 1"/>
+          <p:cNvSpPr>
+            <a:spLocks noGrp="1" noRot="1" noChangeAspect="1"/>
+          </p:cNvSpPr>
+          <p:nvPr>
+            <p:ph type="sldImg"/>
+          </p:nvPr>
+        </p:nvSpPr>
+        <p:spPr/>
+      </p:sp>
+      <p:sp>
+        <p:nvSpPr>
+          <p:cNvPr id="3" name="Notes Placeholder 2"/>
+          <p:cNvSpPr>
+            <a:spLocks noGrp="1"/>
+          </p:cNvSpPr>
+          <p:nvPr>
+            <p:ph type="body" idx="1"/>
+          </p:nvPr>
+        </p:nvSpPr>
+        <p:spPr/>
+        <p:txBody>
+          <a:bodyPr/>
+          <a:lstStyle/>
+          <a:p>
+            <a:r>
+              <a:rPr lang="en-GB" dirty="0" smtClean="0"/>
+              <a:t>https://css-tricks.com/almanac/properties/b/box-shadow/</a:t>
+            </a:r>
+          </a:p>
+          <a:p>
+            <a:r>
+              <a:rPr lang="en-IN" dirty="0" smtClean="0"/>
+              <a:t>Branch :</a:t>
+            </a:r>
+            <a:r>
+              <a:rPr lang="en-IN" sz="1200" kern="1200" dirty="0" err="1" smtClean="0">
+                <a:solidFill>
+                  <a:schemeClr val="tx1"/>
+                </a:solidFill>
+                <a:latin typeface="+mn-lt"/>
+                <a:ea typeface="+mn-ea"/>
+                <a:cs typeface="+mn-cs"/>
+              </a:rPr>
+              <a:t>PracticingTheBasics</a:t>
+            </a:r>
+            <a:endParaRPr lang="en-IN" dirty="0" smtClean="0"/>
+          </a:p>
+          <a:p>
+            <a:r>
+              <a:rPr lang="en-IN" dirty="0" smtClean="0"/>
+              <a:t>Commit : </a:t>
+            </a:r>
+            <a:r>
+              <a:rPr lang="en-IN" dirty="0" err="1" smtClean="0"/>
+              <a:t>RecomendedPlan</a:t>
+            </a:r>
+            <a:endParaRPr lang="en-IN" dirty="0" smtClean="0"/>
+          </a:p>
+          <a:p>
+            <a:endParaRPr lang="en-GB" dirty="0"/>
+          </a:p>
+        </p:txBody>
+      </p:sp>
+      <p:sp>
+        <p:nvSpPr>
+          <p:cNvPr id="4" name="Slide Number Placeholder 3"/>
+          <p:cNvSpPr>
+            <a:spLocks noGrp="1"/>
+          </p:cNvSpPr>
+          <p:nvPr>
+            <p:ph type="sldNum" sz="quarter" idx="10"/>
+          </p:nvPr>
+        </p:nvSpPr>
+        <p:spPr/>
+        <p:txBody>
+          <a:bodyPr/>
+          <a:lstStyle/>
+          <a:p>
+            <a:fld id="{D3B79ED6-4970-4D84-B25C-F520A9D9210C}" type="slidenum">
+              <a:rPr lang="en-GB" smtClean="0"/>
+              <a:t>70</a:t>
+            </a:fld>
+            <a:endParaRPr lang="en-GB"/>
+          </a:p>
+        </p:txBody>
+      </p:sp>
+    </p:spTree>
+    <p:extLst>
+      <p:ext uri="{BB962C8B-B14F-4D97-AF65-F5344CB8AC3E}">
+        <p14:creationId xmlns:p14="http://schemas.microsoft.com/office/powerpoint/2010/main" val="3286532637"/>
+      </p:ext>
+    </p:extLst>
+  </p:cSld>
+  <p:clrMapOvr>
+    <a:masterClrMapping/>
+  </p:clrMapOvr>
+</p:notes>
+</file>
+
+<file path=ppt/notesSlides/notesSlide25.xml><?xml version="1.0" encoding="utf-8"?>
+<p:notes xmlns:a="http://schemas.openxmlformats.org/drawingml/2006/main" xmlns:r="http://schemas.openxmlformats.org/officeDocument/2006/relationships" xmlns:p="http://schemas.openxmlformats.org/presentationml/2006/main">
+  <p:cSld>
+    <p:spTree>
+      <p:nvGrpSpPr>
+        <p:cNvPr id="1" name=""/>
+        <p:cNvGrpSpPr/>
+        <p:nvPr/>
+      </p:nvGrpSpPr>
+      <p:grpSpPr>
+        <a:xfrm>
+          <a:off x="0" y="0"/>
+          <a:ext cx="0" cy="0"/>
+          <a:chOff x="0" y="0"/>
+          <a:chExt cx="0" cy="0"/>
+        </a:xfrm>
+      </p:grpSpPr>
+      <p:sp>
+        <p:nvSpPr>
+          <p:cNvPr id="2" name="Slide Image Placeholder 1"/>
+          <p:cNvSpPr>
+            <a:spLocks noGrp="1" noRot="1" noChangeAspect="1"/>
+          </p:cNvSpPr>
+          <p:nvPr>
+            <p:ph type="sldImg"/>
+          </p:nvPr>
+        </p:nvSpPr>
+        <p:spPr/>
+      </p:sp>
+      <p:sp>
+        <p:nvSpPr>
+          <p:cNvPr id="3" name="Notes Placeholder 2"/>
+          <p:cNvSpPr>
+            <a:spLocks noGrp="1"/>
+          </p:cNvSpPr>
+          <p:nvPr>
+            <p:ph type="body" idx="1"/>
+          </p:nvPr>
+        </p:nvSpPr>
+        <p:spPr/>
+        <p:txBody>
+          <a:bodyPr/>
+          <a:lstStyle/>
+          <a:p>
+            <a:r>
+              <a:rPr lang="en-GB" dirty="0" smtClean="0"/>
+              <a:t>https://css-tricks.com/almanac/properties/b/box-shadow/</a:t>
+            </a:r>
+          </a:p>
+          <a:p>
+            <a:r>
+              <a:rPr lang="en-IN" dirty="0" smtClean="0"/>
+              <a:t>Branch :</a:t>
+            </a:r>
+            <a:r>
+              <a:rPr lang="en-IN" sz="1200" kern="1200" dirty="0" err="1" smtClean="0">
+                <a:solidFill>
+                  <a:schemeClr val="tx1"/>
+                </a:solidFill>
+                <a:latin typeface="+mn-lt"/>
+                <a:ea typeface="+mn-ea"/>
+                <a:cs typeface="+mn-cs"/>
+              </a:rPr>
+              <a:t>PracticingTheBasics</a:t>
+            </a:r>
+            <a:endParaRPr lang="en-IN" dirty="0" smtClean="0"/>
+          </a:p>
+          <a:p>
+            <a:r>
+              <a:rPr lang="en-IN" dirty="0" smtClean="0"/>
+              <a:t>Commit : </a:t>
+            </a:r>
+            <a:r>
+              <a:rPr lang="en-IN" dirty="0" err="1" smtClean="0"/>
+              <a:t>RecomendedPlan</a:t>
+            </a:r>
+            <a:endParaRPr lang="en-IN" dirty="0" smtClean="0"/>
+          </a:p>
+          <a:p>
+            <a:endParaRPr lang="en-GB" dirty="0"/>
+          </a:p>
+        </p:txBody>
+      </p:sp>
+      <p:sp>
+        <p:nvSpPr>
+          <p:cNvPr id="4" name="Slide Number Placeholder 3"/>
+          <p:cNvSpPr>
+            <a:spLocks noGrp="1"/>
+          </p:cNvSpPr>
+          <p:nvPr>
+            <p:ph type="sldNum" sz="quarter" idx="10"/>
+          </p:nvPr>
+        </p:nvSpPr>
+        <p:spPr/>
+        <p:txBody>
+          <a:bodyPr/>
+          <a:lstStyle/>
+          <a:p>
+            <a:fld id="{D3B79ED6-4970-4D84-B25C-F520A9D9210C}" type="slidenum">
+              <a:rPr lang="en-GB" smtClean="0"/>
+              <a:t>71</a:t>
+            </a:fld>
+            <a:endParaRPr lang="en-GB"/>
+          </a:p>
+        </p:txBody>
+      </p:sp>
+    </p:spTree>
+    <p:extLst>
+      <p:ext uri="{BB962C8B-B14F-4D97-AF65-F5344CB8AC3E}">
+        <p14:creationId xmlns:p14="http://schemas.microsoft.com/office/powerpoint/2010/main" val="2849824594"/>
       </p:ext>
     </p:extLst>
   </p:cSld>
@@ -3890,7 +4253,7 @@
           <a:p>
             <a:fld id="{D4BA8270-C9CF-44CA-BE5A-02C2BDCCEDE4}" type="datetimeFigureOut">
               <a:rPr lang="en-GB" smtClean="0"/>
-              <a:t>16/11/2020</a:t>
+              <a:t>21/11/2020</a:t>
             </a:fld>
             <a:endParaRPr lang="en-GB"/>
           </a:p>
@@ -4141,7 +4504,7 @@
           <a:p>
             <a:fld id="{D4BA8270-C9CF-44CA-BE5A-02C2BDCCEDE4}" type="datetimeFigureOut">
               <a:rPr lang="en-GB" smtClean="0"/>
-              <a:t>16/11/2020</a:t>
+              <a:t>21/11/2020</a:t>
             </a:fld>
             <a:endParaRPr lang="en-GB"/>
           </a:p>
@@ -4455,7 +4818,7 @@
           <a:p>
             <a:fld id="{D4BA8270-C9CF-44CA-BE5A-02C2BDCCEDE4}" type="datetimeFigureOut">
               <a:rPr lang="en-GB" smtClean="0"/>
-              <a:t>16/11/2020</a:t>
+              <a:t>21/11/2020</a:t>
             </a:fld>
             <a:endParaRPr lang="en-GB"/>
           </a:p>
@@ -4796,7 +5159,7 @@
           <a:p>
             <a:fld id="{D4BA8270-C9CF-44CA-BE5A-02C2BDCCEDE4}" type="datetimeFigureOut">
               <a:rPr lang="en-GB" smtClean="0"/>
-              <a:t>16/11/2020</a:t>
+              <a:t>21/11/2020</a:t>
             </a:fld>
             <a:endParaRPr lang="en-GB"/>
           </a:p>
@@ -5110,7 +5473,7 @@
           <a:p>
             <a:fld id="{D4BA8270-C9CF-44CA-BE5A-02C2BDCCEDE4}" type="datetimeFigureOut">
               <a:rPr lang="en-GB" smtClean="0"/>
-              <a:t>16/11/2020</a:t>
+              <a:t>21/11/2020</a:t>
             </a:fld>
             <a:endParaRPr lang="en-GB"/>
           </a:p>
@@ -5503,7 +5866,7 @@
           <a:p>
             <a:fld id="{D4BA8270-C9CF-44CA-BE5A-02C2BDCCEDE4}" type="datetimeFigureOut">
               <a:rPr lang="en-GB" smtClean="0"/>
-              <a:t>16/11/2020</a:t>
+              <a:t>21/11/2020</a:t>
             </a:fld>
             <a:endParaRPr lang="en-GB"/>
           </a:p>
@@ -5673,7 +6036,7 @@
           <a:p>
             <a:fld id="{D4BA8270-C9CF-44CA-BE5A-02C2BDCCEDE4}" type="datetimeFigureOut">
               <a:rPr lang="en-GB" smtClean="0"/>
-              <a:t>16/11/2020</a:t>
+              <a:t>21/11/2020</a:t>
             </a:fld>
             <a:endParaRPr lang="en-GB"/>
           </a:p>
@@ -5853,7 +6216,7 @@
           <a:p>
             <a:fld id="{D4BA8270-C9CF-44CA-BE5A-02C2BDCCEDE4}" type="datetimeFigureOut">
               <a:rPr lang="en-GB" smtClean="0"/>
-              <a:t>16/11/2020</a:t>
+              <a:t>21/11/2020</a:t>
             </a:fld>
             <a:endParaRPr lang="en-GB"/>
           </a:p>
@@ -6029,7 +6392,7 @@
           <a:p>
             <a:fld id="{D4BA8270-C9CF-44CA-BE5A-02C2BDCCEDE4}" type="datetimeFigureOut">
               <a:rPr lang="en-GB" smtClean="0"/>
-              <a:t>16/11/2020</a:t>
+              <a:t>21/11/2020</a:t>
             </a:fld>
             <a:endParaRPr lang="en-GB"/>
           </a:p>
@@ -6276,7 +6639,7 @@
           <a:p>
             <a:fld id="{D4BA8270-C9CF-44CA-BE5A-02C2BDCCEDE4}" type="datetimeFigureOut">
               <a:rPr lang="en-GB" smtClean="0"/>
-              <a:t>16/11/2020</a:t>
+              <a:t>21/11/2020</a:t>
             </a:fld>
             <a:endParaRPr lang="en-GB"/>
           </a:p>
@@ -6508,7 +6871,7 @@
           <a:p>
             <a:fld id="{D4BA8270-C9CF-44CA-BE5A-02C2BDCCEDE4}" type="datetimeFigureOut">
               <a:rPr lang="en-GB" smtClean="0"/>
-              <a:t>16/11/2020</a:t>
+              <a:t>21/11/2020</a:t>
             </a:fld>
             <a:endParaRPr lang="en-GB"/>
           </a:p>
@@ -6882,7 +7245,7 @@
           <a:p>
             <a:fld id="{D4BA8270-C9CF-44CA-BE5A-02C2BDCCEDE4}" type="datetimeFigureOut">
               <a:rPr lang="en-GB" smtClean="0"/>
-              <a:t>16/11/2020</a:t>
+              <a:t>21/11/2020</a:t>
             </a:fld>
             <a:endParaRPr lang="en-GB"/>
           </a:p>
@@ -7005,7 +7368,7 @@
           <a:p>
             <a:fld id="{D4BA8270-C9CF-44CA-BE5A-02C2BDCCEDE4}" type="datetimeFigureOut">
               <a:rPr lang="en-GB" smtClean="0"/>
-              <a:t>16/11/2020</a:t>
+              <a:t>21/11/2020</a:t>
             </a:fld>
             <a:endParaRPr lang="en-GB"/>
           </a:p>
@@ -7100,7 +7463,7 @@
           <a:p>
             <a:fld id="{D4BA8270-C9CF-44CA-BE5A-02C2BDCCEDE4}" type="datetimeFigureOut">
               <a:rPr lang="en-GB" smtClean="0"/>
-              <a:t>16/11/2020</a:t>
+              <a:t>21/11/2020</a:t>
             </a:fld>
             <a:endParaRPr lang="en-GB"/>
           </a:p>
@@ -7355,7 +7718,7 @@
           <a:p>
             <a:fld id="{D4BA8270-C9CF-44CA-BE5A-02C2BDCCEDE4}" type="datetimeFigureOut">
               <a:rPr lang="en-GB" smtClean="0"/>
-              <a:t>16/11/2020</a:t>
+              <a:t>21/11/2020</a:t>
             </a:fld>
             <a:endParaRPr lang="en-GB"/>
           </a:p>
@@ -7618,7 +7981,7 @@
           <a:p>
             <a:fld id="{D4BA8270-C9CF-44CA-BE5A-02C2BDCCEDE4}" type="datetimeFigureOut">
               <a:rPr lang="en-GB" smtClean="0"/>
-              <a:t>16/11/2020</a:t>
+              <a:t>21/11/2020</a:t>
             </a:fld>
             <a:endParaRPr lang="en-GB"/>
           </a:p>
@@ -8361,7 +8724,7 @@
           <a:p>
             <a:fld id="{D4BA8270-C9CF-44CA-BE5A-02C2BDCCEDE4}" type="datetimeFigureOut">
               <a:rPr lang="en-GB" smtClean="0"/>
-              <a:t>16/11/2020</a:t>
+              <a:t>21/11/2020</a:t>
             </a:fld>
             <a:endParaRPr lang="en-GB"/>
           </a:p>
@@ -31596,7 +31959,7 @@
 </file>
 
 <file path=ppt/slides/slide69.xml><?xml version="1.0" encoding="utf-8"?>
-<p:sld xmlns:a="http://schemas.openxmlformats.org/drawingml/2006/main" xmlns:r="http://schemas.openxmlformats.org/officeDocument/2006/relationships" xmlns:p="http://schemas.openxmlformats.org/presentationml/2006/main" showMasterSp="0">
+<p:sld xmlns:a="http://schemas.openxmlformats.org/drawingml/2006/main" xmlns:r="http://schemas.openxmlformats.org/officeDocument/2006/relationships" xmlns:p="http://schemas.openxmlformats.org/presentationml/2006/main">
   <p:cSld>
     <p:spTree>
       <p:nvGrpSpPr>
@@ -31614,6 +31977,34 @@
       </p:grpSpPr>
       <p:sp>
         <p:nvSpPr>
+          <p:cNvPr id="2" name="Title 1"/>
+          <p:cNvSpPr>
+            <a:spLocks noGrp="1"/>
+          </p:cNvSpPr>
+          <p:nvPr>
+            <p:ph type="title"/>
+          </p:nvPr>
+        </p:nvSpPr>
+        <p:spPr>
+          <a:xfrm>
+            <a:off x="833642" y="85970"/>
+            <a:ext cx="8596668" cy="695569"/>
+          </a:xfrm>
+        </p:spPr>
+        <p:txBody>
+          <a:bodyPr/>
+          <a:lstStyle/>
+          <a:p>
+            <a:r>
+              <a:rPr lang="en-IN" dirty="0"/>
+              <a:t>Working on the Recommended Plan</a:t>
+            </a:r>
+            <a:endParaRPr lang="en-GB" dirty="0"/>
+          </a:p>
+        </p:txBody>
+      </p:sp>
+      <p:sp>
+        <p:nvSpPr>
           <p:cNvPr id="3" name="Content Placeholder 2"/>
           <p:cNvSpPr>
             <a:spLocks noGrp="1"/>
@@ -31624,8 +32015,8 @@
         </p:nvSpPr>
         <p:spPr>
           <a:xfrm>
-            <a:off x="3163860" y="2754147"/>
-            <a:ext cx="8596668" cy="3880773"/>
+            <a:off x="677333" y="781539"/>
+            <a:ext cx="11069189" cy="5775569"/>
           </a:xfrm>
         </p:spPr>
         <p:txBody>
@@ -31634,34 +32025,150 @@
           </a:bodyPr>
           <a:lstStyle/>
           <a:p>
-            <a:pPr marL="0" indent="0">
-              <a:buNone/>
-            </a:pPr>
-            <a:r>
-              <a:rPr lang="en-IN" sz="5400" b="1" smtClean="0"/>
-              <a:t>Thanks!!!!!</a:t>
-            </a:r>
-            <a:endParaRPr lang="en-GB" sz="5400" b="1" dirty="0"/>
+            <a:r>
+              <a:rPr lang="en-GB" dirty="0" smtClean="0"/>
+              <a:t>Now we want to ensure that the plan in the middle looks different from other plans </a:t>
+            </a:r>
+            <a:r>
+              <a:rPr lang="en-GB" dirty="0" err="1" smtClean="0"/>
+              <a:t>i.e</a:t>
+            </a:r>
+            <a:r>
+              <a:rPr lang="en-GB" dirty="0" smtClean="0"/>
+              <a:t> it stands out of the rest</a:t>
+            </a:r>
+          </a:p>
+          <a:p>
+            <a:r>
+              <a:rPr lang="en-GB" dirty="0" smtClean="0"/>
+              <a:t>We will change its background ,highlight the </a:t>
+            </a:r>
+            <a:r>
+              <a:rPr lang="en-IN" dirty="0" smtClean="0"/>
+              <a:t>“Recommended” badge</a:t>
+            </a:r>
+          </a:p>
+          <a:p>
+            <a:r>
+              <a:rPr lang="en-IN" dirty="0" smtClean="0"/>
+              <a:t>Now to control the “Recommended” badge contained in a &lt;h1&gt; tag we need to give it a class like plan__</a:t>
+            </a:r>
+            <a:r>
+              <a:rPr lang="en-IN" dirty="0" err="1" smtClean="0"/>
+              <a:t>annotation.We</a:t>
+            </a:r>
+            <a:r>
+              <a:rPr lang="en-IN" dirty="0" smtClean="0"/>
+              <a:t> should also add a second class to our </a:t>
+            </a:r>
+            <a:r>
+              <a:rPr lang="en-IN" dirty="0" err="1" smtClean="0"/>
+              <a:t>recomeneded</a:t>
+            </a:r>
+            <a:r>
+              <a:rPr lang="en-IN" dirty="0" smtClean="0"/>
+              <a:t> plan to override the background </a:t>
+            </a:r>
+            <a:r>
+              <a:rPr lang="en-IN" dirty="0" err="1" smtClean="0"/>
+              <a:t>color</a:t>
+            </a:r>
+            <a:r>
+              <a:rPr lang="en-IN" dirty="0" smtClean="0"/>
+              <a:t> </a:t>
+            </a:r>
+            <a:r>
+              <a:rPr lang="en-IN" dirty="0" err="1" smtClean="0"/>
+              <a:t>etc</a:t>
+            </a:r>
+            <a:r>
+              <a:rPr lang="en-IN" dirty="0" smtClean="0"/>
+              <a:t>  we can add plan—highlighted class to the &lt;article&gt; tag containing our recommended plan</a:t>
+            </a:r>
+          </a:p>
+          <a:p>
+            <a:r>
+              <a:rPr lang="en-IN" dirty="0" smtClean="0"/>
+              <a:t>Create a class selector in our main.css for plan—highlighted and override the background set it to a darker  green (#19b84c).We can also change the text </a:t>
+            </a:r>
+            <a:r>
+              <a:rPr lang="en-IN" dirty="0" err="1" smtClean="0"/>
+              <a:t>color</a:t>
+            </a:r>
+            <a:r>
+              <a:rPr lang="en-IN" dirty="0" smtClean="0"/>
+              <a:t> to white to make it easier to read</a:t>
+            </a:r>
+          </a:p>
+          <a:p>
+            <a:r>
+              <a:rPr lang="en-IN" dirty="0" smtClean="0"/>
+              <a:t>Lets add a small drop shadow behind the plan for that we can use the box-shadow property</a:t>
+            </a:r>
+          </a:p>
+          <a:p>
+            <a:r>
+              <a:rPr lang="en-IN" dirty="0" smtClean="0"/>
+              <a:t>Box-shadow property allows us to set a box-shadow or an inset(shadow inside the box) shadow by using the keyword inset before the values</a:t>
+            </a:r>
+          </a:p>
+          <a:p>
+            <a:r>
+              <a:rPr lang="en-IN" dirty="0" smtClean="0"/>
+              <a:t>Lets add a box shadow first and then study it in detail in next slide so lets add box-shadow: 2px </a:t>
+            </a:r>
+            <a:r>
+              <a:rPr lang="en-IN" dirty="0" err="1" smtClean="0"/>
+              <a:t>2px</a:t>
+            </a:r>
+            <a:r>
+              <a:rPr lang="en-IN" dirty="0" smtClean="0"/>
+              <a:t> </a:t>
+            </a:r>
+            <a:r>
+              <a:rPr lang="en-IN" dirty="0" err="1" smtClean="0"/>
+              <a:t>2px</a:t>
+            </a:r>
+            <a:r>
+              <a:rPr lang="en-IN" dirty="0" smtClean="0"/>
+              <a:t> </a:t>
+            </a:r>
+            <a:r>
+              <a:rPr lang="en-IN" dirty="0" err="1" smtClean="0"/>
+              <a:t>2px</a:t>
+            </a:r>
+            <a:r>
+              <a:rPr lang="en-IN" dirty="0" smtClean="0"/>
+              <a:t> </a:t>
+            </a:r>
+            <a:r>
+              <a:rPr lang="en-IN" dirty="0" err="1" smtClean="0"/>
+              <a:t>rgba</a:t>
+            </a:r>
+            <a:r>
+              <a:rPr lang="en-IN" dirty="0" smtClean="0"/>
+              <a:t>(0,0,0,0.5);</a:t>
+            </a:r>
+          </a:p>
+          <a:p>
+            <a:r>
+              <a:rPr lang="en-IN" dirty="0" smtClean="0"/>
+              <a:t>This will add a black 50% transparent shadow 2px to the right and 2px to the bottom of the box with 2px spread and blurriness.</a:t>
+            </a:r>
+            <a:endParaRPr lang="en-GB" dirty="0"/>
           </a:p>
         </p:txBody>
       </p:sp>
     </p:spTree>
     <p:extLst>
       <p:ext uri="{BB962C8B-B14F-4D97-AF65-F5344CB8AC3E}">
-        <p14:creationId xmlns:p14="http://schemas.microsoft.com/office/powerpoint/2010/main" val="3977684842"/>
+        <p14:creationId xmlns:p14="http://schemas.microsoft.com/office/powerpoint/2010/main" val="3224582082"/>
       </p:ext>
     </p:extLst>
   </p:cSld>
   <p:clrMapOvr>
     <a:masterClrMapping/>
   </p:clrMapOvr>
-  <p:timing>
-    <p:tnLst>
-      <p:par>
-        <p:cTn id="1" dur="indefinite" restart="never" nodeType="tmRoot"/>
-      </p:par>
-    </p:tnLst>
-  </p:timing>
 </p:sld>
 </file>
 
@@ -31818,6 +32325,656 @@
     <p:extLst>
       <p:ext uri="{BB962C8B-B14F-4D97-AF65-F5344CB8AC3E}">
         <p14:creationId xmlns:p14="http://schemas.microsoft.com/office/powerpoint/2010/main" val="3633785348"/>
+      </p:ext>
+    </p:extLst>
+  </p:cSld>
+  <p:clrMapOvr>
+    <a:masterClrMapping/>
+  </p:clrMapOvr>
+  <p:timing>
+    <p:tnLst>
+      <p:par>
+        <p:cTn id="1" dur="indefinite" restart="never" nodeType="tmRoot"/>
+      </p:par>
+    </p:tnLst>
+  </p:timing>
+</p:sld>
+</file>
+
+<file path=ppt/slides/slide70.xml><?xml version="1.0" encoding="utf-8"?>
+<p:sld xmlns:a="http://schemas.openxmlformats.org/drawingml/2006/main" xmlns:r="http://schemas.openxmlformats.org/officeDocument/2006/relationships" xmlns:p="http://schemas.openxmlformats.org/presentationml/2006/main">
+  <p:cSld>
+    <p:spTree>
+      <p:nvGrpSpPr>
+        <p:cNvPr id="1" name=""/>
+        <p:cNvGrpSpPr/>
+        <p:nvPr/>
+      </p:nvGrpSpPr>
+      <p:grpSpPr>
+        <a:xfrm>
+          <a:off x="0" y="0"/>
+          <a:ext cx="0" cy="0"/>
+          <a:chOff x="0" y="0"/>
+          <a:chExt cx="0" cy="0"/>
+        </a:xfrm>
+      </p:grpSpPr>
+      <p:sp>
+        <p:nvSpPr>
+          <p:cNvPr id="2" name="Title 1"/>
+          <p:cNvSpPr>
+            <a:spLocks noGrp="1"/>
+          </p:cNvSpPr>
+          <p:nvPr>
+            <p:ph type="title"/>
+          </p:nvPr>
+        </p:nvSpPr>
+        <p:spPr>
+          <a:xfrm>
+            <a:off x="791634" y="183573"/>
+            <a:ext cx="8596668" cy="512618"/>
+          </a:xfrm>
+        </p:spPr>
+        <p:txBody>
+          <a:bodyPr>
+            <a:normAutofit fontScale="90000"/>
+          </a:bodyPr>
+          <a:lstStyle/>
+          <a:p>
+            <a:r>
+              <a:rPr lang="en-IN" dirty="0" smtClean="0"/>
+              <a:t>Box-shadow</a:t>
+            </a:r>
+            <a:endParaRPr lang="en-GB" dirty="0"/>
+          </a:p>
+        </p:txBody>
+      </p:sp>
+      <p:sp>
+        <p:nvSpPr>
+          <p:cNvPr id="3" name="Content Placeholder 2"/>
+          <p:cNvSpPr>
+            <a:spLocks noGrp="1"/>
+          </p:cNvSpPr>
+          <p:nvPr>
+            <p:ph idx="1"/>
+          </p:nvPr>
+        </p:nvSpPr>
+        <p:spPr>
+          <a:xfrm>
+            <a:off x="365606" y="789710"/>
+            <a:ext cx="11542376" cy="5756563"/>
+          </a:xfrm>
+        </p:spPr>
+        <p:txBody>
+          <a:bodyPr>
+            <a:normAutofit fontScale="77500" lnSpcReduction="20000"/>
+          </a:bodyPr>
+          <a:lstStyle/>
+          <a:p>
+            <a:r>
+              <a:rPr lang="en-IN" dirty="0"/>
+              <a:t>The box shadow takes following values :</a:t>
+            </a:r>
+          </a:p>
+          <a:p>
+            <a:pPr lvl="1"/>
+            <a:r>
+              <a:rPr lang="en-IN" dirty="0"/>
+              <a:t>Horizontal offset</a:t>
+            </a:r>
+          </a:p>
+          <a:p>
+            <a:pPr lvl="1"/>
+            <a:r>
+              <a:rPr lang="en-IN" dirty="0"/>
+              <a:t>Vertical offset</a:t>
+            </a:r>
+          </a:p>
+          <a:p>
+            <a:pPr lvl="1"/>
+            <a:r>
+              <a:rPr lang="en-IN" dirty="0"/>
+              <a:t>Blur radius</a:t>
+            </a:r>
+          </a:p>
+          <a:p>
+            <a:pPr lvl="1"/>
+            <a:r>
+              <a:rPr lang="en-IN" dirty="0"/>
+              <a:t>Spread radius</a:t>
+            </a:r>
+          </a:p>
+          <a:p>
+            <a:pPr lvl="1"/>
+            <a:r>
+              <a:rPr lang="en-IN" dirty="0" err="1"/>
+              <a:t>Color</a:t>
+            </a:r>
+            <a:endParaRPr lang="en-IN" dirty="0"/>
+          </a:p>
+          <a:p>
+            <a:r>
+              <a:rPr lang="en-IN" dirty="0"/>
+              <a:t>So the syntax is box-shadow: [horizontal offset] [vertical offset] [blur radius] [optional spread radius] [</a:t>
+            </a:r>
+            <a:r>
+              <a:rPr lang="en-IN" dirty="0" err="1"/>
+              <a:t>color</a:t>
+            </a:r>
+            <a:r>
+              <a:rPr lang="en-IN" dirty="0" smtClean="0"/>
+              <a:t>];</a:t>
+            </a:r>
+            <a:endParaRPr lang="en-IN" b="1" dirty="0" smtClean="0"/>
+          </a:p>
+          <a:p>
+            <a:r>
+              <a:rPr lang="en-IN" b="1" dirty="0" smtClean="0"/>
+              <a:t>The </a:t>
+            </a:r>
+            <a:r>
+              <a:rPr lang="en-IN" b="1" dirty="0"/>
+              <a:t>horizontal offset </a:t>
+            </a:r>
+            <a:r>
+              <a:rPr lang="en-IN" dirty="0"/>
+              <a:t>(required) of the shadow, positive means the shadow will be on the right of the box, a negative offset will put the shadow on the left of the </a:t>
+            </a:r>
+            <a:r>
+              <a:rPr lang="en-IN" dirty="0" err="1" smtClean="0"/>
+              <a:t>box.This</a:t>
+            </a:r>
+            <a:r>
+              <a:rPr lang="en-IN" dirty="0" smtClean="0"/>
+              <a:t> defines the positioning of the shadow on the X axis</a:t>
+            </a:r>
+            <a:endParaRPr lang="en-IN" dirty="0"/>
+          </a:p>
+          <a:p>
+            <a:r>
+              <a:rPr lang="en-IN" b="1" dirty="0"/>
+              <a:t>The vertical offset </a:t>
+            </a:r>
+            <a:r>
+              <a:rPr lang="en-IN" dirty="0"/>
+              <a:t>(required) of the shadow, a negative one means the box-shadow will be above the box, a positive one means the shadow will be below the box</a:t>
+            </a:r>
+            <a:r>
+              <a:rPr lang="en-IN" dirty="0" smtClean="0"/>
+              <a:t>.</a:t>
+            </a:r>
+            <a:r>
+              <a:rPr lang="en-IN" dirty="0"/>
+              <a:t> </a:t>
+            </a:r>
+            <a:r>
+              <a:rPr lang="en-IN" dirty="0" err="1"/>
+              <a:t>box.This</a:t>
+            </a:r>
+            <a:r>
+              <a:rPr lang="en-IN" dirty="0"/>
+              <a:t> defines the positioning of the shadow on the </a:t>
+            </a:r>
+            <a:r>
+              <a:rPr lang="en-IN" dirty="0" smtClean="0"/>
+              <a:t>Y axis</a:t>
+            </a:r>
+            <a:endParaRPr lang="en-IN" dirty="0"/>
+          </a:p>
+          <a:p>
+            <a:r>
+              <a:rPr lang="en-IN" b="1" dirty="0"/>
+              <a:t>The blur radius </a:t>
+            </a:r>
+            <a:r>
+              <a:rPr lang="en-IN" dirty="0" smtClean="0"/>
+              <a:t>, </a:t>
+            </a:r>
+            <a:r>
+              <a:rPr lang="en-IN" dirty="0"/>
+              <a:t>if set to 0 the shadow will be sharp, the higher the number, the more blurred it will be, and the further out the shadow will extend. For instance a shadow with 5px of horizontal offset that also has a 5px blur radius will be 10px of total shadow.</a:t>
+            </a:r>
+          </a:p>
+          <a:p>
+            <a:r>
+              <a:rPr lang="en-IN" b="1" dirty="0"/>
+              <a:t>The spread radius </a:t>
+            </a:r>
+            <a:r>
+              <a:rPr lang="en-IN" dirty="0" smtClean="0"/>
+              <a:t>, </a:t>
+            </a:r>
+            <a:r>
+              <a:rPr lang="en-IN" dirty="0"/>
+              <a:t>positive values increase the size of the shadow, negative values decrease the size. Default is 0 (the shadow is same size as blur</a:t>
+            </a:r>
+            <a:r>
+              <a:rPr lang="en-IN" dirty="0" smtClean="0"/>
+              <a:t>).It defines how much the shadow should spread beyond the values for x and y axis</a:t>
+            </a:r>
+          </a:p>
+          <a:p>
+            <a:r>
+              <a:rPr lang="en-IN" dirty="0" smtClean="0"/>
+              <a:t>If we omit the blur and spread we  will get a very sharp shadow that ends just after the values defined for x and y axis</a:t>
+            </a:r>
+            <a:endParaRPr lang="en-IN" dirty="0"/>
+          </a:p>
+          <a:p>
+            <a:r>
+              <a:rPr lang="en-IN" b="1" dirty="0" err="1"/>
+              <a:t>Color</a:t>
+            </a:r>
+            <a:r>
+              <a:rPr lang="en-IN" dirty="0"/>
+              <a:t> (required) – takes any </a:t>
+            </a:r>
+            <a:r>
+              <a:rPr lang="en-IN" dirty="0" err="1"/>
+              <a:t>color</a:t>
+            </a:r>
+            <a:r>
+              <a:rPr lang="en-IN" dirty="0"/>
+              <a:t> value, like hex, named, </a:t>
+            </a:r>
+            <a:r>
+              <a:rPr lang="en-IN" dirty="0" err="1" smtClean="0"/>
+              <a:t>rgb</a:t>
+            </a:r>
+            <a:r>
+              <a:rPr lang="en-IN" dirty="0" smtClean="0"/>
+              <a:t> or </a:t>
+            </a:r>
+            <a:r>
+              <a:rPr lang="en-IN" dirty="0" err="1" smtClean="0"/>
+              <a:t>rgba</a:t>
+            </a:r>
+            <a:r>
+              <a:rPr lang="en-IN" dirty="0" smtClean="0"/>
+              <a:t>. </a:t>
+            </a:r>
+            <a:r>
+              <a:rPr lang="en-IN" dirty="0"/>
+              <a:t>If the </a:t>
+            </a:r>
+            <a:r>
+              <a:rPr lang="en-IN" dirty="0" err="1"/>
+              <a:t>color</a:t>
+            </a:r>
+            <a:r>
+              <a:rPr lang="en-IN" dirty="0"/>
+              <a:t> value is omitted, box shadows are drawn in the foreground </a:t>
+            </a:r>
+            <a:r>
+              <a:rPr lang="en-IN" dirty="0" err="1"/>
+              <a:t>color</a:t>
+            </a:r>
+            <a:r>
+              <a:rPr lang="en-IN" dirty="0"/>
+              <a:t> (text </a:t>
+            </a:r>
+            <a:r>
+              <a:rPr lang="en-IN" dirty="0" err="1"/>
+              <a:t>color</a:t>
+            </a:r>
+            <a:r>
+              <a:rPr lang="en-IN" dirty="0"/>
+              <a:t>). But be aware, older </a:t>
+            </a:r>
+            <a:r>
+              <a:rPr lang="en-IN" dirty="0" err="1"/>
+              <a:t>WebKit</a:t>
+            </a:r>
+            <a:r>
+              <a:rPr lang="en-IN" dirty="0"/>
+              <a:t> browsers (pre Chrome 20 and Safari 6) ignore the rule when </a:t>
+            </a:r>
+            <a:r>
+              <a:rPr lang="en-IN" dirty="0" err="1"/>
+              <a:t>color</a:t>
+            </a:r>
+            <a:r>
+              <a:rPr lang="en-IN" dirty="0"/>
+              <a:t> is </a:t>
+            </a:r>
+            <a:r>
+              <a:rPr lang="en-IN" dirty="0" err="1" smtClean="0"/>
+              <a:t>omitted.Using</a:t>
+            </a:r>
+            <a:r>
+              <a:rPr lang="en-IN" dirty="0" smtClean="0"/>
+              <a:t> </a:t>
+            </a:r>
+            <a:r>
+              <a:rPr lang="en-IN" dirty="0"/>
+              <a:t>a semi-transparent </a:t>
+            </a:r>
+            <a:r>
+              <a:rPr lang="en-IN" dirty="0" err="1"/>
+              <a:t>color</a:t>
+            </a:r>
+            <a:r>
+              <a:rPr lang="en-IN" dirty="0"/>
+              <a:t> like </a:t>
+            </a:r>
+            <a:r>
+              <a:rPr lang="en-IN" dirty="0" err="1"/>
+              <a:t>rgba</a:t>
+            </a:r>
+            <a:r>
+              <a:rPr lang="en-IN" dirty="0"/>
+              <a:t>(0, 0, 0, 0.4) is most common, and a nice effect, as it doesn’t completely/opaquely cover what it’s over, but allows what’s underneath to show through a bit, like a real shadow</a:t>
+            </a:r>
+            <a:r>
+              <a:rPr lang="en-IN" dirty="0" smtClean="0"/>
+              <a:t>.</a:t>
+            </a:r>
+          </a:p>
+          <a:p>
+            <a:r>
+              <a:rPr lang="en-GB" dirty="0" smtClean="0"/>
+              <a:t>For example </a:t>
+            </a:r>
+          </a:p>
+          <a:p>
+            <a:pPr lvl="1"/>
+            <a:r>
+              <a:rPr lang="en-GB" dirty="0" smtClean="0"/>
+              <a:t>box-shadow</a:t>
+            </a:r>
+            <a:r>
+              <a:rPr lang="en-GB" dirty="0"/>
+              <a:t>: 3px </a:t>
+            </a:r>
+            <a:r>
+              <a:rPr lang="en-GB" dirty="0" err="1"/>
+              <a:t>3px</a:t>
+            </a:r>
+            <a:r>
+              <a:rPr lang="en-GB" dirty="0"/>
+              <a:t> 5px 6px #ccc</a:t>
+            </a:r>
+            <a:r>
+              <a:rPr lang="en-GB" dirty="0" smtClean="0"/>
+              <a:t>; The shadow will be placed 3px right and bottom of the original shape will have a 5px blur and 6px spread</a:t>
+            </a:r>
+          </a:p>
+          <a:p>
+            <a:pPr lvl="1"/>
+            <a:r>
+              <a:rPr lang="en-IN" dirty="0"/>
+              <a:t>box-shadow: inset 0 0 10px #000000;</a:t>
+            </a:r>
+            <a:endParaRPr lang="en-GB" dirty="0" smtClean="0"/>
+          </a:p>
+          <a:p>
+            <a:endParaRPr lang="en-GB" dirty="0"/>
+          </a:p>
+        </p:txBody>
+      </p:sp>
+    </p:spTree>
+    <p:extLst>
+      <p:ext uri="{BB962C8B-B14F-4D97-AF65-F5344CB8AC3E}">
+        <p14:creationId xmlns:p14="http://schemas.microsoft.com/office/powerpoint/2010/main" val="3627266528"/>
+      </p:ext>
+    </p:extLst>
+  </p:cSld>
+  <p:clrMapOvr>
+    <a:masterClrMapping/>
+  </p:clrMapOvr>
+</p:sld>
+</file>
+
+<file path=ppt/slides/slide71.xml><?xml version="1.0" encoding="utf-8"?>
+<p:sld xmlns:a="http://schemas.openxmlformats.org/drawingml/2006/main" xmlns:r="http://schemas.openxmlformats.org/officeDocument/2006/relationships" xmlns:p="http://schemas.openxmlformats.org/presentationml/2006/main">
+  <p:cSld>
+    <p:spTree>
+      <p:nvGrpSpPr>
+        <p:cNvPr id="1" name=""/>
+        <p:cNvGrpSpPr/>
+        <p:nvPr/>
+      </p:nvGrpSpPr>
+      <p:grpSpPr>
+        <a:xfrm>
+          <a:off x="0" y="0"/>
+          <a:ext cx="0" cy="0"/>
+          <a:chOff x="0" y="0"/>
+          <a:chExt cx="0" cy="0"/>
+        </a:xfrm>
+      </p:grpSpPr>
+      <p:sp>
+        <p:nvSpPr>
+          <p:cNvPr id="2" name="Title 1"/>
+          <p:cNvSpPr>
+            <a:spLocks noGrp="1"/>
+          </p:cNvSpPr>
+          <p:nvPr>
+            <p:ph type="title"/>
+          </p:nvPr>
+        </p:nvSpPr>
+        <p:spPr>
+          <a:xfrm>
+            <a:off x="677334" y="142009"/>
+            <a:ext cx="8596668" cy="439882"/>
+          </a:xfrm>
+        </p:spPr>
+        <p:txBody>
+          <a:bodyPr>
+            <a:normAutofit fontScale="90000"/>
+          </a:bodyPr>
+          <a:lstStyle/>
+          <a:p>
+            <a:r>
+              <a:rPr lang="en-IN" dirty="0" err="1" smtClean="0"/>
+              <a:t>Color</a:t>
+            </a:r>
+            <a:r>
+              <a:rPr lang="en-IN" dirty="0" smtClean="0"/>
+              <a:t> function</a:t>
+            </a:r>
+            <a:endParaRPr lang="en-GB" dirty="0"/>
+          </a:p>
+        </p:txBody>
+      </p:sp>
+      <p:sp>
+        <p:nvSpPr>
+          <p:cNvPr id="3" name="Content Placeholder 2"/>
+          <p:cNvSpPr>
+            <a:spLocks noGrp="1"/>
+          </p:cNvSpPr>
+          <p:nvPr>
+            <p:ph idx="1"/>
+          </p:nvPr>
+        </p:nvSpPr>
+        <p:spPr>
+          <a:xfrm>
+            <a:off x="677334" y="955965"/>
+            <a:ext cx="10617584" cy="5085398"/>
+          </a:xfrm>
+        </p:spPr>
+        <p:txBody>
+          <a:bodyPr/>
+          <a:lstStyle/>
+          <a:p>
+            <a:r>
+              <a:rPr lang="en-IN" dirty="0" smtClean="0"/>
+              <a:t>There are many ways to </a:t>
+            </a:r>
+            <a:r>
+              <a:rPr lang="en-IN" dirty="0" err="1" smtClean="0"/>
+              <a:t>defiune</a:t>
+            </a:r>
+            <a:r>
+              <a:rPr lang="en-IN" dirty="0" smtClean="0"/>
+              <a:t> a </a:t>
+            </a:r>
+            <a:r>
+              <a:rPr lang="en-IN" dirty="0" err="1" smtClean="0"/>
+              <a:t>color</a:t>
+            </a:r>
+            <a:r>
+              <a:rPr lang="en-IN" dirty="0" smtClean="0"/>
+              <a:t> like using its </a:t>
+            </a:r>
+            <a:r>
+              <a:rPr lang="en-IN" dirty="0" err="1" smtClean="0"/>
+              <a:t>name,hex</a:t>
+            </a:r>
+            <a:r>
+              <a:rPr lang="en-IN" dirty="0" smtClean="0"/>
+              <a:t> value </a:t>
+            </a:r>
+            <a:r>
+              <a:rPr lang="en-IN" dirty="0" err="1" smtClean="0"/>
+              <a:t>etc</a:t>
+            </a:r>
+            <a:endParaRPr lang="en-IN" dirty="0" smtClean="0"/>
+          </a:p>
+          <a:p>
+            <a:r>
+              <a:rPr lang="en-IN" dirty="0" smtClean="0"/>
+              <a:t>We can also use a </a:t>
+            </a:r>
+            <a:r>
+              <a:rPr lang="en-IN" dirty="0" err="1" smtClean="0"/>
+              <a:t>color</a:t>
+            </a:r>
+            <a:r>
+              <a:rPr lang="en-IN" dirty="0" smtClean="0"/>
+              <a:t> function we can write </a:t>
+            </a:r>
+            <a:r>
+              <a:rPr lang="en-IN" dirty="0" err="1" smtClean="0"/>
+              <a:t>rgb</a:t>
+            </a:r>
+            <a:r>
+              <a:rPr lang="en-IN" dirty="0" smtClean="0"/>
+              <a:t>() then define values for red green and blue inside the parenthesis to get the desired shade the allowed values like between 0-255 for all R b and g. a value of </a:t>
+            </a:r>
+            <a:r>
+              <a:rPr lang="en-IN" dirty="0" err="1" smtClean="0"/>
+              <a:t>rbg</a:t>
+            </a:r>
+            <a:r>
+              <a:rPr lang="en-IN" dirty="0" smtClean="0"/>
+              <a:t>(255,255,255)  represents white and </a:t>
+            </a:r>
+            <a:r>
+              <a:rPr lang="en-IN" dirty="0" err="1" smtClean="0"/>
+              <a:t>rgb</a:t>
+            </a:r>
+            <a:r>
+              <a:rPr lang="en-IN" dirty="0" smtClean="0"/>
+              <a:t>(0,0,0) represents black</a:t>
+            </a:r>
+          </a:p>
+          <a:p>
+            <a:r>
+              <a:rPr lang="en-IN" dirty="0" smtClean="0"/>
+              <a:t>There is an alternative to </a:t>
+            </a:r>
+            <a:r>
+              <a:rPr lang="en-IN" dirty="0" err="1" smtClean="0"/>
+              <a:t>rgb</a:t>
+            </a:r>
+            <a:r>
+              <a:rPr lang="en-IN" dirty="0" smtClean="0"/>
+              <a:t> </a:t>
+            </a:r>
+            <a:r>
+              <a:rPr lang="en-IN" dirty="0" err="1" smtClean="0"/>
+              <a:t>i.e</a:t>
+            </a:r>
+            <a:r>
+              <a:rPr lang="en-IN" dirty="0" smtClean="0"/>
+              <a:t> </a:t>
+            </a:r>
+            <a:r>
+              <a:rPr lang="en-IN" dirty="0" err="1" smtClean="0"/>
+              <a:t>rgba</a:t>
+            </a:r>
+            <a:r>
+              <a:rPr lang="en-IN" dirty="0" smtClean="0"/>
+              <a:t> which defines a fourth parameter the alpha channel representing the transparency of the </a:t>
+            </a:r>
+            <a:r>
+              <a:rPr lang="en-IN" dirty="0" err="1" smtClean="0"/>
+              <a:t>color</a:t>
+            </a:r>
+            <a:r>
+              <a:rPr lang="en-IN" dirty="0" smtClean="0"/>
+              <a:t> the value lies between 0 and 1 where 0 means fully transparent and 1 means opaque</a:t>
+            </a:r>
+            <a:endParaRPr lang="en-GB" dirty="0"/>
+          </a:p>
+        </p:txBody>
+      </p:sp>
+    </p:spTree>
+    <p:extLst>
+      <p:ext uri="{BB962C8B-B14F-4D97-AF65-F5344CB8AC3E}">
+        <p14:creationId xmlns:p14="http://schemas.microsoft.com/office/powerpoint/2010/main" val="257410212"/>
+      </p:ext>
+    </p:extLst>
+  </p:cSld>
+  <p:clrMapOvr>
+    <a:masterClrMapping/>
+  </p:clrMapOvr>
+</p:sld>
+</file>
+
+<file path=ppt/slides/slide72.xml><?xml version="1.0" encoding="utf-8"?>
+<p:sld xmlns:a="http://schemas.openxmlformats.org/drawingml/2006/main" xmlns:r="http://schemas.openxmlformats.org/officeDocument/2006/relationships" xmlns:p="http://schemas.openxmlformats.org/presentationml/2006/main" showMasterSp="0">
+  <p:cSld>
+    <p:spTree>
+      <p:nvGrpSpPr>
+        <p:cNvPr id="1" name=""/>
+        <p:cNvGrpSpPr/>
+        <p:nvPr/>
+      </p:nvGrpSpPr>
+      <p:grpSpPr>
+        <a:xfrm>
+          <a:off x="0" y="0"/>
+          <a:ext cx="0" cy="0"/>
+          <a:chOff x="0" y="0"/>
+          <a:chExt cx="0" cy="0"/>
+        </a:xfrm>
+      </p:grpSpPr>
+      <p:sp>
+        <p:nvSpPr>
+          <p:cNvPr id="3" name="Content Placeholder 2"/>
+          <p:cNvSpPr>
+            <a:spLocks noGrp="1"/>
+          </p:cNvSpPr>
+          <p:nvPr>
+            <p:ph idx="1"/>
+          </p:nvPr>
+        </p:nvSpPr>
+        <p:spPr>
+          <a:xfrm>
+            <a:off x="3163860" y="2754147"/>
+            <a:ext cx="8596668" cy="3880773"/>
+          </a:xfrm>
+        </p:spPr>
+        <p:txBody>
+          <a:bodyPr>
+            <a:normAutofit/>
+          </a:bodyPr>
+          <a:lstStyle/>
+          <a:p>
+            <a:pPr marL="0" indent="0">
+              <a:buNone/>
+            </a:pPr>
+            <a:r>
+              <a:rPr lang="en-IN" sz="5400" b="1" smtClean="0"/>
+              <a:t>Thanks!!!!!</a:t>
+            </a:r>
+            <a:endParaRPr lang="en-GB" sz="5400" b="1" dirty="0"/>
+          </a:p>
+        </p:txBody>
+      </p:sp>
+    </p:spTree>
+    <p:extLst>
+      <p:ext uri="{BB962C8B-B14F-4D97-AF65-F5344CB8AC3E}">
+        <p14:creationId xmlns:p14="http://schemas.microsoft.com/office/powerpoint/2010/main" val="3977684842"/>
       </p:ext>
     </p:extLst>
   </p:cSld>

--- a/PPT/Css-v5.pptx
+++ b/PPT/Css-v5.pptx
@@ -5,7 +5,7 @@
     <p:sldMasterId id="2147483660" r:id="rId1"/>
   </p:sldMasterIdLst>
   <p:notesMasterIdLst>
-    <p:notesMasterId r:id="rId74"/>
+    <p:notesMasterId r:id="rId75"/>
   </p:notesMasterIdLst>
   <p:sldIdLst>
     <p:sldId id="256" r:id="rId2"/>
@@ -79,7 +79,8 @@
     <p:sldId id="432" r:id="rId70"/>
     <p:sldId id="433" r:id="rId71"/>
     <p:sldId id="434" r:id="rId72"/>
-    <p:sldId id="268" r:id="rId73"/>
+    <p:sldId id="435" r:id="rId73"/>
+    <p:sldId id="268" r:id="rId74"/>
   </p:sldIdLst>
   <p:sldSz cx="12192000" cy="6858000"/>
   <p:notesSz cx="6858000" cy="9144000"/>
@@ -2496,6 +2497,119 @@
     <p:extLst>
       <p:ext uri="{BB962C8B-B14F-4D97-AF65-F5344CB8AC3E}">
         <p14:creationId xmlns:p14="http://schemas.microsoft.com/office/powerpoint/2010/main" val="2849824594"/>
+      </p:ext>
+    </p:extLst>
+  </p:cSld>
+  <p:clrMapOvr>
+    <a:masterClrMapping/>
+  </p:clrMapOvr>
+</p:notes>
+</file>
+
+<file path=ppt/notesSlides/notesSlide26.xml><?xml version="1.0" encoding="utf-8"?>
+<p:notes xmlns:a="http://schemas.openxmlformats.org/drawingml/2006/main" xmlns:r="http://schemas.openxmlformats.org/officeDocument/2006/relationships" xmlns:p="http://schemas.openxmlformats.org/presentationml/2006/main">
+  <p:cSld>
+    <p:spTree>
+      <p:nvGrpSpPr>
+        <p:cNvPr id="1" name=""/>
+        <p:cNvGrpSpPr/>
+        <p:nvPr/>
+      </p:nvGrpSpPr>
+      <p:grpSpPr>
+        <a:xfrm>
+          <a:off x="0" y="0"/>
+          <a:ext cx="0" cy="0"/>
+          <a:chOff x="0" y="0"/>
+          <a:chExt cx="0" cy="0"/>
+        </a:xfrm>
+      </p:grpSpPr>
+      <p:sp>
+        <p:nvSpPr>
+          <p:cNvPr id="2" name="Slide Image Placeholder 1"/>
+          <p:cNvSpPr>
+            <a:spLocks noGrp="1" noRot="1" noChangeAspect="1"/>
+          </p:cNvSpPr>
+          <p:nvPr>
+            <p:ph type="sldImg"/>
+          </p:nvPr>
+        </p:nvSpPr>
+        <p:spPr/>
+      </p:sp>
+      <p:sp>
+        <p:nvSpPr>
+          <p:cNvPr id="3" name="Notes Placeholder 2"/>
+          <p:cNvSpPr>
+            <a:spLocks noGrp="1"/>
+          </p:cNvSpPr>
+          <p:nvPr>
+            <p:ph type="body" idx="1"/>
+          </p:nvPr>
+        </p:nvSpPr>
+        <p:spPr/>
+        <p:txBody>
+          <a:bodyPr/>
+          <a:lstStyle/>
+          <a:p>
+            <a:r>
+              <a:rPr lang="en-IN" dirty="0" smtClean="0"/>
+              <a:t>Branch :</a:t>
+            </a:r>
+            <a:r>
+              <a:rPr lang="en-IN" sz="1200" kern="1200" dirty="0" err="1" smtClean="0">
+                <a:solidFill>
+                  <a:schemeClr val="tx1"/>
+                </a:solidFill>
+                <a:latin typeface="+mn-lt"/>
+                <a:ea typeface="+mn-ea"/>
+                <a:cs typeface="+mn-cs"/>
+              </a:rPr>
+              <a:t>PracticingTheBasics</a:t>
+            </a:r>
+            <a:endParaRPr lang="en-IN" dirty="0" smtClean="0"/>
+          </a:p>
+          <a:p>
+            <a:r>
+              <a:rPr lang="en-IN" dirty="0" smtClean="0"/>
+              <a:t>Commit : </a:t>
+            </a:r>
+            <a:r>
+              <a:rPr lang="en-IN" dirty="0" err="1" smtClean="0"/>
+              <a:t>StylingTheBadge</a:t>
+            </a:r>
+            <a:endParaRPr lang="en-IN" dirty="0" smtClean="0"/>
+          </a:p>
+          <a:p>
+            <a:endParaRPr lang="en-GB" dirty="0"/>
+          </a:p>
+        </p:txBody>
+      </p:sp>
+      <p:sp>
+        <p:nvSpPr>
+          <p:cNvPr id="4" name="Slide Number Placeholder 3"/>
+          <p:cNvSpPr>
+            <a:spLocks noGrp="1"/>
+          </p:cNvSpPr>
+          <p:nvPr>
+            <p:ph type="sldNum" sz="quarter" idx="10"/>
+          </p:nvPr>
+        </p:nvSpPr>
+        <p:spPr/>
+        <p:txBody>
+          <a:bodyPr/>
+          <a:lstStyle/>
+          <a:p>
+            <a:fld id="{D3B79ED6-4970-4D84-B25C-F520A9D9210C}" type="slidenum">
+              <a:rPr lang="en-GB" smtClean="0"/>
+              <a:t>72</a:t>
+            </a:fld>
+            <a:endParaRPr lang="en-GB"/>
+          </a:p>
+        </p:txBody>
+      </p:sp>
+    </p:spTree>
+    <p:extLst>
+      <p:ext uri="{BB962C8B-B14F-4D97-AF65-F5344CB8AC3E}">
+        <p14:creationId xmlns:p14="http://schemas.microsoft.com/office/powerpoint/2010/main" val="2946382660"/>
       </p:ext>
     </p:extLst>
   </p:cSld>
@@ -32922,6 +33036,210 @@
 </file>
 
 <file path=ppt/slides/slide72.xml><?xml version="1.0" encoding="utf-8"?>
+<p:sld xmlns:a="http://schemas.openxmlformats.org/drawingml/2006/main" xmlns:r="http://schemas.openxmlformats.org/officeDocument/2006/relationships" xmlns:p="http://schemas.openxmlformats.org/presentationml/2006/main">
+  <p:cSld>
+    <p:spTree>
+      <p:nvGrpSpPr>
+        <p:cNvPr id="1" name=""/>
+        <p:cNvGrpSpPr/>
+        <p:nvPr/>
+      </p:nvGrpSpPr>
+      <p:grpSpPr>
+        <a:xfrm>
+          <a:off x="0" y="0"/>
+          <a:ext cx="0" cy="0"/>
+          <a:chOff x="0" y="0"/>
+          <a:chExt cx="0" cy="0"/>
+        </a:xfrm>
+      </p:grpSpPr>
+      <p:sp>
+        <p:nvSpPr>
+          <p:cNvPr id="2" name="Title 1"/>
+          <p:cNvSpPr>
+            <a:spLocks noGrp="1"/>
+          </p:cNvSpPr>
+          <p:nvPr>
+            <p:ph type="title"/>
+          </p:nvPr>
+        </p:nvSpPr>
+        <p:spPr>
+          <a:xfrm>
+            <a:off x="895543" y="110836"/>
+            <a:ext cx="8596668" cy="491836"/>
+          </a:xfrm>
+        </p:spPr>
+        <p:txBody>
+          <a:bodyPr>
+            <a:normAutofit fontScale="90000"/>
+          </a:bodyPr>
+          <a:lstStyle/>
+          <a:p>
+            <a:r>
+              <a:rPr lang="en-IN" dirty="0"/>
+              <a:t> Styling the Badge with "border-radius"</a:t>
+            </a:r>
+            <a:endParaRPr lang="en-GB" dirty="0"/>
+          </a:p>
+        </p:txBody>
+      </p:sp>
+      <p:sp>
+        <p:nvSpPr>
+          <p:cNvPr id="3" name="Content Placeholder 2"/>
+          <p:cNvSpPr>
+            <a:spLocks noGrp="1"/>
+          </p:cNvSpPr>
+          <p:nvPr>
+            <p:ph idx="1"/>
+          </p:nvPr>
+        </p:nvSpPr>
+        <p:spPr>
+          <a:xfrm>
+            <a:off x="677334" y="831273"/>
+            <a:ext cx="11168302" cy="5642263"/>
+          </a:xfrm>
+        </p:spPr>
+        <p:txBody>
+          <a:bodyPr/>
+          <a:lstStyle/>
+          <a:p>
+            <a:r>
+              <a:rPr lang="en-GB" dirty="0" smtClean="0"/>
+              <a:t>Lets now style the recommended badge.</a:t>
+            </a:r>
+          </a:p>
+          <a:p>
+            <a:r>
+              <a:rPr lang="en-GB" dirty="0" smtClean="0"/>
+              <a:t>Add a selector for the &lt;h1&gt; tag containing the recommended badge we can use a class selector referring to the class </a:t>
+            </a:r>
+            <a:r>
+              <a:rPr lang="en-GB" dirty="0" err="1" smtClean="0"/>
+              <a:t>plan__annotation</a:t>
+            </a:r>
+            <a:endParaRPr lang="en-GB" dirty="0" smtClean="0"/>
+          </a:p>
+          <a:p>
+            <a:r>
+              <a:rPr lang="en-GB" dirty="0" smtClean="0"/>
+              <a:t>We want to make it sit in a white box and therefore have a non white(green) text and also have a tiny drop shadow also maybe add a padding</a:t>
+            </a:r>
+            <a:r>
+              <a:rPr lang="en-IN" dirty="0" smtClean="0"/>
+              <a:t> and rounded corners</a:t>
+            </a:r>
+          </a:p>
+          <a:p>
+            <a:r>
+              <a:rPr lang="en-IN" dirty="0" smtClean="0"/>
+              <a:t>To make the box white add a </a:t>
+            </a:r>
+            <a:r>
+              <a:rPr lang="en-IN" dirty="0" err="1" smtClean="0"/>
+              <a:t>background:white</a:t>
+            </a:r>
+            <a:r>
+              <a:rPr lang="en-IN" dirty="0" smtClean="0"/>
+              <a:t>;</a:t>
+            </a:r>
+          </a:p>
+          <a:p>
+            <a:r>
+              <a:rPr lang="en-IN" dirty="0" smtClean="0"/>
+              <a:t>To make the text </a:t>
+            </a:r>
+            <a:r>
+              <a:rPr lang="en-IN" dirty="0" err="1" smtClean="0"/>
+              <a:t>color</a:t>
+            </a:r>
+            <a:r>
+              <a:rPr lang="en-IN" dirty="0" smtClean="0"/>
+              <a:t> green add </a:t>
+            </a:r>
+            <a:r>
+              <a:rPr lang="en-IN" dirty="0" err="1" smtClean="0"/>
+              <a:t>color</a:t>
+            </a:r>
+            <a:r>
+              <a:rPr lang="en-IN" dirty="0" smtClean="0"/>
+              <a:t>:#19b84c;</a:t>
+            </a:r>
+          </a:p>
+          <a:p>
+            <a:r>
+              <a:rPr lang="en-IN" dirty="0" smtClean="0"/>
+              <a:t>To add a drop shadow add </a:t>
+            </a:r>
+            <a:r>
+              <a:rPr lang="en-GB" dirty="0"/>
+              <a:t>box-shadow: 2px </a:t>
+            </a:r>
+            <a:r>
+              <a:rPr lang="en-GB" dirty="0" err="1"/>
+              <a:t>2px</a:t>
+            </a:r>
+            <a:r>
+              <a:rPr lang="en-GB" dirty="0"/>
+              <a:t> </a:t>
+            </a:r>
+            <a:r>
+              <a:rPr lang="en-GB" dirty="0" err="1"/>
+              <a:t>2px</a:t>
+            </a:r>
+            <a:r>
+              <a:rPr lang="en-GB" dirty="0"/>
+              <a:t> </a:t>
+            </a:r>
+            <a:r>
+              <a:rPr lang="en-GB" dirty="0" err="1"/>
+              <a:t>2px</a:t>
+            </a:r>
+            <a:r>
+              <a:rPr lang="en-GB" dirty="0"/>
+              <a:t> </a:t>
+            </a:r>
+            <a:r>
+              <a:rPr lang="en-GB" dirty="0" err="1"/>
+              <a:t>rgba</a:t>
+            </a:r>
+            <a:r>
+              <a:rPr lang="en-GB" dirty="0"/>
+              <a:t>(0, 0, 0, 0.5);</a:t>
+            </a:r>
+          </a:p>
+          <a:p>
+            <a:r>
+              <a:rPr lang="en-IN" dirty="0" smtClean="0"/>
+              <a:t>To add a padding use padding:8px;</a:t>
+            </a:r>
+          </a:p>
+          <a:p>
+            <a:r>
+              <a:rPr lang="en-IN" dirty="0" smtClean="0"/>
+              <a:t>To make the corners rounded use border-radius:8px;</a:t>
+            </a:r>
+          </a:p>
+          <a:p>
+            <a:endParaRPr lang="en-GB" dirty="0" smtClean="0"/>
+          </a:p>
+          <a:p>
+            <a:endParaRPr lang="en-GB" dirty="0"/>
+          </a:p>
+        </p:txBody>
+      </p:sp>
+    </p:spTree>
+    <p:extLst>
+      <p:ext uri="{BB962C8B-B14F-4D97-AF65-F5344CB8AC3E}">
+        <p14:creationId xmlns:p14="http://schemas.microsoft.com/office/powerpoint/2010/main" val="1184804218"/>
+      </p:ext>
+    </p:extLst>
+  </p:cSld>
+  <p:clrMapOvr>
+    <a:masterClrMapping/>
+  </p:clrMapOvr>
+</p:sld>
+</file>
+
+<file path=ppt/slides/slide73.xml><?xml version="1.0" encoding="utf-8"?>
 <p:sld xmlns:a="http://schemas.openxmlformats.org/drawingml/2006/main" xmlns:r="http://schemas.openxmlformats.org/officeDocument/2006/relationships" xmlns:p="http://schemas.openxmlformats.org/presentationml/2006/main" showMasterSp="0">
   <p:cSld>
     <p:spTree>

--- a/PPT/Css-v5.pptx
+++ b/PPT/Css-v5.pptx
@@ -5,7 +5,7 @@
     <p:sldMasterId id="2147483660" r:id="rId1"/>
   </p:sldMasterIdLst>
   <p:notesMasterIdLst>
-    <p:notesMasterId r:id="rId75"/>
+    <p:notesMasterId r:id="rId76"/>
   </p:notesMasterIdLst>
   <p:sldIdLst>
     <p:sldId id="256" r:id="rId2"/>
@@ -80,7 +80,8 @@
     <p:sldId id="433" r:id="rId71"/>
     <p:sldId id="434" r:id="rId72"/>
     <p:sldId id="435" r:id="rId73"/>
-    <p:sldId id="268" r:id="rId74"/>
+    <p:sldId id="436" r:id="rId74"/>
+    <p:sldId id="268" r:id="rId75"/>
   </p:sldIdLst>
   <p:sldSz cx="12192000" cy="6858000"/>
   <p:notesSz cx="6858000" cy="9144000"/>
@@ -2610,6 +2611,119 @@
     <p:extLst>
       <p:ext uri="{BB962C8B-B14F-4D97-AF65-F5344CB8AC3E}">
         <p14:creationId xmlns:p14="http://schemas.microsoft.com/office/powerpoint/2010/main" val="2946382660"/>
+      </p:ext>
+    </p:extLst>
+  </p:cSld>
+  <p:clrMapOvr>
+    <a:masterClrMapping/>
+  </p:clrMapOvr>
+</p:notes>
+</file>
+
+<file path=ppt/notesSlides/notesSlide27.xml><?xml version="1.0" encoding="utf-8"?>
+<p:notes xmlns:a="http://schemas.openxmlformats.org/drawingml/2006/main" xmlns:r="http://schemas.openxmlformats.org/officeDocument/2006/relationships" xmlns:p="http://schemas.openxmlformats.org/presentationml/2006/main">
+  <p:cSld>
+    <p:spTree>
+      <p:nvGrpSpPr>
+        <p:cNvPr id="1" name=""/>
+        <p:cNvGrpSpPr/>
+        <p:nvPr/>
+      </p:nvGrpSpPr>
+      <p:grpSpPr>
+        <a:xfrm>
+          <a:off x="0" y="0"/>
+          <a:ext cx="0" cy="0"/>
+          <a:chOff x="0" y="0"/>
+          <a:chExt cx="0" cy="0"/>
+        </a:xfrm>
+      </p:grpSpPr>
+      <p:sp>
+        <p:nvSpPr>
+          <p:cNvPr id="2" name="Slide Image Placeholder 1"/>
+          <p:cNvSpPr>
+            <a:spLocks noGrp="1" noRot="1" noChangeAspect="1"/>
+          </p:cNvSpPr>
+          <p:nvPr>
+            <p:ph type="sldImg"/>
+          </p:nvPr>
+        </p:nvSpPr>
+        <p:spPr/>
+      </p:sp>
+      <p:sp>
+        <p:nvSpPr>
+          <p:cNvPr id="3" name="Notes Placeholder 2"/>
+          <p:cNvSpPr>
+            <a:spLocks noGrp="1"/>
+          </p:cNvSpPr>
+          <p:nvPr>
+            <p:ph type="body" idx="1"/>
+          </p:nvPr>
+        </p:nvSpPr>
+        <p:spPr/>
+        <p:txBody>
+          <a:bodyPr/>
+          <a:lstStyle/>
+          <a:p>
+            <a:r>
+              <a:rPr lang="en-IN" dirty="0" smtClean="0"/>
+              <a:t>Branch :</a:t>
+            </a:r>
+            <a:r>
+              <a:rPr lang="en-IN" sz="1200" kern="1200" dirty="0" err="1" smtClean="0">
+                <a:solidFill>
+                  <a:schemeClr val="tx1"/>
+                </a:solidFill>
+                <a:latin typeface="+mn-lt"/>
+                <a:ea typeface="+mn-ea"/>
+                <a:cs typeface="+mn-cs"/>
+              </a:rPr>
+              <a:t>PracticingTheBasics</a:t>
+            </a:r>
+            <a:endParaRPr lang="en-IN" dirty="0" smtClean="0"/>
+          </a:p>
+          <a:p>
+            <a:r>
+              <a:rPr lang="en-IN" dirty="0" smtClean="0"/>
+              <a:t>Commit : </a:t>
+            </a:r>
+            <a:r>
+              <a:rPr lang="en-IN" dirty="0" err="1" smtClean="0"/>
+              <a:t>StylingTheList</a:t>
+            </a:r>
+            <a:endParaRPr lang="en-IN" dirty="0" smtClean="0"/>
+          </a:p>
+          <a:p>
+            <a:endParaRPr lang="en-GB" dirty="0"/>
+          </a:p>
+        </p:txBody>
+      </p:sp>
+      <p:sp>
+        <p:nvSpPr>
+          <p:cNvPr id="4" name="Slide Number Placeholder 3"/>
+          <p:cNvSpPr>
+            <a:spLocks noGrp="1"/>
+          </p:cNvSpPr>
+          <p:nvPr>
+            <p:ph type="sldNum" sz="quarter" idx="10"/>
+          </p:nvPr>
+        </p:nvSpPr>
+        <p:spPr/>
+        <p:txBody>
+          <a:bodyPr/>
+          <a:lstStyle/>
+          <a:p>
+            <a:fld id="{D3B79ED6-4970-4D84-B25C-F520A9D9210C}" type="slidenum">
+              <a:rPr lang="en-GB" smtClean="0"/>
+              <a:t>73</a:t>
+            </a:fld>
+            <a:endParaRPr lang="en-GB"/>
+          </a:p>
+        </p:txBody>
+      </p:sp>
+    </p:spTree>
+    <p:extLst>
+      <p:ext uri="{BB962C8B-B14F-4D97-AF65-F5344CB8AC3E}">
+        <p14:creationId xmlns:p14="http://schemas.microsoft.com/office/powerpoint/2010/main" val="4164729576"/>
       </p:ext>
     </p:extLst>
   </p:cSld>
@@ -33240,6 +33354,185 @@
 </file>
 
 <file path=ppt/slides/slide73.xml><?xml version="1.0" encoding="utf-8"?>
+<p:sld xmlns:a="http://schemas.openxmlformats.org/drawingml/2006/main" xmlns:r="http://schemas.openxmlformats.org/officeDocument/2006/relationships" xmlns:p="http://schemas.openxmlformats.org/presentationml/2006/main">
+  <p:cSld>
+    <p:spTree>
+      <p:nvGrpSpPr>
+        <p:cNvPr id="1" name=""/>
+        <p:cNvGrpSpPr/>
+        <p:nvPr/>
+      </p:nvGrpSpPr>
+      <p:grpSpPr>
+        <a:xfrm>
+          <a:off x="0" y="0"/>
+          <a:ext cx="0" cy="0"/>
+          <a:chOff x="0" y="0"/>
+          <a:chExt cx="0" cy="0"/>
+        </a:xfrm>
+      </p:grpSpPr>
+      <p:sp>
+        <p:nvSpPr>
+          <p:cNvPr id="2" name="Title 1"/>
+          <p:cNvSpPr>
+            <a:spLocks noGrp="1"/>
+          </p:cNvSpPr>
+          <p:nvPr>
+            <p:ph type="title"/>
+          </p:nvPr>
+        </p:nvSpPr>
+        <p:spPr>
+          <a:xfrm>
+            <a:off x="791634" y="90054"/>
+            <a:ext cx="8596668" cy="491836"/>
+          </a:xfrm>
+        </p:spPr>
+        <p:txBody>
+          <a:bodyPr>
+            <a:normAutofit fontScale="90000"/>
+          </a:bodyPr>
+          <a:lstStyle/>
+          <a:p>
+            <a:r>
+              <a:rPr lang="en-GB" dirty="0"/>
+              <a:t>Styling our List</a:t>
+            </a:r>
+            <a:endParaRPr lang="en-GB" dirty="0"/>
+          </a:p>
+        </p:txBody>
+      </p:sp>
+      <p:sp>
+        <p:nvSpPr>
+          <p:cNvPr id="3" name="Content Placeholder 2"/>
+          <p:cNvSpPr>
+            <a:spLocks noGrp="1"/>
+          </p:cNvSpPr>
+          <p:nvPr>
+            <p:ph idx="1"/>
+          </p:nvPr>
+        </p:nvSpPr>
+        <p:spPr>
+          <a:xfrm>
+            <a:off x="677333" y="706583"/>
+            <a:ext cx="11126739" cy="5891644"/>
+          </a:xfrm>
+        </p:spPr>
+        <p:txBody>
+          <a:bodyPr/>
+          <a:lstStyle/>
+          <a:p>
+            <a:r>
+              <a:rPr lang="en-IN" dirty="0" smtClean="0"/>
+              <a:t>Lets style the bullet points in our plans.</a:t>
+            </a:r>
+          </a:p>
+          <a:p>
+            <a:r>
+              <a:rPr lang="en-IN" dirty="0" smtClean="0"/>
+              <a:t>Add a class </a:t>
+            </a:r>
+            <a:r>
+              <a:rPr lang="en-IN" dirty="0" err="1" smtClean="0"/>
+              <a:t>plan__features</a:t>
+            </a:r>
+            <a:r>
+              <a:rPr lang="en-IN" dirty="0" smtClean="0"/>
+              <a:t> on all &lt;</a:t>
+            </a:r>
+            <a:r>
+              <a:rPr lang="en-IN" dirty="0" err="1" smtClean="0"/>
+              <a:t>ul</a:t>
+            </a:r>
+            <a:r>
+              <a:rPr lang="en-IN" dirty="0" smtClean="0"/>
+              <a:t>&gt; tags in all plans and add a class selector for this class in our main.css file</a:t>
+            </a:r>
+          </a:p>
+          <a:p>
+            <a:r>
+              <a:rPr lang="en-IN" dirty="0" smtClean="0"/>
+              <a:t>Now lets remove the bullet points by setting </a:t>
+            </a:r>
+            <a:r>
+              <a:rPr lang="en-IN" dirty="0" err="1" smtClean="0"/>
+              <a:t>list-style:none</a:t>
+            </a:r>
+            <a:endParaRPr lang="en-IN" dirty="0" smtClean="0"/>
+          </a:p>
+          <a:p>
+            <a:r>
+              <a:rPr lang="en-IN" dirty="0" smtClean="0"/>
+              <a:t>Also lets get rid of all margin and padding set by the </a:t>
+            </a:r>
+            <a:r>
+              <a:rPr lang="en-IN" dirty="0" err="1" smtClean="0"/>
+              <a:t>ul</a:t>
+            </a:r>
+            <a:r>
+              <a:rPr lang="en-IN" dirty="0" smtClean="0"/>
+              <a:t> by setting margin:0 and padding:0</a:t>
+            </a:r>
+          </a:p>
+          <a:p>
+            <a:r>
+              <a:rPr lang="en-IN" dirty="0" smtClean="0"/>
+              <a:t>We can now set some space between the individual list item by setting the top and bottom margin to 8px and 0 to right and left .</a:t>
+            </a:r>
+          </a:p>
+          <a:p>
+            <a:r>
+              <a:rPr lang="en-IN" dirty="0" smtClean="0"/>
+              <a:t>We can set this style either by using a </a:t>
+            </a:r>
+            <a:r>
+              <a:rPr lang="en-IN" dirty="0" err="1" smtClean="0"/>
+              <a:t>combinator</a:t>
+            </a:r>
+            <a:r>
+              <a:rPr lang="en-IN" dirty="0" smtClean="0"/>
+              <a:t> like .</a:t>
+            </a:r>
+            <a:r>
+              <a:rPr lang="en-IN" dirty="0" err="1" smtClean="0"/>
+              <a:t>plan__features</a:t>
+            </a:r>
+            <a:r>
+              <a:rPr lang="en-IN" dirty="0" smtClean="0"/>
+              <a:t> li{ margin:8px 0px} or by assigning a class </a:t>
+            </a:r>
+            <a:r>
+              <a:rPr lang="en-IN" dirty="0" err="1" smtClean="0"/>
+              <a:t>plan__feature</a:t>
+            </a:r>
+            <a:r>
+              <a:rPr lang="en-IN" dirty="0" smtClean="0"/>
+              <a:t> to all li items I will be using a class to be in sync with the coding style followed in this project but using a </a:t>
+            </a:r>
+            <a:r>
+              <a:rPr lang="en-IN" dirty="0" err="1" smtClean="0"/>
+              <a:t>combinator</a:t>
+            </a:r>
+            <a:r>
+              <a:rPr lang="en-IN" dirty="0" smtClean="0"/>
+              <a:t> is absolutely fine</a:t>
+            </a:r>
+            <a:endParaRPr lang="en-GB" dirty="0"/>
+          </a:p>
+        </p:txBody>
+      </p:sp>
+    </p:spTree>
+    <p:extLst>
+      <p:ext uri="{BB962C8B-B14F-4D97-AF65-F5344CB8AC3E}">
+        <p14:creationId xmlns:p14="http://schemas.microsoft.com/office/powerpoint/2010/main" val="350564110"/>
+      </p:ext>
+    </p:extLst>
+  </p:cSld>
+  <p:clrMapOvr>
+    <a:masterClrMapping/>
+  </p:clrMapOvr>
+</p:sld>
+</file>
+
+<file path=ppt/slides/slide74.xml><?xml version="1.0" encoding="utf-8"?>
 <p:sld xmlns:a="http://schemas.openxmlformats.org/drawingml/2006/main" xmlns:r="http://schemas.openxmlformats.org/officeDocument/2006/relationships" xmlns:p="http://schemas.openxmlformats.org/presentationml/2006/main" showMasterSp="0">
   <p:cSld>
     <p:spTree>

--- a/PPT/Css-v5.pptx
+++ b/PPT/Css-v5.pptx
@@ -5,7 +5,7 @@
     <p:sldMasterId id="2147483660" r:id="rId1"/>
   </p:sldMasterIdLst>
   <p:notesMasterIdLst>
-    <p:notesMasterId r:id="rId76"/>
+    <p:notesMasterId r:id="rId77"/>
   </p:notesMasterIdLst>
   <p:sldIdLst>
     <p:sldId id="256" r:id="rId2"/>
@@ -81,7 +81,8 @@
     <p:sldId id="434" r:id="rId72"/>
     <p:sldId id="435" r:id="rId73"/>
     <p:sldId id="436" r:id="rId74"/>
-    <p:sldId id="268" r:id="rId75"/>
+    <p:sldId id="437" r:id="rId75"/>
+    <p:sldId id="268" r:id="rId76"/>
   </p:sldIdLst>
   <p:sldSz cx="12192000" cy="6858000"/>
   <p:notesSz cx="6858000" cy="9144000"/>
@@ -2724,6 +2725,119 @@
     <p:extLst>
       <p:ext uri="{BB962C8B-B14F-4D97-AF65-F5344CB8AC3E}">
         <p14:creationId xmlns:p14="http://schemas.microsoft.com/office/powerpoint/2010/main" val="4164729576"/>
+      </p:ext>
+    </p:extLst>
+  </p:cSld>
+  <p:clrMapOvr>
+    <a:masterClrMapping/>
+  </p:clrMapOvr>
+</p:notes>
+</file>
+
+<file path=ppt/notesSlides/notesSlide28.xml><?xml version="1.0" encoding="utf-8"?>
+<p:notes xmlns:a="http://schemas.openxmlformats.org/drawingml/2006/main" xmlns:r="http://schemas.openxmlformats.org/officeDocument/2006/relationships" xmlns:p="http://schemas.openxmlformats.org/presentationml/2006/main">
+  <p:cSld>
+    <p:spTree>
+      <p:nvGrpSpPr>
+        <p:cNvPr id="1" name=""/>
+        <p:cNvGrpSpPr/>
+        <p:nvPr/>
+      </p:nvGrpSpPr>
+      <p:grpSpPr>
+        <a:xfrm>
+          <a:off x="0" y="0"/>
+          <a:ext cx="0" cy="0"/>
+          <a:chOff x="0" y="0"/>
+          <a:chExt cx="0" cy="0"/>
+        </a:xfrm>
+      </p:grpSpPr>
+      <p:sp>
+        <p:nvSpPr>
+          <p:cNvPr id="2" name="Slide Image Placeholder 1"/>
+          <p:cNvSpPr>
+            <a:spLocks noGrp="1" noRot="1" noChangeAspect="1"/>
+          </p:cNvSpPr>
+          <p:nvPr>
+            <p:ph type="sldImg"/>
+          </p:nvPr>
+        </p:nvSpPr>
+        <p:spPr/>
+      </p:sp>
+      <p:sp>
+        <p:nvSpPr>
+          <p:cNvPr id="3" name="Notes Placeholder 2"/>
+          <p:cNvSpPr>
+            <a:spLocks noGrp="1"/>
+          </p:cNvSpPr>
+          <p:nvPr>
+            <p:ph type="body" idx="1"/>
+          </p:nvPr>
+        </p:nvSpPr>
+        <p:spPr/>
+        <p:txBody>
+          <a:bodyPr/>
+          <a:lstStyle/>
+          <a:p>
+            <a:r>
+              <a:rPr lang="en-IN" dirty="0" smtClean="0"/>
+              <a:t>Branch :</a:t>
+            </a:r>
+            <a:r>
+              <a:rPr lang="en-IN" sz="1200" kern="1200" dirty="0" err="1" smtClean="0">
+                <a:solidFill>
+                  <a:schemeClr val="tx1"/>
+                </a:solidFill>
+                <a:latin typeface="+mn-lt"/>
+                <a:ea typeface="+mn-ea"/>
+                <a:cs typeface="+mn-cs"/>
+              </a:rPr>
+              <a:t>PracticingTheBasics</a:t>
+            </a:r>
+            <a:endParaRPr lang="en-IN" dirty="0" smtClean="0"/>
+          </a:p>
+          <a:p>
+            <a:r>
+              <a:rPr lang="en-IN" dirty="0" smtClean="0"/>
+              <a:t>Commit : </a:t>
+            </a:r>
+            <a:r>
+              <a:rPr lang="en-IN" dirty="0" err="1" smtClean="0"/>
+              <a:t>TitleAndPrice</a:t>
+            </a:r>
+            <a:endParaRPr lang="en-IN" dirty="0" smtClean="0"/>
+          </a:p>
+          <a:p>
+            <a:endParaRPr lang="en-GB" dirty="0"/>
+          </a:p>
+        </p:txBody>
+      </p:sp>
+      <p:sp>
+        <p:nvSpPr>
+          <p:cNvPr id="4" name="Slide Number Placeholder 3"/>
+          <p:cNvSpPr>
+            <a:spLocks noGrp="1"/>
+          </p:cNvSpPr>
+          <p:nvPr>
+            <p:ph type="sldNum" sz="quarter" idx="10"/>
+          </p:nvPr>
+        </p:nvSpPr>
+        <p:spPr/>
+        <p:txBody>
+          <a:bodyPr/>
+          <a:lstStyle/>
+          <a:p>
+            <a:fld id="{D3B79ED6-4970-4D84-B25C-F520A9D9210C}" type="slidenum">
+              <a:rPr lang="en-GB" smtClean="0"/>
+              <a:t>74</a:t>
+            </a:fld>
+            <a:endParaRPr lang="en-GB"/>
+          </a:p>
+        </p:txBody>
+      </p:sp>
+    </p:spTree>
+    <p:extLst>
+      <p:ext uri="{BB962C8B-B14F-4D97-AF65-F5344CB8AC3E}">
+        <p14:creationId xmlns:p14="http://schemas.microsoft.com/office/powerpoint/2010/main" val="3487636982"/>
       </p:ext>
     </p:extLst>
   </p:cSld>
@@ -33396,7 +33510,6 @@
               <a:rPr lang="en-GB" dirty="0"/>
               <a:t>Styling our List</a:t>
             </a:r>
-            <a:endParaRPr lang="en-GB" dirty="0"/>
           </a:p>
         </p:txBody>
       </p:sp>
@@ -33533,6 +33646,308 @@
 </file>
 
 <file path=ppt/slides/slide74.xml><?xml version="1.0" encoding="utf-8"?>
+<p:sld xmlns:a="http://schemas.openxmlformats.org/drawingml/2006/main" xmlns:r="http://schemas.openxmlformats.org/officeDocument/2006/relationships" xmlns:p="http://schemas.openxmlformats.org/presentationml/2006/main">
+  <p:cSld>
+    <p:spTree>
+      <p:nvGrpSpPr>
+        <p:cNvPr id="1" name=""/>
+        <p:cNvGrpSpPr/>
+        <p:nvPr/>
+      </p:nvGrpSpPr>
+      <p:grpSpPr>
+        <a:xfrm>
+          <a:off x="0" y="0"/>
+          <a:ext cx="0" cy="0"/>
+          <a:chOff x="0" y="0"/>
+          <a:chExt cx="0" cy="0"/>
+        </a:xfrm>
+      </p:grpSpPr>
+      <p:sp>
+        <p:nvSpPr>
+          <p:cNvPr id="2" name="Title 1"/>
+          <p:cNvSpPr>
+            <a:spLocks noGrp="1"/>
+          </p:cNvSpPr>
+          <p:nvPr>
+            <p:ph type="title"/>
+          </p:nvPr>
+        </p:nvSpPr>
+        <p:spPr>
+          <a:xfrm>
+            <a:off x="677334" y="100446"/>
+            <a:ext cx="11355339" cy="595745"/>
+          </a:xfrm>
+        </p:spPr>
+        <p:txBody>
+          <a:bodyPr>
+            <a:normAutofit fontScale="90000"/>
+          </a:bodyPr>
+          <a:lstStyle/>
+          <a:p>
+            <a:r>
+              <a:rPr lang="en-IN" dirty="0"/>
+              <a:t>Working on the Title and the Price of our Packages</a:t>
+            </a:r>
+            <a:endParaRPr lang="en-GB" dirty="0"/>
+          </a:p>
+        </p:txBody>
+      </p:sp>
+      <p:sp>
+        <p:nvSpPr>
+          <p:cNvPr id="3" name="Content Placeholder 2"/>
+          <p:cNvSpPr>
+            <a:spLocks noGrp="1"/>
+          </p:cNvSpPr>
+          <p:nvPr>
+            <p:ph idx="1"/>
+          </p:nvPr>
+        </p:nvSpPr>
+        <p:spPr>
+          <a:xfrm>
+            <a:off x="677333" y="852055"/>
+            <a:ext cx="11241039" cy="5756563"/>
+          </a:xfrm>
+        </p:spPr>
+        <p:txBody>
+          <a:bodyPr/>
+          <a:lstStyle/>
+          <a:p>
+            <a:r>
+              <a:rPr lang="en-IN" dirty="0" smtClean="0"/>
+              <a:t>Lets work on the title and price of our packages</a:t>
+            </a:r>
+          </a:p>
+          <a:p>
+            <a:r>
+              <a:rPr lang="en-IN" dirty="0" smtClean="0"/>
+              <a:t>Lets add a class </a:t>
+            </a:r>
+            <a:r>
+              <a:rPr lang="en-IN" dirty="0" err="1" smtClean="0"/>
+              <a:t>plan__title</a:t>
+            </a:r>
+            <a:r>
+              <a:rPr lang="en-IN" dirty="0" smtClean="0"/>
+              <a:t> and </a:t>
+            </a:r>
+            <a:r>
+              <a:rPr lang="en-IN" dirty="0" err="1" smtClean="0"/>
+              <a:t>plan__price</a:t>
+            </a:r>
+            <a:r>
+              <a:rPr lang="en-IN" dirty="0" smtClean="0"/>
+              <a:t> respectively to the title and price of all plans </a:t>
+            </a:r>
+            <a:r>
+              <a:rPr lang="en-IN" dirty="0" err="1" smtClean="0"/>
+              <a:t>i.e</a:t>
+            </a:r>
+            <a:r>
+              <a:rPr lang="en-IN" dirty="0" smtClean="0"/>
+              <a:t> add these classes to  the &lt;h1&gt; and &lt;h2&gt; tags representing title and plan respectively</a:t>
+            </a:r>
+          </a:p>
+          <a:p>
+            <a:r>
+              <a:rPr lang="en-IN" dirty="0" smtClean="0"/>
+              <a:t>Add class selectors for these classes to our main.css .</a:t>
+            </a:r>
+            <a:r>
+              <a:rPr lang="en-IN" dirty="0" err="1" smtClean="0"/>
+              <a:t>plan__title</a:t>
+            </a:r>
+            <a:r>
+              <a:rPr lang="en-IN" dirty="0" smtClean="0"/>
+              <a:t> {} and .</a:t>
+            </a:r>
+            <a:r>
+              <a:rPr lang="en-IN" dirty="0" err="1" smtClean="0"/>
+              <a:t>plan__price</a:t>
+            </a:r>
+            <a:r>
+              <a:rPr lang="en-IN" dirty="0" smtClean="0"/>
+              <a:t>{}</a:t>
+            </a:r>
+          </a:p>
+          <a:p>
+            <a:r>
+              <a:rPr lang="en-IN" dirty="0" smtClean="0"/>
+              <a:t>Lets change the </a:t>
+            </a:r>
+            <a:r>
+              <a:rPr lang="en-IN" dirty="0" err="1" smtClean="0"/>
+              <a:t>color</a:t>
+            </a:r>
+            <a:r>
+              <a:rPr lang="en-IN" dirty="0" smtClean="0"/>
+              <a:t> of our title to dark green </a:t>
+            </a:r>
+            <a:r>
+              <a:rPr lang="en-IN" dirty="0" err="1" smtClean="0"/>
+              <a:t>color</a:t>
+            </a:r>
+            <a:r>
+              <a:rPr lang="en-IN" dirty="0" smtClean="0"/>
+              <a:t>:#0e4f1f;</a:t>
+            </a:r>
+          </a:p>
+          <a:p>
+            <a:r>
+              <a:rPr lang="en-IN" dirty="0" smtClean="0"/>
+              <a:t>Lets change the </a:t>
+            </a:r>
+            <a:r>
+              <a:rPr lang="en-IN" dirty="0" err="1" smtClean="0"/>
+              <a:t>color</a:t>
+            </a:r>
+            <a:r>
+              <a:rPr lang="en-IN" dirty="0" smtClean="0"/>
+              <a:t> of our price to grey </a:t>
+            </a:r>
+            <a:r>
+              <a:rPr lang="en-IN" dirty="0" err="1" smtClean="0"/>
+              <a:t>color</a:t>
+            </a:r>
+            <a:r>
+              <a:rPr lang="en-IN" dirty="0" smtClean="0"/>
+              <a:t>:#858585;</a:t>
+            </a:r>
+          </a:p>
+          <a:p>
+            <a:r>
+              <a:rPr lang="en-IN" dirty="0" smtClean="0"/>
+              <a:t>Although these colours look good but they don’t look so good on our recommended plan because of the background so lets override it for the recommended plan using combinators</a:t>
+            </a:r>
+          </a:p>
+          <a:p>
+            <a:r>
+              <a:rPr lang="en-IN" dirty="0" smtClean="0"/>
+              <a:t>So add a </a:t>
+            </a:r>
+            <a:r>
+              <a:rPr lang="en-IN" dirty="0" err="1" smtClean="0"/>
+              <a:t>combinator</a:t>
+            </a:r>
+            <a:r>
+              <a:rPr lang="en-IN" dirty="0" smtClean="0"/>
+              <a:t> for title of our recommended plan as  .plan--highlighted .</a:t>
+            </a:r>
+            <a:r>
+              <a:rPr lang="en-IN" dirty="0" err="1" smtClean="0"/>
+              <a:t>plan__title</a:t>
+            </a:r>
+            <a:r>
+              <a:rPr lang="en-IN" dirty="0" smtClean="0"/>
+              <a:t>{} override the </a:t>
+            </a:r>
+            <a:r>
+              <a:rPr lang="en-IN" dirty="0" err="1" smtClean="0"/>
+              <a:t>color</a:t>
+            </a:r>
+            <a:r>
+              <a:rPr lang="en-IN" dirty="0" smtClean="0"/>
+              <a:t> to white </a:t>
+            </a:r>
+            <a:r>
+              <a:rPr lang="en-IN" dirty="0" err="1" smtClean="0"/>
+              <a:t>color:white</a:t>
+            </a:r>
+            <a:endParaRPr lang="en-IN" dirty="0" smtClean="0"/>
+          </a:p>
+          <a:p>
+            <a:r>
+              <a:rPr lang="en-IN" dirty="0"/>
+              <a:t>So add a </a:t>
+            </a:r>
+            <a:r>
+              <a:rPr lang="en-IN" dirty="0" err="1"/>
+              <a:t>combinator</a:t>
+            </a:r>
+            <a:r>
+              <a:rPr lang="en-IN" dirty="0"/>
+              <a:t> for </a:t>
+            </a:r>
+            <a:r>
+              <a:rPr lang="en-IN" dirty="0" smtClean="0"/>
+              <a:t>price </a:t>
+            </a:r>
+            <a:r>
+              <a:rPr lang="en-IN" dirty="0"/>
+              <a:t>of our recommended plan as  .</a:t>
+            </a:r>
+            <a:r>
+              <a:rPr lang="en-IN" dirty="0" smtClean="0"/>
+              <a:t>plan--highlighted </a:t>
+            </a:r>
+            <a:r>
+              <a:rPr lang="en-IN" dirty="0"/>
+              <a:t>.</a:t>
+            </a:r>
+            <a:r>
+              <a:rPr lang="en-IN" dirty="0" err="1"/>
+              <a:t>plan</a:t>
+            </a:r>
+            <a:r>
+              <a:rPr lang="en-IN" dirty="0" err="1" smtClean="0"/>
+              <a:t>__price</a:t>
+            </a:r>
+            <a:r>
+              <a:rPr lang="en-IN" dirty="0" smtClean="0"/>
+              <a:t>{} </a:t>
+            </a:r>
+            <a:r>
+              <a:rPr lang="en-IN" dirty="0"/>
+              <a:t>override the </a:t>
+            </a:r>
+            <a:r>
+              <a:rPr lang="en-IN" dirty="0" err="1"/>
+              <a:t>color</a:t>
+            </a:r>
+            <a:r>
+              <a:rPr lang="en-IN" dirty="0"/>
+              <a:t> to </a:t>
+            </a:r>
+            <a:r>
+              <a:rPr lang="en-IN" dirty="0" smtClean="0"/>
+              <a:t>dark green again  </a:t>
+            </a:r>
+            <a:r>
+              <a:rPr lang="en-IN" dirty="0" err="1" smtClean="0"/>
+              <a:t>color</a:t>
+            </a:r>
+            <a:r>
+              <a:rPr lang="en-IN" dirty="0" smtClean="0"/>
+              <a:t>:</a:t>
+            </a:r>
+            <a:r>
+              <a:rPr lang="en-IN" dirty="0"/>
+              <a:t> :#</a:t>
+            </a:r>
+            <a:r>
+              <a:rPr lang="en-IN" dirty="0" smtClean="0"/>
+              <a:t>0e4f1f;</a:t>
+            </a:r>
+            <a:endParaRPr lang="en-IN" dirty="0"/>
+          </a:p>
+          <a:p>
+            <a:endParaRPr lang="en-GB" dirty="0"/>
+          </a:p>
+        </p:txBody>
+      </p:sp>
+    </p:spTree>
+    <p:extLst>
+      <p:ext uri="{BB962C8B-B14F-4D97-AF65-F5344CB8AC3E}">
+        <p14:creationId xmlns:p14="http://schemas.microsoft.com/office/powerpoint/2010/main" val="4015822436"/>
+      </p:ext>
+    </p:extLst>
+  </p:cSld>
+  <p:clrMapOvr>
+    <a:masterClrMapping/>
+  </p:clrMapOvr>
+</p:sld>
+</file>
+
+<file path=ppt/slides/slide75.xml><?xml version="1.0" encoding="utf-8"?>
 <p:sld xmlns:a="http://schemas.openxmlformats.org/drawingml/2006/main" xmlns:r="http://schemas.openxmlformats.org/officeDocument/2006/relationships" xmlns:p="http://schemas.openxmlformats.org/presentationml/2006/main" showMasterSp="0">
   <p:cSld>
     <p:spTree>

--- a/PPT/Css-v5.pptx
+++ b/PPT/Css-v5.pptx
@@ -5,7 +5,7 @@
     <p:sldMasterId id="2147483660" r:id="rId1"/>
   </p:sldMasterIdLst>
   <p:notesMasterIdLst>
-    <p:notesMasterId r:id="rId77"/>
+    <p:notesMasterId r:id="rId79"/>
   </p:notesMasterIdLst>
   <p:sldIdLst>
     <p:sldId id="256" r:id="rId2"/>
@@ -82,7 +82,9 @@
     <p:sldId id="435" r:id="rId73"/>
     <p:sldId id="436" r:id="rId74"/>
     <p:sldId id="437" r:id="rId75"/>
-    <p:sldId id="268" r:id="rId76"/>
+    <p:sldId id="438" r:id="rId76"/>
+    <p:sldId id="439" r:id="rId77"/>
+    <p:sldId id="268" r:id="rId78"/>
   </p:sldIdLst>
   <p:sldSz cx="12192000" cy="6858000"/>
   <p:notesSz cx="6858000" cy="9144000"/>
@@ -271,7 +273,7 @@
           <a:p>
             <a:fld id="{39CD3BCA-8732-46CA-ADDD-C24F968DBEAF}" type="datetimeFigureOut">
               <a:rPr lang="en-GB" smtClean="0"/>
-              <a:t>21/11/2020</a:t>
+              <a:t>24/11/2020</a:t>
             </a:fld>
             <a:endParaRPr lang="en-GB"/>
           </a:p>
@@ -2847,6 +2849,119 @@
 </p:notes>
 </file>
 
+<file path=ppt/notesSlides/notesSlide29.xml><?xml version="1.0" encoding="utf-8"?>
+<p:notes xmlns:a="http://schemas.openxmlformats.org/drawingml/2006/main" xmlns:r="http://schemas.openxmlformats.org/officeDocument/2006/relationships" xmlns:p="http://schemas.openxmlformats.org/presentationml/2006/main">
+  <p:cSld>
+    <p:spTree>
+      <p:nvGrpSpPr>
+        <p:cNvPr id="1" name=""/>
+        <p:cNvGrpSpPr/>
+        <p:nvPr/>
+      </p:nvGrpSpPr>
+      <p:grpSpPr>
+        <a:xfrm>
+          <a:off x="0" y="0"/>
+          <a:ext cx="0" cy="0"/>
+          <a:chOff x="0" y="0"/>
+          <a:chExt cx="0" cy="0"/>
+        </a:xfrm>
+      </p:grpSpPr>
+      <p:sp>
+        <p:nvSpPr>
+          <p:cNvPr id="2" name="Slide Image Placeholder 1"/>
+          <p:cNvSpPr>
+            <a:spLocks noGrp="1" noRot="1" noChangeAspect="1"/>
+          </p:cNvSpPr>
+          <p:nvPr>
+            <p:ph type="sldImg"/>
+          </p:nvPr>
+        </p:nvSpPr>
+        <p:spPr/>
+      </p:sp>
+      <p:sp>
+        <p:nvSpPr>
+          <p:cNvPr id="3" name="Notes Placeholder 2"/>
+          <p:cNvSpPr>
+            <a:spLocks noGrp="1"/>
+          </p:cNvSpPr>
+          <p:nvPr>
+            <p:ph type="body" idx="1"/>
+          </p:nvPr>
+        </p:nvSpPr>
+        <p:spPr/>
+        <p:txBody>
+          <a:bodyPr/>
+          <a:lstStyle/>
+          <a:p>
+            <a:r>
+              <a:rPr lang="en-IN" dirty="0" smtClean="0"/>
+              <a:t>Branch :</a:t>
+            </a:r>
+            <a:r>
+              <a:rPr lang="en-IN" sz="1200" kern="1200" dirty="0" err="1" smtClean="0">
+                <a:solidFill>
+                  <a:schemeClr val="tx1"/>
+                </a:solidFill>
+                <a:latin typeface="+mn-lt"/>
+                <a:ea typeface="+mn-ea"/>
+                <a:cs typeface="+mn-cs"/>
+              </a:rPr>
+              <a:t>PracticingTheBasics</a:t>
+            </a:r>
+            <a:endParaRPr lang="en-IN" dirty="0" smtClean="0"/>
+          </a:p>
+          <a:p>
+            <a:r>
+              <a:rPr lang="en-IN" dirty="0" smtClean="0"/>
+              <a:t>Commit : </a:t>
+            </a:r>
+            <a:r>
+              <a:rPr lang="en-IN" dirty="0" err="1" smtClean="0"/>
+              <a:t>ImprovingActionButton</a:t>
+            </a:r>
+            <a:endParaRPr lang="en-IN" dirty="0" smtClean="0"/>
+          </a:p>
+          <a:p>
+            <a:endParaRPr lang="en-GB" dirty="0"/>
+          </a:p>
+        </p:txBody>
+      </p:sp>
+      <p:sp>
+        <p:nvSpPr>
+          <p:cNvPr id="4" name="Slide Number Placeholder 3"/>
+          <p:cNvSpPr>
+            <a:spLocks noGrp="1"/>
+          </p:cNvSpPr>
+          <p:nvPr>
+            <p:ph type="sldNum" sz="quarter" idx="10"/>
+          </p:nvPr>
+        </p:nvSpPr>
+        <p:spPr/>
+        <p:txBody>
+          <a:bodyPr/>
+          <a:lstStyle/>
+          <a:p>
+            <a:fld id="{D3B79ED6-4970-4D84-B25C-F520A9D9210C}" type="slidenum">
+              <a:rPr lang="en-GB" smtClean="0"/>
+              <a:t>75</a:t>
+            </a:fld>
+            <a:endParaRPr lang="en-GB"/>
+          </a:p>
+        </p:txBody>
+      </p:sp>
+    </p:spTree>
+    <p:extLst>
+      <p:ext uri="{BB962C8B-B14F-4D97-AF65-F5344CB8AC3E}">
+        <p14:creationId xmlns:p14="http://schemas.microsoft.com/office/powerpoint/2010/main" val="3033823183"/>
+      </p:ext>
+    </p:extLst>
+  </p:cSld>
+  <p:clrMapOvr>
+    <a:masterClrMapping/>
+  </p:clrMapOvr>
+</p:notes>
+</file>
+
 <file path=ppt/notesSlides/notesSlide3.xml><?xml version="1.0" encoding="utf-8"?>
 <p:notes xmlns:a="http://schemas.openxmlformats.org/drawingml/2006/main" xmlns:r="http://schemas.openxmlformats.org/officeDocument/2006/relationships" xmlns:p="http://schemas.openxmlformats.org/presentationml/2006/main">
   <p:cSld>
@@ -2995,6 +3110,119 @@
     <p:extLst>
       <p:ext uri="{BB962C8B-B14F-4D97-AF65-F5344CB8AC3E}">
         <p14:creationId xmlns:p14="http://schemas.microsoft.com/office/powerpoint/2010/main" val="4161039779"/>
+      </p:ext>
+    </p:extLst>
+  </p:cSld>
+  <p:clrMapOvr>
+    <a:masterClrMapping/>
+  </p:clrMapOvr>
+</p:notes>
+</file>
+
+<file path=ppt/notesSlides/notesSlide30.xml><?xml version="1.0" encoding="utf-8"?>
+<p:notes xmlns:a="http://schemas.openxmlformats.org/drawingml/2006/main" xmlns:r="http://schemas.openxmlformats.org/officeDocument/2006/relationships" xmlns:p="http://schemas.openxmlformats.org/presentationml/2006/main">
+  <p:cSld>
+    <p:spTree>
+      <p:nvGrpSpPr>
+        <p:cNvPr id="1" name=""/>
+        <p:cNvGrpSpPr/>
+        <p:nvPr/>
+      </p:nvGrpSpPr>
+      <p:grpSpPr>
+        <a:xfrm>
+          <a:off x="0" y="0"/>
+          <a:ext cx="0" cy="0"/>
+          <a:chOff x="0" y="0"/>
+          <a:chExt cx="0" cy="0"/>
+        </a:xfrm>
+      </p:grpSpPr>
+      <p:sp>
+        <p:nvSpPr>
+          <p:cNvPr id="2" name="Slide Image Placeholder 1"/>
+          <p:cNvSpPr>
+            <a:spLocks noGrp="1" noRot="1" noChangeAspect="1"/>
+          </p:cNvSpPr>
+          <p:nvPr>
+            <p:ph type="sldImg"/>
+          </p:nvPr>
+        </p:nvSpPr>
+        <p:spPr/>
+      </p:sp>
+      <p:sp>
+        <p:nvSpPr>
+          <p:cNvPr id="3" name="Notes Placeholder 2"/>
+          <p:cNvSpPr>
+            <a:spLocks noGrp="1"/>
+          </p:cNvSpPr>
+          <p:nvPr>
+            <p:ph type="body" idx="1"/>
+          </p:nvPr>
+        </p:nvSpPr>
+        <p:spPr/>
+        <p:txBody>
+          <a:bodyPr/>
+          <a:lstStyle/>
+          <a:p>
+            <a:r>
+              <a:rPr lang="en-IN" dirty="0" smtClean="0"/>
+              <a:t>Branch :</a:t>
+            </a:r>
+            <a:r>
+              <a:rPr lang="en-IN" sz="1200" kern="1200" dirty="0" err="1" smtClean="0">
+                <a:solidFill>
+                  <a:schemeClr val="tx1"/>
+                </a:solidFill>
+                <a:latin typeface="+mn-lt"/>
+                <a:ea typeface="+mn-ea"/>
+                <a:cs typeface="+mn-cs"/>
+              </a:rPr>
+              <a:t>PracticingTheBasics</a:t>
+            </a:r>
+            <a:endParaRPr lang="en-IN" dirty="0" smtClean="0"/>
+          </a:p>
+          <a:p>
+            <a:r>
+              <a:rPr lang="en-IN" dirty="0" smtClean="0"/>
+              <a:t>Commit : </a:t>
+            </a:r>
+            <a:r>
+              <a:rPr lang="en-IN" dirty="0" err="1" smtClean="0"/>
+              <a:t>ImprovingActionButton</a:t>
+            </a:r>
+            <a:endParaRPr lang="en-IN" dirty="0" smtClean="0"/>
+          </a:p>
+          <a:p>
+            <a:endParaRPr lang="en-GB" dirty="0"/>
+          </a:p>
+        </p:txBody>
+      </p:sp>
+      <p:sp>
+        <p:nvSpPr>
+          <p:cNvPr id="4" name="Slide Number Placeholder 3"/>
+          <p:cNvSpPr>
+            <a:spLocks noGrp="1"/>
+          </p:cNvSpPr>
+          <p:nvPr>
+            <p:ph type="sldNum" sz="quarter" idx="10"/>
+          </p:nvPr>
+        </p:nvSpPr>
+        <p:spPr/>
+        <p:txBody>
+          <a:bodyPr/>
+          <a:lstStyle/>
+          <a:p>
+            <a:fld id="{D3B79ED6-4970-4D84-B25C-F520A9D9210C}" type="slidenum">
+              <a:rPr lang="en-GB" smtClean="0"/>
+              <a:t>76</a:t>
+            </a:fld>
+            <a:endParaRPr lang="en-GB"/>
+          </a:p>
+        </p:txBody>
+      </p:sp>
+    </p:spTree>
+    <p:extLst>
+      <p:ext uri="{BB962C8B-B14F-4D97-AF65-F5344CB8AC3E}">
+        <p14:creationId xmlns:p14="http://schemas.microsoft.com/office/powerpoint/2010/main" val="981932058"/>
       </p:ext>
     </p:extLst>
   </p:cSld>
@@ -4595,7 +4823,7 @@
           <a:p>
             <a:fld id="{D4BA8270-C9CF-44CA-BE5A-02C2BDCCEDE4}" type="datetimeFigureOut">
               <a:rPr lang="en-GB" smtClean="0"/>
-              <a:t>21/11/2020</a:t>
+              <a:t>24/11/2020</a:t>
             </a:fld>
             <a:endParaRPr lang="en-GB"/>
           </a:p>
@@ -4846,7 +5074,7 @@
           <a:p>
             <a:fld id="{D4BA8270-C9CF-44CA-BE5A-02C2BDCCEDE4}" type="datetimeFigureOut">
               <a:rPr lang="en-GB" smtClean="0"/>
-              <a:t>21/11/2020</a:t>
+              <a:t>24/11/2020</a:t>
             </a:fld>
             <a:endParaRPr lang="en-GB"/>
           </a:p>
@@ -5160,7 +5388,7 @@
           <a:p>
             <a:fld id="{D4BA8270-C9CF-44CA-BE5A-02C2BDCCEDE4}" type="datetimeFigureOut">
               <a:rPr lang="en-GB" smtClean="0"/>
-              <a:t>21/11/2020</a:t>
+              <a:t>24/11/2020</a:t>
             </a:fld>
             <a:endParaRPr lang="en-GB"/>
           </a:p>
@@ -5501,7 +5729,7 @@
           <a:p>
             <a:fld id="{D4BA8270-C9CF-44CA-BE5A-02C2BDCCEDE4}" type="datetimeFigureOut">
               <a:rPr lang="en-GB" smtClean="0"/>
-              <a:t>21/11/2020</a:t>
+              <a:t>24/11/2020</a:t>
             </a:fld>
             <a:endParaRPr lang="en-GB"/>
           </a:p>
@@ -5815,7 +6043,7 @@
           <a:p>
             <a:fld id="{D4BA8270-C9CF-44CA-BE5A-02C2BDCCEDE4}" type="datetimeFigureOut">
               <a:rPr lang="en-GB" smtClean="0"/>
-              <a:t>21/11/2020</a:t>
+              <a:t>24/11/2020</a:t>
             </a:fld>
             <a:endParaRPr lang="en-GB"/>
           </a:p>
@@ -6208,7 +6436,7 @@
           <a:p>
             <a:fld id="{D4BA8270-C9CF-44CA-BE5A-02C2BDCCEDE4}" type="datetimeFigureOut">
               <a:rPr lang="en-GB" smtClean="0"/>
-              <a:t>21/11/2020</a:t>
+              <a:t>24/11/2020</a:t>
             </a:fld>
             <a:endParaRPr lang="en-GB"/>
           </a:p>
@@ -6378,7 +6606,7 @@
           <a:p>
             <a:fld id="{D4BA8270-C9CF-44CA-BE5A-02C2BDCCEDE4}" type="datetimeFigureOut">
               <a:rPr lang="en-GB" smtClean="0"/>
-              <a:t>21/11/2020</a:t>
+              <a:t>24/11/2020</a:t>
             </a:fld>
             <a:endParaRPr lang="en-GB"/>
           </a:p>
@@ -6558,7 +6786,7 @@
           <a:p>
             <a:fld id="{D4BA8270-C9CF-44CA-BE5A-02C2BDCCEDE4}" type="datetimeFigureOut">
               <a:rPr lang="en-GB" smtClean="0"/>
-              <a:t>21/11/2020</a:t>
+              <a:t>24/11/2020</a:t>
             </a:fld>
             <a:endParaRPr lang="en-GB"/>
           </a:p>
@@ -6734,7 +6962,7 @@
           <a:p>
             <a:fld id="{D4BA8270-C9CF-44CA-BE5A-02C2BDCCEDE4}" type="datetimeFigureOut">
               <a:rPr lang="en-GB" smtClean="0"/>
-              <a:t>21/11/2020</a:t>
+              <a:t>24/11/2020</a:t>
             </a:fld>
             <a:endParaRPr lang="en-GB"/>
           </a:p>
@@ -6981,7 +7209,7 @@
           <a:p>
             <a:fld id="{D4BA8270-C9CF-44CA-BE5A-02C2BDCCEDE4}" type="datetimeFigureOut">
               <a:rPr lang="en-GB" smtClean="0"/>
-              <a:t>21/11/2020</a:t>
+              <a:t>24/11/2020</a:t>
             </a:fld>
             <a:endParaRPr lang="en-GB"/>
           </a:p>
@@ -7213,7 +7441,7 @@
           <a:p>
             <a:fld id="{D4BA8270-C9CF-44CA-BE5A-02C2BDCCEDE4}" type="datetimeFigureOut">
               <a:rPr lang="en-GB" smtClean="0"/>
-              <a:t>21/11/2020</a:t>
+              <a:t>24/11/2020</a:t>
             </a:fld>
             <a:endParaRPr lang="en-GB"/>
           </a:p>
@@ -7587,7 +7815,7 @@
           <a:p>
             <a:fld id="{D4BA8270-C9CF-44CA-BE5A-02C2BDCCEDE4}" type="datetimeFigureOut">
               <a:rPr lang="en-GB" smtClean="0"/>
-              <a:t>21/11/2020</a:t>
+              <a:t>24/11/2020</a:t>
             </a:fld>
             <a:endParaRPr lang="en-GB"/>
           </a:p>
@@ -7710,7 +7938,7 @@
           <a:p>
             <a:fld id="{D4BA8270-C9CF-44CA-BE5A-02C2BDCCEDE4}" type="datetimeFigureOut">
               <a:rPr lang="en-GB" smtClean="0"/>
-              <a:t>21/11/2020</a:t>
+              <a:t>24/11/2020</a:t>
             </a:fld>
             <a:endParaRPr lang="en-GB"/>
           </a:p>
@@ -7805,7 +8033,7 @@
           <a:p>
             <a:fld id="{D4BA8270-C9CF-44CA-BE5A-02C2BDCCEDE4}" type="datetimeFigureOut">
               <a:rPr lang="en-GB" smtClean="0"/>
-              <a:t>21/11/2020</a:t>
+              <a:t>24/11/2020</a:t>
             </a:fld>
             <a:endParaRPr lang="en-GB"/>
           </a:p>
@@ -8060,7 +8288,7 @@
           <a:p>
             <a:fld id="{D4BA8270-C9CF-44CA-BE5A-02C2BDCCEDE4}" type="datetimeFigureOut">
               <a:rPr lang="en-GB" smtClean="0"/>
-              <a:t>21/11/2020</a:t>
+              <a:t>24/11/2020</a:t>
             </a:fld>
             <a:endParaRPr lang="en-GB"/>
           </a:p>
@@ -8323,7 +8551,7 @@
           <a:p>
             <a:fld id="{D4BA8270-C9CF-44CA-BE5A-02C2BDCCEDE4}" type="datetimeFigureOut">
               <a:rPr lang="en-GB" smtClean="0"/>
-              <a:t>21/11/2020</a:t>
+              <a:t>24/11/2020</a:t>
             </a:fld>
             <a:endParaRPr lang="en-GB"/>
           </a:p>
@@ -9066,7 +9294,7 @@
           <a:p>
             <a:fld id="{D4BA8270-C9CF-44CA-BE5A-02C2BDCCEDE4}" type="datetimeFigureOut">
               <a:rPr lang="en-GB" smtClean="0"/>
-              <a:t>21/11/2020</a:t>
+              <a:t>24/11/2020</a:t>
             </a:fld>
             <a:endParaRPr lang="en-GB"/>
           </a:p>
@@ -33948,6 +34176,308 @@
 </file>
 
 <file path=ppt/slides/slide75.xml><?xml version="1.0" encoding="utf-8"?>
+<p:sld xmlns:a="http://schemas.openxmlformats.org/drawingml/2006/main" xmlns:r="http://schemas.openxmlformats.org/officeDocument/2006/relationships" xmlns:p="http://schemas.openxmlformats.org/presentationml/2006/main">
+  <p:cSld>
+    <p:spTree>
+      <p:nvGrpSpPr>
+        <p:cNvPr id="1" name=""/>
+        <p:cNvGrpSpPr/>
+        <p:nvPr/>
+      </p:nvGrpSpPr>
+      <p:grpSpPr>
+        <a:xfrm>
+          <a:off x="0" y="0"/>
+          <a:ext cx="0" cy="0"/>
+          <a:chOff x="0" y="0"/>
+          <a:chExt cx="0" cy="0"/>
+        </a:xfrm>
+      </p:grpSpPr>
+      <p:sp>
+        <p:nvSpPr>
+          <p:cNvPr id="2" name="Title 1"/>
+          <p:cNvSpPr>
+            <a:spLocks noGrp="1"/>
+          </p:cNvSpPr>
+          <p:nvPr>
+            <p:ph type="title"/>
+          </p:nvPr>
+        </p:nvSpPr>
+        <p:spPr>
+          <a:xfrm>
+            <a:off x="849272" y="70339"/>
+            <a:ext cx="8596668" cy="562708"/>
+          </a:xfrm>
+        </p:spPr>
+        <p:txBody>
+          <a:bodyPr>
+            <a:normAutofit fontScale="90000"/>
+          </a:bodyPr>
+          <a:lstStyle/>
+          <a:p>
+            <a:r>
+              <a:rPr lang="en-GB" dirty="0"/>
+              <a:t>Improving our Action Button</a:t>
+            </a:r>
+          </a:p>
+        </p:txBody>
+      </p:sp>
+      <p:sp>
+        <p:nvSpPr>
+          <p:cNvPr id="3" name="Content Placeholder 2"/>
+          <p:cNvSpPr>
+            <a:spLocks noGrp="1"/>
+          </p:cNvSpPr>
+          <p:nvPr>
+            <p:ph idx="1"/>
+          </p:nvPr>
+        </p:nvSpPr>
+        <p:spPr>
+          <a:xfrm>
+            <a:off x="328246" y="711201"/>
+            <a:ext cx="11590216" cy="5908430"/>
+          </a:xfrm>
+        </p:spPr>
+        <p:txBody>
+          <a:bodyPr/>
+          <a:lstStyle/>
+          <a:p>
+            <a:r>
+              <a:rPr lang="en-IN" dirty="0" smtClean="0"/>
+              <a:t>Lets now style the action button on bottom of each plan</a:t>
+            </a:r>
+          </a:p>
+          <a:p>
+            <a:r>
+              <a:rPr lang="en-IN" dirty="0" smtClean="0"/>
+              <a:t>Lets add a class button to all the button on our plans and create a class selector .button{} for the same in our main.css</a:t>
+            </a:r>
+          </a:p>
+          <a:p>
+            <a:r>
+              <a:rPr lang="en-IN" dirty="0" smtClean="0"/>
+              <a:t>Lets add a dark green background using </a:t>
+            </a:r>
+            <a:r>
+              <a:rPr lang="en-IN" dirty="0" err="1" smtClean="0"/>
+              <a:t>backgroung</a:t>
+            </a:r>
+            <a:r>
+              <a:rPr lang="en-IN" dirty="0" smtClean="0"/>
+              <a:t>:#0e4f1f; and a white text </a:t>
+            </a:r>
+            <a:r>
+              <a:rPr lang="en-IN" dirty="0" err="1" smtClean="0"/>
+              <a:t>color</a:t>
+            </a:r>
+            <a:r>
+              <a:rPr lang="en-IN" dirty="0" smtClean="0"/>
+              <a:t> using </a:t>
+            </a:r>
+            <a:r>
+              <a:rPr lang="en-IN" dirty="0" err="1" smtClean="0"/>
+              <a:t>color:white</a:t>
+            </a:r>
+            <a:r>
+              <a:rPr lang="en-IN" dirty="0" smtClean="0"/>
+              <a:t>;</a:t>
+            </a:r>
+          </a:p>
+          <a:p>
+            <a:r>
+              <a:rPr lang="en-IN" dirty="0" smtClean="0"/>
+              <a:t>Now if we notice in our dev tools we have a lot of defaults like padding border text styles </a:t>
+            </a:r>
+            <a:r>
+              <a:rPr lang="en-IN" dirty="0" err="1" smtClean="0"/>
+              <a:t>etc</a:t>
+            </a:r>
+            <a:r>
+              <a:rPr lang="en-IN" dirty="0" smtClean="0"/>
+              <a:t> applied to it by the browser also we will notice that the font looks different than the rest of our page</a:t>
+            </a:r>
+          </a:p>
+          <a:p>
+            <a:r>
+              <a:rPr lang="en-IN" dirty="0" smtClean="0"/>
+              <a:t>Although it inherits the font from body but it is overridden by the direct font assignment by the browser so to correct the font we will use </a:t>
+            </a:r>
+            <a:r>
+              <a:rPr lang="en-IN" dirty="0" err="1" smtClean="0"/>
+              <a:t>font:inherit</a:t>
+            </a:r>
+            <a:r>
+              <a:rPr lang="en-IN" dirty="0" smtClean="0"/>
+              <a:t>; inherit is a keyword which forces the inherited styles to be applied and note we are using font not font-family this is a shortcut to set multiple font related styles together.</a:t>
+            </a:r>
+          </a:p>
+          <a:p>
+            <a:r>
+              <a:rPr lang="en-IN" dirty="0" smtClean="0"/>
+              <a:t>Now lets override the border and set it to 1.5px solid and dark green using border:1.5px solid #0e4f1f;</a:t>
+            </a:r>
+          </a:p>
+          <a:p>
+            <a:r>
+              <a:rPr lang="en-IN" dirty="0" smtClean="0"/>
+              <a:t>Similarly lets override the padding and set it to 8px from all sides using padding 8px;</a:t>
+            </a:r>
+          </a:p>
+          <a:p>
+            <a:r>
+              <a:rPr lang="en-IN" dirty="0" smtClean="0"/>
+              <a:t>Lets add rounded corners using border-radius:8px</a:t>
+            </a:r>
+          </a:p>
+          <a:p>
+            <a:r>
+              <a:rPr lang="en-IN" dirty="0" smtClean="0"/>
+              <a:t>One thing that we will notice is that when we hover over the button we get no indication that it is a </a:t>
+            </a:r>
+            <a:r>
+              <a:rPr lang="en-IN" dirty="0" err="1" smtClean="0"/>
+              <a:t>button,we</a:t>
+            </a:r>
+            <a:r>
+              <a:rPr lang="en-IN" dirty="0" smtClean="0"/>
+              <a:t> don’t get a hand shaped cursor and no different hover style lets add them and also set the font-weight :bold;</a:t>
+            </a:r>
+          </a:p>
+          <a:p>
+            <a:endParaRPr lang="en-IN" dirty="0" smtClean="0"/>
+          </a:p>
+          <a:p>
+            <a:endParaRPr lang="en-GB" dirty="0"/>
+          </a:p>
+        </p:txBody>
+      </p:sp>
+    </p:spTree>
+    <p:extLst>
+      <p:ext uri="{BB962C8B-B14F-4D97-AF65-F5344CB8AC3E}">
+        <p14:creationId xmlns:p14="http://schemas.microsoft.com/office/powerpoint/2010/main" val="3402775747"/>
+      </p:ext>
+    </p:extLst>
+  </p:cSld>
+  <p:clrMapOvr>
+    <a:masterClrMapping/>
+  </p:clrMapOvr>
+</p:sld>
+</file>
+
+<file path=ppt/slides/slide76.xml><?xml version="1.0" encoding="utf-8"?>
+<p:sld xmlns:a="http://schemas.openxmlformats.org/drawingml/2006/main" xmlns:r="http://schemas.openxmlformats.org/officeDocument/2006/relationships" xmlns:p="http://schemas.openxmlformats.org/presentationml/2006/main">
+  <p:cSld>
+    <p:spTree>
+      <p:nvGrpSpPr>
+        <p:cNvPr id="1" name=""/>
+        <p:cNvGrpSpPr/>
+        <p:nvPr/>
+      </p:nvGrpSpPr>
+      <p:grpSpPr>
+        <a:xfrm>
+          <a:off x="0" y="0"/>
+          <a:ext cx="0" cy="0"/>
+          <a:chOff x="0" y="0"/>
+          <a:chExt cx="0" cy="0"/>
+        </a:xfrm>
+      </p:grpSpPr>
+      <p:sp>
+        <p:nvSpPr>
+          <p:cNvPr id="2" name="Title 1"/>
+          <p:cNvSpPr>
+            <a:spLocks noGrp="1"/>
+          </p:cNvSpPr>
+          <p:nvPr>
+            <p:ph type="title"/>
+          </p:nvPr>
+        </p:nvSpPr>
+        <p:spPr>
+          <a:xfrm>
+            <a:off x="849272" y="70339"/>
+            <a:ext cx="8596668" cy="562708"/>
+          </a:xfrm>
+        </p:spPr>
+        <p:txBody>
+          <a:bodyPr>
+            <a:normAutofit fontScale="90000"/>
+          </a:bodyPr>
+          <a:lstStyle/>
+          <a:p>
+            <a:r>
+              <a:rPr lang="en-GB" dirty="0"/>
+              <a:t>Improving our Action Button</a:t>
+            </a:r>
+          </a:p>
+        </p:txBody>
+      </p:sp>
+      <p:sp>
+        <p:nvSpPr>
+          <p:cNvPr id="3" name="Content Placeholder 2"/>
+          <p:cNvSpPr>
+            <a:spLocks noGrp="1"/>
+          </p:cNvSpPr>
+          <p:nvPr>
+            <p:ph idx="1"/>
+          </p:nvPr>
+        </p:nvSpPr>
+        <p:spPr>
+          <a:xfrm>
+            <a:off x="328246" y="711201"/>
+            <a:ext cx="11590216" cy="5908430"/>
+          </a:xfrm>
+        </p:spPr>
+        <p:txBody>
+          <a:bodyPr/>
+          <a:lstStyle/>
+          <a:p>
+            <a:r>
+              <a:rPr lang="en-IN" dirty="0" smtClean="0"/>
+              <a:t>To change the cursor to hand use </a:t>
+            </a:r>
+            <a:r>
+              <a:rPr lang="en-IN" dirty="0" err="1" smtClean="0"/>
+              <a:t>cursor:pointer</a:t>
+            </a:r>
+            <a:r>
+              <a:rPr lang="en-IN" dirty="0" smtClean="0"/>
+              <a:t>; cursor can have more options too pointer and default are the most commonly used</a:t>
+            </a:r>
+          </a:p>
+          <a:p>
+            <a:r>
+              <a:rPr lang="en-IN" dirty="0" smtClean="0"/>
+              <a:t>To add a hover effect we can use the hover pseudo class we will also use the active pseudo class for situations when we keep mouse pressed on the button and change the background :white; and </a:t>
+            </a:r>
+            <a:r>
+              <a:rPr lang="en-IN" dirty="0" err="1" smtClean="0"/>
+              <a:t>color</a:t>
+            </a:r>
+            <a:r>
+              <a:rPr lang="en-IN" dirty="0" smtClean="0"/>
+              <a:t>:#0e4f1f;</a:t>
+            </a:r>
+          </a:p>
+          <a:p>
+            <a:endParaRPr lang="en-IN" dirty="0" smtClean="0"/>
+          </a:p>
+          <a:p>
+            <a:endParaRPr lang="en-GB" dirty="0"/>
+          </a:p>
+        </p:txBody>
+      </p:sp>
+    </p:spTree>
+    <p:extLst>
+      <p:ext uri="{BB962C8B-B14F-4D97-AF65-F5344CB8AC3E}">
+        <p14:creationId xmlns:p14="http://schemas.microsoft.com/office/powerpoint/2010/main" val="1527657117"/>
+      </p:ext>
+    </p:extLst>
+  </p:cSld>
+  <p:clrMapOvr>
+    <a:masterClrMapping/>
+  </p:clrMapOvr>
+</p:sld>
+</file>
+
+<file path=ppt/slides/slide77.xml><?xml version="1.0" encoding="utf-8"?>
 <p:sld xmlns:a="http://schemas.openxmlformats.org/drawingml/2006/main" xmlns:r="http://schemas.openxmlformats.org/officeDocument/2006/relationships" xmlns:p="http://schemas.openxmlformats.org/presentationml/2006/main" showMasterSp="0">
   <p:cSld>
     <p:spTree>

--- a/PPT/Css-v5.pptx
+++ b/PPT/Css-v5.pptx
@@ -5,7 +5,7 @@
     <p:sldMasterId id="2147483660" r:id="rId1"/>
   </p:sldMasterIdLst>
   <p:notesMasterIdLst>
-    <p:notesMasterId r:id="rId79"/>
+    <p:notesMasterId r:id="rId80"/>
   </p:notesMasterIdLst>
   <p:sldIdLst>
     <p:sldId id="256" r:id="rId2"/>
@@ -84,7 +84,8 @@
     <p:sldId id="437" r:id="rId75"/>
     <p:sldId id="438" r:id="rId76"/>
     <p:sldId id="439" r:id="rId77"/>
-    <p:sldId id="268" r:id="rId78"/>
+    <p:sldId id="440" r:id="rId78"/>
+    <p:sldId id="268" r:id="rId79"/>
   </p:sldIdLst>
   <p:sldSz cx="12192000" cy="6858000"/>
   <p:notesSz cx="6858000" cy="9144000"/>
@@ -3223,6 +3224,119 @@
     <p:extLst>
       <p:ext uri="{BB962C8B-B14F-4D97-AF65-F5344CB8AC3E}">
         <p14:creationId xmlns:p14="http://schemas.microsoft.com/office/powerpoint/2010/main" val="981932058"/>
+      </p:ext>
+    </p:extLst>
+  </p:cSld>
+  <p:clrMapOvr>
+    <a:masterClrMapping/>
+  </p:clrMapOvr>
+</p:notes>
+</file>
+
+<file path=ppt/notesSlides/notesSlide31.xml><?xml version="1.0" encoding="utf-8"?>
+<p:notes xmlns:a="http://schemas.openxmlformats.org/drawingml/2006/main" xmlns:r="http://schemas.openxmlformats.org/officeDocument/2006/relationships" xmlns:p="http://schemas.openxmlformats.org/presentationml/2006/main">
+  <p:cSld>
+    <p:spTree>
+      <p:nvGrpSpPr>
+        <p:cNvPr id="1" name=""/>
+        <p:cNvGrpSpPr/>
+        <p:nvPr/>
+      </p:nvGrpSpPr>
+      <p:grpSpPr>
+        <a:xfrm>
+          <a:off x="0" y="0"/>
+          <a:ext cx="0" cy="0"/>
+          <a:chOff x="0" y="0"/>
+          <a:chExt cx="0" cy="0"/>
+        </a:xfrm>
+      </p:grpSpPr>
+      <p:sp>
+        <p:nvSpPr>
+          <p:cNvPr id="2" name="Slide Image Placeholder 1"/>
+          <p:cNvSpPr>
+            <a:spLocks noGrp="1" noRot="1" noChangeAspect="1"/>
+          </p:cNvSpPr>
+          <p:nvPr>
+            <p:ph type="sldImg"/>
+          </p:nvPr>
+        </p:nvSpPr>
+        <p:spPr/>
+      </p:sp>
+      <p:sp>
+        <p:nvSpPr>
+          <p:cNvPr id="3" name="Notes Placeholder 2"/>
+          <p:cNvSpPr>
+            <a:spLocks noGrp="1"/>
+          </p:cNvSpPr>
+          <p:nvPr>
+            <p:ph type="body" idx="1"/>
+          </p:nvPr>
+        </p:nvSpPr>
+        <p:spPr/>
+        <p:txBody>
+          <a:bodyPr/>
+          <a:lstStyle/>
+          <a:p>
+            <a:r>
+              <a:rPr lang="en-IN" dirty="0" smtClean="0"/>
+              <a:t>Branch :</a:t>
+            </a:r>
+            <a:r>
+              <a:rPr lang="en-IN" sz="1200" kern="1200" dirty="0" err="1" smtClean="0">
+                <a:solidFill>
+                  <a:schemeClr val="tx1"/>
+                </a:solidFill>
+                <a:latin typeface="+mn-lt"/>
+                <a:ea typeface="+mn-ea"/>
+                <a:cs typeface="+mn-cs"/>
+              </a:rPr>
+              <a:t>PracticingTheBasics</a:t>
+            </a:r>
+            <a:endParaRPr lang="en-IN" dirty="0" smtClean="0"/>
+          </a:p>
+          <a:p>
+            <a:r>
+              <a:rPr lang="en-IN" dirty="0" smtClean="0"/>
+              <a:t>Commit : </a:t>
+            </a:r>
+            <a:r>
+              <a:rPr lang="en-IN" dirty="0" err="1" smtClean="0"/>
+              <a:t>UnderstandingOutlines</a:t>
+            </a:r>
+            <a:endParaRPr lang="en-IN" dirty="0" smtClean="0"/>
+          </a:p>
+          <a:p>
+            <a:endParaRPr lang="en-GB" dirty="0"/>
+          </a:p>
+        </p:txBody>
+      </p:sp>
+      <p:sp>
+        <p:nvSpPr>
+          <p:cNvPr id="4" name="Slide Number Placeholder 3"/>
+          <p:cNvSpPr>
+            <a:spLocks noGrp="1"/>
+          </p:cNvSpPr>
+          <p:nvPr>
+            <p:ph type="sldNum" sz="quarter" idx="10"/>
+          </p:nvPr>
+        </p:nvSpPr>
+        <p:spPr/>
+        <p:txBody>
+          <a:bodyPr/>
+          <a:lstStyle/>
+          <a:p>
+            <a:fld id="{D3B79ED6-4970-4D84-B25C-F520A9D9210C}" type="slidenum">
+              <a:rPr lang="en-GB" smtClean="0"/>
+              <a:t>77</a:t>
+            </a:fld>
+            <a:endParaRPr lang="en-GB"/>
+          </a:p>
+        </p:txBody>
+      </p:sp>
+    </p:spTree>
+    <p:extLst>
+      <p:ext uri="{BB962C8B-B14F-4D97-AF65-F5344CB8AC3E}">
+        <p14:creationId xmlns:p14="http://schemas.microsoft.com/office/powerpoint/2010/main" val="381717246"/>
       </p:ext>
     </p:extLst>
   </p:cSld>
@@ -34478,6 +34592,215 @@
 </file>
 
 <file path=ppt/slides/slide77.xml><?xml version="1.0" encoding="utf-8"?>
+<p:sld xmlns:a="http://schemas.openxmlformats.org/drawingml/2006/main" xmlns:r="http://schemas.openxmlformats.org/officeDocument/2006/relationships" xmlns:p="http://schemas.openxmlformats.org/presentationml/2006/main">
+  <p:cSld>
+    <p:spTree>
+      <p:nvGrpSpPr>
+        <p:cNvPr id="1" name=""/>
+        <p:cNvGrpSpPr/>
+        <p:nvPr/>
+      </p:nvGrpSpPr>
+      <p:grpSpPr>
+        <a:xfrm>
+          <a:off x="0" y="0"/>
+          <a:ext cx="0" cy="0"/>
+          <a:chOff x="0" y="0"/>
+          <a:chExt cx="0" cy="0"/>
+        </a:xfrm>
+      </p:grpSpPr>
+      <p:sp>
+        <p:nvSpPr>
+          <p:cNvPr id="2" name="Title 1"/>
+          <p:cNvSpPr>
+            <a:spLocks noGrp="1"/>
+          </p:cNvSpPr>
+          <p:nvPr>
+            <p:ph type="title"/>
+          </p:nvPr>
+        </p:nvSpPr>
+        <p:spPr>
+          <a:xfrm>
+            <a:off x="677334" y="83127"/>
+            <a:ext cx="8596668" cy="623455"/>
+          </a:xfrm>
+        </p:spPr>
+        <p:txBody>
+          <a:bodyPr>
+            <a:normAutofit fontScale="90000"/>
+          </a:bodyPr>
+          <a:lstStyle/>
+          <a:p>
+            <a:r>
+              <a:rPr lang="en-IN" dirty="0" smtClean="0"/>
+              <a:t>Understanding Outlines</a:t>
+            </a:r>
+            <a:endParaRPr lang="en-GB" dirty="0"/>
+          </a:p>
+        </p:txBody>
+      </p:sp>
+      <p:sp>
+        <p:nvSpPr>
+          <p:cNvPr id="3" name="Content Placeholder 2"/>
+          <p:cNvSpPr>
+            <a:spLocks noGrp="1"/>
+          </p:cNvSpPr>
+          <p:nvPr>
+            <p:ph idx="1"/>
+          </p:nvPr>
+        </p:nvSpPr>
+        <p:spPr>
+          <a:xfrm>
+            <a:off x="270164" y="706583"/>
+            <a:ext cx="11689772" cy="5985162"/>
+          </a:xfrm>
+        </p:spPr>
+        <p:txBody>
+          <a:bodyPr>
+            <a:normAutofit lnSpcReduction="10000"/>
+          </a:bodyPr>
+          <a:lstStyle/>
+          <a:p>
+            <a:r>
+              <a:rPr lang="en-IN" dirty="0" smtClean="0"/>
+              <a:t>If we want to check the applied styles on a button in a particular state like active or focus </a:t>
+            </a:r>
+            <a:r>
+              <a:rPr lang="en-IN" dirty="0" err="1" smtClean="0"/>
+              <a:t>etc</a:t>
+            </a:r>
+            <a:r>
+              <a:rPr lang="en-IN" dirty="0" smtClean="0"/>
+              <a:t> in </a:t>
+            </a:r>
+            <a:r>
+              <a:rPr lang="en-IN" dirty="0" err="1" smtClean="0"/>
+              <a:t>devtools</a:t>
+            </a:r>
+            <a:r>
+              <a:rPr lang="en-IN" dirty="0" smtClean="0"/>
+              <a:t> we can select the :</a:t>
+            </a:r>
+            <a:r>
+              <a:rPr lang="en-IN" dirty="0" err="1" smtClean="0"/>
+              <a:t>hov</a:t>
+            </a:r>
+            <a:r>
+              <a:rPr lang="en-IN" dirty="0" smtClean="0"/>
+              <a:t> pseudo class and then select the checkbox for </a:t>
+            </a:r>
+            <a:r>
+              <a:rPr lang="en-IN" dirty="0" err="1" smtClean="0"/>
+              <a:t>whwichever</a:t>
+            </a:r>
+            <a:r>
+              <a:rPr lang="en-IN" dirty="0" smtClean="0"/>
+              <a:t> state we want to view styles for</a:t>
+            </a:r>
+          </a:p>
+          <a:p>
+            <a:endParaRPr lang="en-IN" dirty="0"/>
+          </a:p>
+          <a:p>
+            <a:endParaRPr lang="en-IN" dirty="0" smtClean="0"/>
+          </a:p>
+          <a:p>
+            <a:endParaRPr lang="en-IN" dirty="0"/>
+          </a:p>
+          <a:p>
+            <a:endParaRPr lang="en-IN" dirty="0" smtClean="0"/>
+          </a:p>
+          <a:p>
+            <a:endParaRPr lang="en-IN" dirty="0"/>
+          </a:p>
+          <a:p>
+            <a:endParaRPr lang="en-IN" dirty="0" smtClean="0"/>
+          </a:p>
+          <a:p>
+            <a:endParaRPr lang="en-IN" dirty="0"/>
+          </a:p>
+          <a:p>
+            <a:endParaRPr lang="en-IN" dirty="0" smtClean="0"/>
+          </a:p>
+          <a:p>
+            <a:endParaRPr lang="en-IN" dirty="0"/>
+          </a:p>
+          <a:p>
+            <a:r>
+              <a:rPr lang="en-IN" dirty="0" smtClean="0"/>
+              <a:t>We will notice that in focussed state the button has a slight blueish border like thing called outline</a:t>
+            </a:r>
+          </a:p>
+          <a:p>
+            <a:r>
+              <a:rPr lang="en-IN" dirty="0" smtClean="0"/>
+              <a:t>Outline is something comparable to a border but it is not part of the box model ,outline is actually a border like thing that is applied before the margin and after the border</a:t>
+            </a:r>
+          </a:p>
+          <a:p>
+            <a:r>
+              <a:rPr lang="en-IN" dirty="0" smtClean="0"/>
+              <a:t>We can set a different style for outline or remove it as per requirement for now on lets remove it by creating a pseudo selector for focus and setting outline to none.  .</a:t>
+            </a:r>
+            <a:r>
+              <a:rPr lang="en-IN" dirty="0" err="1" smtClean="0"/>
+              <a:t>button:focus</a:t>
+            </a:r>
+            <a:r>
+              <a:rPr lang="en-IN" dirty="0" smtClean="0"/>
+              <a:t>{ </a:t>
+            </a:r>
+            <a:r>
+              <a:rPr lang="en-IN" dirty="0" err="1" smtClean="0"/>
+              <a:t>outline:none</a:t>
+            </a:r>
+            <a:r>
+              <a:rPr lang="en-IN" dirty="0" smtClean="0"/>
+              <a:t>;}</a:t>
+            </a:r>
+          </a:p>
+          <a:p>
+            <a:endParaRPr lang="en-GB" dirty="0"/>
+          </a:p>
+        </p:txBody>
+      </p:sp>
+      <p:pic>
+        <p:nvPicPr>
+          <p:cNvPr id="4" name="Picture 3"/>
+          <p:cNvPicPr>
+            <a:picLocks noChangeAspect="1"/>
+          </p:cNvPicPr>
+          <p:nvPr/>
+        </p:nvPicPr>
+        <p:blipFill>
+          <a:blip r:embed="rId3"/>
+          <a:stretch>
+            <a:fillRect/>
+          </a:stretch>
+        </p:blipFill>
+        <p:spPr>
+          <a:xfrm>
+            <a:off x="1623452" y="1398587"/>
+            <a:ext cx="8030696" cy="3786477"/>
+          </a:xfrm>
+          <a:prstGeom prst="rect">
+            <a:avLst/>
+          </a:prstGeom>
+        </p:spPr>
+      </p:pic>
+    </p:spTree>
+    <p:extLst>
+      <p:ext uri="{BB962C8B-B14F-4D97-AF65-F5344CB8AC3E}">
+        <p14:creationId xmlns:p14="http://schemas.microsoft.com/office/powerpoint/2010/main" val="2045906418"/>
+      </p:ext>
+    </p:extLst>
+  </p:cSld>
+  <p:clrMapOvr>
+    <a:masterClrMapping/>
+  </p:clrMapOvr>
+</p:sld>
+</file>
+
+<file path=ppt/slides/slide78.xml><?xml version="1.0" encoding="utf-8"?>
 <p:sld xmlns:a="http://schemas.openxmlformats.org/drawingml/2006/main" xmlns:r="http://schemas.openxmlformats.org/officeDocument/2006/relationships" xmlns:p="http://schemas.openxmlformats.org/presentationml/2006/main" showMasterSp="0">
   <p:cSld>
     <p:spTree>

--- a/PPT/Css-v5.pptx
+++ b/PPT/Css-v5.pptx
@@ -5,7 +5,7 @@
     <p:sldMasterId id="2147483660" r:id="rId1"/>
   </p:sldMasterIdLst>
   <p:notesMasterIdLst>
-    <p:notesMasterId r:id="rId80"/>
+    <p:notesMasterId r:id="rId81"/>
   </p:notesMasterIdLst>
   <p:sldIdLst>
     <p:sldId id="256" r:id="rId2"/>
@@ -85,7 +85,8 @@
     <p:sldId id="438" r:id="rId76"/>
     <p:sldId id="439" r:id="rId77"/>
     <p:sldId id="440" r:id="rId78"/>
-    <p:sldId id="268" r:id="rId79"/>
+    <p:sldId id="441" r:id="rId79"/>
+    <p:sldId id="268" r:id="rId80"/>
   </p:sldIdLst>
   <p:sldSz cx="12192000" cy="6858000"/>
   <p:notesSz cx="6858000" cy="9144000"/>
@@ -3337,6 +3338,119 @@
     <p:extLst>
       <p:ext uri="{BB962C8B-B14F-4D97-AF65-F5344CB8AC3E}">
         <p14:creationId xmlns:p14="http://schemas.microsoft.com/office/powerpoint/2010/main" val="381717246"/>
+      </p:ext>
+    </p:extLst>
+  </p:cSld>
+  <p:clrMapOvr>
+    <a:masterClrMapping/>
+  </p:clrMapOvr>
+</p:notes>
+</file>
+
+<file path=ppt/notesSlides/notesSlide32.xml><?xml version="1.0" encoding="utf-8"?>
+<p:notes xmlns:a="http://schemas.openxmlformats.org/drawingml/2006/main" xmlns:r="http://schemas.openxmlformats.org/officeDocument/2006/relationships" xmlns:p="http://schemas.openxmlformats.org/presentationml/2006/main">
+  <p:cSld>
+    <p:spTree>
+      <p:nvGrpSpPr>
+        <p:cNvPr id="1" name=""/>
+        <p:cNvGrpSpPr/>
+        <p:nvPr/>
+      </p:nvGrpSpPr>
+      <p:grpSpPr>
+        <a:xfrm>
+          <a:off x="0" y="0"/>
+          <a:ext cx="0" cy="0"/>
+          <a:chOff x="0" y="0"/>
+          <a:chExt cx="0" cy="0"/>
+        </a:xfrm>
+      </p:grpSpPr>
+      <p:sp>
+        <p:nvSpPr>
+          <p:cNvPr id="2" name="Slide Image Placeholder 1"/>
+          <p:cNvSpPr>
+            <a:spLocks noGrp="1" noRot="1" noChangeAspect="1"/>
+          </p:cNvSpPr>
+          <p:nvPr>
+            <p:ph type="sldImg"/>
+          </p:nvPr>
+        </p:nvSpPr>
+        <p:spPr/>
+      </p:sp>
+      <p:sp>
+        <p:nvSpPr>
+          <p:cNvPr id="3" name="Notes Placeholder 2"/>
+          <p:cNvSpPr>
+            <a:spLocks noGrp="1"/>
+          </p:cNvSpPr>
+          <p:nvPr>
+            <p:ph type="body" idx="1"/>
+          </p:nvPr>
+        </p:nvSpPr>
+        <p:spPr/>
+        <p:txBody>
+          <a:bodyPr/>
+          <a:lstStyle/>
+          <a:p>
+            <a:r>
+              <a:rPr lang="en-IN" dirty="0" smtClean="0"/>
+              <a:t>Branch :</a:t>
+            </a:r>
+            <a:r>
+              <a:rPr lang="en-IN" sz="1200" kern="1200" dirty="0" err="1" smtClean="0">
+                <a:solidFill>
+                  <a:schemeClr val="tx1"/>
+                </a:solidFill>
+                <a:latin typeface="+mn-lt"/>
+                <a:ea typeface="+mn-ea"/>
+                <a:cs typeface="+mn-cs"/>
+              </a:rPr>
+              <a:t>PracticingTheBasics</a:t>
+            </a:r>
+            <a:endParaRPr lang="en-IN" dirty="0" smtClean="0"/>
+          </a:p>
+          <a:p>
+            <a:r>
+              <a:rPr lang="en-IN" dirty="0" smtClean="0"/>
+              <a:t>Commit : </a:t>
+            </a:r>
+            <a:r>
+              <a:rPr lang="en-IN" dirty="0" err="1" smtClean="0"/>
+              <a:t>CoreFeatureSetup</a:t>
+            </a:r>
+            <a:endParaRPr lang="en-IN" dirty="0" smtClean="0"/>
+          </a:p>
+          <a:p>
+            <a:endParaRPr lang="en-GB" dirty="0"/>
+          </a:p>
+        </p:txBody>
+      </p:sp>
+      <p:sp>
+        <p:nvSpPr>
+          <p:cNvPr id="4" name="Slide Number Placeholder 3"/>
+          <p:cNvSpPr>
+            <a:spLocks noGrp="1"/>
+          </p:cNvSpPr>
+          <p:nvPr>
+            <p:ph type="sldNum" sz="quarter" idx="10"/>
+          </p:nvPr>
+        </p:nvSpPr>
+        <p:spPr/>
+        <p:txBody>
+          <a:bodyPr/>
+          <a:lstStyle/>
+          <a:p>
+            <a:fld id="{D3B79ED6-4970-4D84-B25C-F520A9D9210C}" type="slidenum">
+              <a:rPr lang="en-GB" smtClean="0"/>
+              <a:t>78</a:t>
+            </a:fld>
+            <a:endParaRPr lang="en-GB"/>
+          </a:p>
+        </p:txBody>
+      </p:sp>
+    </p:spTree>
+    <p:extLst>
+      <p:ext uri="{BB962C8B-B14F-4D97-AF65-F5344CB8AC3E}">
+        <p14:creationId xmlns:p14="http://schemas.microsoft.com/office/powerpoint/2010/main" val="3164043140"/>
       </p:ext>
     </p:extLst>
   </p:cSld>
@@ -34797,10 +34911,598 @@
   <p:clrMapOvr>
     <a:masterClrMapping/>
   </p:clrMapOvr>
+  <p:timing>
+    <p:tnLst>
+      <p:par>
+        <p:cTn id="1" dur="indefinite" restart="never" nodeType="tmRoot"/>
+      </p:par>
+    </p:tnLst>
+  </p:timing>
 </p:sld>
 </file>
 
 <file path=ppt/slides/slide78.xml><?xml version="1.0" encoding="utf-8"?>
+<p:sld xmlns:a="http://schemas.openxmlformats.org/drawingml/2006/main" xmlns:r="http://schemas.openxmlformats.org/officeDocument/2006/relationships" xmlns:p="http://schemas.openxmlformats.org/presentationml/2006/main">
+  <p:cSld>
+    <p:spTree>
+      <p:nvGrpSpPr>
+        <p:cNvPr id="1" name=""/>
+        <p:cNvGrpSpPr/>
+        <p:nvPr/>
+      </p:nvGrpSpPr>
+      <p:grpSpPr>
+        <a:xfrm>
+          <a:off x="0" y="0"/>
+          <a:ext cx="0" cy="0"/>
+          <a:chOff x="0" y="0"/>
+          <a:chExt cx="0" cy="0"/>
+        </a:xfrm>
+      </p:grpSpPr>
+      <p:sp>
+        <p:nvSpPr>
+          <p:cNvPr id="2" name="Title 1"/>
+          <p:cNvSpPr>
+            <a:spLocks noGrp="1"/>
+          </p:cNvSpPr>
+          <p:nvPr>
+            <p:ph type="title"/>
+          </p:nvPr>
+        </p:nvSpPr>
+        <p:spPr>
+          <a:xfrm>
+            <a:off x="677334" y="155864"/>
+            <a:ext cx="11085175" cy="706581"/>
+          </a:xfrm>
+        </p:spPr>
+        <p:txBody>
+          <a:bodyPr/>
+          <a:lstStyle/>
+          <a:p>
+            <a:r>
+              <a:rPr lang="en-IN" dirty="0"/>
+              <a:t>Presenting the Core Features to the User</a:t>
+            </a:r>
+            <a:endParaRPr lang="en-GB" dirty="0"/>
+          </a:p>
+        </p:txBody>
+      </p:sp>
+      <p:sp>
+        <p:nvSpPr>
+          <p:cNvPr id="3" name="Content Placeholder 2"/>
+          <p:cNvSpPr>
+            <a:spLocks noGrp="1"/>
+          </p:cNvSpPr>
+          <p:nvPr>
+            <p:ph idx="1"/>
+          </p:nvPr>
+        </p:nvSpPr>
+        <p:spPr>
+          <a:xfrm>
+            <a:off x="342899" y="862445"/>
+            <a:ext cx="11596255" cy="5746173"/>
+          </a:xfrm>
+        </p:spPr>
+        <p:txBody>
+          <a:bodyPr/>
+          <a:lstStyle/>
+          <a:p>
+            <a:r>
+              <a:rPr lang="en-IN" dirty="0" smtClean="0"/>
+              <a:t>Now lets add a new section to our page and present some core  features to the user these are like highlights as to why </a:t>
+            </a:r>
+            <a:r>
+              <a:rPr lang="en-IN" dirty="0" err="1" smtClean="0"/>
+              <a:t>uhost</a:t>
+            </a:r>
+            <a:r>
+              <a:rPr lang="en-IN" dirty="0" smtClean="0"/>
+              <a:t> is good for them in short self praise or advertising.</a:t>
+            </a:r>
+          </a:p>
+          <a:p>
+            <a:r>
+              <a:rPr lang="en-IN" dirty="0" smtClean="0"/>
+              <a:t>I have added a new section below our plans in index.html which has a heading(&lt;h1&gt;) and a list(&lt;</a:t>
+            </a:r>
+            <a:r>
+              <a:rPr lang="en-IN" dirty="0" err="1" smtClean="0"/>
+              <a:t>ul</a:t>
+            </a:r>
+            <a:r>
+              <a:rPr lang="en-IN" dirty="0" smtClean="0"/>
+              <a:t>&gt;) with list items(&lt;li&gt;)  having an empty div(&lt;div&gt;) where we can add something and a paragraph(&lt;p&gt;) representing the core features or the advertisement text.</a:t>
+            </a:r>
+          </a:p>
+          <a:p>
+            <a:r>
+              <a:rPr lang="en-IN" dirty="0" smtClean="0"/>
+              <a:t>Currently it will look like :</a:t>
+            </a:r>
+          </a:p>
+          <a:p>
+            <a:endParaRPr lang="en-IN" dirty="0"/>
+          </a:p>
+          <a:p>
+            <a:endParaRPr lang="en-IN" dirty="0" smtClean="0"/>
+          </a:p>
+          <a:p>
+            <a:endParaRPr lang="en-IN" dirty="0"/>
+          </a:p>
+          <a:p>
+            <a:pPr marL="0" indent="0">
+              <a:buNone/>
+            </a:pPr>
+            <a:endParaRPr lang="en-IN" dirty="0"/>
+          </a:p>
+          <a:p>
+            <a:r>
+              <a:rPr lang="en-IN" dirty="0" smtClean="0"/>
+              <a:t>And the idea is to turn it into something like </a:t>
+            </a:r>
+          </a:p>
+          <a:p>
+            <a:endParaRPr lang="en-IN" dirty="0" smtClean="0"/>
+          </a:p>
+          <a:p>
+            <a:endParaRPr lang="en-IN" dirty="0" smtClean="0"/>
+          </a:p>
+          <a:p>
+            <a:endParaRPr lang="en-GB" dirty="0"/>
+          </a:p>
+        </p:txBody>
+      </p:sp>
+      <p:pic>
+        <p:nvPicPr>
+          <p:cNvPr id="4" name="Picture 3"/>
+          <p:cNvPicPr>
+            <a:picLocks noChangeAspect="1"/>
+          </p:cNvPicPr>
+          <p:nvPr/>
+        </p:nvPicPr>
+        <p:blipFill>
+          <a:blip r:embed="rId3"/>
+          <a:stretch>
+            <a:fillRect/>
+          </a:stretch>
+        </p:blipFill>
+        <p:spPr>
+          <a:xfrm>
+            <a:off x="1902388" y="2888090"/>
+            <a:ext cx="6392167" cy="1652738"/>
+          </a:xfrm>
+          <a:prstGeom prst="rect">
+            <a:avLst/>
+          </a:prstGeom>
+        </p:spPr>
+      </p:pic>
+      <p:pic>
+        <p:nvPicPr>
+          <p:cNvPr id="5" name="Picture 4"/>
+          <p:cNvPicPr>
+            <a:picLocks noChangeAspect="1"/>
+          </p:cNvPicPr>
+          <p:nvPr/>
+        </p:nvPicPr>
+        <p:blipFill>
+          <a:blip r:embed="rId4"/>
+          <a:stretch>
+            <a:fillRect/>
+          </a:stretch>
+        </p:blipFill>
+        <p:spPr>
+          <a:xfrm>
+            <a:off x="459125" y="4893737"/>
+            <a:ext cx="10337030" cy="1818789"/>
+          </a:xfrm>
+          <a:prstGeom prst="rect">
+            <a:avLst/>
+          </a:prstGeom>
+        </p:spPr>
+      </p:pic>
+    </p:spTree>
+    <p:extLst>
+      <p:ext uri="{BB962C8B-B14F-4D97-AF65-F5344CB8AC3E}">
+        <p14:creationId xmlns:p14="http://schemas.microsoft.com/office/powerpoint/2010/main" val="2579715118"/>
+      </p:ext>
+    </p:extLst>
+  </p:cSld>
+  <p:clrMapOvr>
+    <a:masterClrMapping/>
+  </p:clrMapOvr>
+  <p:timing>
+    <p:tnLst>
+      <p:par>
+        <p:cTn id="1" dur="indefinite" restart="never" nodeType="tmRoot">
+          <p:childTnLst>
+            <p:seq concurrent="1" nextAc="seek">
+              <p:cTn id="2" dur="indefinite" nodeType="mainSeq">
+                <p:childTnLst>
+                  <p:par>
+                    <p:cTn id="3" fill="hold">
+                      <p:stCondLst>
+                        <p:cond delay="indefinite"/>
+                      </p:stCondLst>
+                      <p:childTnLst>
+                        <p:par>
+                          <p:cTn id="4" fill="hold">
+                            <p:stCondLst>
+                              <p:cond delay="0"/>
+                            </p:stCondLst>
+                            <p:childTnLst>
+                              <p:par>
+                                <p:cTn id="5" presetID="1" presetClass="entr" presetSubtype="0" fill="hold" nodeType="clickEffect">
+                                  <p:stCondLst>
+                                    <p:cond delay="0"/>
+                                  </p:stCondLst>
+                                  <p:childTnLst>
+                                    <p:set>
+                                      <p:cBhvr>
+                                        <p:cTn id="6" dur="1" fill="hold">
+                                          <p:stCondLst>
+                                            <p:cond delay="0"/>
+                                          </p:stCondLst>
+                                        </p:cTn>
+                                        <p:tgtEl>
+                                          <p:spTgt spid="3">
+                                            <p:txEl>
+                                              <p:pRg st="0" end="0"/>
+                                            </p:txEl>
+                                          </p:spTgt>
+                                        </p:tgtEl>
+                                        <p:attrNameLst>
+                                          <p:attrName>style.visibility</p:attrName>
+                                        </p:attrNameLst>
+                                      </p:cBhvr>
+                                      <p:to>
+                                        <p:strVal val="visible"/>
+                                      </p:to>
+                                    </p:set>
+                                  </p:childTnLst>
+                                </p:cTn>
+                              </p:par>
+                              <p:par>
+                                <p:cTn id="7" presetID="1" presetClass="entr" presetSubtype="0" fill="hold" nodeType="withEffect">
+                                  <p:stCondLst>
+                                    <p:cond delay="0"/>
+                                  </p:stCondLst>
+                                  <p:childTnLst>
+                                    <p:set>
+                                      <p:cBhvr>
+                                        <p:cTn id="8" dur="1" fill="hold">
+                                          <p:stCondLst>
+                                            <p:cond delay="0"/>
+                                          </p:stCondLst>
+                                        </p:cTn>
+                                        <p:tgtEl>
+                                          <p:spTgt spid="3">
+                                            <p:txEl>
+                                              <p:pRg st="1" end="1"/>
+                                            </p:txEl>
+                                          </p:spTgt>
+                                        </p:tgtEl>
+                                        <p:attrNameLst>
+                                          <p:attrName>style.visibility</p:attrName>
+                                        </p:attrNameLst>
+                                      </p:cBhvr>
+                                      <p:to>
+                                        <p:strVal val="visible"/>
+                                      </p:to>
+                                    </p:set>
+                                  </p:childTnLst>
+                                </p:cTn>
+                              </p:par>
+                            </p:childTnLst>
+                          </p:cTn>
+                        </p:par>
+                      </p:childTnLst>
+                    </p:cTn>
+                  </p:par>
+                  <p:par>
+                    <p:cTn id="9" fill="hold">
+                      <p:stCondLst>
+                        <p:cond delay="indefinite"/>
+                      </p:stCondLst>
+                      <p:childTnLst>
+                        <p:par>
+                          <p:cTn id="10" fill="hold">
+                            <p:stCondLst>
+                              <p:cond delay="0"/>
+                            </p:stCondLst>
+                            <p:childTnLst>
+                              <p:par>
+                                <p:cTn id="11" presetID="1" presetClass="entr" presetSubtype="0" fill="hold" nodeType="clickEffect">
+                                  <p:stCondLst>
+                                    <p:cond delay="0"/>
+                                  </p:stCondLst>
+                                  <p:childTnLst>
+                                    <p:set>
+                                      <p:cBhvr>
+                                        <p:cTn id="12" dur="1" fill="hold">
+                                          <p:stCondLst>
+                                            <p:cond delay="0"/>
+                                          </p:stCondLst>
+                                        </p:cTn>
+                                        <p:tgtEl>
+                                          <p:spTgt spid="3">
+                                            <p:txEl>
+                                              <p:pRg st="2" end="2"/>
+                                            </p:txEl>
+                                          </p:spTgt>
+                                        </p:tgtEl>
+                                        <p:attrNameLst>
+                                          <p:attrName>style.visibility</p:attrName>
+                                        </p:attrNameLst>
+                                      </p:cBhvr>
+                                      <p:to>
+                                        <p:strVal val="visible"/>
+                                      </p:to>
+                                    </p:set>
+                                  </p:childTnLst>
+                                </p:cTn>
+                              </p:par>
+                            </p:childTnLst>
+                          </p:cTn>
+                        </p:par>
+                      </p:childTnLst>
+                    </p:cTn>
+                  </p:par>
+                  <p:par>
+                    <p:cTn id="13" fill="hold">
+                      <p:stCondLst>
+                        <p:cond delay="indefinite"/>
+                      </p:stCondLst>
+                      <p:childTnLst>
+                        <p:par>
+                          <p:cTn id="14" fill="hold">
+                            <p:stCondLst>
+                              <p:cond delay="0"/>
+                            </p:stCondLst>
+                            <p:childTnLst>
+                              <p:par>
+                                <p:cTn id="15" presetID="2" presetClass="entr" presetSubtype="4" fill="hold" nodeType="clickEffect">
+                                  <p:stCondLst>
+                                    <p:cond delay="0"/>
+                                  </p:stCondLst>
+                                  <p:childTnLst>
+                                    <p:set>
+                                      <p:cBhvr>
+                                        <p:cTn id="16" dur="1" fill="hold">
+                                          <p:stCondLst>
+                                            <p:cond delay="0"/>
+                                          </p:stCondLst>
+                                        </p:cTn>
+                                        <p:tgtEl>
+                                          <p:spTgt spid="4"/>
+                                        </p:tgtEl>
+                                        <p:attrNameLst>
+                                          <p:attrName>style.visibility</p:attrName>
+                                        </p:attrNameLst>
+                                      </p:cBhvr>
+                                      <p:to>
+                                        <p:strVal val="visible"/>
+                                      </p:to>
+                                    </p:set>
+                                    <p:anim calcmode="lin" valueType="num">
+                                      <p:cBhvr additive="base">
+                                        <p:cTn id="17" dur="500" fill="hold"/>
+                                        <p:tgtEl>
+                                          <p:spTgt spid="4"/>
+                                        </p:tgtEl>
+                                        <p:attrNameLst>
+                                          <p:attrName>ppt_x</p:attrName>
+                                        </p:attrNameLst>
+                                      </p:cBhvr>
+                                      <p:tavLst>
+                                        <p:tav tm="0">
+                                          <p:val>
+                                            <p:strVal val="#ppt_x"/>
+                                          </p:val>
+                                        </p:tav>
+                                        <p:tav tm="100000">
+                                          <p:val>
+                                            <p:strVal val="#ppt_x"/>
+                                          </p:val>
+                                        </p:tav>
+                                      </p:tavLst>
+                                    </p:anim>
+                                    <p:anim calcmode="lin" valueType="num">
+                                      <p:cBhvr additive="base">
+                                        <p:cTn id="18" dur="500" fill="hold"/>
+                                        <p:tgtEl>
+                                          <p:spTgt spid="4"/>
+                                        </p:tgtEl>
+                                        <p:attrNameLst>
+                                          <p:attrName>ppt_y</p:attrName>
+                                        </p:attrNameLst>
+                                      </p:cBhvr>
+                                      <p:tavLst>
+                                        <p:tav tm="0">
+                                          <p:val>
+                                            <p:strVal val="1+#ppt_h/2"/>
+                                          </p:val>
+                                        </p:tav>
+                                        <p:tav tm="100000">
+                                          <p:val>
+                                            <p:strVal val="#ppt_y"/>
+                                          </p:val>
+                                        </p:tav>
+                                      </p:tavLst>
+                                    </p:anim>
+                                  </p:childTnLst>
+                                </p:cTn>
+                              </p:par>
+                            </p:childTnLst>
+                          </p:cTn>
+                        </p:par>
+                      </p:childTnLst>
+                    </p:cTn>
+                  </p:par>
+                  <p:par>
+                    <p:cTn id="19" fill="hold">
+                      <p:stCondLst>
+                        <p:cond delay="indefinite"/>
+                      </p:stCondLst>
+                      <p:childTnLst>
+                        <p:par>
+                          <p:cTn id="20" fill="hold">
+                            <p:stCondLst>
+                              <p:cond delay="0"/>
+                            </p:stCondLst>
+                            <p:childTnLst>
+                              <p:par>
+                                <p:cTn id="21" presetID="1" presetClass="entr" presetSubtype="0" fill="hold" nodeType="clickEffect">
+                                  <p:stCondLst>
+                                    <p:cond delay="0"/>
+                                  </p:stCondLst>
+                                  <p:childTnLst>
+                                    <p:set>
+                                      <p:cBhvr>
+                                        <p:cTn id="22" dur="1" fill="hold">
+                                          <p:stCondLst>
+                                            <p:cond delay="0"/>
+                                          </p:stCondLst>
+                                        </p:cTn>
+                                        <p:tgtEl>
+                                          <p:spTgt spid="3">
+                                            <p:txEl>
+                                              <p:pRg st="7" end="7"/>
+                                            </p:txEl>
+                                          </p:spTgt>
+                                        </p:tgtEl>
+                                        <p:attrNameLst>
+                                          <p:attrName>style.visibility</p:attrName>
+                                        </p:attrNameLst>
+                                      </p:cBhvr>
+                                      <p:to>
+                                        <p:strVal val="visible"/>
+                                      </p:to>
+                                    </p:set>
+                                  </p:childTnLst>
+                                </p:cTn>
+                              </p:par>
+                            </p:childTnLst>
+                          </p:cTn>
+                        </p:par>
+                      </p:childTnLst>
+                    </p:cTn>
+                  </p:par>
+                  <p:par>
+                    <p:cTn id="23" fill="hold">
+                      <p:stCondLst>
+                        <p:cond delay="indefinite"/>
+                      </p:stCondLst>
+                      <p:childTnLst>
+                        <p:par>
+                          <p:cTn id="24" fill="hold">
+                            <p:stCondLst>
+                              <p:cond delay="0"/>
+                            </p:stCondLst>
+                            <p:childTnLst>
+                              <p:par>
+                                <p:cTn id="25" presetID="2" presetClass="entr" presetSubtype="4" fill="hold" nodeType="clickEffect">
+                                  <p:stCondLst>
+                                    <p:cond delay="0"/>
+                                  </p:stCondLst>
+                                  <p:childTnLst>
+                                    <p:set>
+                                      <p:cBhvr>
+                                        <p:cTn id="26" dur="1" fill="hold">
+                                          <p:stCondLst>
+                                            <p:cond delay="0"/>
+                                          </p:stCondLst>
+                                        </p:cTn>
+                                        <p:tgtEl>
+                                          <p:spTgt spid="5"/>
+                                        </p:tgtEl>
+                                        <p:attrNameLst>
+                                          <p:attrName>style.visibility</p:attrName>
+                                        </p:attrNameLst>
+                                      </p:cBhvr>
+                                      <p:to>
+                                        <p:strVal val="visible"/>
+                                      </p:to>
+                                    </p:set>
+                                    <p:anim calcmode="lin" valueType="num">
+                                      <p:cBhvr additive="base">
+                                        <p:cTn id="27" dur="500" fill="hold"/>
+                                        <p:tgtEl>
+                                          <p:spTgt spid="5"/>
+                                        </p:tgtEl>
+                                        <p:attrNameLst>
+                                          <p:attrName>ppt_x</p:attrName>
+                                        </p:attrNameLst>
+                                      </p:cBhvr>
+                                      <p:tavLst>
+                                        <p:tav tm="0">
+                                          <p:val>
+                                            <p:strVal val="#ppt_x"/>
+                                          </p:val>
+                                        </p:tav>
+                                        <p:tav tm="100000">
+                                          <p:val>
+                                            <p:strVal val="#ppt_x"/>
+                                          </p:val>
+                                        </p:tav>
+                                      </p:tavLst>
+                                    </p:anim>
+                                    <p:anim calcmode="lin" valueType="num">
+                                      <p:cBhvr additive="base">
+                                        <p:cTn id="28" dur="500" fill="hold"/>
+                                        <p:tgtEl>
+                                          <p:spTgt spid="5"/>
+                                        </p:tgtEl>
+                                        <p:attrNameLst>
+                                          <p:attrName>ppt_y</p:attrName>
+                                        </p:attrNameLst>
+                                      </p:cBhvr>
+                                      <p:tavLst>
+                                        <p:tav tm="0">
+                                          <p:val>
+                                            <p:strVal val="1+#ppt_h/2"/>
+                                          </p:val>
+                                        </p:tav>
+                                        <p:tav tm="100000">
+                                          <p:val>
+                                            <p:strVal val="#ppt_y"/>
+                                          </p:val>
+                                        </p:tav>
+                                      </p:tavLst>
+                                    </p:anim>
+                                  </p:childTnLst>
+                                </p:cTn>
+                              </p:par>
+                            </p:childTnLst>
+                          </p:cTn>
+                        </p:par>
+                      </p:childTnLst>
+                    </p:cTn>
+                  </p:par>
+                </p:childTnLst>
+              </p:cTn>
+              <p:prevCondLst>
+                <p:cond evt="onPrev" delay="0">
+                  <p:tgtEl>
+                    <p:sldTgt/>
+                  </p:tgtEl>
+                </p:cond>
+              </p:prevCondLst>
+              <p:nextCondLst>
+                <p:cond evt="onNext" delay="0">
+                  <p:tgtEl>
+                    <p:sldTgt/>
+                  </p:tgtEl>
+                </p:cond>
+              </p:nextCondLst>
+            </p:seq>
+          </p:childTnLst>
+        </p:cTn>
+      </p:par>
+    </p:tnLst>
+  </p:timing>
+</p:sld>
+</file>
+
+<file path=ppt/slides/slide79.xml><?xml version="1.0" encoding="utf-8"?>
 <p:sld xmlns:a="http://schemas.openxmlformats.org/drawingml/2006/main" xmlns:r="http://schemas.openxmlformats.org/officeDocument/2006/relationships" xmlns:p="http://schemas.openxmlformats.org/presentationml/2006/main" showMasterSp="0">
   <p:cSld>
     <p:spTree>

--- a/PPT/Css-v5.pptx
+++ b/PPT/Css-v5.pptx
@@ -5,7 +5,7 @@
     <p:sldMasterId id="2147483660" r:id="rId1"/>
   </p:sldMasterIdLst>
   <p:notesMasterIdLst>
-    <p:notesMasterId r:id="rId81"/>
+    <p:notesMasterId r:id="rId82"/>
   </p:notesMasterIdLst>
   <p:sldIdLst>
     <p:sldId id="256" r:id="rId2"/>
@@ -86,7 +86,8 @@
     <p:sldId id="439" r:id="rId77"/>
     <p:sldId id="440" r:id="rId78"/>
     <p:sldId id="441" r:id="rId79"/>
-    <p:sldId id="268" r:id="rId80"/>
+    <p:sldId id="442" r:id="rId80"/>
+    <p:sldId id="268" r:id="rId81"/>
   </p:sldIdLst>
   <p:sldSz cx="12192000" cy="6858000"/>
   <p:notesSz cx="6858000" cy="9144000"/>
@@ -275,7 +276,7 @@
           <a:p>
             <a:fld id="{39CD3BCA-8732-46CA-ADDD-C24F968DBEAF}" type="datetimeFigureOut">
               <a:rPr lang="en-GB" smtClean="0"/>
-              <a:t>24/11/2020</a:t>
+              <a:t>25/11/2020</a:t>
             </a:fld>
             <a:endParaRPr lang="en-GB"/>
           </a:p>
@@ -3451,6 +3452,119 @@
     <p:extLst>
       <p:ext uri="{BB962C8B-B14F-4D97-AF65-F5344CB8AC3E}">
         <p14:creationId xmlns:p14="http://schemas.microsoft.com/office/powerpoint/2010/main" val="3164043140"/>
+      </p:ext>
+    </p:extLst>
+  </p:cSld>
+  <p:clrMapOvr>
+    <a:masterClrMapping/>
+  </p:clrMapOvr>
+</p:notes>
+</file>
+
+<file path=ppt/notesSlides/notesSlide33.xml><?xml version="1.0" encoding="utf-8"?>
+<p:notes xmlns:a="http://schemas.openxmlformats.org/drawingml/2006/main" xmlns:r="http://schemas.openxmlformats.org/officeDocument/2006/relationships" xmlns:p="http://schemas.openxmlformats.org/presentationml/2006/main">
+  <p:cSld>
+    <p:spTree>
+      <p:nvGrpSpPr>
+        <p:cNvPr id="1" name=""/>
+        <p:cNvGrpSpPr/>
+        <p:nvPr/>
+      </p:nvGrpSpPr>
+      <p:grpSpPr>
+        <a:xfrm>
+          <a:off x="0" y="0"/>
+          <a:ext cx="0" cy="0"/>
+          <a:chOff x="0" y="0"/>
+          <a:chExt cx="0" cy="0"/>
+        </a:xfrm>
+      </p:grpSpPr>
+      <p:sp>
+        <p:nvSpPr>
+          <p:cNvPr id="2" name="Slide Image Placeholder 1"/>
+          <p:cNvSpPr>
+            <a:spLocks noGrp="1" noRot="1" noChangeAspect="1"/>
+          </p:cNvSpPr>
+          <p:nvPr>
+            <p:ph type="sldImg"/>
+          </p:nvPr>
+        </p:nvSpPr>
+        <p:spPr/>
+      </p:sp>
+      <p:sp>
+        <p:nvSpPr>
+          <p:cNvPr id="3" name="Notes Placeholder 2"/>
+          <p:cNvSpPr>
+            <a:spLocks noGrp="1"/>
+          </p:cNvSpPr>
+          <p:nvPr>
+            <p:ph type="body" idx="1"/>
+          </p:nvPr>
+        </p:nvSpPr>
+        <p:spPr/>
+        <p:txBody>
+          <a:bodyPr/>
+          <a:lstStyle/>
+          <a:p>
+            <a:r>
+              <a:rPr lang="en-IN" dirty="0" smtClean="0"/>
+              <a:t>Branch :</a:t>
+            </a:r>
+            <a:r>
+              <a:rPr lang="en-IN" sz="1200" kern="1200" dirty="0" err="1" smtClean="0">
+                <a:solidFill>
+                  <a:schemeClr val="tx1"/>
+                </a:solidFill>
+                <a:latin typeface="+mn-lt"/>
+                <a:ea typeface="+mn-ea"/>
+                <a:cs typeface="+mn-cs"/>
+              </a:rPr>
+              <a:t>PracticingTheBasics</a:t>
+            </a:r>
+            <a:endParaRPr lang="en-IN" dirty="0" smtClean="0"/>
+          </a:p>
+          <a:p>
+            <a:r>
+              <a:rPr lang="en-IN" dirty="0" smtClean="0"/>
+              <a:t>Commit : </a:t>
+            </a:r>
+            <a:r>
+              <a:rPr lang="en-IN" dirty="0" err="1" smtClean="0"/>
+              <a:t>StylingHeadline</a:t>
+            </a:r>
+            <a:endParaRPr lang="en-IN" dirty="0" smtClean="0"/>
+          </a:p>
+          <a:p>
+            <a:endParaRPr lang="en-GB" dirty="0"/>
+          </a:p>
+        </p:txBody>
+      </p:sp>
+      <p:sp>
+        <p:nvSpPr>
+          <p:cNvPr id="4" name="Slide Number Placeholder 3"/>
+          <p:cNvSpPr>
+            <a:spLocks noGrp="1"/>
+          </p:cNvSpPr>
+          <p:nvPr>
+            <p:ph type="sldNum" sz="quarter" idx="10"/>
+          </p:nvPr>
+        </p:nvSpPr>
+        <p:spPr/>
+        <p:txBody>
+          <a:bodyPr/>
+          <a:lstStyle/>
+          <a:p>
+            <a:fld id="{D3B79ED6-4970-4D84-B25C-F520A9D9210C}" type="slidenum">
+              <a:rPr lang="en-GB" smtClean="0"/>
+              <a:t>79</a:t>
+            </a:fld>
+            <a:endParaRPr lang="en-GB"/>
+          </a:p>
+        </p:txBody>
+      </p:sp>
+    </p:spTree>
+    <p:extLst>
+      <p:ext uri="{BB962C8B-B14F-4D97-AF65-F5344CB8AC3E}">
+        <p14:creationId xmlns:p14="http://schemas.microsoft.com/office/powerpoint/2010/main" val="1455386699"/>
       </p:ext>
     </p:extLst>
   </p:cSld>
@@ -5051,7 +5165,7 @@
           <a:p>
             <a:fld id="{D4BA8270-C9CF-44CA-BE5A-02C2BDCCEDE4}" type="datetimeFigureOut">
               <a:rPr lang="en-GB" smtClean="0"/>
-              <a:t>24/11/2020</a:t>
+              <a:t>25/11/2020</a:t>
             </a:fld>
             <a:endParaRPr lang="en-GB"/>
           </a:p>
@@ -5302,7 +5416,7 @@
           <a:p>
             <a:fld id="{D4BA8270-C9CF-44CA-BE5A-02C2BDCCEDE4}" type="datetimeFigureOut">
               <a:rPr lang="en-GB" smtClean="0"/>
-              <a:t>24/11/2020</a:t>
+              <a:t>25/11/2020</a:t>
             </a:fld>
             <a:endParaRPr lang="en-GB"/>
           </a:p>
@@ -5616,7 +5730,7 @@
           <a:p>
             <a:fld id="{D4BA8270-C9CF-44CA-BE5A-02C2BDCCEDE4}" type="datetimeFigureOut">
               <a:rPr lang="en-GB" smtClean="0"/>
-              <a:t>24/11/2020</a:t>
+              <a:t>25/11/2020</a:t>
             </a:fld>
             <a:endParaRPr lang="en-GB"/>
           </a:p>
@@ -5957,7 +6071,7 @@
           <a:p>
             <a:fld id="{D4BA8270-C9CF-44CA-BE5A-02C2BDCCEDE4}" type="datetimeFigureOut">
               <a:rPr lang="en-GB" smtClean="0"/>
-              <a:t>24/11/2020</a:t>
+              <a:t>25/11/2020</a:t>
             </a:fld>
             <a:endParaRPr lang="en-GB"/>
           </a:p>
@@ -6271,7 +6385,7 @@
           <a:p>
             <a:fld id="{D4BA8270-C9CF-44CA-BE5A-02C2BDCCEDE4}" type="datetimeFigureOut">
               <a:rPr lang="en-GB" smtClean="0"/>
-              <a:t>24/11/2020</a:t>
+              <a:t>25/11/2020</a:t>
             </a:fld>
             <a:endParaRPr lang="en-GB"/>
           </a:p>
@@ -6664,7 +6778,7 @@
           <a:p>
             <a:fld id="{D4BA8270-C9CF-44CA-BE5A-02C2BDCCEDE4}" type="datetimeFigureOut">
               <a:rPr lang="en-GB" smtClean="0"/>
-              <a:t>24/11/2020</a:t>
+              <a:t>25/11/2020</a:t>
             </a:fld>
             <a:endParaRPr lang="en-GB"/>
           </a:p>
@@ -6834,7 +6948,7 @@
           <a:p>
             <a:fld id="{D4BA8270-C9CF-44CA-BE5A-02C2BDCCEDE4}" type="datetimeFigureOut">
               <a:rPr lang="en-GB" smtClean="0"/>
-              <a:t>24/11/2020</a:t>
+              <a:t>25/11/2020</a:t>
             </a:fld>
             <a:endParaRPr lang="en-GB"/>
           </a:p>
@@ -7014,7 +7128,7 @@
           <a:p>
             <a:fld id="{D4BA8270-C9CF-44CA-BE5A-02C2BDCCEDE4}" type="datetimeFigureOut">
               <a:rPr lang="en-GB" smtClean="0"/>
-              <a:t>24/11/2020</a:t>
+              <a:t>25/11/2020</a:t>
             </a:fld>
             <a:endParaRPr lang="en-GB"/>
           </a:p>
@@ -7190,7 +7304,7 @@
           <a:p>
             <a:fld id="{D4BA8270-C9CF-44CA-BE5A-02C2BDCCEDE4}" type="datetimeFigureOut">
               <a:rPr lang="en-GB" smtClean="0"/>
-              <a:t>24/11/2020</a:t>
+              <a:t>25/11/2020</a:t>
             </a:fld>
             <a:endParaRPr lang="en-GB"/>
           </a:p>
@@ -7437,7 +7551,7 @@
           <a:p>
             <a:fld id="{D4BA8270-C9CF-44CA-BE5A-02C2BDCCEDE4}" type="datetimeFigureOut">
               <a:rPr lang="en-GB" smtClean="0"/>
-              <a:t>24/11/2020</a:t>
+              <a:t>25/11/2020</a:t>
             </a:fld>
             <a:endParaRPr lang="en-GB"/>
           </a:p>
@@ -7669,7 +7783,7 @@
           <a:p>
             <a:fld id="{D4BA8270-C9CF-44CA-BE5A-02C2BDCCEDE4}" type="datetimeFigureOut">
               <a:rPr lang="en-GB" smtClean="0"/>
-              <a:t>24/11/2020</a:t>
+              <a:t>25/11/2020</a:t>
             </a:fld>
             <a:endParaRPr lang="en-GB"/>
           </a:p>
@@ -8043,7 +8157,7 @@
           <a:p>
             <a:fld id="{D4BA8270-C9CF-44CA-BE5A-02C2BDCCEDE4}" type="datetimeFigureOut">
               <a:rPr lang="en-GB" smtClean="0"/>
-              <a:t>24/11/2020</a:t>
+              <a:t>25/11/2020</a:t>
             </a:fld>
             <a:endParaRPr lang="en-GB"/>
           </a:p>
@@ -8166,7 +8280,7 @@
           <a:p>
             <a:fld id="{D4BA8270-C9CF-44CA-BE5A-02C2BDCCEDE4}" type="datetimeFigureOut">
               <a:rPr lang="en-GB" smtClean="0"/>
-              <a:t>24/11/2020</a:t>
+              <a:t>25/11/2020</a:t>
             </a:fld>
             <a:endParaRPr lang="en-GB"/>
           </a:p>
@@ -8261,7 +8375,7 @@
           <a:p>
             <a:fld id="{D4BA8270-C9CF-44CA-BE5A-02C2BDCCEDE4}" type="datetimeFigureOut">
               <a:rPr lang="en-GB" smtClean="0"/>
-              <a:t>24/11/2020</a:t>
+              <a:t>25/11/2020</a:t>
             </a:fld>
             <a:endParaRPr lang="en-GB"/>
           </a:p>
@@ -8516,7 +8630,7 @@
           <a:p>
             <a:fld id="{D4BA8270-C9CF-44CA-BE5A-02C2BDCCEDE4}" type="datetimeFigureOut">
               <a:rPr lang="en-GB" smtClean="0"/>
-              <a:t>24/11/2020</a:t>
+              <a:t>25/11/2020</a:t>
             </a:fld>
             <a:endParaRPr lang="en-GB"/>
           </a:p>
@@ -8779,7 +8893,7 @@
           <a:p>
             <a:fld id="{D4BA8270-C9CF-44CA-BE5A-02C2BDCCEDE4}" type="datetimeFigureOut">
               <a:rPr lang="en-GB" smtClean="0"/>
-              <a:t>24/11/2020</a:t>
+              <a:t>25/11/2020</a:t>
             </a:fld>
             <a:endParaRPr lang="en-GB"/>
           </a:p>
@@ -9522,7 +9636,7 @@
           <a:p>
             <a:fld id="{D4BA8270-C9CF-44CA-BE5A-02C2BDCCEDE4}" type="datetimeFigureOut">
               <a:rPr lang="en-GB" smtClean="0"/>
-              <a:t>24/11/2020</a:t>
+              <a:t>25/11/2020</a:t>
             </a:fld>
             <a:endParaRPr lang="en-GB"/>
           </a:p>
@@ -35503,7 +35617,7 @@
 </file>
 
 <file path=ppt/slides/slide79.xml><?xml version="1.0" encoding="utf-8"?>
-<p:sld xmlns:a="http://schemas.openxmlformats.org/drawingml/2006/main" xmlns:r="http://schemas.openxmlformats.org/officeDocument/2006/relationships" xmlns:p="http://schemas.openxmlformats.org/presentationml/2006/main" showMasterSp="0">
+<p:sld xmlns:a="http://schemas.openxmlformats.org/drawingml/2006/main" xmlns:r="http://schemas.openxmlformats.org/officeDocument/2006/relationships" xmlns:p="http://schemas.openxmlformats.org/presentationml/2006/main">
   <p:cSld>
     <p:spTree>
       <p:nvGrpSpPr>
@@ -35521,6 +35635,36 @@
       </p:grpSpPr>
       <p:sp>
         <p:nvSpPr>
+          <p:cNvPr id="2" name="Title 1"/>
+          <p:cNvSpPr>
+            <a:spLocks noGrp="1"/>
+          </p:cNvSpPr>
+          <p:nvPr>
+            <p:ph type="title"/>
+          </p:nvPr>
+        </p:nvSpPr>
+        <p:spPr>
+          <a:xfrm>
+            <a:off x="677334" y="0"/>
+            <a:ext cx="11085175" cy="533400"/>
+          </a:xfrm>
+        </p:spPr>
+        <p:txBody>
+          <a:bodyPr>
+            <a:normAutofit fontScale="90000"/>
+          </a:bodyPr>
+          <a:lstStyle/>
+          <a:p>
+            <a:r>
+              <a:rPr lang="en-IN" dirty="0"/>
+              <a:t>Styling the Headline of the Core Features Section</a:t>
+            </a:r>
+            <a:endParaRPr lang="en-GB" dirty="0"/>
+          </a:p>
+        </p:txBody>
+      </p:sp>
+      <p:sp>
+        <p:nvSpPr>
           <p:cNvPr id="3" name="Content Placeholder 2"/>
           <p:cNvSpPr>
             <a:spLocks noGrp="1"/>
@@ -35531,44 +35675,150 @@
         </p:nvSpPr>
         <p:spPr>
           <a:xfrm>
-            <a:off x="3163860" y="2754147"/>
-            <a:ext cx="8596668" cy="3880773"/>
+            <a:off x="259773" y="675409"/>
+            <a:ext cx="11502735" cy="5933209"/>
           </a:xfrm>
         </p:spPr>
         <p:txBody>
-          <a:bodyPr>
-            <a:normAutofit/>
-          </a:bodyPr>
+          <a:bodyPr/>
           <a:lstStyle/>
           <a:p>
-            <a:pPr marL="0" indent="0">
-              <a:buNone/>
-            </a:pPr>
-            <a:r>
-              <a:rPr lang="en-IN" sz="5400" b="1" smtClean="0"/>
-              <a:t>Thanks!!!!!</a:t>
-            </a:r>
-            <a:endParaRPr lang="en-GB" sz="5400" b="1" dirty="0"/>
+            <a:r>
+              <a:rPr lang="en-GB" dirty="0" smtClean="0"/>
+              <a:t>Lets first style the heading for our core features section</a:t>
+            </a:r>
+          </a:p>
+          <a:p>
+            <a:r>
+              <a:rPr lang="en-GB" dirty="0" smtClean="0"/>
+              <a:t>We already have a class that applies some styles to headline text used for plans section </a:t>
+            </a:r>
+            <a:r>
+              <a:rPr lang="en-IN" dirty="0" smtClean="0"/>
+              <a:t>“</a:t>
+            </a:r>
+            <a:r>
+              <a:rPr lang="en-GB" dirty="0" smtClean="0"/>
+              <a:t>section-title“ class use this class on the &lt;h1&gt; tag representing the headline for our </a:t>
+            </a:r>
+            <a:r>
+              <a:rPr lang="en-GB" dirty="0" err="1" smtClean="0"/>
+              <a:t>section.we</a:t>
+            </a:r>
+            <a:r>
+              <a:rPr lang="en-GB" dirty="0" smtClean="0"/>
+              <a:t> will notice it now has a green </a:t>
+            </a:r>
+            <a:r>
+              <a:rPr lang="en-GB" dirty="0" err="1" smtClean="0"/>
+              <a:t>color</a:t>
+            </a:r>
+            <a:r>
+              <a:rPr lang="en-GB" dirty="0" smtClean="0"/>
+              <a:t> and is </a:t>
+            </a:r>
+            <a:r>
+              <a:rPr lang="en-GB" dirty="0" err="1" smtClean="0"/>
+              <a:t>center</a:t>
+            </a:r>
+            <a:r>
+              <a:rPr lang="en-GB" dirty="0" smtClean="0"/>
+              <a:t> aligned</a:t>
+            </a:r>
+          </a:p>
+          <a:p>
+            <a:r>
+              <a:rPr lang="en-IN" dirty="0" smtClean="0"/>
+              <a:t>Lets now style the list in our </a:t>
+            </a:r>
+            <a:r>
+              <a:rPr lang="en-IN" dirty="0" err="1" smtClean="0"/>
+              <a:t>section.First</a:t>
+            </a:r>
+            <a:r>
+              <a:rPr lang="en-IN" dirty="0" smtClean="0"/>
+              <a:t> lets add a strong reddish </a:t>
+            </a:r>
+            <a:r>
+              <a:rPr lang="en-IN" dirty="0" err="1" smtClean="0"/>
+              <a:t>color</a:t>
+            </a:r>
+            <a:r>
+              <a:rPr lang="en-IN" dirty="0" smtClean="0"/>
+              <a:t> to the background d of the section to achieve this lets first assign an id to this section key-features</a:t>
+            </a:r>
+          </a:p>
+          <a:p>
+            <a:r>
+              <a:rPr lang="en-IN" dirty="0" smtClean="0"/>
+              <a:t>Add a id selector for the above id to our main.css as #key-features and add background:#ff1b68 to give it a strong reddish background</a:t>
+            </a:r>
+          </a:p>
+          <a:p>
+            <a:r>
+              <a:rPr lang="en-IN" dirty="0" smtClean="0"/>
+              <a:t>Now if we notice since we have a red background the green </a:t>
+            </a:r>
+            <a:r>
+              <a:rPr lang="en-IN" dirty="0" err="1" smtClean="0"/>
+              <a:t>color</a:t>
+            </a:r>
+            <a:r>
+              <a:rPr lang="en-IN" dirty="0" smtClean="0"/>
+              <a:t> of our heading does not look so good so lets change that to change it we will use a descendant </a:t>
+            </a:r>
+            <a:r>
+              <a:rPr lang="en-IN" dirty="0" err="1" smtClean="0"/>
+              <a:t>combinator</a:t>
+            </a:r>
+            <a:r>
+              <a:rPr lang="en-IN" dirty="0" smtClean="0"/>
+              <a:t> like #</a:t>
+            </a:r>
+            <a:r>
+              <a:rPr lang="en-GB" dirty="0" smtClean="0"/>
+              <a:t>key-features .section-title{ }</a:t>
+            </a:r>
+          </a:p>
+          <a:p>
+            <a:r>
+              <a:rPr lang="en-IN" dirty="0" smtClean="0"/>
+              <a:t>Set the </a:t>
+            </a:r>
+            <a:r>
+              <a:rPr lang="en-IN" dirty="0" err="1" smtClean="0"/>
+              <a:t>color:white.Also</a:t>
+            </a:r>
+            <a:r>
+              <a:rPr lang="en-IN" dirty="0" smtClean="0"/>
+              <a:t> lets add a little bit more margin maybe margin:32px;</a:t>
+            </a:r>
+          </a:p>
+          <a:p>
+            <a:r>
+              <a:rPr lang="en-IN" dirty="0" smtClean="0"/>
+              <a:t>Also lets add a margin-top:80px to our #key-features to give a space between the two sections for plans and key features also lets add some padding so that the content doesn’t stick to the edges of the section maybe padding:16px;</a:t>
+            </a:r>
+            <a:endParaRPr lang="en-GB" dirty="0"/>
+          </a:p>
+          <a:p>
+            <a:endParaRPr lang="en-GB" dirty="0" smtClean="0"/>
+          </a:p>
+          <a:p>
+            <a:endParaRPr lang="en-GB" dirty="0"/>
           </a:p>
         </p:txBody>
       </p:sp>
     </p:spTree>
     <p:extLst>
       <p:ext uri="{BB962C8B-B14F-4D97-AF65-F5344CB8AC3E}">
-        <p14:creationId xmlns:p14="http://schemas.microsoft.com/office/powerpoint/2010/main" val="3977684842"/>
+        <p14:creationId xmlns:p14="http://schemas.microsoft.com/office/powerpoint/2010/main" val="1449950087"/>
       </p:ext>
     </p:extLst>
   </p:cSld>
   <p:clrMapOvr>
     <a:masterClrMapping/>
   </p:clrMapOvr>
-  <p:timing>
-    <p:tnLst>
-      <p:par>
-        <p:cTn id="1" dur="indefinite" restart="never" nodeType="tmRoot"/>
-      </p:par>
-    </p:tnLst>
-  </p:timing>
 </p:sld>
 </file>
 
@@ -35757,6 +36007,76 @@
     <p:extLst>
       <p:ext uri="{BB962C8B-B14F-4D97-AF65-F5344CB8AC3E}">
         <p14:creationId xmlns:p14="http://schemas.microsoft.com/office/powerpoint/2010/main" val="1462154578"/>
+      </p:ext>
+    </p:extLst>
+  </p:cSld>
+  <p:clrMapOvr>
+    <a:masterClrMapping/>
+  </p:clrMapOvr>
+  <p:timing>
+    <p:tnLst>
+      <p:par>
+        <p:cTn id="1" dur="indefinite" restart="never" nodeType="tmRoot"/>
+      </p:par>
+    </p:tnLst>
+  </p:timing>
+</p:sld>
+</file>
+
+<file path=ppt/slides/slide80.xml><?xml version="1.0" encoding="utf-8"?>
+<p:sld xmlns:a="http://schemas.openxmlformats.org/drawingml/2006/main" xmlns:r="http://schemas.openxmlformats.org/officeDocument/2006/relationships" xmlns:p="http://schemas.openxmlformats.org/presentationml/2006/main" showMasterSp="0">
+  <p:cSld>
+    <p:spTree>
+      <p:nvGrpSpPr>
+        <p:cNvPr id="1" name=""/>
+        <p:cNvGrpSpPr/>
+        <p:nvPr/>
+      </p:nvGrpSpPr>
+      <p:grpSpPr>
+        <a:xfrm>
+          <a:off x="0" y="0"/>
+          <a:ext cx="0" cy="0"/>
+          <a:chOff x="0" y="0"/>
+          <a:chExt cx="0" cy="0"/>
+        </a:xfrm>
+      </p:grpSpPr>
+      <p:sp>
+        <p:nvSpPr>
+          <p:cNvPr id="3" name="Content Placeholder 2"/>
+          <p:cNvSpPr>
+            <a:spLocks noGrp="1"/>
+          </p:cNvSpPr>
+          <p:nvPr>
+            <p:ph idx="1"/>
+          </p:nvPr>
+        </p:nvSpPr>
+        <p:spPr>
+          <a:xfrm>
+            <a:off x="3163860" y="2754147"/>
+            <a:ext cx="8596668" cy="3880773"/>
+          </a:xfrm>
+        </p:spPr>
+        <p:txBody>
+          <a:bodyPr>
+            <a:normAutofit/>
+          </a:bodyPr>
+          <a:lstStyle/>
+          <a:p>
+            <a:pPr marL="0" indent="0">
+              <a:buNone/>
+            </a:pPr>
+            <a:r>
+              <a:rPr lang="en-IN" sz="5400" b="1" smtClean="0"/>
+              <a:t>Thanks!!!!!</a:t>
+            </a:r>
+            <a:endParaRPr lang="en-GB" sz="5400" b="1" dirty="0"/>
+          </a:p>
+        </p:txBody>
+      </p:sp>
+    </p:spTree>
+    <p:extLst>
+      <p:ext uri="{BB962C8B-B14F-4D97-AF65-F5344CB8AC3E}">
+        <p14:creationId xmlns:p14="http://schemas.microsoft.com/office/powerpoint/2010/main" val="3977684842"/>
       </p:ext>
     </p:extLst>
   </p:cSld>

--- a/PPT/Css-v5.pptx
+++ b/PPT/Css-v5.pptx
@@ -5,7 +5,7 @@
     <p:sldMasterId id="2147483660" r:id="rId1"/>
   </p:sldMasterIdLst>
   <p:notesMasterIdLst>
-    <p:notesMasterId r:id="rId82"/>
+    <p:notesMasterId r:id="rId84"/>
   </p:notesMasterIdLst>
   <p:sldIdLst>
     <p:sldId id="256" r:id="rId2"/>
@@ -87,7 +87,9 @@
     <p:sldId id="440" r:id="rId78"/>
     <p:sldId id="441" r:id="rId79"/>
     <p:sldId id="442" r:id="rId80"/>
-    <p:sldId id="268" r:id="rId81"/>
+    <p:sldId id="443" r:id="rId81"/>
+    <p:sldId id="444" r:id="rId82"/>
+    <p:sldId id="268" r:id="rId83"/>
   </p:sldIdLst>
   <p:sldSz cx="12192000" cy="6858000"/>
   <p:notesSz cx="6858000" cy="9144000"/>
@@ -3565,6 +3567,232 @@
     <p:extLst>
       <p:ext uri="{BB962C8B-B14F-4D97-AF65-F5344CB8AC3E}">
         <p14:creationId xmlns:p14="http://schemas.microsoft.com/office/powerpoint/2010/main" val="1455386699"/>
+      </p:ext>
+    </p:extLst>
+  </p:cSld>
+  <p:clrMapOvr>
+    <a:masterClrMapping/>
+  </p:clrMapOvr>
+</p:notes>
+</file>
+
+<file path=ppt/notesSlides/notesSlide34.xml><?xml version="1.0" encoding="utf-8"?>
+<p:notes xmlns:a="http://schemas.openxmlformats.org/drawingml/2006/main" xmlns:r="http://schemas.openxmlformats.org/officeDocument/2006/relationships" xmlns:p="http://schemas.openxmlformats.org/presentationml/2006/main">
+  <p:cSld>
+    <p:spTree>
+      <p:nvGrpSpPr>
+        <p:cNvPr id="1" name=""/>
+        <p:cNvGrpSpPr/>
+        <p:nvPr/>
+      </p:nvGrpSpPr>
+      <p:grpSpPr>
+        <a:xfrm>
+          <a:off x="0" y="0"/>
+          <a:ext cx="0" cy="0"/>
+          <a:chOff x="0" y="0"/>
+          <a:chExt cx="0" cy="0"/>
+        </a:xfrm>
+      </p:grpSpPr>
+      <p:sp>
+        <p:nvSpPr>
+          <p:cNvPr id="2" name="Slide Image Placeholder 1"/>
+          <p:cNvSpPr>
+            <a:spLocks noGrp="1" noRot="1" noChangeAspect="1"/>
+          </p:cNvSpPr>
+          <p:nvPr>
+            <p:ph type="sldImg"/>
+          </p:nvPr>
+        </p:nvSpPr>
+        <p:spPr/>
+      </p:sp>
+      <p:sp>
+        <p:nvSpPr>
+          <p:cNvPr id="3" name="Notes Placeholder 2"/>
+          <p:cNvSpPr>
+            <a:spLocks noGrp="1"/>
+          </p:cNvSpPr>
+          <p:nvPr>
+            <p:ph type="body" idx="1"/>
+          </p:nvPr>
+        </p:nvSpPr>
+        <p:spPr/>
+        <p:txBody>
+          <a:bodyPr/>
+          <a:lstStyle/>
+          <a:p>
+            <a:r>
+              <a:rPr lang="en-IN" dirty="0" smtClean="0"/>
+              <a:t>Branch :</a:t>
+            </a:r>
+            <a:r>
+              <a:rPr lang="en-IN" sz="1200" kern="1200" dirty="0" err="1" smtClean="0">
+                <a:solidFill>
+                  <a:schemeClr val="tx1"/>
+                </a:solidFill>
+                <a:latin typeface="+mn-lt"/>
+                <a:ea typeface="+mn-ea"/>
+                <a:cs typeface="+mn-cs"/>
+              </a:rPr>
+              <a:t>PracticingTheBasics</a:t>
+            </a:r>
+            <a:endParaRPr lang="en-IN" dirty="0" smtClean="0"/>
+          </a:p>
+          <a:p>
+            <a:r>
+              <a:rPr lang="en-IN" dirty="0" smtClean="0"/>
+              <a:t>Commit : </a:t>
+            </a:r>
+            <a:r>
+              <a:rPr lang="en-IN" dirty="0" err="1" smtClean="0"/>
+              <a:t>KeyFeatureArea</a:t>
+            </a:r>
+            <a:endParaRPr lang="en-IN" dirty="0" smtClean="0"/>
+          </a:p>
+          <a:p>
+            <a:endParaRPr lang="en-GB" dirty="0"/>
+          </a:p>
+        </p:txBody>
+      </p:sp>
+      <p:sp>
+        <p:nvSpPr>
+          <p:cNvPr id="4" name="Slide Number Placeholder 3"/>
+          <p:cNvSpPr>
+            <a:spLocks noGrp="1"/>
+          </p:cNvSpPr>
+          <p:nvPr>
+            <p:ph type="sldNum" sz="quarter" idx="10"/>
+          </p:nvPr>
+        </p:nvSpPr>
+        <p:spPr/>
+        <p:txBody>
+          <a:bodyPr/>
+          <a:lstStyle/>
+          <a:p>
+            <a:fld id="{D3B79ED6-4970-4D84-B25C-F520A9D9210C}" type="slidenum">
+              <a:rPr lang="en-GB" smtClean="0"/>
+              <a:t>80</a:t>
+            </a:fld>
+            <a:endParaRPr lang="en-GB"/>
+          </a:p>
+        </p:txBody>
+      </p:sp>
+    </p:spTree>
+    <p:extLst>
+      <p:ext uri="{BB962C8B-B14F-4D97-AF65-F5344CB8AC3E}">
+        <p14:creationId xmlns:p14="http://schemas.microsoft.com/office/powerpoint/2010/main" val="309917198"/>
+      </p:ext>
+    </p:extLst>
+  </p:cSld>
+  <p:clrMapOvr>
+    <a:masterClrMapping/>
+  </p:clrMapOvr>
+</p:notes>
+</file>
+
+<file path=ppt/notesSlides/notesSlide35.xml><?xml version="1.0" encoding="utf-8"?>
+<p:notes xmlns:a="http://schemas.openxmlformats.org/drawingml/2006/main" xmlns:r="http://schemas.openxmlformats.org/officeDocument/2006/relationships" xmlns:p="http://schemas.openxmlformats.org/presentationml/2006/main">
+  <p:cSld>
+    <p:spTree>
+      <p:nvGrpSpPr>
+        <p:cNvPr id="1" name=""/>
+        <p:cNvGrpSpPr/>
+        <p:nvPr/>
+      </p:nvGrpSpPr>
+      <p:grpSpPr>
+        <a:xfrm>
+          <a:off x="0" y="0"/>
+          <a:ext cx="0" cy="0"/>
+          <a:chOff x="0" y="0"/>
+          <a:chExt cx="0" cy="0"/>
+        </a:xfrm>
+      </p:grpSpPr>
+      <p:sp>
+        <p:nvSpPr>
+          <p:cNvPr id="2" name="Slide Image Placeholder 1"/>
+          <p:cNvSpPr>
+            <a:spLocks noGrp="1" noRot="1" noChangeAspect="1"/>
+          </p:cNvSpPr>
+          <p:nvPr>
+            <p:ph type="sldImg"/>
+          </p:nvPr>
+        </p:nvSpPr>
+        <p:spPr/>
+      </p:sp>
+      <p:sp>
+        <p:nvSpPr>
+          <p:cNvPr id="3" name="Notes Placeholder 2"/>
+          <p:cNvSpPr>
+            <a:spLocks noGrp="1"/>
+          </p:cNvSpPr>
+          <p:nvPr>
+            <p:ph type="body" idx="1"/>
+          </p:nvPr>
+        </p:nvSpPr>
+        <p:spPr/>
+        <p:txBody>
+          <a:bodyPr/>
+          <a:lstStyle/>
+          <a:p>
+            <a:r>
+              <a:rPr lang="en-IN" dirty="0" smtClean="0"/>
+              <a:t>Branch :</a:t>
+            </a:r>
+            <a:r>
+              <a:rPr lang="en-IN" sz="1200" kern="1200" dirty="0" err="1" smtClean="0">
+                <a:solidFill>
+                  <a:schemeClr val="tx1"/>
+                </a:solidFill>
+                <a:latin typeface="+mn-lt"/>
+                <a:ea typeface="+mn-ea"/>
+                <a:cs typeface="+mn-cs"/>
+              </a:rPr>
+              <a:t>PracticingTheBasics</a:t>
+            </a:r>
+            <a:endParaRPr lang="en-IN" dirty="0" smtClean="0"/>
+          </a:p>
+          <a:p>
+            <a:r>
+              <a:rPr lang="en-IN" dirty="0" smtClean="0"/>
+              <a:t>Commit : </a:t>
+            </a:r>
+            <a:r>
+              <a:rPr lang="en-IN" dirty="0" err="1" smtClean="0"/>
+              <a:t>KeyFeatureArea</a:t>
+            </a:r>
+            <a:endParaRPr lang="en-IN" dirty="0" smtClean="0"/>
+          </a:p>
+          <a:p>
+            <a:endParaRPr lang="en-GB" dirty="0"/>
+          </a:p>
+        </p:txBody>
+      </p:sp>
+      <p:sp>
+        <p:nvSpPr>
+          <p:cNvPr id="4" name="Slide Number Placeholder 3"/>
+          <p:cNvSpPr>
+            <a:spLocks noGrp="1"/>
+          </p:cNvSpPr>
+          <p:nvPr>
+            <p:ph type="sldNum" sz="quarter" idx="10"/>
+          </p:nvPr>
+        </p:nvSpPr>
+        <p:spPr/>
+        <p:txBody>
+          <a:bodyPr/>
+          <a:lstStyle/>
+          <a:p>
+            <a:fld id="{D3B79ED6-4970-4D84-B25C-F520A9D9210C}" type="slidenum">
+              <a:rPr lang="en-GB" smtClean="0"/>
+              <a:t>81</a:t>
+            </a:fld>
+            <a:endParaRPr lang="en-GB"/>
+          </a:p>
+        </p:txBody>
+      </p:sp>
+    </p:spTree>
+    <p:extLst>
+      <p:ext uri="{BB962C8B-B14F-4D97-AF65-F5344CB8AC3E}">
+        <p14:creationId xmlns:p14="http://schemas.microsoft.com/office/powerpoint/2010/main" val="2456048787"/>
       </p:ext>
     </p:extLst>
   </p:cSld>
@@ -36024,6 +36252,461 @@
 </file>
 
 <file path=ppt/slides/slide80.xml><?xml version="1.0" encoding="utf-8"?>
+<p:sld xmlns:a="http://schemas.openxmlformats.org/drawingml/2006/main" xmlns:r="http://schemas.openxmlformats.org/officeDocument/2006/relationships" xmlns:p="http://schemas.openxmlformats.org/presentationml/2006/main">
+  <p:cSld>
+    <p:spTree>
+      <p:nvGrpSpPr>
+        <p:cNvPr id="1" name=""/>
+        <p:cNvGrpSpPr/>
+        <p:nvPr/>
+      </p:nvGrpSpPr>
+      <p:grpSpPr>
+        <a:xfrm>
+          <a:off x="0" y="0"/>
+          <a:ext cx="0" cy="0"/>
+          <a:chOff x="0" y="0"/>
+          <a:chExt cx="0" cy="0"/>
+        </a:xfrm>
+      </p:grpSpPr>
+      <p:sp>
+        <p:nvSpPr>
+          <p:cNvPr id="2" name="Title 1"/>
+          <p:cNvSpPr>
+            <a:spLocks noGrp="1"/>
+          </p:cNvSpPr>
+          <p:nvPr>
+            <p:ph type="title"/>
+          </p:nvPr>
+        </p:nvSpPr>
+        <p:spPr>
+          <a:xfrm>
+            <a:off x="677334" y="110836"/>
+            <a:ext cx="10129211" cy="491836"/>
+          </a:xfrm>
+        </p:spPr>
+        <p:txBody>
+          <a:bodyPr>
+            <a:normAutofit fontScale="90000"/>
+          </a:bodyPr>
+          <a:lstStyle/>
+          <a:p>
+            <a:r>
+              <a:rPr lang="en-IN" dirty="0"/>
+              <a:t>Preparing the Content of the Key Feature Area</a:t>
+            </a:r>
+            <a:endParaRPr lang="en-GB" dirty="0"/>
+          </a:p>
+        </p:txBody>
+      </p:sp>
+      <p:sp>
+        <p:nvSpPr>
+          <p:cNvPr id="3" name="Content Placeholder 2"/>
+          <p:cNvSpPr>
+            <a:spLocks noGrp="1"/>
+          </p:cNvSpPr>
+          <p:nvPr>
+            <p:ph idx="1"/>
+          </p:nvPr>
+        </p:nvSpPr>
+        <p:spPr>
+          <a:xfrm>
+            <a:off x="394855" y="883227"/>
+            <a:ext cx="11419609" cy="5715000"/>
+          </a:xfrm>
+        </p:spPr>
+        <p:txBody>
+          <a:bodyPr/>
+          <a:lstStyle/>
+          <a:p>
+            <a:r>
+              <a:rPr lang="en-IN" dirty="0" smtClean="0"/>
+              <a:t>Lets style our list .</a:t>
+            </a:r>
+          </a:p>
+          <a:p>
+            <a:r>
+              <a:rPr lang="en-IN" dirty="0" smtClean="0"/>
+              <a:t>Lets add a class key-</a:t>
+            </a:r>
+            <a:r>
+              <a:rPr lang="en-IN" dirty="0" err="1" smtClean="0"/>
+              <a:t>feature__list</a:t>
+            </a:r>
+            <a:r>
+              <a:rPr lang="en-IN" dirty="0" smtClean="0"/>
+              <a:t> to the &lt;</a:t>
+            </a:r>
+            <a:r>
+              <a:rPr lang="en-IN" dirty="0" err="1" smtClean="0"/>
+              <a:t>ul</a:t>
+            </a:r>
+            <a:r>
+              <a:rPr lang="en-IN" dirty="0" smtClean="0"/>
+              <a:t>&gt; list and class key-feature to the individual list items&lt;li&gt; and assign a class key-</a:t>
+            </a:r>
+            <a:r>
+              <a:rPr lang="en-IN" dirty="0" err="1" smtClean="0"/>
+              <a:t>feature__description</a:t>
+            </a:r>
+            <a:r>
+              <a:rPr lang="en-IN" dirty="0" smtClean="0"/>
+              <a:t> to the &lt;P&gt; tags inside the list items&lt;li&gt;</a:t>
+            </a:r>
+          </a:p>
+          <a:p>
+            <a:r>
+              <a:rPr lang="en-IN" dirty="0" smtClean="0"/>
+              <a:t>Add a class selector for the list .key-</a:t>
+            </a:r>
+            <a:r>
+              <a:rPr lang="en-IN" dirty="0" err="1" smtClean="0"/>
+              <a:t>feature__list</a:t>
+            </a:r>
+            <a:r>
+              <a:rPr lang="en-IN" dirty="0" smtClean="0"/>
+              <a:t> to our </a:t>
+            </a:r>
+            <a:r>
+              <a:rPr lang="en-IN" dirty="0" err="1" smtClean="0"/>
+              <a:t>main.css.First</a:t>
+            </a:r>
+            <a:r>
+              <a:rPr lang="en-IN" dirty="0" smtClean="0"/>
+              <a:t> lets get rid of the bullet points by using </a:t>
+            </a:r>
+            <a:r>
+              <a:rPr lang="en-IN" dirty="0" err="1" smtClean="0"/>
+              <a:t>list-style:none</a:t>
+            </a:r>
+            <a:r>
+              <a:rPr lang="en-IN" dirty="0" smtClean="0"/>
+              <a:t>; also lets remove the margin and padding by using margin:0; padding:0;</a:t>
+            </a:r>
+          </a:p>
+          <a:p>
+            <a:r>
+              <a:rPr lang="en-IN" dirty="0" smtClean="0"/>
+              <a:t>Add a class selector for list items using .key-feature{} and lets make the list items inline using </a:t>
+            </a:r>
+            <a:r>
+              <a:rPr lang="en-IN" dirty="0" err="1" smtClean="0"/>
+              <a:t>display:inline-block</a:t>
+            </a:r>
+            <a:r>
+              <a:rPr lang="en-IN" dirty="0" smtClean="0"/>
+              <a:t>; Also lets give a width :30%; we are not using 33% because as we saw in previous sections we will have some width taken by the whitespace between the &lt;li&gt; so using 30% we will take in account that width too and avoid having the last element in next line.</a:t>
+            </a:r>
+          </a:p>
+          <a:p>
+            <a:r>
+              <a:rPr lang="en-IN" dirty="0" smtClean="0"/>
+              <a:t>Now as we will notice we have the elements in a single line with no bullet point but they are not </a:t>
+            </a:r>
+            <a:r>
+              <a:rPr lang="en-IN" dirty="0" err="1" smtClean="0"/>
+              <a:t>center</a:t>
+            </a:r>
+            <a:r>
+              <a:rPr lang="en-IN" dirty="0" smtClean="0"/>
+              <a:t> aligned lets fix them by adding </a:t>
+            </a:r>
+            <a:r>
+              <a:rPr lang="en-IN" dirty="0" err="1" smtClean="0"/>
+              <a:t>text-align:center</a:t>
+            </a:r>
+            <a:r>
+              <a:rPr lang="en-IN" dirty="0" smtClean="0"/>
+              <a:t>; to the list class selector</a:t>
+            </a:r>
+          </a:p>
+          <a:p>
+            <a:r>
+              <a:rPr lang="en-IN" dirty="0" smtClean="0"/>
+              <a:t>Lets now style the plan description add a class selector .key-</a:t>
+            </a:r>
+            <a:r>
+              <a:rPr lang="en-IN" dirty="0" err="1" smtClean="0"/>
+              <a:t>feature__description</a:t>
+            </a:r>
+            <a:r>
+              <a:rPr lang="en-IN" dirty="0" smtClean="0"/>
+              <a:t>{}.Use </a:t>
+            </a:r>
+            <a:r>
+              <a:rPr lang="en-IN" dirty="0" err="1" smtClean="0"/>
+              <a:t>text-align:center</a:t>
+            </a:r>
+            <a:r>
+              <a:rPr lang="en-IN" dirty="0" smtClean="0"/>
+              <a:t> to </a:t>
+            </a:r>
+            <a:r>
+              <a:rPr lang="en-IN" dirty="0" err="1" smtClean="0"/>
+              <a:t>center</a:t>
+            </a:r>
+            <a:r>
+              <a:rPr lang="en-IN" dirty="0" smtClean="0"/>
+              <a:t> the text inside its box just to make sure everything is perfectly </a:t>
+            </a:r>
+            <a:r>
+              <a:rPr lang="en-IN" dirty="0" err="1" smtClean="0"/>
+              <a:t>centered.Add</a:t>
+            </a:r>
+            <a:r>
+              <a:rPr lang="en-IN" dirty="0" smtClean="0"/>
+              <a:t> a </a:t>
+            </a:r>
+            <a:r>
+              <a:rPr lang="en-IN" dirty="0" err="1" smtClean="0"/>
+              <a:t>font-weight:bold</a:t>
+            </a:r>
+            <a:r>
+              <a:rPr lang="en-IN" dirty="0" smtClean="0"/>
+              <a:t>; and </a:t>
+            </a:r>
+            <a:r>
+              <a:rPr lang="en-IN" dirty="0" err="1" smtClean="0"/>
+              <a:t>color:white</a:t>
+            </a:r>
+            <a:r>
+              <a:rPr lang="en-IN" dirty="0" smtClean="0"/>
+              <a:t>; and increase font-size:20px;</a:t>
+            </a:r>
+          </a:p>
+          <a:p>
+            <a:r>
+              <a:rPr lang="en-IN" dirty="0" smtClean="0"/>
+              <a:t>Right now we will see that on smaller screens each text or &lt;P&gt; tag breaks into two lines we will fix that later but at least they should be vertically aligned with the top line of each text using </a:t>
+            </a:r>
+            <a:r>
+              <a:rPr lang="en-IN" dirty="0" err="1" smtClean="0"/>
+              <a:t>vaertical-align:top</a:t>
+            </a:r>
+            <a:r>
+              <a:rPr lang="en-IN" dirty="0" smtClean="0"/>
+              <a:t> to key-feature</a:t>
+            </a:r>
+            <a:endParaRPr lang="en-GB" dirty="0"/>
+          </a:p>
+        </p:txBody>
+      </p:sp>
+    </p:spTree>
+    <p:extLst>
+      <p:ext uri="{BB962C8B-B14F-4D97-AF65-F5344CB8AC3E}">
+        <p14:creationId xmlns:p14="http://schemas.microsoft.com/office/powerpoint/2010/main" val="2022908233"/>
+      </p:ext>
+    </p:extLst>
+  </p:cSld>
+  <p:clrMapOvr>
+    <a:masterClrMapping/>
+  </p:clrMapOvr>
+</p:sld>
+</file>
+
+<file path=ppt/slides/slide81.xml><?xml version="1.0" encoding="utf-8"?>
+<p:sld xmlns:a="http://schemas.openxmlformats.org/drawingml/2006/main" xmlns:r="http://schemas.openxmlformats.org/officeDocument/2006/relationships" xmlns:p="http://schemas.openxmlformats.org/presentationml/2006/main">
+  <p:cSld>
+    <p:spTree>
+      <p:nvGrpSpPr>
+        <p:cNvPr id="1" name=""/>
+        <p:cNvGrpSpPr/>
+        <p:nvPr/>
+      </p:nvGrpSpPr>
+      <p:grpSpPr>
+        <a:xfrm>
+          <a:off x="0" y="0"/>
+          <a:ext cx="0" cy="0"/>
+          <a:chOff x="0" y="0"/>
+          <a:chExt cx="0" cy="0"/>
+        </a:xfrm>
+      </p:grpSpPr>
+      <p:sp>
+        <p:nvSpPr>
+          <p:cNvPr id="2" name="Title 1"/>
+          <p:cNvSpPr>
+            <a:spLocks noGrp="1"/>
+          </p:cNvSpPr>
+          <p:nvPr>
+            <p:ph type="title"/>
+          </p:nvPr>
+        </p:nvSpPr>
+        <p:spPr>
+          <a:xfrm>
+            <a:off x="677334" y="110836"/>
+            <a:ext cx="10129211" cy="491836"/>
+          </a:xfrm>
+        </p:spPr>
+        <p:txBody>
+          <a:bodyPr>
+            <a:normAutofit fontScale="90000"/>
+          </a:bodyPr>
+          <a:lstStyle/>
+          <a:p>
+            <a:r>
+              <a:rPr lang="en-IN" dirty="0"/>
+              <a:t>Preparing the Content of the Key Feature Area</a:t>
+            </a:r>
+            <a:endParaRPr lang="en-GB" dirty="0"/>
+          </a:p>
+        </p:txBody>
+      </p:sp>
+      <p:sp>
+        <p:nvSpPr>
+          <p:cNvPr id="3" name="Content Placeholder 2"/>
+          <p:cNvSpPr>
+            <a:spLocks noGrp="1"/>
+          </p:cNvSpPr>
+          <p:nvPr>
+            <p:ph idx="1"/>
+          </p:nvPr>
+        </p:nvSpPr>
+        <p:spPr>
+          <a:xfrm>
+            <a:off x="394855" y="883227"/>
+            <a:ext cx="11419609" cy="5715000"/>
+          </a:xfrm>
+        </p:spPr>
+        <p:txBody>
+          <a:bodyPr/>
+          <a:lstStyle/>
+          <a:p>
+            <a:r>
+              <a:rPr lang="en-IN" dirty="0" smtClean="0"/>
+              <a:t>In future sections we will add an image above the texts but for time being lets just add a circular container for the images which for now just has a background </a:t>
+            </a:r>
+            <a:r>
+              <a:rPr lang="en-IN" dirty="0" err="1" smtClean="0"/>
+              <a:t>color</a:t>
+            </a:r>
+            <a:endParaRPr lang="en-IN" dirty="0" smtClean="0"/>
+          </a:p>
+          <a:p>
+            <a:r>
+              <a:rPr lang="en-IN" dirty="0" smtClean="0"/>
+              <a:t>To add such </a:t>
+            </a:r>
+            <a:r>
+              <a:rPr lang="en-IN" dirty="0" err="1" smtClean="0"/>
+              <a:t>acircle</a:t>
+            </a:r>
+            <a:r>
+              <a:rPr lang="en-IN" dirty="0" smtClean="0"/>
+              <a:t> we will notice we have a &lt;div&gt; above the &lt;p&gt; in each &lt;li&gt; add a class key-</a:t>
+            </a:r>
+            <a:r>
+              <a:rPr lang="en-IN" dirty="0" err="1" smtClean="0"/>
+              <a:t>feature__image</a:t>
+            </a:r>
+            <a:r>
+              <a:rPr lang="en-IN" dirty="0" smtClean="0"/>
+              <a:t> to all such &lt;div&gt; tags and add a selector for the same .key-</a:t>
+            </a:r>
+            <a:r>
+              <a:rPr lang="en-IN" dirty="0" err="1" smtClean="0"/>
+              <a:t>feature__image</a:t>
+            </a:r>
+            <a:r>
+              <a:rPr lang="en-IN" dirty="0" smtClean="0"/>
+              <a:t> in our main.css file</a:t>
+            </a:r>
+          </a:p>
+          <a:p>
+            <a:r>
+              <a:rPr lang="en-IN" dirty="0" smtClean="0"/>
+              <a:t>Add a </a:t>
+            </a:r>
+            <a:r>
+              <a:rPr lang="en-IN" dirty="0" err="1" smtClean="0"/>
+              <a:t>backgroung</a:t>
+            </a:r>
+            <a:r>
+              <a:rPr lang="en-IN" dirty="0" smtClean="0"/>
+              <a:t>:#</a:t>
+            </a:r>
+            <a:r>
+              <a:rPr lang="en-IN" dirty="0" err="1" smtClean="0"/>
+              <a:t>ffcede</a:t>
+            </a:r>
+            <a:r>
+              <a:rPr lang="en-IN" dirty="0"/>
+              <a:t> </a:t>
+            </a:r>
+            <a:r>
+              <a:rPr lang="en-IN" dirty="0" smtClean="0"/>
+              <a:t>add a width:128px a border:2px solid #424242; this creates a box now to turn it into a circle we will add border-radius:50% this will round everything such that we get a circle</a:t>
+            </a:r>
+          </a:p>
+          <a:p>
+            <a:r>
+              <a:rPr lang="en-IN" dirty="0" smtClean="0"/>
+              <a:t>If we save it we will notice although we have a circle but since it has no height it doesn’t look so good to have a perfect circle we will need to match the height and the width to make </a:t>
+            </a:r>
+            <a:r>
+              <a:rPr lang="en-IN" dirty="0" err="1" smtClean="0"/>
+              <a:t>asquare</a:t>
+            </a:r>
+            <a:r>
+              <a:rPr lang="en-IN" dirty="0" smtClean="0"/>
+              <a:t> and then because of our border radius it will become a circle</a:t>
+            </a:r>
+          </a:p>
+          <a:p>
+            <a:r>
+              <a:rPr lang="en-IN" dirty="0" smtClean="0"/>
+              <a:t>Now lets </a:t>
+            </a:r>
+            <a:r>
+              <a:rPr lang="en-IN" dirty="0" err="1" smtClean="0"/>
+              <a:t>center</a:t>
+            </a:r>
+            <a:r>
+              <a:rPr lang="en-IN" dirty="0" smtClean="0"/>
+              <a:t> the circles horizontally to </a:t>
+            </a:r>
+            <a:r>
+              <a:rPr lang="en-IN" dirty="0" err="1" smtClean="0"/>
+              <a:t>center</a:t>
+            </a:r>
+            <a:r>
+              <a:rPr lang="en-IN" dirty="0" smtClean="0"/>
+              <a:t> then we need to add some margin to right and left but how do we know how much </a:t>
+            </a:r>
+            <a:r>
+              <a:rPr lang="en-IN" dirty="0" err="1" smtClean="0"/>
+              <a:t>margin.we</a:t>
+            </a:r>
+            <a:r>
+              <a:rPr lang="en-IN" dirty="0" smtClean="0"/>
+              <a:t> can use a trick by setting margin: 0 auto ; or just margin :auto; since we don’t care about the top and bottom margin we can skip setting that to 0.Using auto it automatically adjusts the margin according to the available space and set equal margins to </a:t>
+            </a:r>
+            <a:r>
+              <a:rPr lang="en-IN" dirty="0" err="1" smtClean="0"/>
+              <a:t>center</a:t>
+            </a:r>
+            <a:r>
+              <a:rPr lang="en-IN" dirty="0" smtClean="0"/>
+              <a:t> the element horizontally .It does not work with vertically though;</a:t>
+            </a:r>
+          </a:p>
+          <a:p>
+            <a:endParaRPr lang="en-GB" dirty="0"/>
+          </a:p>
+        </p:txBody>
+      </p:sp>
+    </p:spTree>
+    <p:extLst>
+      <p:ext uri="{BB962C8B-B14F-4D97-AF65-F5344CB8AC3E}">
+        <p14:creationId xmlns:p14="http://schemas.microsoft.com/office/powerpoint/2010/main" val="1861154565"/>
+      </p:ext>
+    </p:extLst>
+  </p:cSld>
+  <p:clrMapOvr>
+    <a:masterClrMapping/>
+  </p:clrMapOvr>
+</p:sld>
+</file>
+
+<file path=ppt/slides/slide82.xml><?xml version="1.0" encoding="utf-8"?>
 <p:sld xmlns:a="http://schemas.openxmlformats.org/drawingml/2006/main" xmlns:r="http://schemas.openxmlformats.org/officeDocument/2006/relationships" xmlns:p="http://schemas.openxmlformats.org/presentationml/2006/main" showMasterSp="0">
   <p:cSld>
     <p:spTree>

--- a/PPT/Css-v5.pptx
+++ b/PPT/Css-v5.pptx
@@ -5,7 +5,7 @@
     <p:sldMasterId id="2147483660" r:id="rId1"/>
   </p:sldMasterIdLst>
   <p:notesMasterIdLst>
-    <p:notesMasterId r:id="rId84"/>
+    <p:notesMasterId r:id="rId85"/>
   </p:notesMasterIdLst>
   <p:sldIdLst>
     <p:sldId id="256" r:id="rId2"/>
@@ -89,7 +89,8 @@
     <p:sldId id="442" r:id="rId80"/>
     <p:sldId id="443" r:id="rId81"/>
     <p:sldId id="444" r:id="rId82"/>
-    <p:sldId id="268" r:id="rId83"/>
+    <p:sldId id="445" r:id="rId83"/>
+    <p:sldId id="268" r:id="rId84"/>
   </p:sldIdLst>
   <p:sldSz cx="12192000" cy="6858000"/>
   <p:notesSz cx="6858000" cy="9144000"/>
@@ -278,7 +279,7 @@
           <a:p>
             <a:fld id="{39CD3BCA-8732-46CA-ADDD-C24F968DBEAF}" type="datetimeFigureOut">
               <a:rPr lang="en-GB" smtClean="0"/>
-              <a:t>25/11/2020</a:t>
+              <a:t>06/12/2020</a:t>
             </a:fld>
             <a:endParaRPr lang="en-GB"/>
           </a:p>
@@ -3793,6 +3794,119 @@
     <p:extLst>
       <p:ext uri="{BB962C8B-B14F-4D97-AF65-F5344CB8AC3E}">
         <p14:creationId xmlns:p14="http://schemas.microsoft.com/office/powerpoint/2010/main" val="2456048787"/>
+      </p:ext>
+    </p:extLst>
+  </p:cSld>
+  <p:clrMapOvr>
+    <a:masterClrMapping/>
+  </p:clrMapOvr>
+</p:notes>
+</file>
+
+<file path=ppt/notesSlides/notesSlide36.xml><?xml version="1.0" encoding="utf-8"?>
+<p:notes xmlns:a="http://schemas.openxmlformats.org/drawingml/2006/main" xmlns:r="http://schemas.openxmlformats.org/officeDocument/2006/relationships" xmlns:p="http://schemas.openxmlformats.org/presentationml/2006/main">
+  <p:cSld>
+    <p:spTree>
+      <p:nvGrpSpPr>
+        <p:cNvPr id="1" name=""/>
+        <p:cNvGrpSpPr/>
+        <p:nvPr/>
+      </p:nvGrpSpPr>
+      <p:grpSpPr>
+        <a:xfrm>
+          <a:off x="0" y="0"/>
+          <a:ext cx="0" cy="0"/>
+          <a:chOff x="0" y="0"/>
+          <a:chExt cx="0" cy="0"/>
+        </a:xfrm>
+      </p:grpSpPr>
+      <p:sp>
+        <p:nvSpPr>
+          <p:cNvPr id="2" name="Slide Image Placeholder 1"/>
+          <p:cNvSpPr>
+            <a:spLocks noGrp="1" noRot="1" noChangeAspect="1"/>
+          </p:cNvSpPr>
+          <p:nvPr>
+            <p:ph type="sldImg"/>
+          </p:nvPr>
+        </p:nvSpPr>
+        <p:spPr/>
+      </p:sp>
+      <p:sp>
+        <p:nvSpPr>
+          <p:cNvPr id="3" name="Notes Placeholder 2"/>
+          <p:cNvSpPr>
+            <a:spLocks noGrp="1"/>
+          </p:cNvSpPr>
+          <p:nvPr>
+            <p:ph type="body" idx="1"/>
+          </p:nvPr>
+        </p:nvSpPr>
+        <p:spPr/>
+        <p:txBody>
+          <a:bodyPr/>
+          <a:lstStyle/>
+          <a:p>
+            <a:r>
+              <a:rPr lang="en-IN" dirty="0" smtClean="0"/>
+              <a:t>Branch :</a:t>
+            </a:r>
+            <a:r>
+              <a:rPr lang="en-IN" sz="1200" kern="1200" dirty="0" err="1" smtClean="0">
+                <a:solidFill>
+                  <a:schemeClr val="tx1"/>
+                </a:solidFill>
+                <a:latin typeface="+mn-lt"/>
+                <a:ea typeface="+mn-ea"/>
+                <a:cs typeface="+mn-cs"/>
+              </a:rPr>
+              <a:t>PracticingTheBasics</a:t>
+            </a:r>
+            <a:endParaRPr lang="en-IN" dirty="0" smtClean="0"/>
+          </a:p>
+          <a:p>
+            <a:r>
+              <a:rPr lang="en-IN" dirty="0" smtClean="0"/>
+              <a:t>Commit : </a:t>
+            </a:r>
+            <a:r>
+              <a:rPr lang="en-IN" dirty="0" err="1" smtClean="0"/>
+              <a:t>AddingFooter</a:t>
+            </a:r>
+            <a:endParaRPr lang="en-IN" dirty="0" smtClean="0"/>
+          </a:p>
+          <a:p>
+            <a:endParaRPr lang="en-GB" dirty="0"/>
+          </a:p>
+        </p:txBody>
+      </p:sp>
+      <p:sp>
+        <p:nvSpPr>
+          <p:cNvPr id="4" name="Slide Number Placeholder 3"/>
+          <p:cNvSpPr>
+            <a:spLocks noGrp="1"/>
+          </p:cNvSpPr>
+          <p:nvPr>
+            <p:ph type="sldNum" sz="quarter" idx="10"/>
+          </p:nvPr>
+        </p:nvSpPr>
+        <p:spPr/>
+        <p:txBody>
+          <a:bodyPr/>
+          <a:lstStyle/>
+          <a:p>
+            <a:fld id="{D3B79ED6-4970-4D84-B25C-F520A9D9210C}" type="slidenum">
+              <a:rPr lang="en-GB" smtClean="0"/>
+              <a:t>82</a:t>
+            </a:fld>
+            <a:endParaRPr lang="en-GB"/>
+          </a:p>
+        </p:txBody>
+      </p:sp>
+    </p:spTree>
+    <p:extLst>
+      <p:ext uri="{BB962C8B-B14F-4D97-AF65-F5344CB8AC3E}">
+        <p14:creationId xmlns:p14="http://schemas.microsoft.com/office/powerpoint/2010/main" val="3772078627"/>
       </p:ext>
     </p:extLst>
   </p:cSld>
@@ -5393,7 +5507,7 @@
           <a:p>
             <a:fld id="{D4BA8270-C9CF-44CA-BE5A-02C2BDCCEDE4}" type="datetimeFigureOut">
               <a:rPr lang="en-GB" smtClean="0"/>
-              <a:t>25/11/2020</a:t>
+              <a:t>06/12/2020</a:t>
             </a:fld>
             <a:endParaRPr lang="en-GB"/>
           </a:p>
@@ -5644,7 +5758,7 @@
           <a:p>
             <a:fld id="{D4BA8270-C9CF-44CA-BE5A-02C2BDCCEDE4}" type="datetimeFigureOut">
               <a:rPr lang="en-GB" smtClean="0"/>
-              <a:t>25/11/2020</a:t>
+              <a:t>06/12/2020</a:t>
             </a:fld>
             <a:endParaRPr lang="en-GB"/>
           </a:p>
@@ -5958,7 +6072,7 @@
           <a:p>
             <a:fld id="{D4BA8270-C9CF-44CA-BE5A-02C2BDCCEDE4}" type="datetimeFigureOut">
               <a:rPr lang="en-GB" smtClean="0"/>
-              <a:t>25/11/2020</a:t>
+              <a:t>06/12/2020</a:t>
             </a:fld>
             <a:endParaRPr lang="en-GB"/>
           </a:p>
@@ -6299,7 +6413,7 @@
           <a:p>
             <a:fld id="{D4BA8270-C9CF-44CA-BE5A-02C2BDCCEDE4}" type="datetimeFigureOut">
               <a:rPr lang="en-GB" smtClean="0"/>
-              <a:t>25/11/2020</a:t>
+              <a:t>06/12/2020</a:t>
             </a:fld>
             <a:endParaRPr lang="en-GB"/>
           </a:p>
@@ -6613,7 +6727,7 @@
           <a:p>
             <a:fld id="{D4BA8270-C9CF-44CA-BE5A-02C2BDCCEDE4}" type="datetimeFigureOut">
               <a:rPr lang="en-GB" smtClean="0"/>
-              <a:t>25/11/2020</a:t>
+              <a:t>06/12/2020</a:t>
             </a:fld>
             <a:endParaRPr lang="en-GB"/>
           </a:p>
@@ -7006,7 +7120,7 @@
           <a:p>
             <a:fld id="{D4BA8270-C9CF-44CA-BE5A-02C2BDCCEDE4}" type="datetimeFigureOut">
               <a:rPr lang="en-GB" smtClean="0"/>
-              <a:t>25/11/2020</a:t>
+              <a:t>06/12/2020</a:t>
             </a:fld>
             <a:endParaRPr lang="en-GB"/>
           </a:p>
@@ -7176,7 +7290,7 @@
           <a:p>
             <a:fld id="{D4BA8270-C9CF-44CA-BE5A-02C2BDCCEDE4}" type="datetimeFigureOut">
               <a:rPr lang="en-GB" smtClean="0"/>
-              <a:t>25/11/2020</a:t>
+              <a:t>06/12/2020</a:t>
             </a:fld>
             <a:endParaRPr lang="en-GB"/>
           </a:p>
@@ -7356,7 +7470,7 @@
           <a:p>
             <a:fld id="{D4BA8270-C9CF-44CA-BE5A-02C2BDCCEDE4}" type="datetimeFigureOut">
               <a:rPr lang="en-GB" smtClean="0"/>
-              <a:t>25/11/2020</a:t>
+              <a:t>06/12/2020</a:t>
             </a:fld>
             <a:endParaRPr lang="en-GB"/>
           </a:p>
@@ -7532,7 +7646,7 @@
           <a:p>
             <a:fld id="{D4BA8270-C9CF-44CA-BE5A-02C2BDCCEDE4}" type="datetimeFigureOut">
               <a:rPr lang="en-GB" smtClean="0"/>
-              <a:t>25/11/2020</a:t>
+              <a:t>06/12/2020</a:t>
             </a:fld>
             <a:endParaRPr lang="en-GB"/>
           </a:p>
@@ -7779,7 +7893,7 @@
           <a:p>
             <a:fld id="{D4BA8270-C9CF-44CA-BE5A-02C2BDCCEDE4}" type="datetimeFigureOut">
               <a:rPr lang="en-GB" smtClean="0"/>
-              <a:t>25/11/2020</a:t>
+              <a:t>06/12/2020</a:t>
             </a:fld>
             <a:endParaRPr lang="en-GB"/>
           </a:p>
@@ -8011,7 +8125,7 @@
           <a:p>
             <a:fld id="{D4BA8270-C9CF-44CA-BE5A-02C2BDCCEDE4}" type="datetimeFigureOut">
               <a:rPr lang="en-GB" smtClean="0"/>
-              <a:t>25/11/2020</a:t>
+              <a:t>06/12/2020</a:t>
             </a:fld>
             <a:endParaRPr lang="en-GB"/>
           </a:p>
@@ -8385,7 +8499,7 @@
           <a:p>
             <a:fld id="{D4BA8270-C9CF-44CA-BE5A-02C2BDCCEDE4}" type="datetimeFigureOut">
               <a:rPr lang="en-GB" smtClean="0"/>
-              <a:t>25/11/2020</a:t>
+              <a:t>06/12/2020</a:t>
             </a:fld>
             <a:endParaRPr lang="en-GB"/>
           </a:p>
@@ -8508,7 +8622,7 @@
           <a:p>
             <a:fld id="{D4BA8270-C9CF-44CA-BE5A-02C2BDCCEDE4}" type="datetimeFigureOut">
               <a:rPr lang="en-GB" smtClean="0"/>
-              <a:t>25/11/2020</a:t>
+              <a:t>06/12/2020</a:t>
             </a:fld>
             <a:endParaRPr lang="en-GB"/>
           </a:p>
@@ -8603,7 +8717,7 @@
           <a:p>
             <a:fld id="{D4BA8270-C9CF-44CA-BE5A-02C2BDCCEDE4}" type="datetimeFigureOut">
               <a:rPr lang="en-GB" smtClean="0"/>
-              <a:t>25/11/2020</a:t>
+              <a:t>06/12/2020</a:t>
             </a:fld>
             <a:endParaRPr lang="en-GB"/>
           </a:p>
@@ -8858,7 +8972,7 @@
           <a:p>
             <a:fld id="{D4BA8270-C9CF-44CA-BE5A-02C2BDCCEDE4}" type="datetimeFigureOut">
               <a:rPr lang="en-GB" smtClean="0"/>
-              <a:t>25/11/2020</a:t>
+              <a:t>06/12/2020</a:t>
             </a:fld>
             <a:endParaRPr lang="en-GB"/>
           </a:p>
@@ -9121,7 +9235,7 @@
           <a:p>
             <a:fld id="{D4BA8270-C9CF-44CA-BE5A-02C2BDCCEDE4}" type="datetimeFigureOut">
               <a:rPr lang="en-GB" smtClean="0"/>
-              <a:t>25/11/2020</a:t>
+              <a:t>06/12/2020</a:t>
             </a:fld>
             <a:endParaRPr lang="en-GB"/>
           </a:p>
@@ -9864,7 +9978,7 @@
           <a:p>
             <a:fld id="{D4BA8270-C9CF-44CA-BE5A-02C2BDCCEDE4}" type="datetimeFigureOut">
               <a:rPr lang="en-GB" smtClean="0"/>
-              <a:t>25/11/2020</a:t>
+              <a:t>06/12/2020</a:t>
             </a:fld>
             <a:endParaRPr lang="en-GB"/>
           </a:p>
@@ -36707,6 +36821,370 @@
 </file>
 
 <file path=ppt/slides/slide82.xml><?xml version="1.0" encoding="utf-8"?>
+<p:sld xmlns:a="http://schemas.openxmlformats.org/drawingml/2006/main" xmlns:r="http://schemas.openxmlformats.org/officeDocument/2006/relationships" xmlns:p="http://schemas.openxmlformats.org/presentationml/2006/main">
+  <p:cSld>
+    <p:spTree>
+      <p:nvGrpSpPr>
+        <p:cNvPr id="1" name=""/>
+        <p:cNvGrpSpPr/>
+        <p:nvPr/>
+      </p:nvGrpSpPr>
+      <p:grpSpPr>
+        <a:xfrm>
+          <a:off x="0" y="0"/>
+          <a:ext cx="0" cy="0"/>
+          <a:chOff x="0" y="0"/>
+          <a:chExt cx="0" cy="0"/>
+        </a:xfrm>
+      </p:grpSpPr>
+      <p:sp>
+        <p:nvSpPr>
+          <p:cNvPr id="2" name="Title 1"/>
+          <p:cNvSpPr>
+            <a:spLocks noGrp="1"/>
+          </p:cNvSpPr>
+          <p:nvPr>
+            <p:ph type="title"/>
+          </p:nvPr>
+        </p:nvSpPr>
+        <p:spPr>
+          <a:xfrm>
+            <a:off x="864370" y="0"/>
+            <a:ext cx="8596668" cy="367146"/>
+          </a:xfrm>
+        </p:spPr>
+        <p:txBody>
+          <a:bodyPr>
+            <a:normAutofit fontScale="90000"/>
+          </a:bodyPr>
+          <a:lstStyle/>
+          <a:p>
+            <a:r>
+              <a:rPr lang="en-GB" dirty="0"/>
+              <a:t>Adding the Footer</a:t>
+            </a:r>
+            <a:endParaRPr lang="en-GB" dirty="0"/>
+          </a:p>
+        </p:txBody>
+      </p:sp>
+      <p:sp>
+        <p:nvSpPr>
+          <p:cNvPr id="3" name="Content Placeholder 2"/>
+          <p:cNvSpPr>
+            <a:spLocks noGrp="1"/>
+          </p:cNvSpPr>
+          <p:nvPr>
+            <p:ph idx="1"/>
+          </p:nvPr>
+        </p:nvSpPr>
+        <p:spPr>
+          <a:xfrm>
+            <a:off x="677334" y="509155"/>
+            <a:ext cx="11168302" cy="6224153"/>
+          </a:xfrm>
+        </p:spPr>
+        <p:txBody>
+          <a:bodyPr>
+            <a:normAutofit fontScale="92500" lnSpcReduction="10000"/>
+          </a:bodyPr>
+          <a:lstStyle/>
+          <a:p>
+            <a:r>
+              <a:rPr lang="en-IN" dirty="0" smtClean="0"/>
+              <a:t>Now lets add a footer to the site</a:t>
+            </a:r>
+          </a:p>
+          <a:p>
+            <a:r>
+              <a:rPr lang="en-IN" dirty="0" smtClean="0"/>
+              <a:t>I have added a &lt;footer&gt; element with a &lt;</a:t>
+            </a:r>
+            <a:r>
+              <a:rPr lang="en-IN" dirty="0" err="1" smtClean="0"/>
+              <a:t>nav</a:t>
+            </a:r>
+            <a:r>
+              <a:rPr lang="en-IN" dirty="0" smtClean="0"/>
+              <a:t>&gt; which contains a &lt;</a:t>
+            </a:r>
+            <a:r>
+              <a:rPr lang="en-IN" dirty="0" err="1" smtClean="0"/>
+              <a:t>ul</a:t>
+            </a:r>
+            <a:r>
+              <a:rPr lang="en-IN" dirty="0" smtClean="0"/>
+              <a:t>&gt; and each list item&lt;li&gt; represents a link in the navigational footer.</a:t>
+            </a:r>
+          </a:p>
+          <a:p>
+            <a:r>
+              <a:rPr lang="en-IN" dirty="0" smtClean="0"/>
+              <a:t>Now lets style the footer to do so lets add a class main-footer to the &lt;footer&gt; tag.</a:t>
+            </a:r>
+          </a:p>
+          <a:p>
+            <a:r>
+              <a:rPr lang="en-IN" dirty="0" smtClean="0"/>
+              <a:t>Add a class selector for this footer .main-footer { } to the end of our main.css</a:t>
+            </a:r>
+          </a:p>
+          <a:p>
+            <a:r>
+              <a:rPr lang="en-IN" dirty="0" smtClean="0"/>
+              <a:t>Lets add a </a:t>
+            </a:r>
+            <a:r>
+              <a:rPr lang="en-IN" dirty="0" err="1" smtClean="0"/>
+              <a:t>background:black</a:t>
+            </a:r>
+            <a:r>
+              <a:rPr lang="en-IN" dirty="0" smtClean="0"/>
+              <a:t>; and a </a:t>
+            </a:r>
+            <a:r>
+              <a:rPr lang="en-IN" dirty="0" err="1" smtClean="0"/>
+              <a:t>color:white</a:t>
+            </a:r>
+            <a:r>
+              <a:rPr lang="en-IN" dirty="0" smtClean="0"/>
+              <a:t>;</a:t>
+            </a:r>
+          </a:p>
+          <a:p>
+            <a:r>
+              <a:rPr lang="en-IN" dirty="0" smtClean="0"/>
+              <a:t>We will notice that a black background is added but the text </a:t>
+            </a:r>
+            <a:r>
+              <a:rPr lang="en-IN" dirty="0" err="1" smtClean="0"/>
+              <a:t>color</a:t>
+            </a:r>
+            <a:r>
+              <a:rPr lang="en-IN" dirty="0" smtClean="0"/>
+              <a:t> is still blue because the text is actually in &lt;a&gt; tags which although inherit the white </a:t>
+            </a:r>
+            <a:r>
+              <a:rPr lang="en-IN" dirty="0" err="1" smtClean="0"/>
+              <a:t>color</a:t>
+            </a:r>
+            <a:r>
+              <a:rPr lang="en-IN" dirty="0" smtClean="0"/>
+              <a:t> but it is overridden by the browser </a:t>
+            </a:r>
+            <a:r>
+              <a:rPr lang="en-IN" dirty="0" err="1" smtClean="0"/>
+              <a:t>defaults.Also</a:t>
+            </a:r>
+            <a:r>
+              <a:rPr lang="en-IN" dirty="0" smtClean="0"/>
+              <a:t> we will notice that there is a margin because of the &lt;u&gt;l element   and because of the concept of margin collapsing it is merged with the bottom margin of section above it.</a:t>
+            </a:r>
+          </a:p>
+          <a:p>
+            <a:r>
+              <a:rPr lang="en-IN" dirty="0" smtClean="0"/>
+              <a:t>So since </a:t>
+            </a:r>
+            <a:r>
+              <a:rPr lang="en-IN" dirty="0" err="1" smtClean="0"/>
+              <a:t>color:white</a:t>
+            </a:r>
+            <a:r>
+              <a:rPr lang="en-IN" dirty="0" smtClean="0"/>
+              <a:t> does not work lets remove it from the footer and add a padding:32px; and a margin-top:48px;</a:t>
+            </a:r>
+          </a:p>
+          <a:p>
+            <a:r>
+              <a:rPr lang="en-IN" dirty="0" smtClean="0"/>
+              <a:t>Lets add a class main-</a:t>
+            </a:r>
+            <a:r>
+              <a:rPr lang="en-IN" dirty="0" err="1" smtClean="0"/>
+              <a:t>footer__links</a:t>
+            </a:r>
+            <a:r>
+              <a:rPr lang="en-IN" dirty="0" smtClean="0"/>
+              <a:t> to the &lt;</a:t>
+            </a:r>
+            <a:r>
+              <a:rPr lang="en-IN" dirty="0" err="1" smtClean="0"/>
+              <a:t>ul</a:t>
+            </a:r>
+            <a:r>
+              <a:rPr lang="en-IN" dirty="0" smtClean="0"/>
+              <a:t>&gt; and main-</a:t>
+            </a:r>
+            <a:r>
+              <a:rPr lang="en-IN" dirty="0" err="1" smtClean="0"/>
+              <a:t>footer__link</a:t>
+            </a:r>
+            <a:r>
+              <a:rPr lang="en-IN" dirty="0" smtClean="0"/>
+              <a:t> to each &lt;li&gt; element and also add class selectors for the same in our main.css file .main-</a:t>
+            </a:r>
+            <a:r>
+              <a:rPr lang="en-IN" dirty="0" err="1" smtClean="0"/>
+              <a:t>footer__links</a:t>
+            </a:r>
+            <a:r>
+              <a:rPr lang="en-IN" dirty="0" smtClean="0"/>
+              <a:t> { }  and  .main-</a:t>
+            </a:r>
+            <a:r>
+              <a:rPr lang="en-IN" dirty="0" err="1" smtClean="0"/>
+              <a:t>footer__link</a:t>
+            </a:r>
+            <a:r>
+              <a:rPr lang="en-IN" dirty="0" smtClean="0"/>
+              <a:t> { }.</a:t>
+            </a:r>
+          </a:p>
+          <a:p>
+            <a:r>
+              <a:rPr lang="en-IN" dirty="0" smtClean="0"/>
+              <a:t>Add </a:t>
+            </a:r>
+            <a:r>
+              <a:rPr lang="en-IN" dirty="0" err="1" smtClean="0"/>
+              <a:t>list-style:none</a:t>
+            </a:r>
+            <a:r>
+              <a:rPr lang="en-IN" dirty="0" smtClean="0"/>
+              <a:t>; margin:0; padding:0; and </a:t>
+            </a:r>
+            <a:r>
+              <a:rPr lang="en-IN" dirty="0" err="1" smtClean="0"/>
+              <a:t>text-align:center</a:t>
+            </a:r>
+            <a:r>
+              <a:rPr lang="en-IN" dirty="0" smtClean="0"/>
+              <a:t>; to the .main—</a:t>
+            </a:r>
+            <a:r>
+              <a:rPr lang="en-IN" dirty="0" err="1" smtClean="0"/>
+              <a:t>footer__links</a:t>
+            </a:r>
+            <a:r>
+              <a:rPr lang="en-IN" dirty="0" smtClean="0"/>
+              <a:t> selector</a:t>
+            </a:r>
+          </a:p>
+          <a:p>
+            <a:r>
+              <a:rPr lang="en-IN" dirty="0" smtClean="0"/>
+              <a:t>Add </a:t>
+            </a:r>
+            <a:r>
+              <a:rPr lang="en-IN" dirty="0" err="1" smtClean="0"/>
+              <a:t>display:inline-block</a:t>
+            </a:r>
+            <a:r>
+              <a:rPr lang="en-IN" dirty="0" smtClean="0"/>
+              <a:t>; to align the links in same line and margin:0 16px; to remove top and bottom margin and add a 16px space between the links to .main-</a:t>
+            </a:r>
+            <a:r>
+              <a:rPr lang="en-IN" dirty="0" err="1" smtClean="0"/>
+              <a:t>footer_link</a:t>
+            </a:r>
+            <a:r>
+              <a:rPr lang="en-IN" dirty="0" smtClean="0"/>
+              <a:t> selector</a:t>
+            </a:r>
+          </a:p>
+          <a:p>
+            <a:r>
+              <a:rPr lang="en-IN" dirty="0" smtClean="0"/>
+              <a:t>Select the &lt;a&gt; tag using a descendant </a:t>
+            </a:r>
+            <a:r>
+              <a:rPr lang="en-IN" dirty="0" err="1" smtClean="0"/>
+              <a:t>combinator</a:t>
+            </a:r>
+            <a:r>
+              <a:rPr lang="en-IN" dirty="0" smtClean="0"/>
+              <a:t> .main-</a:t>
+            </a:r>
+            <a:r>
+              <a:rPr lang="en-IN" dirty="0" err="1" smtClean="0"/>
+              <a:t>footer__link</a:t>
+            </a:r>
+            <a:r>
+              <a:rPr lang="en-IN" dirty="0" smtClean="0"/>
+              <a:t> a { } and add </a:t>
+            </a:r>
+            <a:r>
+              <a:rPr lang="en-IN" dirty="0" err="1" smtClean="0"/>
+              <a:t>color:white</a:t>
+            </a:r>
+            <a:r>
+              <a:rPr lang="en-IN" dirty="0" smtClean="0"/>
+              <a:t> </a:t>
+            </a:r>
+            <a:r>
+              <a:rPr lang="en-IN" dirty="0" err="1" smtClean="0"/>
+              <a:t>tos</a:t>
+            </a:r>
+            <a:r>
+              <a:rPr lang="en-IN" dirty="0" smtClean="0"/>
+              <a:t> et text </a:t>
+            </a:r>
+            <a:r>
+              <a:rPr lang="en-IN" dirty="0" err="1" smtClean="0"/>
+              <a:t>color</a:t>
+            </a:r>
+            <a:r>
+              <a:rPr lang="en-IN" dirty="0" smtClean="0"/>
+              <a:t> to white and </a:t>
+            </a:r>
+            <a:r>
+              <a:rPr lang="en-IN" dirty="0" err="1" smtClean="0"/>
+              <a:t>text-decoration:none</a:t>
+            </a:r>
+            <a:r>
+              <a:rPr lang="en-IN" dirty="0" smtClean="0"/>
+              <a:t> to remove the links</a:t>
+            </a:r>
+          </a:p>
+          <a:p>
+            <a:r>
+              <a:rPr lang="en-IN" dirty="0" smtClean="0"/>
+              <a:t>Also using the pseudo classes for hover and active set </a:t>
+            </a:r>
+            <a:r>
+              <a:rPr lang="en-IN" dirty="0" err="1" smtClean="0"/>
+              <a:t>color</a:t>
+            </a:r>
+            <a:r>
+              <a:rPr lang="en-IN" dirty="0" smtClean="0"/>
+              <a:t>:#</a:t>
+            </a:r>
+            <a:r>
+              <a:rPr lang="en-IN" dirty="0" err="1" smtClean="0"/>
+              <a:t>cccccc</a:t>
+            </a:r>
+            <a:r>
+              <a:rPr lang="en-IN" dirty="0" smtClean="0"/>
+              <a:t> to it .</a:t>
+            </a:r>
+            <a:endParaRPr lang="en-GB" dirty="0"/>
+          </a:p>
+        </p:txBody>
+      </p:sp>
+    </p:spTree>
+    <p:extLst>
+      <p:ext uri="{BB962C8B-B14F-4D97-AF65-F5344CB8AC3E}">
+        <p14:creationId xmlns:p14="http://schemas.microsoft.com/office/powerpoint/2010/main" val="2453586222"/>
+      </p:ext>
+    </p:extLst>
+  </p:cSld>
+  <p:clrMapOvr>
+    <a:masterClrMapping/>
+  </p:clrMapOvr>
+</p:sld>
+</file>
+
+<file path=ppt/slides/slide83.xml><?xml version="1.0" encoding="utf-8"?>
 <p:sld xmlns:a="http://schemas.openxmlformats.org/drawingml/2006/main" xmlns:r="http://schemas.openxmlformats.org/officeDocument/2006/relationships" xmlns:p="http://schemas.openxmlformats.org/presentationml/2006/main" showMasterSp="0">
   <p:cSld>
     <p:spTree>

--- a/PPT/Css-v5.pptx
+++ b/PPT/Css-v5.pptx
@@ -5,7 +5,7 @@
     <p:sldMasterId id="2147483660" r:id="rId1"/>
   </p:sldMasterIdLst>
   <p:notesMasterIdLst>
-    <p:notesMasterId r:id="rId85"/>
+    <p:notesMasterId r:id="rId88"/>
   </p:notesMasterIdLst>
   <p:sldIdLst>
     <p:sldId id="256" r:id="rId2"/>
@@ -90,7 +90,10 @@
     <p:sldId id="443" r:id="rId81"/>
     <p:sldId id="444" r:id="rId82"/>
     <p:sldId id="445" r:id="rId83"/>
-    <p:sldId id="268" r:id="rId84"/>
+    <p:sldId id="446" r:id="rId84"/>
+    <p:sldId id="447" r:id="rId85"/>
+    <p:sldId id="448" r:id="rId86"/>
+    <p:sldId id="268" r:id="rId87"/>
   </p:sldIdLst>
   <p:sldSz cx="12192000" cy="6858000"/>
   <p:notesSz cx="6858000" cy="9144000"/>
@@ -3907,6 +3910,351 @@
     <p:extLst>
       <p:ext uri="{BB962C8B-B14F-4D97-AF65-F5344CB8AC3E}">
         <p14:creationId xmlns:p14="http://schemas.microsoft.com/office/powerpoint/2010/main" val="3772078627"/>
+      </p:ext>
+    </p:extLst>
+  </p:cSld>
+  <p:clrMapOvr>
+    <a:masterClrMapping/>
+  </p:clrMapOvr>
+</p:notes>
+</file>
+
+<file path=ppt/notesSlides/notesSlide37.xml><?xml version="1.0" encoding="utf-8"?>
+<p:notes xmlns:a="http://schemas.openxmlformats.org/drawingml/2006/main" xmlns:r="http://schemas.openxmlformats.org/officeDocument/2006/relationships" xmlns:p="http://schemas.openxmlformats.org/presentationml/2006/main">
+  <p:cSld>
+    <p:spTree>
+      <p:nvGrpSpPr>
+        <p:cNvPr id="1" name=""/>
+        <p:cNvGrpSpPr/>
+        <p:nvPr/>
+      </p:nvGrpSpPr>
+      <p:grpSpPr>
+        <a:xfrm>
+          <a:off x="0" y="0"/>
+          <a:ext cx="0" cy="0"/>
+          <a:chOff x="0" y="0"/>
+          <a:chExt cx="0" cy="0"/>
+        </a:xfrm>
+      </p:grpSpPr>
+      <p:sp>
+        <p:nvSpPr>
+          <p:cNvPr id="2" name="Slide Image Placeholder 1"/>
+          <p:cNvSpPr>
+            <a:spLocks noGrp="1" noRot="1" noChangeAspect="1"/>
+          </p:cNvSpPr>
+          <p:nvPr>
+            <p:ph type="sldImg"/>
+          </p:nvPr>
+        </p:nvSpPr>
+        <p:spPr/>
+      </p:sp>
+      <p:sp>
+        <p:nvSpPr>
+          <p:cNvPr id="3" name="Notes Placeholder 2"/>
+          <p:cNvSpPr>
+            <a:spLocks noGrp="1"/>
+          </p:cNvSpPr>
+          <p:nvPr>
+            <p:ph type="body" idx="1"/>
+          </p:nvPr>
+        </p:nvSpPr>
+        <p:spPr/>
+        <p:txBody>
+          <a:bodyPr/>
+          <a:lstStyle/>
+          <a:p>
+            <a:r>
+              <a:rPr lang="en-IN" dirty="0" smtClean="0"/>
+              <a:t>Branch :</a:t>
+            </a:r>
+            <a:r>
+              <a:rPr lang="en-IN" sz="1200" kern="1200" dirty="0" err="1" smtClean="0">
+                <a:solidFill>
+                  <a:schemeClr val="tx1"/>
+                </a:solidFill>
+                <a:latin typeface="+mn-lt"/>
+                <a:ea typeface="+mn-ea"/>
+                <a:cs typeface="+mn-cs"/>
+              </a:rPr>
+              <a:t>PracticingTheBasics</a:t>
+            </a:r>
+            <a:endParaRPr lang="en-IN" dirty="0" smtClean="0"/>
+          </a:p>
+          <a:p>
+            <a:r>
+              <a:rPr lang="en-IN" dirty="0" smtClean="0"/>
+              <a:t>Commit : </a:t>
+            </a:r>
+            <a:r>
+              <a:rPr lang="en-IN" dirty="0" err="1" smtClean="0"/>
+              <a:t>AddingPackagesPage</a:t>
+            </a:r>
+            <a:endParaRPr lang="en-IN" dirty="0" smtClean="0"/>
+          </a:p>
+          <a:p>
+            <a:endParaRPr lang="en-GB" dirty="0"/>
+          </a:p>
+        </p:txBody>
+      </p:sp>
+      <p:sp>
+        <p:nvSpPr>
+          <p:cNvPr id="4" name="Slide Number Placeholder 3"/>
+          <p:cNvSpPr>
+            <a:spLocks noGrp="1"/>
+          </p:cNvSpPr>
+          <p:nvPr>
+            <p:ph type="sldNum" sz="quarter" idx="10"/>
+          </p:nvPr>
+        </p:nvSpPr>
+        <p:spPr/>
+        <p:txBody>
+          <a:bodyPr/>
+          <a:lstStyle/>
+          <a:p>
+            <a:fld id="{D3B79ED6-4970-4D84-B25C-F520A9D9210C}" type="slidenum">
+              <a:rPr lang="en-GB" smtClean="0"/>
+              <a:t>83</a:t>
+            </a:fld>
+            <a:endParaRPr lang="en-GB"/>
+          </a:p>
+        </p:txBody>
+      </p:sp>
+    </p:spTree>
+    <p:extLst>
+      <p:ext uri="{BB962C8B-B14F-4D97-AF65-F5344CB8AC3E}">
+        <p14:creationId xmlns:p14="http://schemas.microsoft.com/office/powerpoint/2010/main" val="915693984"/>
+      </p:ext>
+    </p:extLst>
+  </p:cSld>
+  <p:clrMapOvr>
+    <a:masterClrMapping/>
+  </p:clrMapOvr>
+</p:notes>
+</file>
+
+<file path=ppt/notesSlides/notesSlide38.xml><?xml version="1.0" encoding="utf-8"?>
+<p:notes xmlns:a="http://schemas.openxmlformats.org/drawingml/2006/main" xmlns:r="http://schemas.openxmlformats.org/officeDocument/2006/relationships" xmlns:p="http://schemas.openxmlformats.org/presentationml/2006/main">
+  <p:cSld>
+    <p:spTree>
+      <p:nvGrpSpPr>
+        <p:cNvPr id="1" name=""/>
+        <p:cNvGrpSpPr/>
+        <p:nvPr/>
+      </p:nvGrpSpPr>
+      <p:grpSpPr>
+        <a:xfrm>
+          <a:off x="0" y="0"/>
+          <a:ext cx="0" cy="0"/>
+          <a:chOff x="0" y="0"/>
+          <a:chExt cx="0" cy="0"/>
+        </a:xfrm>
+      </p:grpSpPr>
+      <p:sp>
+        <p:nvSpPr>
+          <p:cNvPr id="2" name="Slide Image Placeholder 1"/>
+          <p:cNvSpPr>
+            <a:spLocks noGrp="1" noRot="1" noChangeAspect="1"/>
+          </p:cNvSpPr>
+          <p:nvPr>
+            <p:ph type="sldImg"/>
+          </p:nvPr>
+        </p:nvSpPr>
+        <p:spPr/>
+      </p:sp>
+      <p:sp>
+        <p:nvSpPr>
+          <p:cNvPr id="3" name="Notes Placeholder 2"/>
+          <p:cNvSpPr>
+            <a:spLocks noGrp="1"/>
+          </p:cNvSpPr>
+          <p:nvPr>
+            <p:ph type="body" idx="1"/>
+          </p:nvPr>
+        </p:nvSpPr>
+        <p:spPr/>
+        <p:txBody>
+          <a:bodyPr/>
+          <a:lstStyle/>
+          <a:p>
+            <a:r>
+              <a:rPr lang="en-IN" dirty="0" smtClean="0"/>
+              <a:t>Branch :</a:t>
+            </a:r>
+            <a:r>
+              <a:rPr lang="en-IN" sz="1200" kern="1200" dirty="0" err="1" smtClean="0">
+                <a:solidFill>
+                  <a:schemeClr val="tx1"/>
+                </a:solidFill>
+                <a:latin typeface="+mn-lt"/>
+                <a:ea typeface="+mn-ea"/>
+                <a:cs typeface="+mn-cs"/>
+              </a:rPr>
+              <a:t>PracticingTheBasics</a:t>
+            </a:r>
+            <a:endParaRPr lang="en-IN" dirty="0" smtClean="0"/>
+          </a:p>
+          <a:p>
+            <a:r>
+              <a:rPr lang="en-IN" dirty="0" smtClean="0"/>
+              <a:t>Commit : </a:t>
+            </a:r>
+            <a:r>
+              <a:rPr lang="en-IN" dirty="0" err="1" smtClean="0"/>
+              <a:t>AddingPackagesPage</a:t>
+            </a:r>
+            <a:endParaRPr lang="en-IN" dirty="0" smtClean="0"/>
+          </a:p>
+          <a:p>
+            <a:endParaRPr lang="en-GB" dirty="0" smtClean="0"/>
+          </a:p>
+          <a:p>
+            <a:endParaRPr lang="en-GB" dirty="0"/>
+          </a:p>
+        </p:txBody>
+      </p:sp>
+      <p:sp>
+        <p:nvSpPr>
+          <p:cNvPr id="4" name="Slide Number Placeholder 3"/>
+          <p:cNvSpPr>
+            <a:spLocks noGrp="1"/>
+          </p:cNvSpPr>
+          <p:nvPr>
+            <p:ph type="sldNum" sz="quarter" idx="10"/>
+          </p:nvPr>
+        </p:nvSpPr>
+        <p:spPr/>
+        <p:txBody>
+          <a:bodyPr/>
+          <a:lstStyle/>
+          <a:p>
+            <a:fld id="{D3B79ED6-4970-4D84-B25C-F520A9D9210C}" type="slidenum">
+              <a:rPr lang="en-GB" smtClean="0"/>
+              <a:t>84</a:t>
+            </a:fld>
+            <a:endParaRPr lang="en-GB"/>
+          </a:p>
+        </p:txBody>
+      </p:sp>
+    </p:spTree>
+    <p:extLst>
+      <p:ext uri="{BB962C8B-B14F-4D97-AF65-F5344CB8AC3E}">
+        <p14:creationId xmlns:p14="http://schemas.microsoft.com/office/powerpoint/2010/main" val="339896083"/>
+      </p:ext>
+    </p:extLst>
+  </p:cSld>
+  <p:clrMapOvr>
+    <a:masterClrMapping/>
+  </p:clrMapOvr>
+</p:notes>
+</file>
+
+<file path=ppt/notesSlides/notesSlide39.xml><?xml version="1.0" encoding="utf-8"?>
+<p:notes xmlns:a="http://schemas.openxmlformats.org/drawingml/2006/main" xmlns:r="http://schemas.openxmlformats.org/officeDocument/2006/relationships" xmlns:p="http://schemas.openxmlformats.org/presentationml/2006/main">
+  <p:cSld>
+    <p:spTree>
+      <p:nvGrpSpPr>
+        <p:cNvPr id="1" name=""/>
+        <p:cNvGrpSpPr/>
+        <p:nvPr/>
+      </p:nvGrpSpPr>
+      <p:grpSpPr>
+        <a:xfrm>
+          <a:off x="0" y="0"/>
+          <a:ext cx="0" cy="0"/>
+          <a:chOff x="0" y="0"/>
+          <a:chExt cx="0" cy="0"/>
+        </a:xfrm>
+      </p:grpSpPr>
+      <p:sp>
+        <p:nvSpPr>
+          <p:cNvPr id="2" name="Slide Image Placeholder 1"/>
+          <p:cNvSpPr>
+            <a:spLocks noGrp="1" noRot="1" noChangeAspect="1"/>
+          </p:cNvSpPr>
+          <p:nvPr>
+            <p:ph type="sldImg"/>
+          </p:nvPr>
+        </p:nvSpPr>
+        <p:spPr/>
+      </p:sp>
+      <p:sp>
+        <p:nvSpPr>
+          <p:cNvPr id="3" name="Notes Placeholder 2"/>
+          <p:cNvSpPr>
+            <a:spLocks noGrp="1"/>
+          </p:cNvSpPr>
+          <p:nvPr>
+            <p:ph type="body" idx="1"/>
+          </p:nvPr>
+        </p:nvSpPr>
+        <p:spPr/>
+        <p:txBody>
+          <a:bodyPr/>
+          <a:lstStyle/>
+          <a:p>
+            <a:r>
+              <a:rPr lang="en-IN" dirty="0" smtClean="0"/>
+              <a:t>Branch :</a:t>
+            </a:r>
+            <a:r>
+              <a:rPr lang="en-IN" sz="1200" kern="1200" dirty="0" err="1" smtClean="0">
+                <a:solidFill>
+                  <a:schemeClr val="tx1"/>
+                </a:solidFill>
+                <a:latin typeface="+mn-lt"/>
+                <a:ea typeface="+mn-ea"/>
+                <a:cs typeface="+mn-cs"/>
+              </a:rPr>
+              <a:t>PracticingTheBasics</a:t>
+            </a:r>
+            <a:endParaRPr lang="en-IN" dirty="0" smtClean="0"/>
+          </a:p>
+          <a:p>
+            <a:r>
+              <a:rPr lang="en-IN" dirty="0" smtClean="0"/>
+              <a:t>Commit : </a:t>
+            </a:r>
+            <a:r>
+              <a:rPr lang="en-IN" dirty="0" err="1" smtClean="0"/>
+              <a:t>AddingPackagesPage</a:t>
+            </a:r>
+            <a:endParaRPr lang="en-IN" dirty="0" smtClean="0"/>
+          </a:p>
+          <a:p>
+            <a:endParaRPr lang="en-GB" dirty="0" smtClean="0"/>
+          </a:p>
+          <a:p>
+            <a:endParaRPr lang="en-GB" dirty="0"/>
+          </a:p>
+        </p:txBody>
+      </p:sp>
+      <p:sp>
+        <p:nvSpPr>
+          <p:cNvPr id="4" name="Slide Number Placeholder 3"/>
+          <p:cNvSpPr>
+            <a:spLocks noGrp="1"/>
+          </p:cNvSpPr>
+          <p:nvPr>
+            <p:ph type="sldNum" sz="quarter" idx="10"/>
+          </p:nvPr>
+        </p:nvSpPr>
+        <p:spPr/>
+        <p:txBody>
+          <a:bodyPr/>
+          <a:lstStyle/>
+          <a:p>
+            <a:fld id="{D3B79ED6-4970-4D84-B25C-F520A9D9210C}" type="slidenum">
+              <a:rPr lang="en-GB" smtClean="0"/>
+              <a:t>85</a:t>
+            </a:fld>
+            <a:endParaRPr lang="en-GB"/>
+          </a:p>
+        </p:txBody>
+      </p:sp>
+    </p:spTree>
+    <p:extLst>
+      <p:ext uri="{BB962C8B-B14F-4D97-AF65-F5344CB8AC3E}">
+        <p14:creationId xmlns:p14="http://schemas.microsoft.com/office/powerpoint/2010/main" val="1655267545"/>
       </p:ext>
     </p:extLst>
   </p:cSld>
@@ -36863,7 +37211,6 @@
               <a:rPr lang="en-GB" dirty="0"/>
               <a:t>Adding the Footer</a:t>
             </a:r>
-            <a:endParaRPr lang="en-GB" dirty="0"/>
           </a:p>
         </p:txBody>
       </p:sp>
@@ -37185,6 +37532,479 @@
 </file>
 
 <file path=ppt/slides/slide83.xml><?xml version="1.0" encoding="utf-8"?>
+<p:sld xmlns:a="http://schemas.openxmlformats.org/drawingml/2006/main" xmlns:r="http://schemas.openxmlformats.org/officeDocument/2006/relationships" xmlns:p="http://schemas.openxmlformats.org/presentationml/2006/main">
+  <p:cSld>
+    <p:spTree>
+      <p:nvGrpSpPr>
+        <p:cNvPr id="1" name=""/>
+        <p:cNvGrpSpPr/>
+        <p:nvPr/>
+      </p:nvGrpSpPr>
+      <p:grpSpPr>
+        <a:xfrm>
+          <a:off x="0" y="0"/>
+          <a:ext cx="0" cy="0"/>
+          <a:chOff x="0" y="0"/>
+          <a:chExt cx="0" cy="0"/>
+        </a:xfrm>
+      </p:grpSpPr>
+      <p:sp>
+        <p:nvSpPr>
+          <p:cNvPr id="2" name="Title 1"/>
+          <p:cNvSpPr>
+            <a:spLocks noGrp="1"/>
+          </p:cNvSpPr>
+          <p:nvPr>
+            <p:ph type="title"/>
+          </p:nvPr>
+        </p:nvSpPr>
+        <p:spPr>
+          <a:xfrm>
+            <a:off x="604597" y="79664"/>
+            <a:ext cx="8596668" cy="533400"/>
+          </a:xfrm>
+        </p:spPr>
+        <p:txBody>
+          <a:bodyPr>
+            <a:normAutofit fontScale="90000"/>
+          </a:bodyPr>
+          <a:lstStyle/>
+          <a:p>
+            <a:r>
+              <a:rPr lang="en-GB" dirty="0"/>
+              <a:t>Adding the Packages Page</a:t>
+            </a:r>
+            <a:endParaRPr lang="en-GB" dirty="0"/>
+          </a:p>
+        </p:txBody>
+      </p:sp>
+      <p:sp>
+        <p:nvSpPr>
+          <p:cNvPr id="3" name="Content Placeholder 2"/>
+          <p:cNvSpPr>
+            <a:spLocks noGrp="1"/>
+          </p:cNvSpPr>
+          <p:nvPr>
+            <p:ph idx="1"/>
+          </p:nvPr>
+        </p:nvSpPr>
+        <p:spPr>
+          <a:xfrm>
+            <a:off x="384464" y="779318"/>
+            <a:ext cx="11502736" cy="5870863"/>
+          </a:xfrm>
+        </p:spPr>
+        <p:txBody>
+          <a:bodyPr/>
+          <a:lstStyle/>
+          <a:p>
+            <a:r>
+              <a:rPr lang="en-IN" dirty="0" smtClean="0"/>
+              <a:t>Now lets add a new page for the offered packages.</a:t>
+            </a:r>
+          </a:p>
+          <a:p>
+            <a:r>
+              <a:rPr lang="en-IN" dirty="0" smtClean="0"/>
+              <a:t>To do this add a new folder named packages inside our Section5 folder and copy our </a:t>
+            </a:r>
+            <a:r>
+              <a:rPr lang="en-IN" dirty="0" err="1" smtClean="0"/>
+              <a:t>index,html</a:t>
+            </a:r>
+            <a:r>
+              <a:rPr lang="en-IN" dirty="0" smtClean="0"/>
+              <a:t> file to this folder.</a:t>
+            </a:r>
+          </a:p>
+          <a:p>
+            <a:r>
+              <a:rPr lang="en-IN" dirty="0" smtClean="0"/>
+              <a:t>Open this file and remove all content between &lt;main&gt; and &lt;/main&gt; tags.</a:t>
+            </a:r>
+          </a:p>
+          <a:p>
+            <a:r>
+              <a:rPr lang="en-IN" dirty="0" smtClean="0"/>
+              <a:t>We will leave the header footer and fonts as it is as we will need the same on this page too.</a:t>
+            </a:r>
+          </a:p>
+          <a:p>
+            <a:r>
+              <a:rPr lang="en-IN" dirty="0" smtClean="0"/>
+              <a:t>We would need to adjust the links in our header for packages  link since we are already in packages folder we need to change </a:t>
+            </a:r>
+            <a:r>
+              <a:rPr lang="en-IN" dirty="0"/>
+              <a:t> &lt;a </a:t>
+            </a:r>
+            <a:r>
+              <a:rPr lang="en-IN" dirty="0" err="1"/>
+              <a:t>href</a:t>
+            </a:r>
+            <a:r>
+              <a:rPr lang="en-IN" dirty="0"/>
+              <a:t>="packages/index.html"&gt;Packages&lt;/a</a:t>
+            </a:r>
+            <a:r>
+              <a:rPr lang="en-IN" dirty="0" smtClean="0"/>
+              <a:t>&gt; to </a:t>
+            </a:r>
+            <a:r>
+              <a:rPr lang="en-IN" dirty="0"/>
+              <a:t> &lt;a </a:t>
+            </a:r>
+            <a:r>
+              <a:rPr lang="en-IN" dirty="0" err="1"/>
+              <a:t>href</a:t>
+            </a:r>
+            <a:r>
+              <a:rPr lang="en-IN" dirty="0" smtClean="0"/>
+              <a:t>=“index.html</a:t>
+            </a:r>
+            <a:r>
+              <a:rPr lang="en-IN" dirty="0"/>
+              <a:t>"&gt;Packages&lt;/a</a:t>
+            </a:r>
+            <a:r>
+              <a:rPr lang="en-IN" dirty="0" smtClean="0"/>
+              <a:t>&gt;</a:t>
+            </a:r>
+          </a:p>
+          <a:p>
+            <a:r>
+              <a:rPr lang="en-IN" dirty="0" smtClean="0"/>
+              <a:t>For other two links since we need to move out from packages folder to access these files just add a ../ in front of the links to move out of packages folder we also need to do the same for the link to the main page add ../ to move out.</a:t>
+            </a:r>
+          </a:p>
+          <a:p>
+            <a:r>
+              <a:rPr lang="en-IN" dirty="0" smtClean="0"/>
+              <a:t>Also just remove the import for </a:t>
+            </a:r>
+            <a:r>
+              <a:rPr lang="en-IN" dirty="0" err="1" smtClean="0"/>
+              <a:t>anton</a:t>
+            </a:r>
+            <a:r>
+              <a:rPr lang="en-IN" dirty="0" smtClean="0"/>
+              <a:t> font as we will not be using it on this page</a:t>
+            </a:r>
+          </a:p>
+          <a:p>
+            <a:r>
+              <a:rPr lang="en-IN" dirty="0" smtClean="0"/>
+              <a:t>For our main.css it does not make sense to copy it as is to packages folder because the only thing that is common is the header and footer style so lets split it up smartly .</a:t>
+            </a:r>
+          </a:p>
+          <a:p>
+            <a:r>
+              <a:rPr lang="en-IN" dirty="0" smtClean="0"/>
+              <a:t>Add a new file share.css to Section5 folder</a:t>
+            </a:r>
+            <a:endParaRPr lang="en-IN" dirty="0"/>
+          </a:p>
+          <a:p>
+            <a:r>
+              <a:rPr lang="en-IN" dirty="0" smtClean="0"/>
+              <a:t> cut out and move all the header footer and navigation </a:t>
+            </a:r>
+            <a:r>
+              <a:rPr lang="en-IN" dirty="0" err="1" smtClean="0"/>
+              <a:t>css</a:t>
+            </a:r>
+            <a:r>
+              <a:rPr lang="en-IN" dirty="0" smtClean="0"/>
+              <a:t> from main.css to shared.css</a:t>
+            </a:r>
+          </a:p>
+          <a:p>
+            <a:r>
+              <a:rPr lang="en-IN" dirty="0" smtClean="0"/>
+              <a:t>Also move the button related </a:t>
+            </a:r>
+            <a:r>
+              <a:rPr lang="en-IN" dirty="0" err="1" smtClean="0"/>
+              <a:t>css</a:t>
+            </a:r>
+            <a:r>
+              <a:rPr lang="en-IN" dirty="0" smtClean="0"/>
+              <a:t> to shared.css as it is also shared across files</a:t>
+            </a:r>
+          </a:p>
+        </p:txBody>
+      </p:sp>
+    </p:spTree>
+    <p:extLst>
+      <p:ext uri="{BB962C8B-B14F-4D97-AF65-F5344CB8AC3E}">
+        <p14:creationId xmlns:p14="http://schemas.microsoft.com/office/powerpoint/2010/main" val="391475544"/>
+      </p:ext>
+    </p:extLst>
+  </p:cSld>
+  <p:clrMapOvr>
+    <a:masterClrMapping/>
+  </p:clrMapOvr>
+</p:sld>
+</file>
+
+<file path=ppt/slides/slide84.xml><?xml version="1.0" encoding="utf-8"?>
+<p:sld xmlns:a="http://schemas.openxmlformats.org/drawingml/2006/main" xmlns:r="http://schemas.openxmlformats.org/officeDocument/2006/relationships" xmlns:p="http://schemas.openxmlformats.org/presentationml/2006/main">
+  <p:cSld>
+    <p:spTree>
+      <p:nvGrpSpPr>
+        <p:cNvPr id="1" name=""/>
+        <p:cNvGrpSpPr/>
+        <p:nvPr/>
+      </p:nvGrpSpPr>
+      <p:grpSpPr>
+        <a:xfrm>
+          <a:off x="0" y="0"/>
+          <a:ext cx="0" cy="0"/>
+          <a:chOff x="0" y="0"/>
+          <a:chExt cx="0" cy="0"/>
+        </a:xfrm>
+      </p:grpSpPr>
+      <p:sp>
+        <p:nvSpPr>
+          <p:cNvPr id="2" name="Title 1"/>
+          <p:cNvSpPr>
+            <a:spLocks noGrp="1"/>
+          </p:cNvSpPr>
+          <p:nvPr>
+            <p:ph type="title"/>
+          </p:nvPr>
+        </p:nvSpPr>
+        <p:spPr>
+          <a:xfrm>
+            <a:off x="604597" y="79664"/>
+            <a:ext cx="8596668" cy="533400"/>
+          </a:xfrm>
+        </p:spPr>
+        <p:txBody>
+          <a:bodyPr>
+            <a:normAutofit fontScale="90000"/>
+          </a:bodyPr>
+          <a:lstStyle/>
+          <a:p>
+            <a:r>
+              <a:rPr lang="en-GB" dirty="0"/>
+              <a:t>Adding the Packages Page</a:t>
+            </a:r>
+            <a:endParaRPr lang="en-GB" dirty="0"/>
+          </a:p>
+        </p:txBody>
+      </p:sp>
+      <p:sp>
+        <p:nvSpPr>
+          <p:cNvPr id="3" name="Content Placeholder 2"/>
+          <p:cNvSpPr>
+            <a:spLocks noGrp="1"/>
+          </p:cNvSpPr>
+          <p:nvPr>
+            <p:ph idx="1"/>
+          </p:nvPr>
+        </p:nvSpPr>
+        <p:spPr>
+          <a:xfrm>
+            <a:off x="384464" y="779318"/>
+            <a:ext cx="11502736" cy="5870863"/>
+          </a:xfrm>
+        </p:spPr>
+        <p:txBody>
+          <a:bodyPr/>
+          <a:lstStyle/>
+          <a:p>
+            <a:r>
+              <a:rPr lang="en-IN" dirty="0" smtClean="0"/>
+              <a:t>Add an import for the shared.css file to the index.html before the import for main.css because if we need to override a style from shared.css we can do so in our main.css and since it is parsed top to bottom it will first load the styles from </a:t>
+            </a:r>
+            <a:r>
+              <a:rPr lang="en-IN" dirty="0" err="1" smtClean="0"/>
+              <a:t>shared,css</a:t>
+            </a:r>
+            <a:r>
+              <a:rPr lang="en-IN" dirty="0" smtClean="0"/>
+              <a:t> and them when it imports main.css it will override and styles overridden in main.css.</a:t>
+            </a:r>
+          </a:p>
+          <a:p>
+            <a:r>
+              <a:rPr lang="en-IN" dirty="0" smtClean="0"/>
+              <a:t>In the index.html in our packages folder add an import for the shared.css but we need to add ../shared.css as the file is present one directory up</a:t>
+            </a:r>
+          </a:p>
+          <a:p>
+            <a:r>
+              <a:rPr lang="en-IN" dirty="0" smtClean="0"/>
+              <a:t>Add a new file packages.css to the packages folder and add its import to the index file in packages below the import for shared.css any styles for packages will be added to this file</a:t>
+            </a:r>
+          </a:p>
+          <a:p>
+            <a:r>
+              <a:rPr lang="en-IN" dirty="0" smtClean="0"/>
+              <a:t>Also we need to move </a:t>
+            </a:r>
+            <a:r>
+              <a:rPr lang="en-IN" dirty="0" err="1" smtClean="0"/>
+              <a:t>th</a:t>
+            </a:r>
+            <a:r>
+              <a:rPr lang="en-IN" dirty="0" smtClean="0"/>
+              <a:t> * universal </a:t>
+            </a:r>
+            <a:r>
+              <a:rPr lang="en-IN" dirty="0" err="1" smtClean="0"/>
+              <a:t>selctor</a:t>
+            </a:r>
+            <a:r>
+              <a:rPr lang="en-IN" dirty="0" smtClean="0"/>
+              <a:t> and .body selector from </a:t>
+            </a:r>
+            <a:r>
+              <a:rPr lang="en-IN" dirty="0" err="1" smtClean="0"/>
+              <a:t>main.csss</a:t>
+            </a:r>
+            <a:r>
+              <a:rPr lang="en-IN" dirty="0" smtClean="0"/>
+              <a:t> toshared.css too</a:t>
+            </a:r>
+          </a:p>
+          <a:p>
+            <a:r>
+              <a:rPr lang="en-IN" dirty="0" smtClean="0"/>
+              <a:t>Now for the </a:t>
+            </a:r>
+            <a:r>
+              <a:rPr lang="en-IN" dirty="0" err="1" smtClean="0"/>
+              <a:t>bosy</a:t>
+            </a:r>
+            <a:r>
+              <a:rPr lang="en-IN" dirty="0" smtClean="0"/>
+              <a:t> of the packages page I have added some html to the &lt;main&gt; and &lt;/main&gt; tags.</a:t>
+            </a:r>
+          </a:p>
+          <a:p>
+            <a:r>
+              <a:rPr lang="en-IN" dirty="0" smtClean="0"/>
+              <a:t>It has three section representing the three offered packages and each &lt;section&gt; contains an &lt;a&gt; tag and each &lt;a&gt; </a:t>
+            </a:r>
+            <a:r>
+              <a:rPr lang="en-IN" dirty="0" err="1" smtClean="0"/>
+              <a:t>conatins</a:t>
+            </a:r>
+            <a:r>
+              <a:rPr lang="en-IN" dirty="0" smtClean="0"/>
+              <a:t> a &lt;h1&gt;,&lt;h2&gt; and &lt;p&gt; tag representing the package details</a:t>
+            </a:r>
+          </a:p>
+          <a:p>
+            <a:r>
+              <a:rPr lang="en-IN" dirty="0" smtClean="0"/>
+              <a:t>So our initial goal is to make the section look like the screenshot on next slide .</a:t>
+            </a:r>
+          </a:p>
+        </p:txBody>
+      </p:sp>
+    </p:spTree>
+    <p:extLst>
+      <p:ext uri="{BB962C8B-B14F-4D97-AF65-F5344CB8AC3E}">
+        <p14:creationId xmlns:p14="http://schemas.microsoft.com/office/powerpoint/2010/main" val="2931835230"/>
+      </p:ext>
+    </p:extLst>
+  </p:cSld>
+  <p:clrMapOvr>
+    <a:masterClrMapping/>
+  </p:clrMapOvr>
+</p:sld>
+</file>
+
+<file path=ppt/slides/slide85.xml><?xml version="1.0" encoding="utf-8"?>
+<p:sld xmlns:a="http://schemas.openxmlformats.org/drawingml/2006/main" xmlns:r="http://schemas.openxmlformats.org/officeDocument/2006/relationships" xmlns:p="http://schemas.openxmlformats.org/presentationml/2006/main">
+  <p:cSld>
+    <p:spTree>
+      <p:nvGrpSpPr>
+        <p:cNvPr id="1" name=""/>
+        <p:cNvGrpSpPr/>
+        <p:nvPr/>
+      </p:nvGrpSpPr>
+      <p:grpSpPr>
+        <a:xfrm>
+          <a:off x="0" y="0"/>
+          <a:ext cx="0" cy="0"/>
+          <a:chOff x="0" y="0"/>
+          <a:chExt cx="0" cy="0"/>
+        </a:xfrm>
+      </p:grpSpPr>
+      <p:sp>
+        <p:nvSpPr>
+          <p:cNvPr id="2" name="Title 1"/>
+          <p:cNvSpPr>
+            <a:spLocks noGrp="1"/>
+          </p:cNvSpPr>
+          <p:nvPr>
+            <p:ph type="title"/>
+          </p:nvPr>
+        </p:nvSpPr>
+        <p:spPr>
+          <a:xfrm>
+            <a:off x="604597" y="79664"/>
+            <a:ext cx="8596668" cy="533400"/>
+          </a:xfrm>
+        </p:spPr>
+        <p:txBody>
+          <a:bodyPr>
+            <a:normAutofit fontScale="90000"/>
+          </a:bodyPr>
+          <a:lstStyle/>
+          <a:p>
+            <a:r>
+              <a:rPr lang="en-GB" dirty="0"/>
+              <a:t>Adding the Packages Page</a:t>
+            </a:r>
+            <a:endParaRPr lang="en-GB" dirty="0"/>
+          </a:p>
+        </p:txBody>
+      </p:sp>
+      <p:pic>
+        <p:nvPicPr>
+          <p:cNvPr id="5" name="Content Placeholder 4"/>
+          <p:cNvPicPr>
+            <a:picLocks noGrp="1" noChangeAspect="1"/>
+          </p:cNvPicPr>
+          <p:nvPr>
+            <p:ph idx="1"/>
+          </p:nvPr>
+        </p:nvPicPr>
+        <p:blipFill>
+          <a:blip r:embed="rId3"/>
+          <a:stretch>
+            <a:fillRect/>
+          </a:stretch>
+        </p:blipFill>
+        <p:spPr>
+          <a:xfrm>
+            <a:off x="2966058" y="779463"/>
+            <a:ext cx="6339259" cy="5870575"/>
+          </a:xfrm>
+          <a:prstGeom prst="rect">
+            <a:avLst/>
+          </a:prstGeom>
+        </p:spPr>
+      </p:pic>
+    </p:spTree>
+    <p:extLst>
+      <p:ext uri="{BB962C8B-B14F-4D97-AF65-F5344CB8AC3E}">
+        <p14:creationId xmlns:p14="http://schemas.microsoft.com/office/powerpoint/2010/main" val="1823230064"/>
+      </p:ext>
+    </p:extLst>
+  </p:cSld>
+  <p:clrMapOvr>
+    <a:masterClrMapping/>
+  </p:clrMapOvr>
+</p:sld>
+</file>
+
+<file path=ppt/slides/slide86.xml><?xml version="1.0" encoding="utf-8"?>
 <p:sld xmlns:a="http://schemas.openxmlformats.org/drawingml/2006/main" xmlns:r="http://schemas.openxmlformats.org/officeDocument/2006/relationships" xmlns:p="http://schemas.openxmlformats.org/presentationml/2006/main" showMasterSp="0">
   <p:cSld>
     <p:spTree>

--- a/PPT/Css-v5.pptx
+++ b/PPT/Css-v5.pptx
@@ -5,7 +5,7 @@
     <p:sldMasterId id="2147483660" r:id="rId1"/>
   </p:sldMasterIdLst>
   <p:notesMasterIdLst>
-    <p:notesMasterId r:id="rId88"/>
+    <p:notesMasterId r:id="rId89"/>
   </p:notesMasterIdLst>
   <p:sldIdLst>
     <p:sldId id="256" r:id="rId2"/>
@@ -93,7 +93,8 @@
     <p:sldId id="446" r:id="rId84"/>
     <p:sldId id="447" r:id="rId85"/>
     <p:sldId id="448" r:id="rId86"/>
-    <p:sldId id="268" r:id="rId87"/>
+    <p:sldId id="449" r:id="rId87"/>
+    <p:sldId id="268" r:id="rId88"/>
   </p:sldIdLst>
   <p:sldSz cx="12192000" cy="6858000"/>
   <p:notesSz cx="6858000" cy="9144000"/>
@@ -4409,6 +4410,119 @@
     <p:extLst>
       <p:ext uri="{BB962C8B-B14F-4D97-AF65-F5344CB8AC3E}">
         <p14:creationId xmlns:p14="http://schemas.microsoft.com/office/powerpoint/2010/main" val="255433906"/>
+      </p:ext>
+    </p:extLst>
+  </p:cSld>
+  <p:clrMapOvr>
+    <a:masterClrMapping/>
+  </p:clrMapOvr>
+</p:notes>
+</file>
+
+<file path=ppt/notesSlides/notesSlide40.xml><?xml version="1.0" encoding="utf-8"?>
+<p:notes xmlns:a="http://schemas.openxmlformats.org/drawingml/2006/main" xmlns:r="http://schemas.openxmlformats.org/officeDocument/2006/relationships" xmlns:p="http://schemas.openxmlformats.org/presentationml/2006/main">
+  <p:cSld>
+    <p:spTree>
+      <p:nvGrpSpPr>
+        <p:cNvPr id="1" name=""/>
+        <p:cNvGrpSpPr/>
+        <p:nvPr/>
+      </p:nvGrpSpPr>
+      <p:grpSpPr>
+        <a:xfrm>
+          <a:off x="0" y="0"/>
+          <a:ext cx="0" cy="0"/>
+          <a:chOff x="0" y="0"/>
+          <a:chExt cx="0" cy="0"/>
+        </a:xfrm>
+      </p:grpSpPr>
+      <p:sp>
+        <p:nvSpPr>
+          <p:cNvPr id="2" name="Slide Image Placeholder 1"/>
+          <p:cNvSpPr>
+            <a:spLocks noGrp="1" noRot="1" noChangeAspect="1"/>
+          </p:cNvSpPr>
+          <p:nvPr>
+            <p:ph type="sldImg"/>
+          </p:nvPr>
+        </p:nvSpPr>
+        <p:spPr/>
+      </p:sp>
+      <p:sp>
+        <p:nvSpPr>
+          <p:cNvPr id="3" name="Notes Placeholder 2"/>
+          <p:cNvSpPr>
+            <a:spLocks noGrp="1"/>
+          </p:cNvSpPr>
+          <p:nvPr>
+            <p:ph type="body" idx="1"/>
+          </p:nvPr>
+        </p:nvSpPr>
+        <p:spPr/>
+        <p:txBody>
+          <a:bodyPr/>
+          <a:lstStyle/>
+          <a:p>
+            <a:r>
+              <a:rPr lang="en-IN" dirty="0" smtClean="0"/>
+              <a:t>Branch :</a:t>
+            </a:r>
+            <a:r>
+              <a:rPr lang="en-IN" sz="1200" kern="1200" dirty="0" err="1" smtClean="0">
+                <a:solidFill>
+                  <a:schemeClr val="tx1"/>
+                </a:solidFill>
+                <a:latin typeface="+mn-lt"/>
+                <a:ea typeface="+mn-ea"/>
+                <a:cs typeface="+mn-cs"/>
+              </a:rPr>
+              <a:t>PracticingTheBasics</a:t>
+            </a:r>
+            <a:endParaRPr lang="en-IN" dirty="0" smtClean="0"/>
+          </a:p>
+          <a:p>
+            <a:r>
+              <a:rPr lang="en-IN" dirty="0" smtClean="0"/>
+              <a:t>Commit : </a:t>
+            </a:r>
+            <a:r>
+              <a:rPr lang="en-IN" dirty="0" err="1" smtClean="0"/>
+              <a:t>StylingPackageLinks</a:t>
+            </a:r>
+            <a:endParaRPr lang="en-IN" dirty="0" smtClean="0"/>
+          </a:p>
+          <a:p>
+            <a:endParaRPr lang="en-GB" dirty="0"/>
+          </a:p>
+        </p:txBody>
+      </p:sp>
+      <p:sp>
+        <p:nvSpPr>
+          <p:cNvPr id="4" name="Slide Number Placeholder 3"/>
+          <p:cNvSpPr>
+            <a:spLocks noGrp="1"/>
+          </p:cNvSpPr>
+          <p:nvPr>
+            <p:ph type="sldNum" sz="quarter" idx="10"/>
+          </p:nvPr>
+        </p:nvSpPr>
+        <p:spPr/>
+        <p:txBody>
+          <a:bodyPr/>
+          <a:lstStyle/>
+          <a:p>
+            <a:fld id="{D3B79ED6-4970-4D84-B25C-F520A9D9210C}" type="slidenum">
+              <a:rPr lang="en-GB" smtClean="0"/>
+              <a:t>86</a:t>
+            </a:fld>
+            <a:endParaRPr lang="en-GB"/>
+          </a:p>
+        </p:txBody>
+      </p:sp>
+    </p:spTree>
+    <p:extLst>
+      <p:ext uri="{BB962C8B-B14F-4D97-AF65-F5344CB8AC3E}">
+        <p14:creationId xmlns:p14="http://schemas.microsoft.com/office/powerpoint/2010/main" val="2402949966"/>
       </p:ext>
     </p:extLst>
   </p:cSld>
@@ -37574,7 +37688,6 @@
               <a:rPr lang="en-GB" dirty="0"/>
               <a:t>Adding the Packages Page</a:t>
             </a:r>
-            <a:endParaRPr lang="en-GB" dirty="0"/>
           </a:p>
         </p:txBody>
       </p:sp>
@@ -37790,7 +37903,6 @@
               <a:rPr lang="en-GB" dirty="0"/>
               <a:t>Adding the Packages Page</a:t>
             </a:r>
-            <a:endParaRPr lang="en-GB" dirty="0"/>
           </a:p>
         </p:txBody>
       </p:sp>
@@ -37961,7 +38073,6 @@
               <a:rPr lang="en-GB" dirty="0"/>
               <a:t>Adding the Packages Page</a:t>
             </a:r>
-            <a:endParaRPr lang="en-GB" dirty="0"/>
           </a:p>
         </p:txBody>
       </p:sp>
@@ -38005,6 +38116,190 @@
 </file>
 
 <file path=ppt/slides/slide86.xml><?xml version="1.0" encoding="utf-8"?>
+<p:sld xmlns:a="http://schemas.openxmlformats.org/drawingml/2006/main" xmlns:r="http://schemas.openxmlformats.org/officeDocument/2006/relationships" xmlns:p="http://schemas.openxmlformats.org/presentationml/2006/main">
+  <p:cSld>
+    <p:spTree>
+      <p:nvGrpSpPr>
+        <p:cNvPr id="1" name=""/>
+        <p:cNvGrpSpPr/>
+        <p:nvPr/>
+      </p:nvGrpSpPr>
+      <p:grpSpPr>
+        <a:xfrm>
+          <a:off x="0" y="0"/>
+          <a:ext cx="0" cy="0"/>
+          <a:chOff x="0" y="0"/>
+          <a:chExt cx="0" cy="0"/>
+        </a:xfrm>
+      </p:grpSpPr>
+      <p:sp>
+        <p:nvSpPr>
+          <p:cNvPr id="2" name="Title 1"/>
+          <p:cNvSpPr>
+            <a:spLocks noGrp="1"/>
+          </p:cNvSpPr>
+          <p:nvPr>
+            <p:ph type="title"/>
+          </p:nvPr>
+        </p:nvSpPr>
+        <p:spPr>
+          <a:xfrm>
+            <a:off x="677334" y="100444"/>
+            <a:ext cx="8596668" cy="543791"/>
+          </a:xfrm>
+        </p:spPr>
+        <p:txBody>
+          <a:bodyPr>
+            <a:normAutofit fontScale="90000"/>
+          </a:bodyPr>
+          <a:lstStyle/>
+          <a:p>
+            <a:r>
+              <a:rPr lang="en-IN" dirty="0" smtClean="0"/>
+              <a:t>Styling the package links</a:t>
+            </a:r>
+            <a:endParaRPr lang="en-GB" dirty="0"/>
+          </a:p>
+        </p:txBody>
+      </p:sp>
+      <p:sp>
+        <p:nvSpPr>
+          <p:cNvPr id="3" name="Content Placeholder 2"/>
+          <p:cNvSpPr>
+            <a:spLocks noGrp="1"/>
+          </p:cNvSpPr>
+          <p:nvPr>
+            <p:ph idx="1"/>
+          </p:nvPr>
+        </p:nvSpPr>
+        <p:spPr>
+          <a:xfrm>
+            <a:off x="677333" y="644235"/>
+            <a:ext cx="11199475" cy="5818910"/>
+          </a:xfrm>
+        </p:spPr>
+        <p:txBody>
+          <a:bodyPr>
+            <a:normAutofit lnSpcReduction="10000"/>
+          </a:bodyPr>
+          <a:lstStyle/>
+          <a:p>
+            <a:r>
+              <a:rPr lang="en-IN" dirty="0" smtClean="0"/>
+              <a:t>Lets add a space to the top of our &lt;main&gt; we can directly target it using element selector as the page will have only one main so add an element selector for main in packages.css</a:t>
+            </a:r>
+          </a:p>
+          <a:p>
+            <a:r>
+              <a:rPr lang="en-IN" dirty="0" smtClean="0"/>
+              <a:t>Add a padding-top:32px;</a:t>
+            </a:r>
+          </a:p>
+          <a:p>
+            <a:r>
+              <a:rPr lang="en-IN" dirty="0" smtClean="0"/>
+              <a:t>Now to select the packages add a class packages to all the &lt;section&gt; tags representing our packages and add a class selector for the same to our packages.css</a:t>
+            </a:r>
+          </a:p>
+          <a:p>
+            <a:r>
+              <a:rPr lang="en-IN" dirty="0" smtClean="0"/>
+              <a:t>Limit the width of the section to 80% so that they don’t take the entire width of the page using width:80%;</a:t>
+            </a:r>
+          </a:p>
+          <a:p>
+            <a:r>
+              <a:rPr lang="en-IN" dirty="0" smtClean="0"/>
+              <a:t>Add some spacing between the packages by adding a margin of 16px to top and bottom but 0 to right and left as I want to place them on the edge of the page</a:t>
+            </a:r>
+          </a:p>
+          <a:p>
+            <a:r>
+              <a:rPr lang="en-IN" dirty="0" smtClean="0"/>
+              <a:t>Add a solid 4px thick dark green border using border:4px solid #0e4f1f;</a:t>
+            </a:r>
+          </a:p>
+          <a:p>
+            <a:r>
+              <a:rPr lang="en-IN" dirty="0" smtClean="0"/>
+              <a:t>Remove the left border to give a look like they are emerging from the edge of the screen using </a:t>
+            </a:r>
+            <a:r>
+              <a:rPr lang="en-IN" dirty="0" err="1" smtClean="0"/>
+              <a:t>border-left:none</a:t>
+            </a:r>
+            <a:r>
+              <a:rPr lang="en-IN" dirty="0" smtClean="0"/>
+              <a:t>; </a:t>
+            </a:r>
+          </a:p>
+          <a:p>
+            <a:r>
+              <a:rPr lang="en-IN" dirty="0" smtClean="0"/>
+              <a:t>Now lets target the text to do this select the &lt;a&gt; tag using a descendant selector .package a {}</a:t>
+            </a:r>
+          </a:p>
+          <a:p>
+            <a:r>
+              <a:rPr lang="en-IN" dirty="0" smtClean="0"/>
+              <a:t>Set the </a:t>
+            </a:r>
+            <a:r>
+              <a:rPr lang="en-IN" dirty="0" err="1" smtClean="0"/>
+              <a:t>text-decoration:none</a:t>
+            </a:r>
+            <a:r>
+              <a:rPr lang="en-IN" dirty="0" smtClean="0"/>
+              <a:t>; </a:t>
+            </a:r>
+            <a:r>
+              <a:rPr lang="en-IN" dirty="0" err="1" smtClean="0"/>
+              <a:t>color:inherit</a:t>
+            </a:r>
+            <a:r>
+              <a:rPr lang="en-IN" dirty="0" smtClean="0"/>
+              <a:t> to use the page </a:t>
+            </a:r>
+            <a:r>
+              <a:rPr lang="en-IN" dirty="0" err="1" smtClean="0"/>
+              <a:t>default.set</a:t>
+            </a:r>
+            <a:r>
+              <a:rPr lang="en-IN" dirty="0" smtClean="0"/>
+              <a:t> </a:t>
+            </a:r>
+            <a:r>
+              <a:rPr lang="en-IN" dirty="0" err="1" smtClean="0"/>
+              <a:t>display:block</a:t>
+            </a:r>
+            <a:r>
+              <a:rPr lang="en-IN" dirty="0" smtClean="0"/>
+              <a:t> to ensure that the &lt;a&gt; tag takes the full available width of the surrounding section so that the whole box representing the package can be clickable</a:t>
+            </a:r>
+          </a:p>
+          <a:p>
+            <a:r>
+              <a:rPr lang="en-IN" dirty="0" smtClean="0"/>
+              <a:t>Also add a padding of 32px using poadding:32px;</a:t>
+            </a:r>
+            <a:endParaRPr lang="en-GB" dirty="0"/>
+          </a:p>
+        </p:txBody>
+      </p:sp>
+    </p:spTree>
+    <p:extLst>
+      <p:ext uri="{BB962C8B-B14F-4D97-AF65-F5344CB8AC3E}">
+        <p14:creationId xmlns:p14="http://schemas.microsoft.com/office/powerpoint/2010/main" val="226685245"/>
+      </p:ext>
+    </p:extLst>
+  </p:cSld>
+  <p:clrMapOvr>
+    <a:masterClrMapping/>
+  </p:clrMapOvr>
+</p:sld>
+</file>
+
+<file path=ppt/slides/slide87.xml><?xml version="1.0" encoding="utf-8"?>
 <p:sld xmlns:a="http://schemas.openxmlformats.org/drawingml/2006/main" xmlns:r="http://schemas.openxmlformats.org/officeDocument/2006/relationships" xmlns:p="http://schemas.openxmlformats.org/presentationml/2006/main" showMasterSp="0">
   <p:cSld>
     <p:spTree>

--- a/PPT/Css-v5.pptx
+++ b/PPT/Css-v5.pptx
@@ -5,7 +5,7 @@
     <p:sldMasterId id="2147483660" r:id="rId1"/>
   </p:sldMasterIdLst>
   <p:notesMasterIdLst>
-    <p:notesMasterId r:id="rId89"/>
+    <p:notesMasterId r:id="rId91"/>
   </p:notesMasterIdLst>
   <p:sldIdLst>
     <p:sldId id="256" r:id="rId2"/>
@@ -94,7 +94,9 @@
     <p:sldId id="447" r:id="rId85"/>
     <p:sldId id="448" r:id="rId86"/>
     <p:sldId id="449" r:id="rId87"/>
-    <p:sldId id="268" r:id="rId88"/>
+    <p:sldId id="450" r:id="rId88"/>
+    <p:sldId id="451" r:id="rId89"/>
+    <p:sldId id="268" r:id="rId90"/>
   </p:sldIdLst>
   <p:sldSz cx="12192000" cy="6858000"/>
   <p:notesSz cx="6858000" cy="9144000"/>
@@ -4523,6 +4525,232 @@
     <p:extLst>
       <p:ext uri="{BB962C8B-B14F-4D97-AF65-F5344CB8AC3E}">
         <p14:creationId xmlns:p14="http://schemas.microsoft.com/office/powerpoint/2010/main" val="2402949966"/>
+      </p:ext>
+    </p:extLst>
+  </p:cSld>
+  <p:clrMapOvr>
+    <a:masterClrMapping/>
+  </p:clrMapOvr>
+</p:notes>
+</file>
+
+<file path=ppt/notesSlides/notesSlide41.xml><?xml version="1.0" encoding="utf-8"?>
+<p:notes xmlns:a="http://schemas.openxmlformats.org/drawingml/2006/main" xmlns:r="http://schemas.openxmlformats.org/officeDocument/2006/relationships" xmlns:p="http://schemas.openxmlformats.org/presentationml/2006/main">
+  <p:cSld>
+    <p:spTree>
+      <p:nvGrpSpPr>
+        <p:cNvPr id="1" name=""/>
+        <p:cNvGrpSpPr/>
+        <p:nvPr/>
+      </p:nvGrpSpPr>
+      <p:grpSpPr>
+        <a:xfrm>
+          <a:off x="0" y="0"/>
+          <a:ext cx="0" cy="0"/>
+          <a:chOff x="0" y="0"/>
+          <a:chExt cx="0" cy="0"/>
+        </a:xfrm>
+      </p:grpSpPr>
+      <p:sp>
+        <p:nvSpPr>
+          <p:cNvPr id="2" name="Slide Image Placeholder 1"/>
+          <p:cNvSpPr>
+            <a:spLocks noGrp="1" noRot="1" noChangeAspect="1"/>
+          </p:cNvSpPr>
+          <p:nvPr>
+            <p:ph type="sldImg"/>
+          </p:nvPr>
+        </p:nvSpPr>
+        <p:spPr/>
+      </p:sp>
+      <p:sp>
+        <p:nvSpPr>
+          <p:cNvPr id="3" name="Notes Placeholder 2"/>
+          <p:cNvSpPr>
+            <a:spLocks noGrp="1"/>
+          </p:cNvSpPr>
+          <p:nvPr>
+            <p:ph type="body" idx="1"/>
+          </p:nvPr>
+        </p:nvSpPr>
+        <p:spPr/>
+        <p:txBody>
+          <a:bodyPr/>
+          <a:lstStyle/>
+          <a:p>
+            <a:r>
+              <a:rPr lang="en-IN" dirty="0" smtClean="0"/>
+              <a:t>Branch :</a:t>
+            </a:r>
+            <a:r>
+              <a:rPr lang="en-IN" sz="1200" kern="1200" dirty="0" err="1" smtClean="0">
+                <a:solidFill>
+                  <a:schemeClr val="tx1"/>
+                </a:solidFill>
+                <a:latin typeface="+mn-lt"/>
+                <a:ea typeface="+mn-ea"/>
+                <a:cs typeface="+mn-cs"/>
+              </a:rPr>
+              <a:t>PracticingTheBasics</a:t>
+            </a:r>
+            <a:endParaRPr lang="en-IN" dirty="0" smtClean="0"/>
+          </a:p>
+          <a:p>
+            <a:r>
+              <a:rPr lang="en-IN" dirty="0" smtClean="0"/>
+              <a:t>Commit : </a:t>
+            </a:r>
+            <a:r>
+              <a:rPr lang="en-IN" dirty="0" err="1" smtClean="0"/>
+              <a:t>StylingPackageBoxes</a:t>
+            </a:r>
+            <a:endParaRPr lang="en-IN" dirty="0" smtClean="0"/>
+          </a:p>
+          <a:p>
+            <a:endParaRPr lang="en-GB" dirty="0"/>
+          </a:p>
+        </p:txBody>
+      </p:sp>
+      <p:sp>
+        <p:nvSpPr>
+          <p:cNvPr id="4" name="Slide Number Placeholder 3"/>
+          <p:cNvSpPr>
+            <a:spLocks noGrp="1"/>
+          </p:cNvSpPr>
+          <p:nvPr>
+            <p:ph type="sldNum" sz="quarter" idx="10"/>
+          </p:nvPr>
+        </p:nvSpPr>
+        <p:spPr/>
+        <p:txBody>
+          <a:bodyPr/>
+          <a:lstStyle/>
+          <a:p>
+            <a:fld id="{D3B79ED6-4970-4D84-B25C-F520A9D9210C}" type="slidenum">
+              <a:rPr lang="en-GB" smtClean="0"/>
+              <a:t>87</a:t>
+            </a:fld>
+            <a:endParaRPr lang="en-GB"/>
+          </a:p>
+        </p:txBody>
+      </p:sp>
+    </p:spTree>
+    <p:extLst>
+      <p:ext uri="{BB962C8B-B14F-4D97-AF65-F5344CB8AC3E}">
+        <p14:creationId xmlns:p14="http://schemas.microsoft.com/office/powerpoint/2010/main" val="3853173881"/>
+      </p:ext>
+    </p:extLst>
+  </p:cSld>
+  <p:clrMapOvr>
+    <a:masterClrMapping/>
+  </p:clrMapOvr>
+</p:notes>
+</file>
+
+<file path=ppt/notesSlides/notesSlide42.xml><?xml version="1.0" encoding="utf-8"?>
+<p:notes xmlns:a="http://schemas.openxmlformats.org/drawingml/2006/main" xmlns:r="http://schemas.openxmlformats.org/officeDocument/2006/relationships" xmlns:p="http://schemas.openxmlformats.org/presentationml/2006/main">
+  <p:cSld>
+    <p:spTree>
+      <p:nvGrpSpPr>
+        <p:cNvPr id="1" name=""/>
+        <p:cNvGrpSpPr/>
+        <p:nvPr/>
+      </p:nvGrpSpPr>
+      <p:grpSpPr>
+        <a:xfrm>
+          <a:off x="0" y="0"/>
+          <a:ext cx="0" cy="0"/>
+          <a:chOff x="0" y="0"/>
+          <a:chExt cx="0" cy="0"/>
+        </a:xfrm>
+      </p:grpSpPr>
+      <p:sp>
+        <p:nvSpPr>
+          <p:cNvPr id="2" name="Slide Image Placeholder 1"/>
+          <p:cNvSpPr>
+            <a:spLocks noGrp="1" noRot="1" noChangeAspect="1"/>
+          </p:cNvSpPr>
+          <p:nvPr>
+            <p:ph type="sldImg"/>
+          </p:nvPr>
+        </p:nvSpPr>
+        <p:spPr/>
+      </p:sp>
+      <p:sp>
+        <p:nvSpPr>
+          <p:cNvPr id="3" name="Notes Placeholder 2"/>
+          <p:cNvSpPr>
+            <a:spLocks noGrp="1"/>
+          </p:cNvSpPr>
+          <p:nvPr>
+            <p:ph type="body" idx="1"/>
+          </p:nvPr>
+        </p:nvSpPr>
+        <p:spPr/>
+        <p:txBody>
+          <a:bodyPr/>
+          <a:lstStyle/>
+          <a:p>
+            <a:r>
+              <a:rPr lang="en-IN" dirty="0" smtClean="0"/>
+              <a:t>Branch :</a:t>
+            </a:r>
+            <a:r>
+              <a:rPr lang="en-IN" sz="1200" kern="1200" dirty="0" err="1" smtClean="0">
+                <a:solidFill>
+                  <a:schemeClr val="tx1"/>
+                </a:solidFill>
+                <a:latin typeface="+mn-lt"/>
+                <a:ea typeface="+mn-ea"/>
+                <a:cs typeface="+mn-cs"/>
+              </a:rPr>
+              <a:t>PracticingTheBasics</a:t>
+            </a:r>
+            <a:endParaRPr lang="en-IN" dirty="0" smtClean="0"/>
+          </a:p>
+          <a:p>
+            <a:r>
+              <a:rPr lang="en-IN" dirty="0" smtClean="0"/>
+              <a:t>Commit : </a:t>
+            </a:r>
+            <a:r>
+              <a:rPr lang="en-IN" dirty="0" err="1" smtClean="0"/>
+              <a:t>StylingPackageBoxes</a:t>
+            </a:r>
+            <a:endParaRPr lang="en-IN" dirty="0" smtClean="0"/>
+          </a:p>
+          <a:p>
+            <a:endParaRPr lang="en-GB" dirty="0"/>
+          </a:p>
+        </p:txBody>
+      </p:sp>
+      <p:sp>
+        <p:nvSpPr>
+          <p:cNvPr id="4" name="Slide Number Placeholder 3"/>
+          <p:cNvSpPr>
+            <a:spLocks noGrp="1"/>
+          </p:cNvSpPr>
+          <p:nvPr>
+            <p:ph type="sldNum" sz="quarter" idx="10"/>
+          </p:nvPr>
+        </p:nvSpPr>
+        <p:spPr/>
+        <p:txBody>
+          <a:bodyPr/>
+          <a:lstStyle/>
+          <a:p>
+            <a:fld id="{D3B79ED6-4970-4D84-B25C-F520A9D9210C}" type="slidenum">
+              <a:rPr lang="en-GB" smtClean="0"/>
+              <a:t>88</a:t>
+            </a:fld>
+            <a:endParaRPr lang="en-GB"/>
+          </a:p>
+        </p:txBody>
+      </p:sp>
+    </p:spTree>
+    <p:extLst>
+      <p:ext uri="{BB962C8B-B14F-4D97-AF65-F5344CB8AC3E}">
+        <p14:creationId xmlns:p14="http://schemas.microsoft.com/office/powerpoint/2010/main" val="1384895815"/>
       </p:ext>
     </p:extLst>
   </p:cSld>
@@ -38300,6 +38528,573 @@
 </file>
 
 <file path=ppt/slides/slide87.xml><?xml version="1.0" encoding="utf-8"?>
+<p:sld xmlns:a="http://schemas.openxmlformats.org/drawingml/2006/main" xmlns:r="http://schemas.openxmlformats.org/officeDocument/2006/relationships" xmlns:p="http://schemas.openxmlformats.org/presentationml/2006/main">
+  <p:cSld>
+    <p:spTree>
+      <p:nvGrpSpPr>
+        <p:cNvPr id="1" name=""/>
+        <p:cNvGrpSpPr/>
+        <p:nvPr/>
+      </p:nvGrpSpPr>
+      <p:grpSpPr>
+        <a:xfrm>
+          <a:off x="0" y="0"/>
+          <a:ext cx="0" cy="0"/>
+          <a:chOff x="0" y="0"/>
+          <a:chExt cx="0" cy="0"/>
+        </a:xfrm>
+      </p:grpSpPr>
+      <p:sp>
+        <p:nvSpPr>
+          <p:cNvPr id="2" name="Title 1"/>
+          <p:cNvSpPr>
+            <a:spLocks noGrp="1"/>
+          </p:cNvSpPr>
+          <p:nvPr>
+            <p:ph type="title"/>
+          </p:nvPr>
+        </p:nvSpPr>
+        <p:spPr>
+          <a:xfrm>
+            <a:off x="812415" y="90054"/>
+            <a:ext cx="8596668" cy="616527"/>
+          </a:xfrm>
+        </p:spPr>
+        <p:txBody>
+          <a:bodyPr>
+            <a:normAutofit fontScale="90000"/>
+          </a:bodyPr>
+          <a:lstStyle/>
+          <a:p>
+            <a:r>
+              <a:rPr lang="en-GB" dirty="0"/>
+              <a:t>Styling our Package Boxes</a:t>
+            </a:r>
+            <a:endParaRPr lang="en-GB" dirty="0"/>
+          </a:p>
+        </p:txBody>
+      </p:sp>
+      <p:sp>
+        <p:nvSpPr>
+          <p:cNvPr id="3" name="Content Placeholder 2"/>
+          <p:cNvSpPr>
+            <a:spLocks noGrp="1"/>
+          </p:cNvSpPr>
+          <p:nvPr>
+            <p:ph idx="1"/>
+          </p:nvPr>
+        </p:nvSpPr>
+        <p:spPr>
+          <a:xfrm>
+            <a:off x="677333" y="862445"/>
+            <a:ext cx="11199475" cy="5787737"/>
+          </a:xfrm>
+        </p:spPr>
+        <p:txBody>
+          <a:bodyPr/>
+          <a:lstStyle/>
+          <a:p>
+            <a:r>
+              <a:rPr lang="en-IN" dirty="0" smtClean="0"/>
+              <a:t>Add classes </a:t>
+            </a:r>
+            <a:r>
+              <a:rPr lang="en-IN" dirty="0" err="1" smtClean="0"/>
+              <a:t>package__title</a:t>
+            </a:r>
+            <a:r>
+              <a:rPr lang="en-IN" dirty="0" smtClean="0"/>
+              <a:t> , </a:t>
+            </a:r>
+            <a:r>
+              <a:rPr lang="en-IN" dirty="0" err="1" smtClean="0"/>
+              <a:t>package__subtitle</a:t>
+            </a:r>
+            <a:r>
+              <a:rPr lang="en-IN" dirty="0" smtClean="0"/>
+              <a:t> and </a:t>
+            </a:r>
+            <a:r>
+              <a:rPr lang="en-IN" dirty="0" err="1" smtClean="0"/>
+              <a:t>package__info</a:t>
+            </a:r>
+            <a:r>
+              <a:rPr lang="en-IN" dirty="0" smtClean="0"/>
+              <a:t> to the &lt;h1&gt;,&lt;h2&gt;and &lt;p&gt; tags respectively in all &lt;section&gt; tags representing our  packages</a:t>
+            </a:r>
+          </a:p>
+          <a:p>
+            <a:r>
+              <a:rPr lang="en-IN" dirty="0" smtClean="0"/>
+              <a:t>Add class selectors for all these in packages.css .</a:t>
+            </a:r>
+            <a:r>
+              <a:rPr lang="en-IN" dirty="0" err="1" smtClean="0"/>
+              <a:t>package</a:t>
+            </a:r>
+            <a:r>
+              <a:rPr lang="en-IN" dirty="0" err="1"/>
+              <a:t>__</a:t>
+            </a:r>
+            <a:r>
+              <a:rPr lang="en-IN" dirty="0" err="1" smtClean="0"/>
+              <a:t>title</a:t>
+            </a:r>
+            <a:r>
+              <a:rPr lang="en-IN" dirty="0" smtClean="0"/>
+              <a:t>{ } </a:t>
+            </a:r>
+            <a:r>
+              <a:rPr lang="en-IN" dirty="0"/>
+              <a:t>, </a:t>
+            </a:r>
+            <a:r>
+              <a:rPr lang="en-IN" dirty="0" smtClean="0"/>
+              <a:t>.</a:t>
+            </a:r>
+            <a:r>
+              <a:rPr lang="en-IN" dirty="0" err="1" smtClean="0"/>
+              <a:t>package</a:t>
+            </a:r>
+            <a:r>
+              <a:rPr lang="en-IN" dirty="0" err="1"/>
+              <a:t>__</a:t>
+            </a:r>
+            <a:r>
+              <a:rPr lang="en-IN" dirty="0" err="1" smtClean="0"/>
+              <a:t>subtitle</a:t>
+            </a:r>
+            <a:r>
+              <a:rPr lang="en-IN" dirty="0" smtClean="0"/>
+              <a:t>{ } </a:t>
+            </a:r>
+            <a:r>
+              <a:rPr lang="en-IN" dirty="0"/>
+              <a:t>and </a:t>
+            </a:r>
+            <a:r>
+              <a:rPr lang="en-IN" dirty="0" smtClean="0"/>
+              <a:t>.</a:t>
+            </a:r>
+            <a:r>
+              <a:rPr lang="en-IN" dirty="0" err="1" smtClean="0"/>
+              <a:t>package</a:t>
+            </a:r>
+            <a:r>
+              <a:rPr lang="en-IN" dirty="0" err="1"/>
+              <a:t>__</a:t>
+            </a:r>
+            <a:r>
+              <a:rPr lang="en-IN" dirty="0" err="1" smtClean="0"/>
+              <a:t>info</a:t>
+            </a:r>
+            <a:r>
+              <a:rPr lang="en-IN" dirty="0" smtClean="0"/>
+              <a:t>{ }</a:t>
+            </a:r>
+          </a:p>
+          <a:p>
+            <a:r>
+              <a:rPr lang="en-IN" dirty="0" smtClean="0"/>
+              <a:t>Add a dark </a:t>
+            </a:r>
+            <a:r>
+              <a:rPr lang="en-IN" dirty="0" err="1" smtClean="0"/>
+              <a:t>gray</a:t>
+            </a:r>
+            <a:r>
+              <a:rPr lang="en-IN" dirty="0" smtClean="0"/>
+              <a:t> </a:t>
+            </a:r>
+            <a:r>
+              <a:rPr lang="en-IN" dirty="0" err="1" smtClean="0"/>
+              <a:t>color</a:t>
+            </a:r>
+            <a:r>
+              <a:rPr lang="en-IN" dirty="0" smtClean="0"/>
+              <a:t> to the subtitle using </a:t>
+            </a:r>
+            <a:r>
+              <a:rPr lang="en-IN" dirty="0" err="1" smtClean="0"/>
+              <a:t>color</a:t>
+            </a:r>
+            <a:r>
+              <a:rPr lang="en-IN" dirty="0" smtClean="0"/>
+              <a:t>:#979797;</a:t>
+            </a:r>
+          </a:p>
+          <a:p>
+            <a:r>
+              <a:rPr lang="en-IN" dirty="0" smtClean="0"/>
+              <a:t>Add a padding:16px; add a 1px solid dark green border using border:1px solid #0e4f1f; font-size:20px; and color:0e4f1f; to the </a:t>
+            </a:r>
+            <a:r>
+              <a:rPr lang="en-IN" dirty="0" err="1" smtClean="0"/>
+              <a:t>package__info</a:t>
+            </a:r>
+            <a:endParaRPr lang="en-IN" dirty="0" smtClean="0"/>
+          </a:p>
+          <a:p>
+            <a:r>
+              <a:rPr lang="en-IN" dirty="0" smtClean="0"/>
+              <a:t>Now lets add different backgrounds to different plans and for that lets add id’s to the &lt;section&gt; representing the plans add id </a:t>
+            </a:r>
+            <a:r>
+              <a:rPr lang="en-IN" dirty="0" err="1" smtClean="0"/>
+              <a:t>plus,free</a:t>
+            </a:r>
+            <a:r>
+              <a:rPr lang="en-IN" dirty="0" smtClean="0"/>
+              <a:t> and premium to the plans and create id selectors for the same in packages.css </a:t>
+            </a:r>
+            <a:r>
+              <a:rPr lang="en-GB" dirty="0"/>
+              <a:t>#plus</a:t>
+            </a:r>
+            <a:r>
+              <a:rPr lang="en-GB" dirty="0" smtClean="0"/>
+              <a:t>{}, #</a:t>
+            </a:r>
+            <a:r>
+              <a:rPr lang="en-GB" dirty="0"/>
+              <a:t>free</a:t>
+            </a:r>
+            <a:r>
+              <a:rPr lang="en-GB" dirty="0" smtClean="0"/>
+              <a:t>{} #</a:t>
+            </a:r>
+            <a:r>
+              <a:rPr lang="en-GB" dirty="0"/>
+              <a:t>premium</a:t>
+            </a:r>
+            <a:r>
+              <a:rPr lang="en-GB" dirty="0" smtClean="0"/>
+              <a:t>{}</a:t>
+            </a:r>
+          </a:p>
+          <a:p>
+            <a:r>
+              <a:rPr lang="en-IN" dirty="0" smtClean="0"/>
+              <a:t>Add a slightly transparent light green </a:t>
+            </a:r>
+            <a:r>
+              <a:rPr lang="en-IN" dirty="0" err="1" smtClean="0"/>
+              <a:t>color</a:t>
+            </a:r>
+            <a:r>
+              <a:rPr lang="en-IN" dirty="0" smtClean="0"/>
+              <a:t> to the plus plan using </a:t>
+            </a:r>
+            <a:r>
+              <a:rPr lang="en-IN" dirty="0" err="1" smtClean="0"/>
+              <a:t>background:rgba</a:t>
+            </a:r>
+            <a:r>
+              <a:rPr lang="en-IN" dirty="0" smtClean="0"/>
+              <a:t>(213,255,220,0.95)</a:t>
+            </a:r>
+          </a:p>
+          <a:p>
+            <a:r>
+              <a:rPr lang="en-IN" dirty="0" smtClean="0"/>
+              <a:t>Add a slightly different transparent green background to free plan using </a:t>
+            </a:r>
+            <a:r>
+              <a:rPr lang="en-IN" dirty="0" err="1" smtClean="0"/>
+              <a:t>background:rgba</a:t>
+            </a:r>
+            <a:r>
+              <a:rPr lang="en-IN" dirty="0" smtClean="0"/>
+              <a:t>(234,252,237,0.95) to free plan</a:t>
+            </a:r>
+          </a:p>
+          <a:p>
+            <a:r>
+              <a:rPr lang="en-IN" dirty="0" smtClean="0"/>
+              <a:t>Add a darker green background to premium plan using  </a:t>
+            </a:r>
+            <a:r>
+              <a:rPr lang="en-IN" dirty="0" err="1" smtClean="0"/>
+              <a:t>background:rgba</a:t>
+            </a:r>
+            <a:r>
+              <a:rPr lang="en-IN" dirty="0" smtClean="0"/>
+              <a:t>(14,79,31,0.95</a:t>
+            </a:r>
+            <a:r>
+              <a:rPr lang="en-IN" dirty="0"/>
+              <a:t>) to free </a:t>
+            </a:r>
+            <a:r>
+              <a:rPr lang="en-IN" dirty="0" smtClean="0"/>
+              <a:t>plan</a:t>
+            </a:r>
+          </a:p>
+          <a:p>
+            <a:r>
+              <a:rPr lang="en-IN" dirty="0" smtClean="0"/>
+              <a:t>Lets assign a white background to </a:t>
+            </a:r>
+            <a:r>
+              <a:rPr lang="en-IN" dirty="0" err="1" smtClean="0"/>
+              <a:t>package__info</a:t>
+            </a:r>
+            <a:r>
+              <a:rPr lang="en-IN" dirty="0" smtClean="0"/>
+              <a:t> by adding </a:t>
+            </a:r>
+            <a:r>
+              <a:rPr lang="en-IN" dirty="0" err="1" smtClean="0"/>
+              <a:t>background:white</a:t>
+            </a:r>
+            <a:r>
+              <a:rPr lang="en-IN" dirty="0" smtClean="0"/>
+              <a:t>;</a:t>
+            </a:r>
+            <a:endParaRPr lang="en-GB" dirty="0" smtClean="0"/>
+          </a:p>
+          <a:p>
+            <a:r>
+              <a:rPr lang="en-IN" dirty="0" smtClean="0"/>
+              <a:t>Lets style the premium package a bit differently</a:t>
+            </a:r>
+            <a:endParaRPr lang="en-GB" dirty="0"/>
+          </a:p>
+          <a:p>
+            <a:endParaRPr lang="en-GB" dirty="0"/>
+          </a:p>
+          <a:p>
+            <a:endParaRPr lang="en-GB" dirty="0"/>
+          </a:p>
+        </p:txBody>
+      </p:sp>
+    </p:spTree>
+    <p:extLst>
+      <p:ext uri="{BB962C8B-B14F-4D97-AF65-F5344CB8AC3E}">
+        <p14:creationId xmlns:p14="http://schemas.microsoft.com/office/powerpoint/2010/main" val="2704594767"/>
+      </p:ext>
+    </p:extLst>
+  </p:cSld>
+  <p:clrMapOvr>
+    <a:masterClrMapping/>
+  </p:clrMapOvr>
+</p:sld>
+</file>
+
+<file path=ppt/slides/slide88.xml><?xml version="1.0" encoding="utf-8"?>
+<p:sld xmlns:a="http://schemas.openxmlformats.org/drawingml/2006/main" xmlns:r="http://schemas.openxmlformats.org/officeDocument/2006/relationships" xmlns:p="http://schemas.openxmlformats.org/presentationml/2006/main">
+  <p:cSld>
+    <p:spTree>
+      <p:nvGrpSpPr>
+        <p:cNvPr id="1" name=""/>
+        <p:cNvGrpSpPr/>
+        <p:nvPr/>
+      </p:nvGrpSpPr>
+      <p:grpSpPr>
+        <a:xfrm>
+          <a:off x="0" y="0"/>
+          <a:ext cx="0" cy="0"/>
+          <a:chOff x="0" y="0"/>
+          <a:chExt cx="0" cy="0"/>
+        </a:xfrm>
+      </p:grpSpPr>
+      <p:sp>
+        <p:nvSpPr>
+          <p:cNvPr id="2" name="Title 1"/>
+          <p:cNvSpPr>
+            <a:spLocks noGrp="1"/>
+          </p:cNvSpPr>
+          <p:nvPr>
+            <p:ph type="title"/>
+          </p:nvPr>
+        </p:nvSpPr>
+        <p:spPr>
+          <a:xfrm>
+            <a:off x="812415" y="90054"/>
+            <a:ext cx="8596668" cy="616527"/>
+          </a:xfrm>
+        </p:spPr>
+        <p:txBody>
+          <a:bodyPr>
+            <a:normAutofit fontScale="90000"/>
+          </a:bodyPr>
+          <a:lstStyle/>
+          <a:p>
+            <a:r>
+              <a:rPr lang="en-GB" dirty="0"/>
+              <a:t>Styling our Package Boxes</a:t>
+            </a:r>
+            <a:endParaRPr lang="en-GB" dirty="0"/>
+          </a:p>
+        </p:txBody>
+      </p:sp>
+      <p:sp>
+        <p:nvSpPr>
+          <p:cNvPr id="3" name="Content Placeholder 2"/>
+          <p:cNvSpPr>
+            <a:spLocks noGrp="1"/>
+          </p:cNvSpPr>
+          <p:nvPr>
+            <p:ph idx="1"/>
+          </p:nvPr>
+        </p:nvSpPr>
+        <p:spPr>
+          <a:xfrm>
+            <a:off x="677333" y="862445"/>
+            <a:ext cx="11199475" cy="5787737"/>
+          </a:xfrm>
+        </p:spPr>
+        <p:txBody>
+          <a:bodyPr/>
+          <a:lstStyle/>
+          <a:p>
+            <a:r>
+              <a:rPr lang="en-IN" dirty="0" smtClean="0"/>
+              <a:t>Select the title of premium package using a </a:t>
+            </a:r>
+            <a:r>
+              <a:rPr lang="en-IN" dirty="0" err="1" smtClean="0"/>
+              <a:t>combinator</a:t>
+            </a:r>
+            <a:r>
+              <a:rPr lang="en-IN" dirty="0" smtClean="0"/>
+              <a:t> #premium .</a:t>
+            </a:r>
+            <a:r>
+              <a:rPr lang="en-IN" dirty="0" err="1" smtClean="0"/>
+              <a:t>package__title</a:t>
+            </a:r>
+            <a:r>
+              <a:rPr lang="en-IN" dirty="0" smtClean="0"/>
+              <a:t>{}</a:t>
+            </a:r>
+            <a:r>
+              <a:rPr lang="en-GB" dirty="0" smtClean="0"/>
+              <a:t> </a:t>
+            </a:r>
+            <a:r>
+              <a:rPr lang="en-IN" dirty="0" smtClean="0"/>
+              <a:t>Add a </a:t>
+            </a:r>
+            <a:r>
+              <a:rPr lang="en-IN" dirty="0" err="1" smtClean="0"/>
+              <a:t>color:white</a:t>
+            </a:r>
+            <a:r>
+              <a:rPr lang="en-IN" dirty="0" smtClean="0"/>
+              <a:t>; to it.</a:t>
+            </a:r>
+          </a:p>
+          <a:p>
+            <a:r>
+              <a:rPr lang="en-IN" dirty="0"/>
+              <a:t>Select the </a:t>
+            </a:r>
+            <a:r>
+              <a:rPr lang="en-IN" dirty="0" smtClean="0"/>
+              <a:t>sub-title </a:t>
+            </a:r>
+            <a:r>
+              <a:rPr lang="en-IN" dirty="0"/>
+              <a:t>of premium package using a </a:t>
+            </a:r>
+            <a:r>
+              <a:rPr lang="en-IN" dirty="0" err="1" smtClean="0"/>
+              <a:t>combinator</a:t>
+            </a:r>
+            <a:r>
+              <a:rPr lang="en-IN" dirty="0" smtClean="0"/>
+              <a:t> </a:t>
+            </a:r>
+            <a:r>
+              <a:rPr lang="en-IN" dirty="0"/>
+              <a:t>#premium .</a:t>
+            </a:r>
+            <a:r>
+              <a:rPr lang="en-IN" dirty="0" err="1"/>
+              <a:t>package</a:t>
+            </a:r>
+            <a:r>
+              <a:rPr lang="en-IN" dirty="0" err="1" smtClean="0"/>
+              <a:t>__subtitle</a:t>
+            </a:r>
+            <a:r>
+              <a:rPr lang="en-IN" dirty="0"/>
+              <a:t>{}</a:t>
+            </a:r>
+            <a:r>
+              <a:rPr lang="en-GB" dirty="0"/>
+              <a:t> </a:t>
+            </a:r>
+            <a:r>
+              <a:rPr lang="en-IN" dirty="0"/>
+              <a:t>Add a </a:t>
+            </a:r>
+            <a:r>
+              <a:rPr lang="en-IN" dirty="0" err="1" smtClean="0"/>
+              <a:t>color</a:t>
+            </a:r>
+            <a:r>
+              <a:rPr lang="en-IN" dirty="0" smtClean="0"/>
+              <a:t>:#</a:t>
+            </a:r>
+            <a:r>
+              <a:rPr lang="en-IN" dirty="0" err="1" smtClean="0"/>
+              <a:t>bbb</a:t>
+            </a:r>
+            <a:r>
+              <a:rPr lang="en-IN" dirty="0" smtClean="0"/>
+              <a:t>; </a:t>
+            </a:r>
+            <a:r>
+              <a:rPr lang="en-IN" dirty="0"/>
+              <a:t>to it.</a:t>
+            </a:r>
+          </a:p>
+          <a:p>
+            <a:r>
+              <a:rPr lang="en-IN" dirty="0" smtClean="0"/>
+              <a:t>Add a hover and active effect to all packages using pseudo classes hover and active on the package class selector and add a box-shadow:2px 2px 4px </a:t>
+            </a:r>
+            <a:r>
+              <a:rPr lang="en-IN" dirty="0" err="1" smtClean="0"/>
+              <a:t>rgba</a:t>
+            </a:r>
+            <a:r>
+              <a:rPr lang="en-IN" dirty="0" smtClean="0"/>
+              <a:t>(0,0,0,0.5) and border-</a:t>
+            </a:r>
+            <a:r>
+              <a:rPr lang="en-IN" dirty="0" err="1" smtClean="0"/>
+              <a:t>color</a:t>
+            </a:r>
+            <a:r>
+              <a:rPr lang="en-IN" dirty="0" smtClean="0"/>
+              <a:t>:#ff5454;</a:t>
+            </a:r>
+          </a:p>
+          <a:p>
+            <a:endParaRPr lang="en-GB" dirty="0"/>
+          </a:p>
+          <a:p>
+            <a:endParaRPr lang="en-GB" dirty="0"/>
+          </a:p>
+        </p:txBody>
+      </p:sp>
+    </p:spTree>
+    <p:extLst>
+      <p:ext uri="{BB962C8B-B14F-4D97-AF65-F5344CB8AC3E}">
+        <p14:creationId xmlns:p14="http://schemas.microsoft.com/office/powerpoint/2010/main" val="3188325528"/>
+      </p:ext>
+    </p:extLst>
+  </p:cSld>
+  <p:clrMapOvr>
+    <a:masterClrMapping/>
+  </p:clrMapOvr>
+</p:sld>
+</file>
+
+<file path=ppt/slides/slide89.xml><?xml version="1.0" encoding="utf-8"?>
 <p:sld xmlns:a="http://schemas.openxmlformats.org/drawingml/2006/main" xmlns:r="http://schemas.openxmlformats.org/officeDocument/2006/relationships" xmlns:p="http://schemas.openxmlformats.org/presentationml/2006/main" showMasterSp="0">
   <p:cSld>
     <p:spTree>

--- a/PPT/Css-v5.pptx
+++ b/PPT/Css-v5.pptx
@@ -5,7 +5,7 @@
     <p:sldMasterId id="2147483660" r:id="rId1"/>
   </p:sldMasterIdLst>
   <p:notesMasterIdLst>
-    <p:notesMasterId r:id="rId91"/>
+    <p:notesMasterId r:id="rId92"/>
   </p:notesMasterIdLst>
   <p:sldIdLst>
     <p:sldId id="256" r:id="rId2"/>
@@ -96,7 +96,8 @@
     <p:sldId id="449" r:id="rId87"/>
     <p:sldId id="450" r:id="rId88"/>
     <p:sldId id="451" r:id="rId89"/>
-    <p:sldId id="268" r:id="rId90"/>
+    <p:sldId id="452" r:id="rId90"/>
+    <p:sldId id="268" r:id="rId91"/>
   </p:sldIdLst>
   <p:sldSz cx="12192000" cy="6858000"/>
   <p:notesSz cx="6858000" cy="9144000"/>
@@ -285,7 +286,7 @@
           <a:p>
             <a:fld id="{39CD3BCA-8732-46CA-ADDD-C24F968DBEAF}" type="datetimeFigureOut">
               <a:rPr lang="en-GB" smtClean="0"/>
-              <a:t>06/12/2020</a:t>
+              <a:t>08/12/2020</a:t>
             </a:fld>
             <a:endParaRPr lang="en-GB"/>
           </a:p>
@@ -4751,6 +4752,119 @@
     <p:extLst>
       <p:ext uri="{BB962C8B-B14F-4D97-AF65-F5344CB8AC3E}">
         <p14:creationId xmlns:p14="http://schemas.microsoft.com/office/powerpoint/2010/main" val="1384895815"/>
+      </p:ext>
+    </p:extLst>
+  </p:cSld>
+  <p:clrMapOvr>
+    <a:masterClrMapping/>
+  </p:clrMapOvr>
+</p:notes>
+</file>
+
+<file path=ppt/notesSlides/notesSlide43.xml><?xml version="1.0" encoding="utf-8"?>
+<p:notes xmlns:a="http://schemas.openxmlformats.org/drawingml/2006/main" xmlns:r="http://schemas.openxmlformats.org/officeDocument/2006/relationships" xmlns:p="http://schemas.openxmlformats.org/presentationml/2006/main">
+  <p:cSld>
+    <p:spTree>
+      <p:nvGrpSpPr>
+        <p:cNvPr id="1" name=""/>
+        <p:cNvGrpSpPr/>
+        <p:nvPr/>
+      </p:nvGrpSpPr>
+      <p:grpSpPr>
+        <a:xfrm>
+          <a:off x="0" y="0"/>
+          <a:ext cx="0" cy="0"/>
+          <a:chOff x="0" y="0"/>
+          <a:chExt cx="0" cy="0"/>
+        </a:xfrm>
+      </p:grpSpPr>
+      <p:sp>
+        <p:nvSpPr>
+          <p:cNvPr id="2" name="Slide Image Placeholder 1"/>
+          <p:cNvSpPr>
+            <a:spLocks noGrp="1" noRot="1" noChangeAspect="1"/>
+          </p:cNvSpPr>
+          <p:nvPr>
+            <p:ph type="sldImg"/>
+          </p:nvPr>
+        </p:nvSpPr>
+        <p:spPr/>
+      </p:sp>
+      <p:sp>
+        <p:nvSpPr>
+          <p:cNvPr id="3" name="Notes Placeholder 2"/>
+          <p:cNvSpPr>
+            <a:spLocks noGrp="1"/>
+          </p:cNvSpPr>
+          <p:nvPr>
+            <p:ph type="body" idx="1"/>
+          </p:nvPr>
+        </p:nvSpPr>
+        <p:spPr/>
+        <p:txBody>
+          <a:bodyPr/>
+          <a:lstStyle/>
+          <a:p>
+            <a:r>
+              <a:rPr lang="en-IN" dirty="0" smtClean="0"/>
+              <a:t>Branch :</a:t>
+            </a:r>
+            <a:r>
+              <a:rPr lang="en-IN" sz="1200" kern="1200" dirty="0" err="1" smtClean="0">
+                <a:solidFill>
+                  <a:schemeClr val="tx1"/>
+                </a:solidFill>
+                <a:latin typeface="+mn-lt"/>
+                <a:ea typeface="+mn-ea"/>
+                <a:cs typeface="+mn-cs"/>
+              </a:rPr>
+              <a:t>PracticingTheBasics</a:t>
+            </a:r>
+            <a:endParaRPr lang="en-IN" dirty="0" smtClean="0"/>
+          </a:p>
+          <a:p>
+            <a:r>
+              <a:rPr lang="en-IN" dirty="0" smtClean="0"/>
+              <a:t>Commit : </a:t>
+            </a:r>
+            <a:r>
+              <a:rPr lang="en-IN" dirty="0" err="1" smtClean="0"/>
+              <a:t>AddingFloatToPackages</a:t>
+            </a:r>
+            <a:endParaRPr lang="en-IN" dirty="0" smtClean="0"/>
+          </a:p>
+          <a:p>
+            <a:endParaRPr lang="en-GB" dirty="0"/>
+          </a:p>
+        </p:txBody>
+      </p:sp>
+      <p:sp>
+        <p:nvSpPr>
+          <p:cNvPr id="4" name="Slide Number Placeholder 3"/>
+          <p:cNvSpPr>
+            <a:spLocks noGrp="1"/>
+          </p:cNvSpPr>
+          <p:nvPr>
+            <p:ph type="sldNum" sz="quarter" idx="10"/>
+          </p:nvPr>
+        </p:nvSpPr>
+        <p:spPr/>
+        <p:txBody>
+          <a:bodyPr/>
+          <a:lstStyle/>
+          <a:p>
+            <a:fld id="{D3B79ED6-4970-4D84-B25C-F520A9D9210C}" type="slidenum">
+              <a:rPr lang="en-GB" smtClean="0"/>
+              <a:t>89</a:t>
+            </a:fld>
+            <a:endParaRPr lang="en-GB"/>
+          </a:p>
+        </p:txBody>
+      </p:sp>
+    </p:spTree>
+    <p:extLst>
+      <p:ext uri="{BB962C8B-B14F-4D97-AF65-F5344CB8AC3E}">
+        <p14:creationId xmlns:p14="http://schemas.microsoft.com/office/powerpoint/2010/main" val="396262139"/>
       </p:ext>
     </p:extLst>
   </p:cSld>
@@ -6197,7 +6311,7 @@
           <a:p>
             <a:fld id="{D4BA8270-C9CF-44CA-BE5A-02C2BDCCEDE4}" type="datetimeFigureOut">
               <a:rPr lang="en-GB" smtClean="0"/>
-              <a:t>06/12/2020</a:t>
+              <a:t>08/12/2020</a:t>
             </a:fld>
             <a:endParaRPr lang="en-GB"/>
           </a:p>
@@ -6448,7 +6562,7 @@
           <a:p>
             <a:fld id="{D4BA8270-C9CF-44CA-BE5A-02C2BDCCEDE4}" type="datetimeFigureOut">
               <a:rPr lang="en-GB" smtClean="0"/>
-              <a:t>06/12/2020</a:t>
+              <a:t>08/12/2020</a:t>
             </a:fld>
             <a:endParaRPr lang="en-GB"/>
           </a:p>
@@ -6762,7 +6876,7 @@
           <a:p>
             <a:fld id="{D4BA8270-C9CF-44CA-BE5A-02C2BDCCEDE4}" type="datetimeFigureOut">
               <a:rPr lang="en-GB" smtClean="0"/>
-              <a:t>06/12/2020</a:t>
+              <a:t>08/12/2020</a:t>
             </a:fld>
             <a:endParaRPr lang="en-GB"/>
           </a:p>
@@ -7103,7 +7217,7 @@
           <a:p>
             <a:fld id="{D4BA8270-C9CF-44CA-BE5A-02C2BDCCEDE4}" type="datetimeFigureOut">
               <a:rPr lang="en-GB" smtClean="0"/>
-              <a:t>06/12/2020</a:t>
+              <a:t>08/12/2020</a:t>
             </a:fld>
             <a:endParaRPr lang="en-GB"/>
           </a:p>
@@ -7417,7 +7531,7 @@
           <a:p>
             <a:fld id="{D4BA8270-C9CF-44CA-BE5A-02C2BDCCEDE4}" type="datetimeFigureOut">
               <a:rPr lang="en-GB" smtClean="0"/>
-              <a:t>06/12/2020</a:t>
+              <a:t>08/12/2020</a:t>
             </a:fld>
             <a:endParaRPr lang="en-GB"/>
           </a:p>
@@ -7810,7 +7924,7 @@
           <a:p>
             <a:fld id="{D4BA8270-C9CF-44CA-BE5A-02C2BDCCEDE4}" type="datetimeFigureOut">
               <a:rPr lang="en-GB" smtClean="0"/>
-              <a:t>06/12/2020</a:t>
+              <a:t>08/12/2020</a:t>
             </a:fld>
             <a:endParaRPr lang="en-GB"/>
           </a:p>
@@ -7980,7 +8094,7 @@
           <a:p>
             <a:fld id="{D4BA8270-C9CF-44CA-BE5A-02C2BDCCEDE4}" type="datetimeFigureOut">
               <a:rPr lang="en-GB" smtClean="0"/>
-              <a:t>06/12/2020</a:t>
+              <a:t>08/12/2020</a:t>
             </a:fld>
             <a:endParaRPr lang="en-GB"/>
           </a:p>
@@ -8160,7 +8274,7 @@
           <a:p>
             <a:fld id="{D4BA8270-C9CF-44CA-BE5A-02C2BDCCEDE4}" type="datetimeFigureOut">
               <a:rPr lang="en-GB" smtClean="0"/>
-              <a:t>06/12/2020</a:t>
+              <a:t>08/12/2020</a:t>
             </a:fld>
             <a:endParaRPr lang="en-GB"/>
           </a:p>
@@ -8336,7 +8450,7 @@
           <a:p>
             <a:fld id="{D4BA8270-C9CF-44CA-BE5A-02C2BDCCEDE4}" type="datetimeFigureOut">
               <a:rPr lang="en-GB" smtClean="0"/>
-              <a:t>06/12/2020</a:t>
+              <a:t>08/12/2020</a:t>
             </a:fld>
             <a:endParaRPr lang="en-GB"/>
           </a:p>
@@ -8583,7 +8697,7 @@
           <a:p>
             <a:fld id="{D4BA8270-C9CF-44CA-BE5A-02C2BDCCEDE4}" type="datetimeFigureOut">
               <a:rPr lang="en-GB" smtClean="0"/>
-              <a:t>06/12/2020</a:t>
+              <a:t>08/12/2020</a:t>
             </a:fld>
             <a:endParaRPr lang="en-GB"/>
           </a:p>
@@ -8815,7 +8929,7 @@
           <a:p>
             <a:fld id="{D4BA8270-C9CF-44CA-BE5A-02C2BDCCEDE4}" type="datetimeFigureOut">
               <a:rPr lang="en-GB" smtClean="0"/>
-              <a:t>06/12/2020</a:t>
+              <a:t>08/12/2020</a:t>
             </a:fld>
             <a:endParaRPr lang="en-GB"/>
           </a:p>
@@ -9189,7 +9303,7 @@
           <a:p>
             <a:fld id="{D4BA8270-C9CF-44CA-BE5A-02C2BDCCEDE4}" type="datetimeFigureOut">
               <a:rPr lang="en-GB" smtClean="0"/>
-              <a:t>06/12/2020</a:t>
+              <a:t>08/12/2020</a:t>
             </a:fld>
             <a:endParaRPr lang="en-GB"/>
           </a:p>
@@ -9312,7 +9426,7 @@
           <a:p>
             <a:fld id="{D4BA8270-C9CF-44CA-BE5A-02C2BDCCEDE4}" type="datetimeFigureOut">
               <a:rPr lang="en-GB" smtClean="0"/>
-              <a:t>06/12/2020</a:t>
+              <a:t>08/12/2020</a:t>
             </a:fld>
             <a:endParaRPr lang="en-GB"/>
           </a:p>
@@ -9407,7 +9521,7 @@
           <a:p>
             <a:fld id="{D4BA8270-C9CF-44CA-BE5A-02C2BDCCEDE4}" type="datetimeFigureOut">
               <a:rPr lang="en-GB" smtClean="0"/>
-              <a:t>06/12/2020</a:t>
+              <a:t>08/12/2020</a:t>
             </a:fld>
             <a:endParaRPr lang="en-GB"/>
           </a:p>
@@ -9662,7 +9776,7 @@
           <a:p>
             <a:fld id="{D4BA8270-C9CF-44CA-BE5A-02C2BDCCEDE4}" type="datetimeFigureOut">
               <a:rPr lang="en-GB" smtClean="0"/>
-              <a:t>06/12/2020</a:t>
+              <a:t>08/12/2020</a:t>
             </a:fld>
             <a:endParaRPr lang="en-GB"/>
           </a:p>
@@ -9925,7 +10039,7 @@
           <a:p>
             <a:fld id="{D4BA8270-C9CF-44CA-BE5A-02C2BDCCEDE4}" type="datetimeFigureOut">
               <a:rPr lang="en-GB" smtClean="0"/>
-              <a:t>06/12/2020</a:t>
+              <a:t>08/12/2020</a:t>
             </a:fld>
             <a:endParaRPr lang="en-GB"/>
           </a:p>
@@ -10668,7 +10782,7 @@
           <a:p>
             <a:fld id="{D4BA8270-C9CF-44CA-BE5A-02C2BDCCEDE4}" type="datetimeFigureOut">
               <a:rPr lang="en-GB" smtClean="0"/>
-              <a:t>06/12/2020</a:t>
+              <a:t>08/12/2020</a:t>
             </a:fld>
             <a:endParaRPr lang="en-GB"/>
           </a:p>
@@ -38570,7 +38684,6 @@
               <a:rPr lang="en-GB" dirty="0"/>
               <a:t>Styling our Package Boxes</a:t>
             </a:r>
-            <a:endParaRPr lang="en-GB" dirty="0"/>
           </a:p>
         </p:txBody>
       </p:sp>
@@ -38924,7 +39037,6 @@
               <a:rPr lang="en-GB" dirty="0"/>
               <a:t>Styling our Package Boxes</a:t>
             </a:r>
-            <a:endParaRPr lang="en-GB" dirty="0"/>
           </a:p>
         </p:txBody>
       </p:sp>
@@ -39095,7 +39207,7 @@
 </file>
 
 <file path=ppt/slides/slide89.xml><?xml version="1.0" encoding="utf-8"?>
-<p:sld xmlns:a="http://schemas.openxmlformats.org/drawingml/2006/main" xmlns:r="http://schemas.openxmlformats.org/officeDocument/2006/relationships" xmlns:p="http://schemas.openxmlformats.org/presentationml/2006/main" showMasterSp="0">
+<p:sld xmlns:a="http://schemas.openxmlformats.org/drawingml/2006/main" xmlns:r="http://schemas.openxmlformats.org/officeDocument/2006/relationships" xmlns:p="http://schemas.openxmlformats.org/presentationml/2006/main">
   <p:cSld>
     <p:spTree>
       <p:nvGrpSpPr>
@@ -39113,6 +39225,36 @@
       </p:grpSpPr>
       <p:sp>
         <p:nvSpPr>
+          <p:cNvPr id="2" name="Title 1"/>
+          <p:cNvSpPr>
+            <a:spLocks noGrp="1"/>
+          </p:cNvSpPr>
+          <p:nvPr>
+            <p:ph type="title"/>
+          </p:nvPr>
+        </p:nvSpPr>
+        <p:spPr>
+          <a:xfrm>
+            <a:off x="270934" y="70338"/>
+            <a:ext cx="8596668" cy="515815"/>
+          </a:xfrm>
+        </p:spPr>
+        <p:txBody>
+          <a:bodyPr>
+            <a:normAutofit fontScale="90000"/>
+          </a:bodyPr>
+          <a:lstStyle/>
+          <a:p>
+            <a:r>
+              <a:rPr lang="en-IN" dirty="0"/>
+              <a:t> Adding "float" to our Package</a:t>
+            </a:r>
+            <a:endParaRPr lang="en-GB" dirty="0"/>
+          </a:p>
+        </p:txBody>
+      </p:sp>
+      <p:sp>
+        <p:nvSpPr>
           <p:cNvPr id="3" name="Content Placeholder 2"/>
           <p:cNvSpPr>
             <a:spLocks noGrp="1"/>
@@ -39123,44 +39265,221 @@
         </p:nvSpPr>
         <p:spPr>
           <a:xfrm>
-            <a:off x="3163860" y="2754147"/>
-            <a:ext cx="8596668" cy="3880773"/>
+            <a:off x="187569" y="789354"/>
+            <a:ext cx="11895016" cy="5963137"/>
           </a:xfrm>
         </p:spPr>
         <p:txBody>
           <a:bodyPr>
-            <a:normAutofit/>
+            <a:normAutofit fontScale="92500" lnSpcReduction="10000"/>
           </a:bodyPr>
           <a:lstStyle/>
           <a:p>
-            <a:pPr marL="0" indent="0">
-              <a:buNone/>
-            </a:pPr>
-            <a:r>
-              <a:rPr lang="en-IN" sz="5400" b="1" smtClean="0"/>
-              <a:t>Thanks!!!!!</a:t>
-            </a:r>
-            <a:endParaRPr lang="en-GB" sz="5400" b="1" dirty="0"/>
+            <a:r>
+              <a:rPr lang="en-GB" dirty="0" smtClean="0"/>
+              <a:t>Our task here is that the middle plan should be positioned to the right of the page.</a:t>
+            </a:r>
+          </a:p>
+          <a:p>
+            <a:r>
+              <a:rPr lang="en-GB" dirty="0" smtClean="0"/>
+              <a:t>We cant do it with </a:t>
+            </a:r>
+            <a:r>
+              <a:rPr lang="en-GB" dirty="0" err="1" smtClean="0"/>
+              <a:t>text-align:right</a:t>
+            </a:r>
+            <a:r>
+              <a:rPr lang="en-GB" dirty="0" smtClean="0"/>
+              <a:t>; as it is not an inline element ,if we turn it into one we might mess up the other styles inline-block also doesn’t look so promising.</a:t>
+            </a:r>
+          </a:p>
+          <a:p>
+            <a:r>
+              <a:rPr lang="en-GB" dirty="0" smtClean="0"/>
+              <a:t>What we can use is float .float is not so widely used now it was used widely in past now there are better ways to do it like flex which we will study in upcoming slides</a:t>
+            </a:r>
+          </a:p>
+          <a:p>
+            <a:r>
+              <a:rPr lang="en-GB" dirty="0" smtClean="0"/>
+              <a:t>Float means to override the default positioning and tell the browser to push an element to left or right of the page . With float the element is automatically taken out of the document flow, this is one of the major reasons float is not used so often.</a:t>
+            </a:r>
+          </a:p>
+          <a:p>
+            <a:r>
+              <a:rPr lang="en-GB" dirty="0" smtClean="0"/>
+              <a:t>Lets try it out add </a:t>
+            </a:r>
+            <a:r>
+              <a:rPr lang="en-GB" dirty="0" err="1" smtClean="0"/>
+              <a:t>float:right</a:t>
+            </a:r>
+            <a:r>
+              <a:rPr lang="en-GB" dirty="0" smtClean="0"/>
+              <a:t>; to the free id </a:t>
+            </a:r>
+            <a:r>
+              <a:rPr lang="en-GB" dirty="0" err="1" smtClean="0"/>
+              <a:t>selector.We</a:t>
+            </a:r>
+            <a:r>
+              <a:rPr lang="en-GB" dirty="0" smtClean="0"/>
+              <a:t> will notice that the free section is now aligned to the right but the bottom section  is moved up and </a:t>
+            </a:r>
+            <a:r>
+              <a:rPr lang="en-GB" dirty="0" err="1" smtClean="0"/>
+              <a:t>itsa</a:t>
+            </a:r>
+            <a:r>
+              <a:rPr lang="en-GB" dirty="0" smtClean="0"/>
+              <a:t> text is flowing around the free section .</a:t>
+            </a:r>
+          </a:p>
+          <a:p>
+            <a:r>
+              <a:rPr lang="en-GB" dirty="0" smtClean="0"/>
+              <a:t>This is how float behaves and is thus sometimes used to position image with text allowing the text to float around the image but block level elements don’t float around.</a:t>
+            </a:r>
+          </a:p>
+          <a:p>
+            <a:r>
+              <a:rPr lang="en-GB" dirty="0" smtClean="0"/>
+              <a:t>So what we need to do it is firstly keep the space covered by free section reserved and tell all the block elements after it that they should not respect any previous </a:t>
+            </a:r>
+            <a:r>
+              <a:rPr lang="en-GB" dirty="0" err="1" smtClean="0"/>
+              <a:t>floatings</a:t>
+            </a:r>
+            <a:r>
+              <a:rPr lang="en-GB" dirty="0" smtClean="0"/>
+              <a:t>.</a:t>
+            </a:r>
+          </a:p>
+          <a:p>
+            <a:r>
+              <a:rPr lang="en-GB" dirty="0" smtClean="0"/>
+              <a:t>To do this add a &lt;div&gt; in html right after the  free section and assign a class </a:t>
+            </a:r>
+            <a:r>
+              <a:rPr lang="en-GB" dirty="0" err="1" smtClean="0"/>
+              <a:t>clearfix</a:t>
+            </a:r>
+            <a:r>
+              <a:rPr lang="en-GB" dirty="0" smtClean="0"/>
+              <a:t> to it</a:t>
+            </a:r>
+          </a:p>
+          <a:p>
+            <a:r>
+              <a:rPr lang="en-GB" dirty="0" smtClean="0"/>
+              <a:t>In our </a:t>
+            </a:r>
+            <a:r>
+              <a:rPr lang="en-GB" dirty="0" err="1" smtClean="0"/>
+              <a:t>css</a:t>
+            </a:r>
+            <a:r>
+              <a:rPr lang="en-GB" dirty="0" smtClean="0"/>
+              <a:t> file add a class selector for </a:t>
+            </a:r>
+            <a:r>
+              <a:rPr lang="en-GB" dirty="0" err="1" smtClean="0"/>
+              <a:t>clearfix</a:t>
+            </a:r>
+            <a:r>
+              <a:rPr lang="en-GB" dirty="0" smtClean="0"/>
+              <a:t> and add a property </a:t>
+            </a:r>
+            <a:r>
+              <a:rPr lang="en-GB" dirty="0" err="1" smtClean="0"/>
+              <a:t>clear:both</a:t>
+            </a:r>
+            <a:r>
+              <a:rPr lang="en-GB" dirty="0" smtClean="0"/>
+              <a:t>; this property tells </a:t>
+            </a:r>
+            <a:r>
+              <a:rPr lang="en-GB" dirty="0" err="1" smtClean="0"/>
+              <a:t>css</a:t>
+            </a:r>
+            <a:r>
+              <a:rPr lang="en-GB" dirty="0" smtClean="0"/>
+              <a:t> to clear any </a:t>
+            </a:r>
+            <a:r>
+              <a:rPr lang="en-GB" dirty="0" err="1" smtClean="0"/>
+              <a:t>floatings</a:t>
+            </a:r>
+            <a:r>
+              <a:rPr lang="en-GB" dirty="0" smtClean="0"/>
+              <a:t> on both right and left side this means any element coming after that will not respect previous </a:t>
+            </a:r>
+            <a:r>
+              <a:rPr lang="en-GB" dirty="0" err="1" smtClean="0"/>
+              <a:t>floatings.This</a:t>
+            </a:r>
+            <a:r>
+              <a:rPr lang="en-GB" dirty="0" smtClean="0"/>
+              <a:t> is not a good way we have better ways now but </a:t>
+            </a:r>
+            <a:r>
+              <a:rPr lang="en-GB" dirty="0" err="1" smtClean="0"/>
+              <a:t>ya</a:t>
+            </a:r>
+            <a:r>
+              <a:rPr lang="en-GB" dirty="0" smtClean="0"/>
+              <a:t> floats are available.</a:t>
+            </a:r>
+          </a:p>
+          <a:p>
+            <a:r>
+              <a:rPr lang="en-GB" dirty="0" smtClean="0"/>
+              <a:t>Now since the element is right aligned the border should be removed from right not left so we will add </a:t>
+            </a:r>
+            <a:r>
+              <a:rPr lang="en-GB" dirty="0" err="1" smtClean="0"/>
+              <a:t>border-right:none</a:t>
+            </a:r>
+            <a:r>
+              <a:rPr lang="en-GB" dirty="0" smtClean="0"/>
+              <a:t>  and border-left:4px solid </a:t>
+            </a:r>
+            <a:r>
+              <a:rPr lang="en-IN" dirty="0" smtClean="0"/>
+              <a:t>#</a:t>
+            </a:r>
+            <a:r>
+              <a:rPr lang="en-GB" dirty="0" smtClean="0"/>
+              <a:t>0e4f1f  also </a:t>
+            </a:r>
+            <a:r>
+              <a:rPr lang="en-GB" dirty="0" err="1" smtClean="0"/>
+              <a:t>text-align:right</a:t>
+            </a:r>
+            <a:r>
+              <a:rPr lang="en-GB" dirty="0" smtClean="0"/>
+              <a:t> to free id selector</a:t>
+            </a:r>
+          </a:p>
+          <a:p>
+            <a:endParaRPr lang="en-GB" dirty="0" smtClean="0"/>
+          </a:p>
+          <a:p>
+            <a:endParaRPr lang="en-GB" dirty="0"/>
           </a:p>
         </p:txBody>
       </p:sp>
     </p:spTree>
     <p:extLst>
       <p:ext uri="{BB962C8B-B14F-4D97-AF65-F5344CB8AC3E}">
-        <p14:creationId xmlns:p14="http://schemas.microsoft.com/office/powerpoint/2010/main" val="3977684842"/>
+        <p14:creationId xmlns:p14="http://schemas.microsoft.com/office/powerpoint/2010/main" val="439623379"/>
       </p:ext>
     </p:extLst>
   </p:cSld>
   <p:clrMapOvr>
     <a:masterClrMapping/>
   </p:clrMapOvr>
-  <p:timing>
-    <p:tnLst>
-      <p:par>
-        <p:cTn id="1" dur="indefinite" restart="never" nodeType="tmRoot"/>
-      </p:par>
-    </p:tnLst>
-  </p:timing>
 </p:sld>
 </file>
 
@@ -39348,6 +39667,76 @@
     <p:extLst>
       <p:ext uri="{BB962C8B-B14F-4D97-AF65-F5344CB8AC3E}">
         <p14:creationId xmlns:p14="http://schemas.microsoft.com/office/powerpoint/2010/main" val="4134139218"/>
+      </p:ext>
+    </p:extLst>
+  </p:cSld>
+  <p:clrMapOvr>
+    <a:masterClrMapping/>
+  </p:clrMapOvr>
+  <p:timing>
+    <p:tnLst>
+      <p:par>
+        <p:cTn id="1" dur="indefinite" restart="never" nodeType="tmRoot"/>
+      </p:par>
+    </p:tnLst>
+  </p:timing>
+</p:sld>
+</file>
+
+<file path=ppt/slides/slide90.xml><?xml version="1.0" encoding="utf-8"?>
+<p:sld xmlns:a="http://schemas.openxmlformats.org/drawingml/2006/main" xmlns:r="http://schemas.openxmlformats.org/officeDocument/2006/relationships" xmlns:p="http://schemas.openxmlformats.org/presentationml/2006/main" showMasterSp="0">
+  <p:cSld>
+    <p:spTree>
+      <p:nvGrpSpPr>
+        <p:cNvPr id="1" name=""/>
+        <p:cNvGrpSpPr/>
+        <p:nvPr/>
+      </p:nvGrpSpPr>
+      <p:grpSpPr>
+        <a:xfrm>
+          <a:off x="0" y="0"/>
+          <a:ext cx="0" cy="0"/>
+          <a:chOff x="0" y="0"/>
+          <a:chExt cx="0" cy="0"/>
+        </a:xfrm>
+      </p:grpSpPr>
+      <p:sp>
+        <p:nvSpPr>
+          <p:cNvPr id="3" name="Content Placeholder 2"/>
+          <p:cNvSpPr>
+            <a:spLocks noGrp="1"/>
+          </p:cNvSpPr>
+          <p:nvPr>
+            <p:ph idx="1"/>
+          </p:nvPr>
+        </p:nvSpPr>
+        <p:spPr>
+          <a:xfrm>
+            <a:off x="3163860" y="2754147"/>
+            <a:ext cx="8596668" cy="3880773"/>
+          </a:xfrm>
+        </p:spPr>
+        <p:txBody>
+          <a:bodyPr>
+            <a:normAutofit/>
+          </a:bodyPr>
+          <a:lstStyle/>
+          <a:p>
+            <a:pPr marL="0" indent="0">
+              <a:buNone/>
+            </a:pPr>
+            <a:r>
+              <a:rPr lang="en-IN" sz="5400" b="1" smtClean="0"/>
+              <a:t>Thanks!!!!!</a:t>
+            </a:r>
+            <a:endParaRPr lang="en-GB" sz="5400" b="1" dirty="0"/>
+          </a:p>
+        </p:txBody>
+      </p:sp>
+    </p:spTree>
+    <p:extLst>
+      <p:ext uri="{BB962C8B-B14F-4D97-AF65-F5344CB8AC3E}">
+        <p14:creationId xmlns:p14="http://schemas.microsoft.com/office/powerpoint/2010/main" val="3977684842"/>
       </p:ext>
     </p:extLst>
   </p:cSld>

--- a/PPT/Css-v5.pptx
+++ b/PPT/Css-v5.pptx
@@ -5,7 +5,7 @@
     <p:sldMasterId id="2147483660" r:id="rId1"/>
   </p:sldMasterIdLst>
   <p:notesMasterIdLst>
-    <p:notesMasterId r:id="rId92"/>
+    <p:notesMasterId r:id="rId93"/>
   </p:notesMasterIdLst>
   <p:sldIdLst>
     <p:sldId id="256" r:id="rId2"/>
@@ -97,7 +97,8 @@
     <p:sldId id="450" r:id="rId88"/>
     <p:sldId id="451" r:id="rId89"/>
     <p:sldId id="452" r:id="rId90"/>
-    <p:sldId id="268" r:id="rId91"/>
+    <p:sldId id="453" r:id="rId91"/>
+    <p:sldId id="268" r:id="rId92"/>
   </p:sldIdLst>
   <p:sldSz cx="12192000" cy="6858000"/>
   <p:notesSz cx="6858000" cy="9144000"/>
@@ -4865,6 +4866,122 @@
     <p:extLst>
       <p:ext uri="{BB962C8B-B14F-4D97-AF65-F5344CB8AC3E}">
         <p14:creationId xmlns:p14="http://schemas.microsoft.com/office/powerpoint/2010/main" val="396262139"/>
+      </p:ext>
+    </p:extLst>
+  </p:cSld>
+  <p:clrMapOvr>
+    <a:masterClrMapping/>
+  </p:clrMapOvr>
+</p:notes>
+</file>
+
+<file path=ppt/notesSlides/notesSlide44.xml><?xml version="1.0" encoding="utf-8"?>
+<p:notes xmlns:a="http://schemas.openxmlformats.org/drawingml/2006/main" xmlns:r="http://schemas.openxmlformats.org/officeDocument/2006/relationships" xmlns:p="http://schemas.openxmlformats.org/presentationml/2006/main">
+  <p:cSld>
+    <p:spTree>
+      <p:nvGrpSpPr>
+        <p:cNvPr id="1" name=""/>
+        <p:cNvGrpSpPr/>
+        <p:nvPr/>
+      </p:nvGrpSpPr>
+      <p:grpSpPr>
+        <a:xfrm>
+          <a:off x="0" y="0"/>
+          <a:ext cx="0" cy="0"/>
+          <a:chOff x="0" y="0"/>
+          <a:chExt cx="0" cy="0"/>
+        </a:xfrm>
+      </p:grpSpPr>
+      <p:sp>
+        <p:nvSpPr>
+          <p:cNvPr id="2" name="Slide Image Placeholder 1"/>
+          <p:cNvSpPr>
+            <a:spLocks noGrp="1" noRot="1" noChangeAspect="1"/>
+          </p:cNvSpPr>
+          <p:nvPr>
+            <p:ph type="sldImg"/>
+          </p:nvPr>
+        </p:nvSpPr>
+        <p:spPr/>
+      </p:sp>
+      <p:sp>
+        <p:nvSpPr>
+          <p:cNvPr id="3" name="Notes Placeholder 2"/>
+          <p:cNvSpPr>
+            <a:spLocks noGrp="1"/>
+          </p:cNvSpPr>
+          <p:nvPr>
+            <p:ph type="body" idx="1"/>
+          </p:nvPr>
+        </p:nvSpPr>
+        <p:spPr/>
+        <p:txBody>
+          <a:bodyPr/>
+          <a:lstStyle/>
+          <a:p>
+            <a:r>
+              <a:rPr lang="en-IN" dirty="0" smtClean="0"/>
+              <a:t>Branch :</a:t>
+            </a:r>
+            <a:r>
+              <a:rPr lang="en-IN" sz="1200" kern="1200" dirty="0" err="1" smtClean="0">
+                <a:solidFill>
+                  <a:schemeClr val="tx1"/>
+                </a:solidFill>
+                <a:latin typeface="+mn-lt"/>
+                <a:ea typeface="+mn-ea"/>
+                <a:cs typeface="+mn-cs"/>
+              </a:rPr>
+              <a:t>PracticingTheBasics</a:t>
+            </a:r>
+            <a:endParaRPr lang="en-IN" dirty="0" smtClean="0"/>
+          </a:p>
+          <a:p>
+            <a:r>
+              <a:rPr lang="en-IN" dirty="0" smtClean="0"/>
+              <a:t>Commit : </a:t>
+            </a:r>
+            <a:r>
+              <a:rPr lang="en-IN" dirty="0" err="1" smtClean="0"/>
+              <a:t>FixingHoverEffect</a:t>
+            </a:r>
+            <a:endParaRPr lang="en-IN" dirty="0" smtClean="0"/>
+          </a:p>
+          <a:p>
+            <a:endParaRPr lang="en-GB" dirty="0" smtClean="0"/>
+          </a:p>
+          <a:p>
+            <a:endParaRPr lang="en-GB" dirty="0"/>
+          </a:p>
+        </p:txBody>
+      </p:sp>
+      <p:sp>
+        <p:nvSpPr>
+          <p:cNvPr id="4" name="Slide Number Placeholder 3"/>
+          <p:cNvSpPr>
+            <a:spLocks noGrp="1"/>
+          </p:cNvSpPr>
+          <p:nvPr>
+            <p:ph type="sldNum" sz="quarter" idx="10"/>
+          </p:nvPr>
+        </p:nvSpPr>
+        <p:spPr/>
+        <p:txBody>
+          <a:bodyPr/>
+          <a:lstStyle/>
+          <a:p>
+            <a:fld id="{D3B79ED6-4970-4D84-B25C-F520A9D9210C}" type="slidenum">
+              <a:rPr lang="en-GB" smtClean="0"/>
+              <a:t>90</a:t>
+            </a:fld>
+            <a:endParaRPr lang="en-GB"/>
+          </a:p>
+        </p:txBody>
+      </p:sp>
+    </p:spTree>
+    <p:extLst>
+      <p:ext uri="{BB962C8B-B14F-4D97-AF65-F5344CB8AC3E}">
+        <p14:creationId xmlns:p14="http://schemas.microsoft.com/office/powerpoint/2010/main" val="4020134152"/>
       </p:ext>
     </p:extLst>
   </p:cSld>
@@ -39684,6 +39801,203 @@
 </file>
 
 <file path=ppt/slides/slide90.xml><?xml version="1.0" encoding="utf-8"?>
+<p:sld xmlns:a="http://schemas.openxmlformats.org/drawingml/2006/main" xmlns:r="http://schemas.openxmlformats.org/officeDocument/2006/relationships" xmlns:p="http://schemas.openxmlformats.org/presentationml/2006/main">
+  <p:cSld>
+    <p:spTree>
+      <p:nvGrpSpPr>
+        <p:cNvPr id="1" name=""/>
+        <p:cNvGrpSpPr/>
+        <p:nvPr/>
+      </p:nvGrpSpPr>
+      <p:grpSpPr>
+        <a:xfrm>
+          <a:off x="0" y="0"/>
+          <a:ext cx="0" cy="0"/>
+          <a:chOff x="0" y="0"/>
+          <a:chExt cx="0" cy="0"/>
+        </a:xfrm>
+      </p:grpSpPr>
+      <p:sp>
+        <p:nvSpPr>
+          <p:cNvPr id="2" name="Title 1"/>
+          <p:cNvSpPr>
+            <a:spLocks noGrp="1"/>
+          </p:cNvSpPr>
+          <p:nvPr>
+            <p:ph type="title"/>
+          </p:nvPr>
+        </p:nvSpPr>
+        <p:spPr>
+          <a:xfrm>
+            <a:off x="500688" y="79663"/>
+            <a:ext cx="8596668" cy="543791"/>
+          </a:xfrm>
+        </p:spPr>
+        <p:txBody>
+          <a:bodyPr>
+            <a:normAutofit fontScale="90000"/>
+          </a:bodyPr>
+          <a:lstStyle/>
+          <a:p>
+            <a:r>
+              <a:rPr lang="en-GB" dirty="0"/>
+              <a:t>Fixing the Hover Effect</a:t>
+            </a:r>
+            <a:endParaRPr lang="en-GB" dirty="0"/>
+          </a:p>
+        </p:txBody>
+      </p:sp>
+      <p:sp>
+        <p:nvSpPr>
+          <p:cNvPr id="3" name="Content Placeholder 2"/>
+          <p:cNvSpPr>
+            <a:spLocks noGrp="1"/>
+          </p:cNvSpPr>
+          <p:nvPr>
+            <p:ph idx="1"/>
+          </p:nvPr>
+        </p:nvSpPr>
+        <p:spPr>
+          <a:xfrm>
+            <a:off x="197427" y="737755"/>
+            <a:ext cx="11866418" cy="5943600"/>
+          </a:xfrm>
+        </p:spPr>
+        <p:txBody>
+          <a:bodyPr/>
+          <a:lstStyle/>
+          <a:p>
+            <a:r>
+              <a:rPr lang="en-IN" dirty="0" smtClean="0"/>
+              <a:t>We will notice that the left border stays green when we hover over the free </a:t>
+            </a:r>
+            <a:r>
+              <a:rPr lang="en-IN" dirty="0" err="1" smtClean="0"/>
+              <a:t>package.This</a:t>
+            </a:r>
+            <a:r>
+              <a:rPr lang="en-IN" dirty="0" smtClean="0"/>
+              <a:t> </a:t>
+            </a:r>
+            <a:r>
+              <a:rPr lang="en-IN" dirty="0" err="1" smtClean="0"/>
+              <a:t>isbecause</a:t>
+            </a:r>
+            <a:r>
+              <a:rPr lang="en-IN" dirty="0" smtClean="0"/>
+              <a:t> we have added a border-left property in our id selector and since id selectors have a higher specificity than the class and pseudo selectors the hover is overridden this can be confirmed by inspecting the element and selecting the :</a:t>
+            </a:r>
+            <a:r>
+              <a:rPr lang="en-IN" dirty="0" err="1" smtClean="0"/>
+              <a:t>hov</a:t>
+            </a:r>
+            <a:r>
+              <a:rPr lang="en-IN" dirty="0" smtClean="0"/>
+              <a:t> filter</a:t>
+            </a:r>
+          </a:p>
+          <a:p>
+            <a:r>
+              <a:rPr lang="en-IN" dirty="0" smtClean="0"/>
+              <a:t>A cleaner fix with some redundant code will be to add a selector like #</a:t>
+            </a:r>
+            <a:r>
+              <a:rPr lang="en-IN" dirty="0" err="1" smtClean="0"/>
+              <a:t>free:hov</a:t>
+            </a:r>
+            <a:r>
+              <a:rPr lang="en-IN" dirty="0" smtClean="0"/>
+              <a:t>,#</a:t>
+            </a:r>
+            <a:r>
+              <a:rPr lang="en-IN" dirty="0" err="1" smtClean="0"/>
+              <a:t>free:active</a:t>
+            </a:r>
+            <a:r>
+              <a:rPr lang="en-IN" dirty="0" smtClean="0"/>
+              <a:t>{ } and add the red border </a:t>
+            </a:r>
+            <a:r>
+              <a:rPr lang="en-IN" dirty="0" err="1" smtClean="0"/>
+              <a:t>css</a:t>
+            </a:r>
+            <a:r>
+              <a:rPr lang="en-IN" dirty="0" smtClean="0"/>
+              <a:t> to it </a:t>
+            </a:r>
+          </a:p>
+          <a:p>
+            <a:r>
+              <a:rPr lang="en-IN" dirty="0" smtClean="0"/>
+              <a:t>An alternative which we should use in very </a:t>
+            </a:r>
+            <a:r>
+              <a:rPr lang="en-IN" dirty="0" err="1" smtClean="0"/>
+              <a:t>very</a:t>
+            </a:r>
+            <a:r>
+              <a:rPr lang="en-IN" dirty="0" smtClean="0"/>
+              <a:t> rare scenarios us adding an exclamation !important To the border </a:t>
+            </a:r>
+            <a:r>
+              <a:rPr lang="en-IN" dirty="0" err="1" smtClean="0"/>
+              <a:t>css</a:t>
+            </a:r>
+            <a:r>
+              <a:rPr lang="en-IN" dirty="0" smtClean="0"/>
+              <a:t> in the .</a:t>
+            </a:r>
+            <a:r>
+              <a:rPr lang="en-IN" dirty="0" err="1" smtClean="0"/>
+              <a:t>package:hover</a:t>
+            </a:r>
+            <a:r>
+              <a:rPr lang="en-IN" dirty="0" smtClean="0"/>
+              <a:t>,.</a:t>
+            </a:r>
+            <a:r>
+              <a:rPr lang="en-IN" dirty="0" err="1" smtClean="0"/>
+              <a:t>package:active</a:t>
+            </a:r>
+            <a:r>
+              <a:rPr lang="en-IN" dirty="0" smtClean="0"/>
+              <a:t>{} selector</a:t>
+            </a:r>
+          </a:p>
+          <a:p>
+            <a:r>
+              <a:rPr lang="en-IN" dirty="0" smtClean="0"/>
+              <a:t>!important is used to override specificity and such a declaration always wins if we encounter the !important again for the same element then the specificity is gain taken into account</a:t>
+            </a:r>
+          </a:p>
+          <a:p>
+            <a:r>
+              <a:rPr lang="en-IN" dirty="0" smtClean="0"/>
+              <a:t>Using important is a bad practice because you break specificity and should be used in very rare scenarios like where you need to override a style from some library etc.</a:t>
+            </a:r>
+          </a:p>
+          <a:p>
+            <a:endParaRPr lang="en-IN" dirty="0" smtClean="0"/>
+          </a:p>
+          <a:p>
+            <a:endParaRPr lang="en-GB" dirty="0"/>
+          </a:p>
+        </p:txBody>
+      </p:sp>
+    </p:spTree>
+    <p:extLst>
+      <p:ext uri="{BB962C8B-B14F-4D97-AF65-F5344CB8AC3E}">
+        <p14:creationId xmlns:p14="http://schemas.microsoft.com/office/powerpoint/2010/main" val="428576333"/>
+      </p:ext>
+    </p:extLst>
+  </p:cSld>
+  <p:clrMapOvr>
+    <a:masterClrMapping/>
+  </p:clrMapOvr>
+</p:sld>
+</file>
+
+<file path=ppt/slides/slide91.xml><?xml version="1.0" encoding="utf-8"?>
 <p:sld xmlns:a="http://schemas.openxmlformats.org/drawingml/2006/main" xmlns:r="http://schemas.openxmlformats.org/officeDocument/2006/relationships" xmlns:p="http://schemas.openxmlformats.org/presentationml/2006/main" showMasterSp="0">
   <p:cSld>
     <p:spTree>

--- a/PPT/Css-v5.pptx
+++ b/PPT/Css-v5.pptx
@@ -5,7 +5,7 @@
     <p:sldMasterId id="2147483660" r:id="rId1"/>
   </p:sldMasterIdLst>
   <p:notesMasterIdLst>
-    <p:notesMasterId r:id="rId93"/>
+    <p:notesMasterId r:id="rId94"/>
   </p:notesMasterIdLst>
   <p:sldIdLst>
     <p:sldId id="256" r:id="rId2"/>
@@ -98,7 +98,8 @@
     <p:sldId id="451" r:id="rId89"/>
     <p:sldId id="452" r:id="rId90"/>
     <p:sldId id="453" r:id="rId91"/>
-    <p:sldId id="268" r:id="rId92"/>
+    <p:sldId id="454" r:id="rId92"/>
+    <p:sldId id="268" r:id="rId93"/>
   </p:sldIdLst>
   <p:sldSz cx="12192000" cy="6858000"/>
   <p:notesSz cx="6858000" cy="9144000"/>
@@ -4982,6 +4983,119 @@
     <p:extLst>
       <p:ext uri="{BB962C8B-B14F-4D97-AF65-F5344CB8AC3E}">
         <p14:creationId xmlns:p14="http://schemas.microsoft.com/office/powerpoint/2010/main" val="4020134152"/>
+      </p:ext>
+    </p:extLst>
+  </p:cSld>
+  <p:clrMapOvr>
+    <a:masterClrMapping/>
+  </p:clrMapOvr>
+</p:notes>
+</file>
+
+<file path=ppt/notesSlides/notesSlide45.xml><?xml version="1.0" encoding="utf-8"?>
+<p:notes xmlns:a="http://schemas.openxmlformats.org/drawingml/2006/main" xmlns:r="http://schemas.openxmlformats.org/officeDocument/2006/relationships" xmlns:p="http://schemas.openxmlformats.org/presentationml/2006/main">
+  <p:cSld>
+    <p:spTree>
+      <p:nvGrpSpPr>
+        <p:cNvPr id="1" name=""/>
+        <p:cNvGrpSpPr/>
+        <p:nvPr/>
+      </p:nvGrpSpPr>
+      <p:grpSpPr>
+        <a:xfrm>
+          <a:off x="0" y="0"/>
+          <a:ext cx="0" cy="0"/>
+          <a:chOff x="0" y="0"/>
+          <a:chExt cx="0" cy="0"/>
+        </a:xfrm>
+      </p:grpSpPr>
+      <p:sp>
+        <p:nvSpPr>
+          <p:cNvPr id="2" name="Slide Image Placeholder 1"/>
+          <p:cNvSpPr>
+            <a:spLocks noGrp="1" noRot="1" noChangeAspect="1"/>
+          </p:cNvSpPr>
+          <p:nvPr>
+            <p:ph type="sldImg"/>
+          </p:nvPr>
+        </p:nvSpPr>
+        <p:spPr/>
+      </p:sp>
+      <p:sp>
+        <p:nvSpPr>
+          <p:cNvPr id="3" name="Notes Placeholder 2"/>
+          <p:cNvSpPr>
+            <a:spLocks noGrp="1"/>
+          </p:cNvSpPr>
+          <p:nvPr>
+            <p:ph type="body" idx="1"/>
+          </p:nvPr>
+        </p:nvSpPr>
+        <p:spPr/>
+        <p:txBody>
+          <a:bodyPr/>
+          <a:lstStyle/>
+          <a:p>
+            <a:r>
+              <a:rPr lang="en-IN" dirty="0" smtClean="0"/>
+              <a:t>Branch :</a:t>
+            </a:r>
+            <a:r>
+              <a:rPr lang="en-IN" sz="1200" kern="1200" dirty="0" err="1" smtClean="0">
+                <a:solidFill>
+                  <a:schemeClr val="tx1"/>
+                </a:solidFill>
+                <a:latin typeface="+mn-lt"/>
+                <a:ea typeface="+mn-ea"/>
+                <a:cs typeface="+mn-cs"/>
+              </a:rPr>
+              <a:t>PracticingTheBasics</a:t>
+            </a:r>
+            <a:endParaRPr lang="en-IN" dirty="0" smtClean="0"/>
+          </a:p>
+          <a:p>
+            <a:r>
+              <a:rPr lang="en-IN" dirty="0" smtClean="0"/>
+              <a:t>Commit : </a:t>
+            </a:r>
+            <a:r>
+              <a:rPr lang="en-IN" dirty="0" err="1" smtClean="0"/>
+              <a:t>FinalTouches</a:t>
+            </a:r>
+            <a:endParaRPr lang="en-IN" dirty="0" smtClean="0"/>
+          </a:p>
+          <a:p>
+            <a:endParaRPr lang="en-GB" dirty="0"/>
+          </a:p>
+        </p:txBody>
+      </p:sp>
+      <p:sp>
+        <p:nvSpPr>
+          <p:cNvPr id="4" name="Slide Number Placeholder 3"/>
+          <p:cNvSpPr>
+            <a:spLocks noGrp="1"/>
+          </p:cNvSpPr>
+          <p:nvPr>
+            <p:ph type="sldNum" sz="quarter" idx="10"/>
+          </p:nvPr>
+        </p:nvSpPr>
+        <p:spPr/>
+        <p:txBody>
+          <a:bodyPr/>
+          <a:lstStyle/>
+          <a:p>
+            <a:fld id="{D3B79ED6-4970-4D84-B25C-F520A9D9210C}" type="slidenum">
+              <a:rPr lang="en-GB" smtClean="0"/>
+              <a:t>91</a:t>
+            </a:fld>
+            <a:endParaRPr lang="en-GB"/>
+          </a:p>
+        </p:txBody>
+      </p:sp>
+    </p:spTree>
+    <p:extLst>
+      <p:ext uri="{BB962C8B-B14F-4D97-AF65-F5344CB8AC3E}">
+        <p14:creationId xmlns:p14="http://schemas.microsoft.com/office/powerpoint/2010/main" val="591299224"/>
       </p:ext>
     </p:extLst>
   </p:cSld>
@@ -39843,7 +39957,6 @@
               <a:rPr lang="en-GB" dirty="0"/>
               <a:t>Fixing the Hover Effect</a:t>
             </a:r>
-            <a:endParaRPr lang="en-GB" dirty="0"/>
           </a:p>
         </p:txBody>
       </p:sp>
@@ -39998,6 +40111,164 @@
 </file>
 
 <file path=ppt/slides/slide91.xml><?xml version="1.0" encoding="utf-8"?>
+<p:sld xmlns:a="http://schemas.openxmlformats.org/drawingml/2006/main" xmlns:r="http://schemas.openxmlformats.org/officeDocument/2006/relationships" xmlns:p="http://schemas.openxmlformats.org/presentationml/2006/main">
+  <p:cSld>
+    <p:spTree>
+      <p:nvGrpSpPr>
+        <p:cNvPr id="1" name=""/>
+        <p:cNvGrpSpPr/>
+        <p:nvPr/>
+      </p:nvGrpSpPr>
+      <p:grpSpPr>
+        <a:xfrm>
+          <a:off x="0" y="0"/>
+          <a:ext cx="0" cy="0"/>
+          <a:chOff x="0" y="0"/>
+          <a:chExt cx="0" cy="0"/>
+        </a:xfrm>
+      </p:grpSpPr>
+      <p:sp>
+        <p:nvSpPr>
+          <p:cNvPr id="2" name="Title 1"/>
+          <p:cNvSpPr>
+            <a:spLocks noGrp="1"/>
+          </p:cNvSpPr>
+          <p:nvPr>
+            <p:ph type="title"/>
+          </p:nvPr>
+        </p:nvSpPr>
+        <p:spPr>
+          <a:xfrm>
+            <a:off x="677334" y="79663"/>
+            <a:ext cx="8596668" cy="574964"/>
+          </a:xfrm>
+        </p:spPr>
+        <p:txBody>
+          <a:bodyPr>
+            <a:normAutofit fontScale="90000"/>
+          </a:bodyPr>
+          <a:lstStyle/>
+          <a:p>
+            <a:r>
+              <a:rPr lang="en-GB" dirty="0"/>
+              <a:t>Adding the Final Touches</a:t>
+            </a:r>
+            <a:endParaRPr lang="en-GB" dirty="0"/>
+          </a:p>
+        </p:txBody>
+      </p:sp>
+      <p:sp>
+        <p:nvSpPr>
+          <p:cNvPr id="3" name="Content Placeholder 2"/>
+          <p:cNvSpPr>
+            <a:spLocks noGrp="1"/>
+          </p:cNvSpPr>
+          <p:nvPr>
+            <p:ph idx="1"/>
+          </p:nvPr>
+        </p:nvSpPr>
+        <p:spPr>
+          <a:xfrm>
+            <a:off x="426027" y="758537"/>
+            <a:ext cx="11409218" cy="5881254"/>
+          </a:xfrm>
+        </p:spPr>
+        <p:txBody>
+          <a:bodyPr/>
+          <a:lstStyle/>
+          <a:p>
+            <a:r>
+              <a:rPr lang="en-IN" dirty="0" smtClean="0"/>
+              <a:t>We will notice that the plans on our main page are not </a:t>
+            </a:r>
+            <a:r>
+              <a:rPr lang="en-IN" dirty="0" err="1" smtClean="0"/>
+              <a:t>centered</a:t>
+            </a:r>
+            <a:r>
+              <a:rPr lang="en-IN" dirty="0" smtClean="0"/>
+              <a:t> horizontally.</a:t>
+            </a:r>
+          </a:p>
+          <a:p>
+            <a:r>
+              <a:rPr lang="en-IN" dirty="0" smtClean="0"/>
+              <a:t>to fix this by add a class </a:t>
+            </a:r>
+            <a:r>
+              <a:rPr lang="en-IN" dirty="0" err="1" smtClean="0"/>
+              <a:t>plan__list</a:t>
+            </a:r>
+            <a:r>
+              <a:rPr lang="en-IN" dirty="0" smtClean="0"/>
+              <a:t> to the div that contains our plans and add a class selector for the same in our main.css</a:t>
+            </a:r>
+          </a:p>
+          <a:p>
+            <a:r>
+              <a:rPr lang="en-IN" dirty="0" smtClean="0"/>
+              <a:t>Add a style width:80%; and </a:t>
+            </a:r>
+            <a:r>
+              <a:rPr lang="en-IN" dirty="0" err="1" smtClean="0"/>
+              <a:t>margin:auto</a:t>
+            </a:r>
+            <a:r>
+              <a:rPr lang="en-IN" dirty="0" smtClean="0"/>
+              <a:t>; this will centre the whole div containing our plans horizontally .</a:t>
+            </a:r>
+          </a:p>
+          <a:p>
+            <a:r>
+              <a:rPr lang="en-IN" dirty="0" smtClean="0"/>
+              <a:t>But we will notice that although all the plans are now </a:t>
+            </a:r>
+            <a:r>
+              <a:rPr lang="en-IN" dirty="0" err="1" smtClean="0"/>
+              <a:t>centered</a:t>
+            </a:r>
+            <a:r>
+              <a:rPr lang="en-IN" dirty="0" smtClean="0"/>
+              <a:t> as a whole but the text above the plans “choose your plan” is not centred above the middle plan this is because the blocks themselves inside the div are not </a:t>
+            </a:r>
+            <a:r>
+              <a:rPr lang="en-IN" dirty="0" err="1" smtClean="0"/>
+              <a:t>centered</a:t>
+            </a:r>
+            <a:r>
+              <a:rPr lang="en-IN" dirty="0" smtClean="0"/>
+              <a:t> so to </a:t>
+            </a:r>
+            <a:r>
+              <a:rPr lang="en-IN" dirty="0" err="1" smtClean="0"/>
+              <a:t>center</a:t>
+            </a:r>
+            <a:r>
+              <a:rPr lang="en-IN" dirty="0" smtClean="0"/>
+              <a:t> them we can add </a:t>
+            </a:r>
+            <a:r>
+              <a:rPr lang="en-IN" dirty="0" err="1" smtClean="0"/>
+              <a:t>text-align:center</a:t>
+            </a:r>
+            <a:endParaRPr lang="en-GB" dirty="0"/>
+          </a:p>
+        </p:txBody>
+      </p:sp>
+    </p:spTree>
+    <p:extLst>
+      <p:ext uri="{BB962C8B-B14F-4D97-AF65-F5344CB8AC3E}">
+        <p14:creationId xmlns:p14="http://schemas.microsoft.com/office/powerpoint/2010/main" val="2149546173"/>
+      </p:ext>
+    </p:extLst>
+  </p:cSld>
+  <p:clrMapOvr>
+    <a:masterClrMapping/>
+  </p:clrMapOvr>
+</p:sld>
+</file>
+
+<file path=ppt/slides/slide92.xml><?xml version="1.0" encoding="utf-8"?>
 <p:sld xmlns:a="http://schemas.openxmlformats.org/drawingml/2006/main" xmlns:r="http://schemas.openxmlformats.org/officeDocument/2006/relationships" xmlns:p="http://schemas.openxmlformats.org/presentationml/2006/main" showMasterSp="0">
   <p:cSld>
     <p:spTree>
